--- a/case1.pptx
+++ b/case1.pptx
@@ -5,17 +5,25 @@
     <p:sldMasterId id="2147483705" r:id="rId1"/>
   </p:sldMasterIdLst>
   <p:notesMasterIdLst>
-    <p:notesMasterId r:id="rId10"/>
+    <p:notesMasterId r:id="rId18"/>
   </p:notesMasterIdLst>
   <p:sldIdLst>
     <p:sldId id="256" r:id="rId2"/>
     <p:sldId id="257" r:id="rId3"/>
     <p:sldId id="258" r:id="rId4"/>
     <p:sldId id="259" r:id="rId5"/>
-    <p:sldId id="260" r:id="rId6"/>
-    <p:sldId id="262" r:id="rId7"/>
-    <p:sldId id="263" r:id="rId8"/>
-    <p:sldId id="261" r:id="rId9"/>
+    <p:sldId id="264" r:id="rId6"/>
+    <p:sldId id="267" r:id="rId7"/>
+    <p:sldId id="265" r:id="rId8"/>
+    <p:sldId id="266" r:id="rId9"/>
+    <p:sldId id="268" r:id="rId10"/>
+    <p:sldId id="260" r:id="rId11"/>
+    <p:sldId id="261" r:id="rId12"/>
+    <p:sldId id="269" r:id="rId13"/>
+    <p:sldId id="270" r:id="rId14"/>
+    <p:sldId id="271" r:id="rId15"/>
+    <p:sldId id="272" r:id="rId16"/>
+    <p:sldId id="273" r:id="rId17"/>
   </p:sldIdLst>
   <p:sldSz cx="12192000" cy="6858000"/>
   <p:notesSz cx="6858000" cy="9144000"/>
@@ -116,7 +124,18 @@
   </p:defaultTextStyle>
   <p:extLst>
     <p:ext uri="{EFAFB233-063F-42B5-8137-9DF3F51BA10A}">
-      <p15:sldGuideLst xmlns:p15="http://schemas.microsoft.com/office/powerpoint/2012/main" xmlns=""/>
+      <p15:sldGuideLst xmlns:p15="http://schemas.microsoft.com/office/powerpoint/2012/main" xmlns="">
+        <p15:guide id="1" orient="horz" pos="2160">
+          <p15:clr>
+            <a:srgbClr val="A4A3A4"/>
+          </p15:clr>
+        </p15:guide>
+        <p15:guide id="2" pos="3840">
+          <p15:clr>
+            <a:srgbClr val="A4A3A4"/>
+          </p15:clr>
+        </p15:guide>
+      </p15:sldGuideLst>
     </p:ext>
   </p:extLst>
 </p:presentation>
@@ -204,7 +223,7 @@
           <a:p>
             <a:fld id="{D4E5F68D-220C-4FE1-AB55-4B69C76E02B6}" type="datetimeFigureOut">
               <a:rPr lang="en-US" smtClean="0"/>
-              <a:t>6/22/2016</a:t>
+              <a:t>6/28/2016</a:t>
             </a:fld>
             <a:endParaRPr lang="en-US"/>
           </a:p>
@@ -471,6 +490,90 @@
 </p:notesMaster>
 </file>
 
+<file path=ppt/notesSlides/notesSlide1.xml><?xml version="1.0" encoding="utf-8"?>
+<p:notes xmlns:a="http://schemas.openxmlformats.org/drawingml/2006/main" xmlns:r="http://schemas.openxmlformats.org/officeDocument/2006/relationships" xmlns:p="http://schemas.openxmlformats.org/presentationml/2006/main">
+  <p:cSld>
+    <p:spTree>
+      <p:nvGrpSpPr>
+        <p:cNvPr id="1" name=""/>
+        <p:cNvGrpSpPr/>
+        <p:nvPr/>
+      </p:nvGrpSpPr>
+      <p:grpSpPr>
+        <a:xfrm>
+          <a:off x="0" y="0"/>
+          <a:ext cx="0" cy="0"/>
+          <a:chOff x="0" y="0"/>
+          <a:chExt cx="0" cy="0"/>
+        </a:xfrm>
+      </p:grpSpPr>
+      <p:sp>
+        <p:nvSpPr>
+          <p:cNvPr id="2" name="Slide Image Placeholder 1"/>
+          <p:cNvSpPr>
+            <a:spLocks noGrp="1" noRot="1" noChangeAspect="1"/>
+          </p:cNvSpPr>
+          <p:nvPr>
+            <p:ph type="sldImg"/>
+          </p:nvPr>
+        </p:nvSpPr>
+        <p:spPr/>
+      </p:sp>
+      <p:sp>
+        <p:nvSpPr>
+          <p:cNvPr id="3" name="Notes Placeholder 2"/>
+          <p:cNvSpPr>
+            <a:spLocks noGrp="1"/>
+          </p:cNvSpPr>
+          <p:nvPr>
+            <p:ph type="body" idx="1"/>
+          </p:nvPr>
+        </p:nvSpPr>
+        <p:spPr/>
+        <p:txBody>
+          <a:bodyPr/>
+          <a:lstStyle/>
+          <a:p>
+            <a:endParaRPr lang="en-US" dirty="0"/>
+          </a:p>
+        </p:txBody>
+      </p:sp>
+      <p:sp>
+        <p:nvSpPr>
+          <p:cNvPr id="4" name="Slide Number Placeholder 3"/>
+          <p:cNvSpPr>
+            <a:spLocks noGrp="1"/>
+          </p:cNvSpPr>
+          <p:nvPr>
+            <p:ph type="sldNum" sz="quarter" idx="10"/>
+          </p:nvPr>
+        </p:nvSpPr>
+        <p:spPr/>
+        <p:txBody>
+          <a:bodyPr/>
+          <a:lstStyle/>
+          <a:p>
+            <a:fld id="{C85C0C4C-6DE7-4C30-A614-7C3F3C58E71A}" type="slidenum">
+              <a:rPr lang="en-US" smtClean="0"/>
+              <a:t>5</a:t>
+            </a:fld>
+            <a:endParaRPr lang="en-US"/>
+          </a:p>
+        </p:txBody>
+      </p:sp>
+    </p:spTree>
+    <p:extLst>
+      <p:ext uri="{BB962C8B-B14F-4D97-AF65-F5344CB8AC3E}">
+        <p14:creationId xmlns:p14="http://schemas.microsoft.com/office/powerpoint/2010/main" val="81424425"/>
+      </p:ext>
+    </p:extLst>
+  </p:cSld>
+  <p:clrMapOvr>
+    <a:masterClrMapping/>
+  </p:clrMapOvr>
+</p:notes>
+</file>
+
 <file path=ppt/slideLayouts/slideLayout1.xml><?xml version="1.0" encoding="utf-8"?>
 <p:sldLayout xmlns:a="http://schemas.openxmlformats.org/drawingml/2006/main" xmlns:r="http://schemas.openxmlformats.org/officeDocument/2006/relationships" xmlns:p="http://schemas.openxmlformats.org/presentationml/2006/main" type="title" preserve="1">
   <p:cSld name="Title Slide">
@@ -701,7 +804,7 @@
             <a:fld id="{B61BEF0D-F0BB-DE4B-95CE-6DB70DBA9567}" type="datetimeFigureOut">
               <a:rPr lang="en-US" smtClean="0"/>
               <a:pPr/>
-              <a:t>6/22/2016</a:t>
+              <a:t>6/28/2016</a:t>
             </a:fld>
             <a:endParaRPr lang="en-US" dirty="0"/>
           </a:p>
@@ -1037,7 +1140,7 @@
             <a:fld id="{B61BEF0D-F0BB-DE4B-95CE-6DB70DBA9567}" type="datetimeFigureOut">
               <a:rPr lang="en-US" smtClean="0"/>
               <a:pPr/>
-              <a:t>6/22/2016</a:t>
+              <a:t>6/28/2016</a:t>
             </a:fld>
             <a:endParaRPr lang="en-US" dirty="0"/>
           </a:p>
@@ -1317,7 +1420,7 @@
             <a:fld id="{B61BEF0D-F0BB-DE4B-95CE-6DB70DBA9567}" type="datetimeFigureOut">
               <a:rPr lang="en-US" smtClean="0"/>
               <a:pPr/>
-              <a:t>6/22/2016</a:t>
+              <a:t>6/28/2016</a:t>
             </a:fld>
             <a:endParaRPr lang="en-US" dirty="0"/>
           </a:p>
@@ -1887,7 +1990,7 @@
             <a:fld id="{B61BEF0D-F0BB-DE4B-95CE-6DB70DBA9567}" type="datetimeFigureOut">
               <a:rPr lang="en-US" smtClean="0"/>
               <a:pPr/>
-              <a:t>6/22/2016</a:t>
+              <a:t>6/28/2016</a:t>
             </a:fld>
             <a:endParaRPr lang="en-US" dirty="0"/>
           </a:p>
@@ -2167,7 +2270,7 @@
             <a:fld id="{B61BEF0D-F0BB-DE4B-95CE-6DB70DBA9567}" type="datetimeFigureOut">
               <a:rPr lang="en-US" smtClean="0"/>
               <a:pPr/>
-              <a:t>6/22/2016</a:t>
+              <a:t>6/28/2016</a:t>
             </a:fld>
             <a:endParaRPr lang="en-US" dirty="0"/>
           </a:p>
@@ -2731,7 +2834,7 @@
             <a:fld id="{B61BEF0D-F0BB-DE4B-95CE-6DB70DBA9567}" type="datetimeFigureOut">
               <a:rPr lang="en-US" smtClean="0"/>
               <a:pPr/>
-              <a:t>6/22/2016</a:t>
+              <a:t>6/28/2016</a:t>
             </a:fld>
             <a:endParaRPr lang="en-US" dirty="0"/>
           </a:p>
@@ -3060,7 +3163,7 @@
             <a:fld id="{B61BEF0D-F0BB-DE4B-95CE-6DB70DBA9567}" type="datetimeFigureOut">
               <a:rPr lang="en-US" smtClean="0"/>
               <a:pPr/>
-              <a:t>6/22/2016</a:t>
+              <a:t>6/28/2016</a:t>
             </a:fld>
             <a:endParaRPr lang="en-US" dirty="0"/>
           </a:p>
@@ -3267,7 +3370,7 @@
             <a:fld id="{B61BEF0D-F0BB-DE4B-95CE-6DB70DBA9567}" type="datetimeFigureOut">
               <a:rPr lang="en-US" smtClean="0"/>
               <a:pPr/>
-              <a:t>6/22/2016</a:t>
+              <a:t>6/28/2016</a:t>
             </a:fld>
             <a:endParaRPr lang="en-US" dirty="0"/>
           </a:p>
@@ -3479,7 +3582,7 @@
             <a:fld id="{B61BEF0D-F0BB-DE4B-95CE-6DB70DBA9567}" type="datetimeFigureOut">
               <a:rPr lang="en-US" smtClean="0"/>
               <a:pPr/>
-              <a:t>6/22/2016</a:t>
+              <a:t>6/28/2016</a:t>
             </a:fld>
             <a:endParaRPr lang="en-US" dirty="0"/>
           </a:p>
@@ -3626,7 +3729,7 @@
         </p:nvSpPr>
         <p:spPr/>
         <p:txBody>
-          <a:bodyPr anchor="ctr"/>
+          <a:bodyPr anchor="t"/>
           <a:lstStyle/>
           <a:p>
             <a:pPr lvl="0"/>
@@ -3684,7 +3787,7 @@
             <a:fld id="{B61BEF0D-F0BB-DE4B-95CE-6DB70DBA9567}" type="datetimeFigureOut">
               <a:rPr lang="en-US" smtClean="0"/>
               <a:pPr/>
-              <a:t>6/22/2016</a:t>
+              <a:t>6/28/2016</a:t>
             </a:fld>
             <a:endParaRPr lang="en-US" dirty="0"/>
           </a:p>
@@ -3962,7 +4065,7 @@
             <a:fld id="{B61BEF0D-F0BB-DE4B-95CE-6DB70DBA9567}" type="datetimeFigureOut">
               <a:rPr lang="en-US" smtClean="0"/>
               <a:pPr/>
-              <a:t>6/22/2016</a:t>
+              <a:t>6/28/2016</a:t>
             </a:fld>
             <a:endParaRPr lang="en-US" dirty="0"/>
           </a:p>
@@ -4233,7 +4336,7 @@
             <a:fld id="{B61BEF0D-F0BB-DE4B-95CE-6DB70DBA9567}" type="datetimeFigureOut">
               <a:rPr lang="en-US" smtClean="0"/>
               <a:pPr/>
-              <a:t>6/22/2016</a:t>
+              <a:t>6/28/2016</a:t>
             </a:fld>
             <a:endParaRPr lang="en-US" dirty="0"/>
           </a:p>
@@ -4608,7 +4711,7 @@
             <a:fld id="{B61BEF0D-F0BB-DE4B-95CE-6DB70DBA9567}" type="datetimeFigureOut">
               <a:rPr lang="en-US" smtClean="0"/>
               <a:pPr/>
-              <a:t>6/22/2016</a:t>
+              <a:t>6/28/2016</a:t>
             </a:fld>
             <a:endParaRPr lang="en-US" dirty="0"/>
           </a:p>
@@ -4761,7 +4864,7 @@
             <a:fld id="{B61BEF0D-F0BB-DE4B-95CE-6DB70DBA9567}" type="datetimeFigureOut">
               <a:rPr lang="en-US" smtClean="0"/>
               <a:pPr/>
-              <a:t>6/22/2016</a:t>
+              <a:t>6/28/2016</a:t>
             </a:fld>
             <a:endParaRPr lang="en-US" dirty="0"/>
           </a:p>
@@ -4888,7 +4991,7 @@
             <a:fld id="{B61BEF0D-F0BB-DE4B-95CE-6DB70DBA9567}" type="datetimeFigureOut">
               <a:rPr lang="en-US" smtClean="0"/>
               <a:pPr/>
-              <a:t>6/22/2016</a:t>
+              <a:t>6/28/2016</a:t>
             </a:fld>
             <a:endParaRPr lang="en-US" dirty="0"/>
           </a:p>
@@ -5175,7 +5278,7 @@
             <a:fld id="{B61BEF0D-F0BB-DE4B-95CE-6DB70DBA9567}" type="datetimeFigureOut">
               <a:rPr lang="en-US" smtClean="0"/>
               <a:pPr/>
-              <a:t>6/22/2016</a:t>
+              <a:t>6/28/2016</a:t>
             </a:fld>
             <a:endParaRPr lang="en-US" dirty="0"/>
           </a:p>
@@ -5501,7 +5604,7 @@
             <a:fld id="{B61BEF0D-F0BB-DE4B-95CE-6DB70DBA9567}" type="datetimeFigureOut">
               <a:rPr lang="en-US" smtClean="0"/>
               <a:pPr/>
-              <a:t>6/22/2016</a:t>
+              <a:t>6/28/2016</a:t>
             </a:fld>
             <a:endParaRPr lang="en-US" dirty="0"/>
           </a:p>
@@ -5717,7 +5820,7 @@
             <a:fld id="{B61BEF0D-F0BB-DE4B-95CE-6DB70DBA9567}" type="datetimeFigureOut">
               <a:rPr lang="en-US" smtClean="0"/>
               <a:pPr/>
-              <a:t>6/22/2016</a:t>
+              <a:t>6/28/2016</a:t>
             </a:fld>
             <a:endParaRPr lang="en-US" dirty="0"/>
           </a:p>
@@ -6247,10 +6350,9 @@
           <a:lstStyle/>
           <a:p>
             <a:r>
-              <a:rPr lang="en-US" dirty="0" smtClean="0"/>
+              <a:rPr lang="en-US" dirty="0"/>
               <a:t>Lesson 1 Case 1</a:t>
             </a:r>
-            <a:endParaRPr lang="en-US" dirty="0"/>
           </a:p>
         </p:txBody>
       </p:sp>
@@ -6270,18 +6372,17 @@
           <a:lstStyle/>
           <a:p>
             <a:r>
-              <a:rPr lang="en-US" dirty="0" smtClean="0"/>
+              <a:rPr lang="en-US" dirty="0"/>
               <a:t>Node </a:t>
             </a:r>
             <a:r>
-              <a:rPr lang="en-US" dirty="0" err="1" smtClean="0"/>
+              <a:rPr lang="en-US" dirty="0" err="1"/>
               <a:t>FileSystem</a:t>
             </a:r>
             <a:r>
-              <a:rPr lang="en-US" dirty="0" smtClean="0"/>
+              <a:rPr lang="en-US" dirty="0"/>
               <a:t> - csv</a:t>
             </a:r>
-            <a:endParaRPr lang="en-US" dirty="0"/>
           </a:p>
         </p:txBody>
       </p:sp>
@@ -6298,7 +6399,7 @@
 </p:sld>
 </file>
 
-<file path=ppt/slides/slide2.xml><?xml version="1.0" encoding="utf-8"?>
+<file path=ppt/slides/slide10.xml><?xml version="1.0" encoding="utf-8"?>
 <p:sld xmlns:a="http://schemas.openxmlformats.org/drawingml/2006/main" xmlns:r="http://schemas.openxmlformats.org/officeDocument/2006/relationships" xmlns:p="http://schemas.openxmlformats.org/presentationml/2006/main">
   <p:cSld>
     <p:spTree>
@@ -6317,7 +6418,7 @@
       </p:grpSpPr>
       <p:pic>
         <p:nvPicPr>
-          <p:cNvPr id="22" name="Picture 21"/>
+          <p:cNvPr id="10" name="Picture 9"/>
           <p:cNvPicPr>
             <a:picLocks noChangeAspect="1"/>
           </p:cNvPicPr>
@@ -6331,8 +6432,8 @@
         </p:blipFill>
         <p:spPr>
           <a:xfrm>
-            <a:off x="5953250" y="3660419"/>
-            <a:ext cx="6064447" cy="1581556"/>
+            <a:off x="685801" y="1919464"/>
+            <a:ext cx="6572250" cy="2457450"/>
           </a:xfrm>
           <a:prstGeom prst="rect">
             <a:avLst/>
@@ -6341,973 +6442,36 @@
       </p:pic>
       <p:sp>
         <p:nvSpPr>
-          <p:cNvPr id="27" name="Curved Right Arrow 26"/>
-          <p:cNvSpPr/>
-          <p:nvPr/>
-        </p:nvSpPr>
-        <p:spPr>
-          <a:xfrm>
-            <a:off x="5676476" y="3010124"/>
-            <a:ext cx="577838" cy="999168"/>
-          </a:xfrm>
-          <a:prstGeom prst="curvedRightArrow">
-            <a:avLst/>
-          </a:prstGeom>
-          <a:ln>
-            <a:solidFill>
-              <a:schemeClr val="bg2">
-                <a:lumMod val="50000"/>
-              </a:schemeClr>
-            </a:solidFill>
-          </a:ln>
-        </p:spPr>
-        <p:style>
-          <a:lnRef idx="3">
-            <a:schemeClr val="lt1"/>
-          </a:lnRef>
-          <a:fillRef idx="1">
-            <a:schemeClr val="accent3"/>
-          </a:fillRef>
-          <a:effectRef idx="1">
-            <a:schemeClr val="accent3"/>
-          </a:effectRef>
-          <a:fontRef idx="minor">
-            <a:schemeClr val="lt1"/>
-          </a:fontRef>
-        </p:style>
-        <p:txBody>
-          <a:bodyPr rtlCol="0" anchor="ctr"/>
-          <a:lstStyle/>
-          <a:p>
-            <a:pPr algn="ctr"/>
-            <a:endParaRPr lang="en-US">
-              <a:solidFill>
-                <a:schemeClr val="tx1"/>
-              </a:solidFill>
-            </a:endParaRPr>
-          </a:p>
-        </p:txBody>
-      </p:sp>
-      <p:grpSp>
-        <p:nvGrpSpPr>
-          <p:cNvPr id="14" name="Group 13"/>
-          <p:cNvGrpSpPr/>
-          <p:nvPr/>
-        </p:nvGrpSpPr>
-        <p:grpSpPr>
-          <a:xfrm>
-            <a:off x="895056" y="2552114"/>
-            <a:ext cx="1230591" cy="546686"/>
-            <a:chOff x="2099603" y="2552114"/>
-            <a:chExt cx="1230591" cy="546686"/>
-          </a:xfrm>
-        </p:grpSpPr>
-        <p:pic>
-          <p:nvPicPr>
-            <p:cNvPr id="4" name="Picture 3" descr="excelfile png definición de excel celda rango etiquetas de hoja"/>
-            <p:cNvPicPr>
-              <a:picLocks noChangeAspect="1"/>
-            </p:cNvPicPr>
-            <p:nvPr/>
-          </p:nvPicPr>
-          <p:blipFill>
-            <a:blip r:embed="rId3"/>
-            <a:stretch>
-              <a:fillRect/>
-            </a:stretch>
-          </p:blipFill>
-          <p:spPr>
-            <a:xfrm>
-              <a:off x="2099603" y="2552114"/>
-              <a:ext cx="546686" cy="546686"/>
-            </a:xfrm>
-            <a:prstGeom prst="rect">
-              <a:avLst/>
-            </a:prstGeom>
-          </p:spPr>
-        </p:pic>
-        <p:sp>
-          <p:nvSpPr>
-            <p:cNvPr id="5" name="TextBox 4"/>
-            <p:cNvSpPr txBox="1"/>
-            <p:nvPr/>
-          </p:nvSpPr>
-          <p:spPr>
-            <a:xfrm>
-              <a:off x="2646289" y="2640791"/>
-              <a:ext cx="683905" cy="369332"/>
-            </a:xfrm>
-            <a:prstGeom prst="rect">
-              <a:avLst/>
-            </a:prstGeom>
-            <a:noFill/>
-          </p:spPr>
-          <p:txBody>
-            <a:bodyPr wrap="none" rtlCol="0">
-              <a:spAutoFit/>
-            </a:bodyPr>
-            <a:lstStyle/>
-            <a:p>
-              <a:r>
-                <a:rPr lang="en-US" dirty="0"/>
-                <a:t>Texas</a:t>
-              </a:r>
-            </a:p>
-          </p:txBody>
-        </p:sp>
-      </p:grpSp>
-      <p:grpSp>
-        <p:nvGrpSpPr>
-          <p:cNvPr id="15" name="Group 14"/>
-          <p:cNvGrpSpPr/>
-          <p:nvPr/>
-        </p:nvGrpSpPr>
-        <p:grpSpPr>
-          <a:xfrm>
-            <a:off x="895056" y="3202410"/>
-            <a:ext cx="1613838" cy="546686"/>
-            <a:chOff x="2099603" y="3187477"/>
-            <a:chExt cx="1613838" cy="546686"/>
-          </a:xfrm>
-        </p:grpSpPr>
-        <p:pic>
-          <p:nvPicPr>
-            <p:cNvPr id="6" name="Picture 5" descr="excelfile png definición de excel celda rango etiquetas de hoja"/>
-            <p:cNvPicPr>
-              <a:picLocks noChangeAspect="1"/>
-            </p:cNvPicPr>
-            <p:nvPr/>
-          </p:nvPicPr>
-          <p:blipFill>
-            <a:blip r:embed="rId3"/>
-            <a:stretch>
-              <a:fillRect/>
-            </a:stretch>
-          </p:blipFill>
-          <p:spPr>
-            <a:xfrm>
-              <a:off x="2099603" y="3187477"/>
-              <a:ext cx="546686" cy="546686"/>
-            </a:xfrm>
-            <a:prstGeom prst="rect">
-              <a:avLst/>
-            </a:prstGeom>
-          </p:spPr>
-        </p:pic>
-        <p:sp>
-          <p:nvSpPr>
-            <p:cNvPr id="7" name="TextBox 6"/>
-            <p:cNvSpPr txBox="1"/>
-            <p:nvPr/>
-          </p:nvSpPr>
-          <p:spPr>
-            <a:xfrm>
-              <a:off x="2646289" y="3276154"/>
-              <a:ext cx="1067152" cy="369332"/>
-            </a:xfrm>
-            <a:prstGeom prst="rect">
-              <a:avLst/>
-            </a:prstGeom>
-            <a:noFill/>
-          </p:spPr>
-          <p:txBody>
-            <a:bodyPr wrap="none" rtlCol="0">
-              <a:spAutoFit/>
-            </a:bodyPr>
-            <a:lstStyle/>
-            <a:p>
-              <a:r>
-                <a:rPr lang="en-US" dirty="0"/>
-                <a:t>New York</a:t>
-              </a:r>
-            </a:p>
-          </p:txBody>
-        </p:sp>
-      </p:grpSp>
-      <p:grpSp>
-        <p:nvGrpSpPr>
-          <p:cNvPr id="16" name="Group 15"/>
-          <p:cNvGrpSpPr/>
-          <p:nvPr/>
-        </p:nvGrpSpPr>
-        <p:grpSpPr>
-          <a:xfrm>
-            <a:off x="895056" y="3852706"/>
-            <a:ext cx="1624160" cy="546686"/>
-            <a:chOff x="2099603" y="3882572"/>
-            <a:chExt cx="1624160" cy="546686"/>
-          </a:xfrm>
-        </p:grpSpPr>
-        <p:pic>
-          <p:nvPicPr>
-            <p:cNvPr id="8" name="Picture 7" descr="excelfile png definición de excel celda rango etiquetas de hoja"/>
-            <p:cNvPicPr>
-              <a:picLocks noChangeAspect="1"/>
-            </p:cNvPicPr>
-            <p:nvPr/>
-          </p:nvPicPr>
-          <p:blipFill>
-            <a:blip r:embed="rId3"/>
-            <a:stretch>
-              <a:fillRect/>
-            </a:stretch>
-          </p:blipFill>
-          <p:spPr>
-            <a:xfrm>
-              <a:off x="2099603" y="3882572"/>
-              <a:ext cx="546686" cy="546686"/>
-            </a:xfrm>
-            <a:prstGeom prst="rect">
-              <a:avLst/>
-            </a:prstGeom>
-          </p:spPr>
-        </p:pic>
-        <p:sp>
-          <p:nvSpPr>
-            <p:cNvPr id="9" name="TextBox 8"/>
-            <p:cNvSpPr txBox="1"/>
-            <p:nvPr/>
-          </p:nvSpPr>
-          <p:spPr>
-            <a:xfrm>
-              <a:off x="2646289" y="3971249"/>
-              <a:ext cx="1077474" cy="369332"/>
-            </a:xfrm>
-            <a:prstGeom prst="rect">
-              <a:avLst/>
-            </a:prstGeom>
-            <a:noFill/>
-          </p:spPr>
-          <p:txBody>
-            <a:bodyPr wrap="none" rtlCol="0">
-              <a:spAutoFit/>
-            </a:bodyPr>
-            <a:lstStyle/>
-            <a:p>
-              <a:r>
-                <a:rPr lang="en-US" dirty="0"/>
-                <a:t>California</a:t>
-              </a:r>
-            </a:p>
-          </p:txBody>
-        </p:sp>
-      </p:grpSp>
-      <p:grpSp>
-        <p:nvGrpSpPr>
-          <p:cNvPr id="17" name="Group 16"/>
-          <p:cNvGrpSpPr/>
-          <p:nvPr/>
-        </p:nvGrpSpPr>
-        <p:grpSpPr>
-          <a:xfrm>
-            <a:off x="895056" y="4503002"/>
-            <a:ext cx="1581008" cy="546686"/>
-            <a:chOff x="2099603" y="4517935"/>
-            <a:chExt cx="1581008" cy="546686"/>
-          </a:xfrm>
-        </p:grpSpPr>
-        <p:pic>
-          <p:nvPicPr>
-            <p:cNvPr id="10" name="Picture 9" descr="excelfile png definición de excel celda rango etiquetas de hoja"/>
-            <p:cNvPicPr>
-              <a:picLocks noChangeAspect="1"/>
-            </p:cNvPicPr>
-            <p:nvPr/>
-          </p:nvPicPr>
-          <p:blipFill>
-            <a:blip r:embed="rId3"/>
-            <a:stretch>
-              <a:fillRect/>
-            </a:stretch>
-          </p:blipFill>
-          <p:spPr>
-            <a:xfrm>
-              <a:off x="2099603" y="4517935"/>
-              <a:ext cx="546686" cy="546686"/>
-            </a:xfrm>
-            <a:prstGeom prst="rect">
-              <a:avLst/>
-            </a:prstGeom>
-          </p:spPr>
-        </p:pic>
-        <p:sp>
-          <p:nvSpPr>
-            <p:cNvPr id="11" name="TextBox 10"/>
-            <p:cNvSpPr txBox="1"/>
-            <p:nvPr/>
-          </p:nvSpPr>
-          <p:spPr>
-            <a:xfrm>
-              <a:off x="2646289" y="4606612"/>
-              <a:ext cx="1034322" cy="369332"/>
-            </a:xfrm>
-            <a:prstGeom prst="rect">
-              <a:avLst/>
-            </a:prstGeom>
-            <a:noFill/>
-          </p:spPr>
-          <p:txBody>
-            <a:bodyPr wrap="none" rtlCol="0">
-              <a:spAutoFit/>
-            </a:bodyPr>
-            <a:lstStyle/>
-            <a:p>
-              <a:r>
-                <a:rPr lang="en-US" dirty="0"/>
-                <a:t>Colorado</a:t>
-              </a:r>
-            </a:p>
-          </p:txBody>
-        </p:sp>
-      </p:grpSp>
-      <p:grpSp>
-        <p:nvGrpSpPr>
-          <p:cNvPr id="18" name="Group 17"/>
-          <p:cNvGrpSpPr/>
-          <p:nvPr/>
-        </p:nvGrpSpPr>
-        <p:grpSpPr>
-          <a:xfrm>
-            <a:off x="1113089" y="5153298"/>
-            <a:ext cx="1350817" cy="546686"/>
-            <a:chOff x="2646289" y="5241975"/>
-            <a:chExt cx="1350817" cy="546686"/>
-          </a:xfrm>
-        </p:grpSpPr>
-        <p:pic>
-          <p:nvPicPr>
-            <p:cNvPr id="12" name="Picture 11" descr="excelfile png definición de excel celda rango etiquetas de hoja"/>
-            <p:cNvPicPr>
-              <a:picLocks noChangeAspect="1"/>
-            </p:cNvPicPr>
-            <p:nvPr/>
-          </p:nvPicPr>
-          <p:blipFill>
-            <a:blip r:embed="rId3"/>
-            <a:stretch>
-              <a:fillRect/>
-            </a:stretch>
-          </p:blipFill>
-          <p:spPr>
-            <a:xfrm>
-              <a:off x="3450420" y="5241975"/>
-              <a:ext cx="546686" cy="546686"/>
-            </a:xfrm>
-            <a:prstGeom prst="rect">
-              <a:avLst/>
-            </a:prstGeom>
-          </p:spPr>
-        </p:pic>
-        <p:sp>
-          <p:nvSpPr>
-            <p:cNvPr id="13" name="TextBox 12"/>
-            <p:cNvSpPr txBox="1"/>
-            <p:nvPr/>
-          </p:nvSpPr>
-          <p:spPr>
-            <a:xfrm>
-              <a:off x="2646289" y="5330652"/>
-              <a:ext cx="798617" cy="369332"/>
-            </a:xfrm>
-            <a:prstGeom prst="rect">
-              <a:avLst/>
-            </a:prstGeom>
-            <a:noFill/>
-          </p:spPr>
-          <p:txBody>
-            <a:bodyPr wrap="none" rtlCol="0">
-              <a:spAutoFit/>
-            </a:bodyPr>
-            <a:lstStyle/>
-            <a:p>
-              <a:r>
-                <a:rPr lang="en-US" dirty="0"/>
-                <a:t>… + 46</a:t>
-              </a:r>
-            </a:p>
-          </p:txBody>
-        </p:sp>
-      </p:grpSp>
-      <p:sp>
-        <p:nvSpPr>
-          <p:cNvPr id="19" name="Right Brace 18"/>
-          <p:cNvSpPr/>
-          <p:nvPr/>
-        </p:nvSpPr>
-        <p:spPr>
-          <a:xfrm>
-            <a:off x="2508894" y="2350003"/>
-            <a:ext cx="756138" cy="3552092"/>
-          </a:xfrm>
-          <a:prstGeom prst="rightBrace">
-            <a:avLst/>
-          </a:prstGeom>
-          <a:ln>
-            <a:solidFill>
-              <a:schemeClr val="accent1">
-                <a:lumMod val="20000"/>
-                <a:lumOff val="80000"/>
-              </a:schemeClr>
-            </a:solidFill>
-          </a:ln>
-        </p:spPr>
-        <p:style>
-          <a:lnRef idx="3">
-            <a:schemeClr val="accent6"/>
-          </a:lnRef>
-          <a:fillRef idx="0">
-            <a:schemeClr val="accent6"/>
-          </a:fillRef>
-          <a:effectRef idx="2">
-            <a:schemeClr val="accent6"/>
-          </a:effectRef>
-          <a:fontRef idx="minor">
-            <a:schemeClr val="tx1"/>
-          </a:fontRef>
-        </p:style>
-        <p:txBody>
-          <a:bodyPr rtlCol="0" anchor="ctr"/>
-          <a:lstStyle/>
-          <a:p>
-            <a:pPr algn="ctr"/>
-            <a:endParaRPr lang="en-US"/>
-          </a:p>
-        </p:txBody>
-      </p:sp>
-      <p:sp>
-        <p:nvSpPr>
-          <p:cNvPr id="20" name="Oval 19"/>
-          <p:cNvSpPr/>
-          <p:nvPr/>
-        </p:nvSpPr>
-        <p:spPr>
-          <a:xfrm>
-            <a:off x="3431977" y="3357727"/>
-            <a:ext cx="1536644" cy="1536644"/>
-          </a:xfrm>
-          <a:prstGeom prst="ellipse">
-            <a:avLst/>
-          </a:prstGeom>
-        </p:spPr>
-        <p:style>
-          <a:lnRef idx="1">
-            <a:schemeClr val="dk1"/>
-          </a:lnRef>
-          <a:fillRef idx="3">
-            <a:schemeClr val="dk1"/>
-          </a:fillRef>
-          <a:effectRef idx="2">
-            <a:schemeClr val="dk1"/>
-          </a:effectRef>
-          <a:fontRef idx="minor">
-            <a:schemeClr val="lt1"/>
-          </a:fontRef>
-        </p:style>
-        <p:txBody>
-          <a:bodyPr rtlCol="0" anchor="ctr"/>
-          <a:lstStyle/>
-          <a:p>
-            <a:pPr algn="ctr"/>
+          <p:cNvPr id="2" name="Title 1"/>
+          <p:cNvSpPr>
+            <a:spLocks noGrp="1"/>
+          </p:cNvSpPr>
+          <p:nvPr>
+            <p:ph type="title"/>
+          </p:nvPr>
+        </p:nvSpPr>
+        <p:spPr/>
+        <p:txBody>
+          <a:bodyPr/>
+          <a:lstStyle/>
+          <a:p>
             <a:r>
               <a:rPr lang="en-US" dirty="0"/>
-              <a:t>Process</a:t>
-            </a:r>
-          </a:p>
-        </p:txBody>
-      </p:sp>
-      <p:sp>
-        <p:nvSpPr>
-          <p:cNvPr id="21" name="Left Brace 20"/>
-          <p:cNvSpPr/>
-          <p:nvPr/>
-        </p:nvSpPr>
-        <p:spPr>
-          <a:xfrm>
-            <a:off x="5135566" y="2328022"/>
-            <a:ext cx="817684" cy="3596053"/>
-          </a:xfrm>
-          <a:prstGeom prst="leftBrace">
-            <a:avLst/>
-          </a:prstGeom>
-          <a:ln>
-            <a:solidFill>
-              <a:schemeClr val="accent1">
-                <a:lumMod val="20000"/>
-                <a:lumOff val="80000"/>
-              </a:schemeClr>
-            </a:solidFill>
-          </a:ln>
-        </p:spPr>
-        <p:style>
-          <a:lnRef idx="3">
-            <a:schemeClr val="accent6"/>
-          </a:lnRef>
-          <a:fillRef idx="0">
-            <a:schemeClr val="accent6"/>
-          </a:fillRef>
-          <a:effectRef idx="2">
-            <a:schemeClr val="accent6"/>
-          </a:effectRef>
-          <a:fontRef idx="minor">
-            <a:schemeClr val="tx1"/>
-          </a:fontRef>
-        </p:style>
-        <p:txBody>
-          <a:bodyPr rtlCol="0" anchor="ctr"/>
-          <a:lstStyle/>
-          <a:p>
-            <a:pPr algn="ctr"/>
-            <a:endParaRPr lang="en-US"/>
-          </a:p>
-        </p:txBody>
-      </p:sp>
-      <p:grpSp>
-        <p:nvGrpSpPr>
-          <p:cNvPr id="23" name="Group 22"/>
-          <p:cNvGrpSpPr/>
-          <p:nvPr/>
-        </p:nvGrpSpPr>
-        <p:grpSpPr>
-          <a:xfrm>
-            <a:off x="5953250" y="2652515"/>
-            <a:ext cx="3159132" cy="546686"/>
-            <a:chOff x="2099603" y="2552114"/>
-            <a:chExt cx="3159132" cy="546686"/>
-          </a:xfrm>
-        </p:grpSpPr>
-        <p:pic>
-          <p:nvPicPr>
-            <p:cNvPr id="24" name="Picture 23" descr="excelfile png definición de excel celda rango etiquetas de hoja"/>
-            <p:cNvPicPr>
-              <a:picLocks noChangeAspect="1"/>
-            </p:cNvPicPr>
-            <p:nvPr/>
-          </p:nvPicPr>
-          <p:blipFill>
-            <a:blip r:embed="rId3"/>
-            <a:stretch>
-              <a:fillRect/>
-            </a:stretch>
-          </p:blipFill>
-          <p:spPr>
-            <a:xfrm>
-              <a:off x="2099603" y="2552114"/>
-              <a:ext cx="546686" cy="546686"/>
-            </a:xfrm>
-            <a:prstGeom prst="rect">
-              <a:avLst/>
-            </a:prstGeom>
-          </p:spPr>
-        </p:pic>
-        <p:sp>
-          <p:nvSpPr>
-            <p:cNvPr id="25" name="TextBox 24"/>
-            <p:cNvSpPr txBox="1"/>
-            <p:nvPr/>
-          </p:nvSpPr>
-          <p:spPr>
-            <a:xfrm>
-              <a:off x="2646289" y="2640791"/>
-              <a:ext cx="2612446" cy="369332"/>
-            </a:xfrm>
-            <a:prstGeom prst="rect">
-              <a:avLst/>
-            </a:prstGeom>
-            <a:noFill/>
-          </p:spPr>
-          <p:txBody>
-            <a:bodyPr wrap="none" rtlCol="0">
-              <a:spAutoFit/>
-            </a:bodyPr>
-            <a:lstStyle/>
-            <a:p>
-              <a:r>
-                <a:rPr lang="en-US" dirty="0"/>
-                <a:t>Consolidated List of Leads</a:t>
-              </a:r>
-            </a:p>
-          </p:txBody>
-        </p:sp>
-      </p:grpSp>
-      <p:sp>
-        <p:nvSpPr>
-          <p:cNvPr id="28" name="TextBox 27"/>
+              <a:t>Section 4 | Listing</a:t>
+            </a:r>
+          </a:p>
+        </p:txBody>
+      </p:sp>
+      <p:sp>
+        <p:nvSpPr>
+          <p:cNvPr id="4" name="TextBox 3"/>
           <p:cNvSpPr txBox="1"/>
           <p:nvPr/>
         </p:nvSpPr>
         <p:spPr>
           <a:xfrm>
-            <a:off x="1216847" y="1619907"/>
-            <a:ext cx="992579" cy="461665"/>
-          </a:xfrm>
-          <a:prstGeom prst="rect">
-            <a:avLst/>
-          </a:prstGeom>
-          <a:noFill/>
-        </p:spPr>
-        <p:txBody>
-          <a:bodyPr wrap="none" rtlCol="0">
-            <a:spAutoFit/>
-          </a:bodyPr>
-          <a:lstStyle/>
-          <a:p>
-            <a:r>
-              <a:rPr lang="en-US" sz="2400" b="1" dirty="0"/>
-              <a:t>Inputs</a:t>
-            </a:r>
-          </a:p>
-        </p:txBody>
-      </p:sp>
-      <p:sp>
-        <p:nvSpPr>
-          <p:cNvPr id="29" name="TextBox 28"/>
-          <p:cNvSpPr txBox="1"/>
-          <p:nvPr/>
-        </p:nvSpPr>
-        <p:spPr>
-          <a:xfrm>
-            <a:off x="6054596" y="1618967"/>
-            <a:ext cx="1226618" cy="461665"/>
-          </a:xfrm>
-          <a:prstGeom prst="rect">
-            <a:avLst/>
-          </a:prstGeom>
-          <a:noFill/>
-        </p:spPr>
-        <p:txBody>
-          <a:bodyPr wrap="none" rtlCol="0">
-            <a:spAutoFit/>
-          </a:bodyPr>
-          <a:lstStyle/>
-          <a:p>
-            <a:r>
-              <a:rPr lang="en-US" sz="2400" b="1" dirty="0"/>
-              <a:t>Outputs</a:t>
-            </a:r>
-          </a:p>
-        </p:txBody>
-      </p:sp>
-    </p:spTree>
-    <p:extLst>
-      <p:ext uri="{BB962C8B-B14F-4D97-AF65-F5344CB8AC3E}">
-        <p14:creationId xmlns:p14="http://schemas.microsoft.com/office/powerpoint/2010/main" val="2521872920"/>
-      </p:ext>
-    </p:extLst>
-  </p:cSld>
-  <p:clrMapOvr>
-    <a:masterClrMapping/>
-  </p:clrMapOvr>
-</p:sld>
-</file>
-
-<file path=ppt/slides/slide3.xml><?xml version="1.0" encoding="utf-8"?>
-<p:sld xmlns:a="http://schemas.openxmlformats.org/drawingml/2006/main" xmlns:r="http://schemas.openxmlformats.org/officeDocument/2006/relationships" xmlns:p="http://schemas.openxmlformats.org/presentationml/2006/main">
-  <p:cSld>
-    <p:spTree>
-      <p:nvGrpSpPr>
-        <p:cNvPr id="1" name=""/>
-        <p:cNvGrpSpPr/>
-        <p:nvPr/>
-      </p:nvGrpSpPr>
-      <p:grpSpPr>
-        <a:xfrm>
-          <a:off x="0" y="0"/>
-          <a:ext cx="0" cy="0"/>
-          <a:chOff x="0" y="0"/>
-          <a:chExt cx="0" cy="0"/>
-        </a:xfrm>
-      </p:grpSpPr>
-      <p:sp>
-        <p:nvSpPr>
-          <p:cNvPr id="2" name="Title 1"/>
-          <p:cNvSpPr>
-            <a:spLocks noGrp="1"/>
-          </p:cNvSpPr>
-          <p:nvPr>
-            <p:ph type="title"/>
-          </p:nvPr>
-        </p:nvSpPr>
-        <p:spPr/>
-        <p:txBody>
-          <a:bodyPr/>
-          <a:lstStyle/>
-          <a:p>
-            <a:r>
-              <a:rPr lang="en-US" dirty="0"/>
-              <a:t>Process Flow</a:t>
-            </a:r>
-          </a:p>
-        </p:txBody>
-      </p:sp>
-      <p:sp>
-        <p:nvSpPr>
-          <p:cNvPr id="3" name="Content Placeholder 2"/>
-          <p:cNvSpPr>
-            <a:spLocks noGrp="1"/>
-          </p:cNvSpPr>
-          <p:nvPr>
-            <p:ph idx="1"/>
-          </p:nvPr>
-        </p:nvSpPr>
-        <p:spPr/>
-        <p:txBody>
-          <a:bodyPr/>
-          <a:lstStyle/>
-          <a:p>
-            <a:endParaRPr lang="en-US" dirty="0"/>
-          </a:p>
-        </p:txBody>
-      </p:sp>
-    </p:spTree>
-    <p:extLst>
-      <p:ext uri="{BB962C8B-B14F-4D97-AF65-F5344CB8AC3E}">
-        <p14:creationId xmlns:p14="http://schemas.microsoft.com/office/powerpoint/2010/main" val="3815960845"/>
-      </p:ext>
-    </p:extLst>
-  </p:cSld>
-  <p:clrMapOvr>
-    <a:masterClrMapping/>
-  </p:clrMapOvr>
-</p:sld>
-</file>
-
-<file path=ppt/slides/slide4.xml><?xml version="1.0" encoding="utf-8"?>
-<p:sld xmlns:a="http://schemas.openxmlformats.org/drawingml/2006/main" xmlns:r="http://schemas.openxmlformats.org/officeDocument/2006/relationships" xmlns:p="http://schemas.openxmlformats.org/presentationml/2006/main">
-  <p:cSld>
-    <p:spTree>
-      <p:nvGrpSpPr>
-        <p:cNvPr id="1" name=""/>
-        <p:cNvGrpSpPr/>
-        <p:nvPr/>
-      </p:nvGrpSpPr>
-      <p:grpSpPr>
-        <a:xfrm>
-          <a:off x="0" y="0"/>
-          <a:ext cx="0" cy="0"/>
-          <a:chOff x="0" y="0"/>
-          <a:chExt cx="0" cy="0"/>
-        </a:xfrm>
-      </p:grpSpPr>
-      <p:sp>
-        <p:nvSpPr>
-          <p:cNvPr id="2" name="Title 1"/>
-          <p:cNvSpPr>
-            <a:spLocks noGrp="1"/>
-          </p:cNvSpPr>
-          <p:nvPr>
-            <p:ph type="title"/>
-          </p:nvPr>
-        </p:nvSpPr>
-        <p:spPr/>
-        <p:txBody>
-          <a:bodyPr/>
-          <a:lstStyle/>
-          <a:p>
-            <a:r>
-              <a:rPr lang="es-ES" dirty="0"/>
-              <a:t>L1 – Case 1</a:t>
-            </a:r>
-            <a:endParaRPr lang="en-US" dirty="0"/>
-          </a:p>
-        </p:txBody>
-      </p:sp>
-      <p:pic>
-        <p:nvPicPr>
-          <p:cNvPr id="4" name="Picture 3"/>
-          <p:cNvPicPr>
-            <a:picLocks noChangeAspect="1"/>
-          </p:cNvPicPr>
-          <p:nvPr/>
-        </p:nvPicPr>
-        <p:blipFill>
-          <a:blip r:embed="rId2"/>
-          <a:stretch>
-            <a:fillRect/>
-          </a:stretch>
-        </p:blipFill>
-        <p:spPr>
-          <a:xfrm>
-            <a:off x="4304474" y="544530"/>
-            <a:ext cx="7185140" cy="2389014"/>
-          </a:xfrm>
-          <a:prstGeom prst="rect">
-            <a:avLst/>
-          </a:prstGeom>
-        </p:spPr>
-      </p:pic>
-      <p:sp>
-        <p:nvSpPr>
-          <p:cNvPr id="5" name="TextBox 4"/>
-          <p:cNvSpPr txBox="1"/>
-          <p:nvPr/>
-        </p:nvSpPr>
-        <p:spPr>
-          <a:xfrm>
-            <a:off x="591451" y="3052455"/>
-            <a:ext cx="10898163" cy="2862322"/>
-          </a:xfrm>
-          <a:prstGeom prst="rect">
-            <a:avLst/>
-          </a:prstGeom>
-          <a:noFill/>
-        </p:spPr>
-        <p:txBody>
-          <a:bodyPr wrap="square" rtlCol="0">
-            <a:spAutoFit/>
-          </a:bodyPr>
-          <a:lstStyle/>
-          <a:p>
-            <a:r>
-              <a:rPr lang="en-US" dirty="0"/>
-              <a:t>We’ll start by taking files that are already formatted the way we want and consolidating them into one file. There’s a couple of things we’ll need to know about to do this:</a:t>
-            </a:r>
-          </a:p>
-          <a:p>
-            <a:pPr marL="285750" indent="-285750">
-              <a:buFont typeface="Arial" panose="020B0604020202020204" pitchFamily="34" charset="0"/>
-              <a:buChar char="•"/>
-            </a:pPr>
-            <a:r>
-              <a:rPr lang="en-US" dirty="0"/>
-              <a:t>Reading a directory with </a:t>
-            </a:r>
-            <a:r>
-              <a:rPr lang="en-US" dirty="0" err="1"/>
-              <a:t>fs.readdir</a:t>
-            </a:r>
-            <a:endParaRPr lang="en-US" dirty="0"/>
-          </a:p>
-          <a:p>
-            <a:pPr marL="285750" indent="-285750">
-              <a:buFont typeface="Arial" panose="020B0604020202020204" pitchFamily="34" charset="0"/>
-              <a:buChar char="•"/>
-            </a:pPr>
-            <a:r>
-              <a:rPr lang="en-US" dirty="0"/>
-              <a:t>Reading a file with </a:t>
-            </a:r>
-            <a:r>
-              <a:rPr lang="en-US" dirty="0" err="1"/>
-              <a:t>fs.readFile</a:t>
-            </a:r>
-            <a:endParaRPr lang="en-US" dirty="0"/>
-          </a:p>
-          <a:p>
-            <a:pPr marL="285750" indent="-285750">
-              <a:buFont typeface="Arial" panose="020B0604020202020204" pitchFamily="34" charset="0"/>
-              <a:buChar char="•"/>
-            </a:pPr>
-            <a:r>
-              <a:rPr lang="en-US" dirty="0"/>
-              <a:t>Writing a file with </a:t>
-            </a:r>
-            <a:r>
-              <a:rPr lang="en-US" dirty="0" err="1" smtClean="0"/>
-              <a:t>fs.writeFile</a:t>
-            </a:r>
-            <a:endParaRPr lang="en-US" dirty="0" smtClean="0"/>
-          </a:p>
-          <a:p>
-            <a:pPr marL="285750" indent="-285750">
-              <a:buFont typeface="Arial" panose="020B0604020202020204" pitchFamily="34" charset="0"/>
-              <a:buChar char="•"/>
-            </a:pPr>
-            <a:endParaRPr lang="en-US" dirty="0"/>
-          </a:p>
-          <a:p>
-            <a:r>
-              <a:rPr lang="en-US" dirty="0" smtClean="0"/>
-              <a:t>When we complete this case, we’ll have the bulk of automation handled provided all team members give us the information we want in exactly the format we want it in. The solution is scalable for any number of files. This can save you a lot of time or would be a necessity depending on the scale you are working with, especially if you wanted to consolidate say 1,000 files or 10,000 for that matter. </a:t>
-            </a:r>
-            <a:endParaRPr lang="en-US" dirty="0"/>
-          </a:p>
-        </p:txBody>
-      </p:sp>
-    </p:spTree>
-    <p:extLst>
-      <p:ext uri="{BB962C8B-B14F-4D97-AF65-F5344CB8AC3E}">
-        <p14:creationId xmlns:p14="http://schemas.microsoft.com/office/powerpoint/2010/main" val="2413513629"/>
-      </p:ext>
-    </p:extLst>
-  </p:cSld>
-  <p:clrMapOvr>
-    <a:masterClrMapping/>
-  </p:clrMapOvr>
-</p:sld>
-</file>
-
-<file path=ppt/slides/slide5.xml><?xml version="1.0" encoding="utf-8"?>
-<p:sld xmlns:a="http://schemas.openxmlformats.org/drawingml/2006/main" xmlns:r="http://schemas.openxmlformats.org/officeDocument/2006/relationships" xmlns:p="http://schemas.openxmlformats.org/presentationml/2006/main">
-  <p:cSld>
-    <p:spTree>
-      <p:nvGrpSpPr>
-        <p:cNvPr id="1" name=""/>
-        <p:cNvGrpSpPr/>
-        <p:nvPr/>
-      </p:nvGrpSpPr>
-      <p:grpSpPr>
-        <a:xfrm>
-          <a:off x="0" y="0"/>
-          <a:ext cx="0" cy="0"/>
-          <a:chOff x="0" y="0"/>
-          <a:chExt cx="0" cy="0"/>
-        </a:xfrm>
-      </p:grpSpPr>
-      <p:sp>
-        <p:nvSpPr>
-          <p:cNvPr id="2" name="Title 1"/>
-          <p:cNvSpPr>
-            <a:spLocks noGrp="1"/>
-          </p:cNvSpPr>
-          <p:nvPr>
-            <p:ph type="title"/>
-          </p:nvPr>
-        </p:nvSpPr>
-        <p:spPr/>
-        <p:txBody>
-          <a:bodyPr/>
-          <a:lstStyle/>
-          <a:p>
-            <a:r>
-              <a:rPr lang="en-US" dirty="0"/>
-              <a:t>Listing 3</a:t>
-            </a:r>
-          </a:p>
-        </p:txBody>
-      </p:sp>
-      <p:pic>
-        <p:nvPicPr>
-          <p:cNvPr id="4" name="Picture 3"/>
-          <p:cNvPicPr>
-            <a:picLocks noChangeAspect="1"/>
-          </p:cNvPicPr>
-          <p:nvPr/>
-        </p:nvPicPr>
-        <p:blipFill rotWithShape="1">
-          <a:blip r:embed="rId2"/>
-          <a:srcRect r="20984"/>
-          <a:stretch/>
-        </p:blipFill>
-        <p:spPr>
-          <a:xfrm>
-            <a:off x="588963" y="1810808"/>
-            <a:ext cx="5893118" cy="4895850"/>
-          </a:xfrm>
-          <a:prstGeom prst="rect">
-            <a:avLst/>
-          </a:prstGeom>
-        </p:spPr>
-      </p:pic>
-      <p:sp>
-        <p:nvSpPr>
-          <p:cNvPr id="5" name="TextBox 4"/>
-          <p:cNvSpPr txBox="1"/>
-          <p:nvPr/>
-        </p:nvSpPr>
-        <p:spPr>
-          <a:xfrm>
-            <a:off x="6675142" y="2209911"/>
-            <a:ext cx="5377962" cy="4524315"/>
+            <a:off x="6354726" y="3228678"/>
+            <a:ext cx="5172075" cy="1200329"/>
           </a:xfrm>
           <a:prstGeom prst="rect">
             <a:avLst/>
@@ -7334,524 +6498,20 @@
           <a:p>
             <a:r>
               <a:rPr lang="en-US" dirty="0"/>
-              <a:t>We’ve accomplished the task but this doesn’t really save us much in terms of effort. Importantly, we now know how to read and write individual files.</a:t>
-            </a:r>
-          </a:p>
-          <a:p>
-            <a:endParaRPr lang="en-US" dirty="0"/>
-          </a:p>
-          <a:p>
-            <a:r>
-              <a:rPr lang="en-US" dirty="0"/>
-              <a:t>Looking at our output, we see that we’ve concatenated the files. To make this output useable, we’d still have to remove the extra header rows tacked on when each file is joined.  </a:t>
-            </a:r>
-          </a:p>
-          <a:p>
-            <a:endParaRPr lang="en-US" dirty="0"/>
-          </a:p>
-          <a:p>
-            <a:r>
-              <a:rPr lang="en-US" dirty="0"/>
-              <a:t>Also, the code is hard to maintain. It’s in this structure because node executes asynchronously. It’s out of scope for this lesson to explain the asynchronous nature of node. To simplify our code, we will introduce you to synchronous read/write methods in the next listing. </a:t>
-            </a:r>
-          </a:p>
-        </p:txBody>
-      </p:sp>
-      <p:pic>
-        <p:nvPicPr>
-          <p:cNvPr id="6" name="Picture 5"/>
-          <p:cNvPicPr>
-            <a:picLocks noChangeAspect="1"/>
-          </p:cNvPicPr>
-          <p:nvPr/>
-        </p:nvPicPr>
-        <p:blipFill>
-          <a:blip r:embed="rId3"/>
-          <a:stretch>
-            <a:fillRect/>
-          </a:stretch>
-        </p:blipFill>
-        <p:spPr>
-          <a:xfrm>
-            <a:off x="4941401" y="106325"/>
-            <a:ext cx="6827266" cy="1999414"/>
-          </a:xfrm>
-          <a:prstGeom prst="rect">
-            <a:avLst/>
-          </a:prstGeom>
-        </p:spPr>
-      </p:pic>
-      <p:sp>
-        <p:nvSpPr>
-          <p:cNvPr id="7" name="TextBox 6"/>
-          <p:cNvSpPr txBox="1"/>
-          <p:nvPr/>
-        </p:nvSpPr>
-        <p:spPr>
-          <a:xfrm>
-            <a:off x="3009417" y="530395"/>
-            <a:ext cx="856325" cy="369332"/>
-          </a:xfrm>
-          <a:prstGeom prst="rect">
-            <a:avLst/>
-          </a:prstGeom>
-          <a:noFill/>
-        </p:spPr>
-        <p:txBody>
-          <a:bodyPr wrap="none" rtlCol="0">
-            <a:spAutoFit/>
-          </a:bodyPr>
-          <a:lstStyle/>
-          <a:p>
-            <a:r>
-              <a:rPr lang="en-US" dirty="0"/>
-              <a:t>Output</a:t>
-            </a:r>
-          </a:p>
-        </p:txBody>
-      </p:sp>
-      <p:sp>
-        <p:nvSpPr>
-          <p:cNvPr id="8" name="Right Arrow 7"/>
+              <a:t>I’ve added the synchronous read directory method. I commented out the rest of the code so that we can focus on looking at how this method works.</a:t>
+            </a:r>
+          </a:p>
+        </p:txBody>
+      </p:sp>
+      <p:sp>
+        <p:nvSpPr>
+          <p:cNvPr id="6" name="Rectangle 5"/>
           <p:cNvSpPr/>
           <p:nvPr/>
         </p:nvSpPr>
         <p:spPr>
           <a:xfrm>
-            <a:off x="4028946" y="609600"/>
-            <a:ext cx="625033" cy="290127"/>
-          </a:xfrm>
-          <a:prstGeom prst="rightArrow">
-            <a:avLst/>
-          </a:prstGeom>
-        </p:spPr>
-        <p:style>
-          <a:lnRef idx="2">
-            <a:schemeClr val="accent1">
-              <a:shade val="50000"/>
-            </a:schemeClr>
-          </a:lnRef>
-          <a:fillRef idx="1">
-            <a:schemeClr val="accent1"/>
-          </a:fillRef>
-          <a:effectRef idx="0">
-            <a:schemeClr val="accent1"/>
-          </a:effectRef>
-          <a:fontRef idx="minor">
-            <a:schemeClr val="lt1"/>
-          </a:fontRef>
-        </p:style>
-        <p:txBody>
-          <a:bodyPr rtlCol="0" anchor="ctr"/>
-          <a:lstStyle/>
-          <a:p>
-            <a:pPr algn="ctr"/>
-            <a:endParaRPr lang="en-US"/>
-          </a:p>
-        </p:txBody>
-      </p:sp>
-      <p:sp>
-        <p:nvSpPr>
-          <p:cNvPr id="3" name="Rectangle 2"/>
-          <p:cNvSpPr/>
-          <p:nvPr/>
-        </p:nvSpPr>
-        <p:spPr>
-          <a:xfrm>
-            <a:off x="4849792" y="899727"/>
-            <a:ext cx="7002684" cy="304040"/>
-          </a:xfrm>
-          <a:prstGeom prst="rect">
-            <a:avLst/>
-          </a:prstGeom>
-          <a:noFill/>
-          <a:ln>
-            <a:solidFill>
-              <a:srgbClr val="FF0000"/>
-            </a:solidFill>
-          </a:ln>
-        </p:spPr>
-        <p:style>
-          <a:lnRef idx="2">
-            <a:schemeClr val="accent1">
-              <a:shade val="50000"/>
-            </a:schemeClr>
-          </a:lnRef>
-          <a:fillRef idx="1">
-            <a:schemeClr val="accent1"/>
-          </a:fillRef>
-          <a:effectRef idx="0">
-            <a:schemeClr val="accent1"/>
-          </a:effectRef>
-          <a:fontRef idx="minor">
-            <a:schemeClr val="lt1"/>
-          </a:fontRef>
-        </p:style>
-        <p:txBody>
-          <a:bodyPr rtlCol="0" anchor="ctr"/>
-          <a:lstStyle/>
-          <a:p>
-            <a:pPr algn="ctr"/>
-            <a:endParaRPr lang="en-US"/>
-          </a:p>
-        </p:txBody>
-      </p:sp>
-    </p:spTree>
-    <p:extLst>
-      <p:ext uri="{BB962C8B-B14F-4D97-AF65-F5344CB8AC3E}">
-        <p14:creationId xmlns:p14="http://schemas.microsoft.com/office/powerpoint/2010/main" val="3006126857"/>
-      </p:ext>
-    </p:extLst>
-  </p:cSld>
-  <p:clrMapOvr>
-    <a:masterClrMapping/>
-  </p:clrMapOvr>
-</p:sld>
-</file>
-
-<file path=ppt/slides/slide6.xml><?xml version="1.0" encoding="utf-8"?>
-<p:sld xmlns:a="http://schemas.openxmlformats.org/drawingml/2006/main" xmlns:r="http://schemas.openxmlformats.org/officeDocument/2006/relationships" xmlns:p="http://schemas.openxmlformats.org/presentationml/2006/main">
-  <p:cSld>
-    <p:spTree>
-      <p:nvGrpSpPr>
-        <p:cNvPr id="1" name=""/>
-        <p:cNvGrpSpPr/>
-        <p:nvPr/>
-      </p:nvGrpSpPr>
-      <p:grpSpPr>
-        <a:xfrm>
-          <a:off x="0" y="0"/>
-          <a:ext cx="0" cy="0"/>
-          <a:chOff x="0" y="0"/>
-          <a:chExt cx="0" cy="0"/>
-        </a:xfrm>
-      </p:grpSpPr>
-      <p:sp>
-        <p:nvSpPr>
-          <p:cNvPr id="2" name="Title 1"/>
-          <p:cNvSpPr>
-            <a:spLocks noGrp="1"/>
-          </p:cNvSpPr>
-          <p:nvPr>
-            <p:ph type="title"/>
-          </p:nvPr>
-        </p:nvSpPr>
-        <p:spPr/>
-        <p:txBody>
-          <a:bodyPr/>
-          <a:lstStyle/>
-          <a:p>
-            <a:r>
-              <a:rPr lang="en-US" dirty="0"/>
-              <a:t>Listing 4</a:t>
-            </a:r>
-          </a:p>
-        </p:txBody>
-      </p:sp>
-      <p:sp>
-        <p:nvSpPr>
-          <p:cNvPr id="3" name="Content Placeholder 2"/>
-          <p:cNvSpPr>
-            <a:spLocks noGrp="1"/>
-          </p:cNvSpPr>
-          <p:nvPr>
-            <p:ph idx="1"/>
-          </p:nvPr>
-        </p:nvSpPr>
-        <p:spPr/>
-        <p:txBody>
-          <a:bodyPr/>
-          <a:lstStyle/>
-          <a:p>
-            <a:endParaRPr lang="en-US"/>
-          </a:p>
-        </p:txBody>
-      </p:sp>
-      <p:pic>
-        <p:nvPicPr>
-          <p:cNvPr id="4" name="Picture 3"/>
-          <p:cNvPicPr>
-            <a:picLocks noChangeAspect="1"/>
-          </p:cNvPicPr>
-          <p:nvPr/>
-        </p:nvPicPr>
-        <p:blipFill rotWithShape="1">
-          <a:blip r:embed="rId2"/>
-          <a:srcRect t="10593"/>
-          <a:stretch/>
-        </p:blipFill>
-        <p:spPr>
-          <a:xfrm>
-            <a:off x="685801" y="2065867"/>
-            <a:ext cx="8448675" cy="4155794"/>
-          </a:xfrm>
-          <a:prstGeom prst="rect">
-            <a:avLst/>
-          </a:prstGeom>
-        </p:spPr>
-      </p:pic>
-      <p:sp>
-        <p:nvSpPr>
-          <p:cNvPr id="6" name="TextBox 5"/>
-          <p:cNvSpPr txBox="1"/>
-          <p:nvPr/>
-        </p:nvSpPr>
-        <p:spPr>
-          <a:xfrm>
-            <a:off x="6559395" y="184341"/>
-            <a:ext cx="5377962" cy="923330"/>
-          </a:xfrm>
-          <a:prstGeom prst="rect">
-            <a:avLst/>
-          </a:prstGeom>
-          <a:solidFill>
-            <a:schemeClr val="bg2">
-              <a:lumMod val="50000"/>
-            </a:schemeClr>
-          </a:solidFill>
-          <a:ln>
-            <a:solidFill>
-              <a:schemeClr val="accent1">
-                <a:lumMod val="20000"/>
-                <a:lumOff val="80000"/>
-              </a:schemeClr>
-            </a:solidFill>
-          </a:ln>
-        </p:spPr>
-        <p:txBody>
-          <a:bodyPr wrap="square" lIns="182880" tIns="182880" rIns="182880" bIns="182880" rtlCol="0">
-            <a:spAutoFit/>
-          </a:bodyPr>
-          <a:lstStyle/>
-          <a:p>
-            <a:r>
-              <a:rPr lang="en-US" dirty="0" smtClean="0"/>
-              <a:t>Now the code is refactored to use synchronous fs methods. It’s much more concise and readable. </a:t>
-            </a:r>
-            <a:endParaRPr lang="en-US" dirty="0"/>
-          </a:p>
-        </p:txBody>
-      </p:sp>
-    </p:spTree>
-    <p:extLst>
-      <p:ext uri="{BB962C8B-B14F-4D97-AF65-F5344CB8AC3E}">
-        <p14:creationId xmlns:p14="http://schemas.microsoft.com/office/powerpoint/2010/main" val="761086988"/>
-      </p:ext>
-    </p:extLst>
-  </p:cSld>
-  <p:clrMapOvr>
-    <a:masterClrMapping/>
-  </p:clrMapOvr>
-</p:sld>
-</file>
-
-<file path=ppt/slides/slide7.xml><?xml version="1.0" encoding="utf-8"?>
-<p:sld xmlns:a="http://schemas.openxmlformats.org/drawingml/2006/main" xmlns:r="http://schemas.openxmlformats.org/officeDocument/2006/relationships" xmlns:p="http://schemas.openxmlformats.org/presentationml/2006/main">
-  <p:cSld>
-    <p:spTree>
-      <p:nvGrpSpPr>
-        <p:cNvPr id="1" name=""/>
-        <p:cNvGrpSpPr/>
-        <p:nvPr/>
-      </p:nvGrpSpPr>
-      <p:grpSpPr>
-        <a:xfrm>
-          <a:off x="0" y="0"/>
-          <a:ext cx="0" cy="0"/>
-          <a:chOff x="0" y="0"/>
-          <a:chExt cx="0" cy="0"/>
-        </a:xfrm>
-      </p:grpSpPr>
-      <p:sp>
-        <p:nvSpPr>
-          <p:cNvPr id="2" name="Title 1"/>
-          <p:cNvSpPr>
-            <a:spLocks noGrp="1"/>
-          </p:cNvSpPr>
-          <p:nvPr>
-            <p:ph type="title"/>
-          </p:nvPr>
-        </p:nvSpPr>
-        <p:spPr/>
-        <p:txBody>
-          <a:bodyPr/>
-          <a:lstStyle/>
-          <a:p>
-            <a:r>
-              <a:rPr lang="en-US" dirty="0"/>
-              <a:t>Listing 5 – </a:t>
-            </a:r>
-            <a:r>
-              <a:rPr lang="en-US" dirty="0" smtClean="0"/>
-              <a:t>Introducing </a:t>
-            </a:r>
-            <a:r>
-              <a:rPr lang="en-US" dirty="0" err="1"/>
-              <a:t>readdir</a:t>
-            </a:r>
-            <a:endParaRPr lang="en-US" dirty="0"/>
-          </a:p>
-        </p:txBody>
-      </p:sp>
-      <p:pic>
-        <p:nvPicPr>
-          <p:cNvPr id="1026" name="Picture 2"/>
-          <p:cNvPicPr>
-            <a:picLocks noChangeAspect="1" noChangeArrowheads="1"/>
-          </p:cNvPicPr>
-          <p:nvPr/>
-        </p:nvPicPr>
-        <p:blipFill>
-          <a:blip r:embed="rId2">
-            <a:extLst>
-              <a:ext uri="{28A0092B-C50C-407E-A947-70E740481C1C}">
-                <a14:useLocalDpi xmlns:a14="http://schemas.microsoft.com/office/drawing/2010/main" val="0"/>
-              </a:ext>
-            </a:extLst>
-          </a:blip>
-          <a:srcRect/>
-          <a:stretch>
-            <a:fillRect/>
-          </a:stretch>
-        </p:blipFill>
-        <p:spPr bwMode="auto">
-          <a:xfrm>
-            <a:off x="688694" y="2569861"/>
-            <a:ext cx="5791200" cy="2735263"/>
-          </a:xfrm>
-          <a:prstGeom prst="rect">
-            <a:avLst/>
-          </a:prstGeom>
-          <a:noFill/>
-          <a:ln>
-            <a:noFill/>
-          </a:ln>
-          <a:extLst>
-            <a:ext uri="{909E8E84-426E-40DD-AFC4-6F175D3DCCD1}">
-              <a14:hiddenFill xmlns:a14="http://schemas.microsoft.com/office/drawing/2010/main">
-                <a:solidFill>
-                  <a:schemeClr val="accent1"/>
-                </a:solidFill>
-              </a14:hiddenFill>
-            </a:ext>
-            <a:ext uri="{91240B29-F687-4F45-9708-019B960494DF}">
-              <a14:hiddenLine xmlns:a14="http://schemas.microsoft.com/office/drawing/2010/main" w="9525">
-                <a:solidFill>
-                  <a:schemeClr val="tx1"/>
-                </a:solidFill>
-                <a:miter lim="800000"/>
-                <a:headEnd/>
-                <a:tailEnd/>
-              </a14:hiddenLine>
-            </a:ext>
-          </a:extLst>
-        </p:spPr>
-      </p:pic>
-      <p:sp>
-        <p:nvSpPr>
-          <p:cNvPr id="5" name="TextBox 4"/>
-          <p:cNvSpPr txBox="1"/>
-          <p:nvPr/>
-        </p:nvSpPr>
-        <p:spPr>
-          <a:xfrm>
-            <a:off x="6629047" y="3014162"/>
-            <a:ext cx="5377962" cy="1200329"/>
-          </a:xfrm>
-          <a:prstGeom prst="rect">
-            <a:avLst/>
-          </a:prstGeom>
-          <a:solidFill>
-            <a:schemeClr val="bg2">
-              <a:lumMod val="50000"/>
-            </a:schemeClr>
-          </a:solidFill>
-          <a:ln>
-            <a:solidFill>
-              <a:schemeClr val="accent1">
-                <a:lumMod val="20000"/>
-                <a:lumOff val="80000"/>
-              </a:schemeClr>
-            </a:solidFill>
-          </a:ln>
-        </p:spPr>
-        <p:txBody>
-          <a:bodyPr wrap="square" lIns="182880" tIns="182880" rIns="182880" bIns="182880" rtlCol="0">
-            <a:spAutoFit/>
-          </a:bodyPr>
-          <a:lstStyle/>
-          <a:p>
-            <a:r>
-              <a:rPr lang="en-US" dirty="0" smtClean="0"/>
-              <a:t>I’ve added the synchronous read directory method. I commented out the rest of the code so that we can focus on looking at how this method works.</a:t>
-            </a:r>
-            <a:endParaRPr lang="en-US" dirty="0"/>
-          </a:p>
-        </p:txBody>
-      </p:sp>
-      <p:pic>
-        <p:nvPicPr>
-          <p:cNvPr id="1027" name="Picture 3"/>
-          <p:cNvPicPr>
-            <a:picLocks noChangeAspect="1" noChangeArrowheads="1"/>
-          </p:cNvPicPr>
-          <p:nvPr/>
-        </p:nvPicPr>
-        <p:blipFill>
-          <a:blip r:embed="rId3">
-            <a:extLst>
-              <a:ext uri="{28A0092B-C50C-407E-A947-70E740481C1C}">
-                <a14:useLocalDpi xmlns:a14="http://schemas.microsoft.com/office/drawing/2010/main" val="0"/>
-              </a:ext>
-            </a:extLst>
-          </a:blip>
-          <a:srcRect/>
-          <a:stretch>
-            <a:fillRect/>
-          </a:stretch>
-        </p:blipFill>
-        <p:spPr bwMode="auto">
-          <a:xfrm>
-            <a:off x="6723259" y="5505008"/>
-            <a:ext cx="5189537" cy="754063"/>
-          </a:xfrm>
-          <a:prstGeom prst="rect">
-            <a:avLst/>
-          </a:prstGeom>
-          <a:noFill/>
-          <a:ln>
-            <a:noFill/>
-          </a:ln>
-          <a:extLst>
-            <a:ext uri="{909E8E84-426E-40DD-AFC4-6F175D3DCCD1}">
-              <a14:hiddenFill xmlns:a14="http://schemas.microsoft.com/office/drawing/2010/main">
-                <a:solidFill>
-                  <a:schemeClr val="accent1"/>
-                </a:solidFill>
-              </a14:hiddenFill>
-            </a:ext>
-            <a:ext uri="{91240B29-F687-4F45-9708-019B960494DF}">
-              <a14:hiddenLine xmlns:a14="http://schemas.microsoft.com/office/drawing/2010/main" w="9525">
-                <a:solidFill>
-                  <a:schemeClr val="tx1"/>
-                </a:solidFill>
-                <a:miter lim="800000"/>
-                <a:headEnd/>
-                <a:tailEnd/>
-              </a14:hiddenLine>
-            </a:ext>
-          </a:extLst>
-        </p:spPr>
-      </p:pic>
-      <p:sp>
-        <p:nvSpPr>
-          <p:cNvPr id="4" name="Rectangle 3"/>
-          <p:cNvSpPr/>
-          <p:nvPr/>
-        </p:nvSpPr>
-        <p:spPr>
-          <a:xfrm>
-            <a:off x="4047281" y="5602147"/>
+            <a:off x="3772961" y="5484581"/>
             <a:ext cx="1886673" cy="656924"/>
           </a:xfrm>
           <a:prstGeom prst="rect">
@@ -7878,43 +6538,80 @@
           <a:p>
             <a:pPr algn="ctr"/>
             <a:r>
-              <a:rPr lang="en-US" dirty="0" smtClean="0"/>
+              <a:rPr lang="en-US" dirty="0"/>
               <a:t>Array of file names</a:t>
             </a:r>
-            <a:endParaRPr lang="en-US" dirty="0"/>
-          </a:p>
-        </p:txBody>
-      </p:sp>
-      <p:sp>
-        <p:nvSpPr>
-          <p:cNvPr id="6" name="TextBox 5"/>
-          <p:cNvSpPr txBox="1"/>
+          </a:p>
+        </p:txBody>
+      </p:sp>
+      <p:grpSp>
+        <p:nvGrpSpPr>
+          <p:cNvPr id="3" name="Group 2"/>
+          <p:cNvGrpSpPr/>
           <p:nvPr/>
-        </p:nvSpPr>
-        <p:spPr>
-          <a:xfrm>
-            <a:off x="6723259" y="5146468"/>
-            <a:ext cx="3633871" cy="369332"/>
-          </a:xfrm>
-          <a:prstGeom prst="rect">
-            <a:avLst/>
-          </a:prstGeom>
-          <a:noFill/>
-        </p:spPr>
-        <p:txBody>
-          <a:bodyPr wrap="square" rtlCol="0">
-            <a:spAutoFit/>
-          </a:bodyPr>
-          <a:lstStyle/>
-          <a:p>
-            <a:r>
-              <a:rPr lang="en-US" b="1" dirty="0" smtClean="0"/>
-              <a:t>Console output</a:t>
-            </a:r>
-            <a:endParaRPr lang="en-US" b="1" dirty="0"/>
-          </a:p>
-        </p:txBody>
-      </p:sp>
+        </p:nvGrpSpPr>
+        <p:grpSpPr>
+          <a:xfrm>
+            <a:off x="6279122" y="4980038"/>
+            <a:ext cx="5247680" cy="1294496"/>
+            <a:chOff x="6553442" y="5097604"/>
+            <a:chExt cx="5247680" cy="1294496"/>
+          </a:xfrm>
+        </p:grpSpPr>
+        <p:pic>
+          <p:nvPicPr>
+            <p:cNvPr id="9" name="Picture 8"/>
+            <p:cNvPicPr>
+              <a:picLocks noChangeAspect="1"/>
+            </p:cNvPicPr>
+            <p:nvPr/>
+          </p:nvPicPr>
+          <p:blipFill>
+            <a:blip r:embed="rId3"/>
+            <a:stretch>
+              <a:fillRect/>
+            </a:stretch>
+          </p:blipFill>
+          <p:spPr>
+            <a:xfrm>
+              <a:off x="6629047" y="5515800"/>
+              <a:ext cx="5172075" cy="876300"/>
+            </a:xfrm>
+            <a:prstGeom prst="rect">
+              <a:avLst/>
+            </a:prstGeom>
+          </p:spPr>
+        </p:pic>
+        <p:sp>
+          <p:nvSpPr>
+            <p:cNvPr id="7" name="TextBox 6"/>
+            <p:cNvSpPr txBox="1"/>
+            <p:nvPr/>
+          </p:nvSpPr>
+          <p:spPr>
+            <a:xfrm>
+              <a:off x="6553442" y="5097604"/>
+              <a:ext cx="3633871" cy="369332"/>
+            </a:xfrm>
+            <a:prstGeom prst="rect">
+              <a:avLst/>
+            </a:prstGeom>
+            <a:noFill/>
+          </p:spPr>
+          <p:txBody>
+            <a:bodyPr wrap="square" rtlCol="0">
+              <a:spAutoFit/>
+            </a:bodyPr>
+            <a:lstStyle/>
+            <a:p>
+              <a:r>
+                <a:rPr lang="en-US" b="1" dirty="0"/>
+                <a:t>Console output</a:t>
+              </a:r>
+            </a:p>
+          </p:txBody>
+        </p:sp>
+      </p:grpSp>
       <p:cxnSp>
         <p:nvCxnSpPr>
           <p:cNvPr id="8" name="Straight Arrow Connector 7"/>
@@ -7923,7 +6620,7 @@
         </p:nvCxnSpPr>
         <p:spPr>
           <a:xfrm>
-            <a:off x="5671594" y="5930609"/>
+            <a:off x="5397274" y="5813043"/>
             <a:ext cx="1180618" cy="0"/>
           </a:xfrm>
           <a:prstGeom prst="straightConnector1">
@@ -7951,7 +6648,7 @@
     </p:spTree>
     <p:extLst>
       <p:ext uri="{BB962C8B-B14F-4D97-AF65-F5344CB8AC3E}">
-        <p14:creationId xmlns:p14="http://schemas.microsoft.com/office/powerpoint/2010/main" val="3091865431"/>
+        <p14:creationId xmlns:p14="http://schemas.microsoft.com/office/powerpoint/2010/main" val="3006126857"/>
       </p:ext>
     </p:extLst>
   </p:cSld>
@@ -7961,7 +6658,7 @@
 </p:sld>
 </file>
 
-<file path=ppt/slides/slide8.xml><?xml version="1.0" encoding="utf-8"?>
+<file path=ppt/slides/slide11.xml><?xml version="1.0" encoding="utf-8"?>
 <p:sld xmlns:a="http://schemas.openxmlformats.org/drawingml/2006/main" xmlns:r="http://schemas.openxmlformats.org/officeDocument/2006/relationships" xmlns:p="http://schemas.openxmlformats.org/presentationml/2006/main">
   <p:cSld>
     <p:spTree>
@@ -7994,7 +6691,7 @@
           <a:lstStyle/>
           <a:p>
             <a:r>
-              <a:rPr lang="en-US" dirty="0" err="1" smtClean="0"/>
+              <a:rPr lang="en-US" dirty="0" err="1"/>
               <a:t>fs.readdirSync</a:t>
             </a:r>
             <a:endParaRPr lang="en-US" dirty="0"/>
@@ -8039,21 +6736,8 @@
                   <a:sysClr val="windowText" lastClr="000000"/>
                 </a:solidFill>
               </a:rPr>
-              <a:t>(path[, options</a:t>
-            </a:r>
-            <a:r>
-              <a:rPr lang="en-US" sz="1600" b="1" dirty="0" smtClean="0">
-                <a:solidFill>
-                  <a:sysClr val="windowText" lastClr="000000"/>
-                </a:solidFill>
-              </a:rPr>
-              <a:t>])</a:t>
-            </a:r>
-            <a:endParaRPr lang="en-US" sz="1600" b="1" dirty="0">
-              <a:solidFill>
-                <a:sysClr val="windowText" lastClr="000000"/>
-              </a:solidFill>
-            </a:endParaRPr>
+              <a:t>(path[, options])</a:t>
+            </a:r>
           </a:p>
           <a:p>
             <a:r>
@@ -8076,23 +6760,7 @@
                   <a:sysClr val="windowText" lastClr="000000"/>
                 </a:solidFill>
               </a:rPr>
-              <a:t>path </a:t>
-            </a:r>
-            <a:r>
-              <a:rPr lang="en-US" sz="1600" dirty="0" smtClean="0">
-                <a:solidFill>
-                  <a:sysClr val="windowText" lastClr="000000"/>
-                </a:solidFill>
-              </a:rPr>
-              <a:t> &lt;</a:t>
-            </a:r>
-            <a:r>
-              <a:rPr lang="en-US" sz="1600" dirty="0">
-                <a:solidFill>
-                  <a:sysClr val="windowText" lastClr="000000"/>
-                </a:solidFill>
-              </a:rPr>
-              <a:t>String&gt; | &lt;Buffer&gt;</a:t>
+              <a:t>path  &lt;String&gt; | &lt;Buffer&gt;</a:t>
             </a:r>
           </a:p>
           <a:p>
@@ -8106,23 +6774,7 @@
                   <a:sysClr val="windowText" lastClr="000000"/>
                 </a:solidFill>
               </a:rPr>
-              <a:t>options </a:t>
-            </a:r>
-            <a:r>
-              <a:rPr lang="en-US" sz="1600" dirty="0" smtClean="0">
-                <a:solidFill>
-                  <a:sysClr val="windowText" lastClr="000000"/>
-                </a:solidFill>
-              </a:rPr>
-              <a:t> &lt;</a:t>
-            </a:r>
-            <a:r>
-              <a:rPr lang="en-US" sz="1600" dirty="0">
-                <a:solidFill>
-                  <a:sysClr val="windowText" lastClr="000000"/>
-                </a:solidFill>
-              </a:rPr>
-              <a:t>String&gt; | &lt;Object&gt;</a:t>
+              <a:t>options  &lt;String&gt; | &lt;Object&gt;</a:t>
             </a:r>
           </a:p>
           <a:p>
@@ -8695,10 +7347,9 @@
           <a:lstStyle/>
           <a:p>
             <a:r>
-              <a:rPr lang="en-US" dirty="0" smtClean="0"/>
+              <a:rPr lang="en-US" dirty="0"/>
               <a:t>[   ‘file1.csv’,  ‘file2.csv’, ‘file3.csv’  ]</a:t>
             </a:r>
-            <a:endParaRPr lang="en-US" dirty="0"/>
           </a:p>
         </p:txBody>
       </p:sp>
@@ -8736,6 +7387,2673 @@
     <p:extLst>
       <p:ext uri="{BB962C8B-B14F-4D97-AF65-F5344CB8AC3E}">
         <p14:creationId xmlns:p14="http://schemas.microsoft.com/office/powerpoint/2010/main" val="1813583687"/>
+      </p:ext>
+    </p:extLst>
+  </p:cSld>
+  <p:clrMapOvr>
+    <a:masterClrMapping/>
+  </p:clrMapOvr>
+</p:sld>
+</file>
+
+<file path=ppt/slides/slide12.xml><?xml version="1.0" encoding="utf-8"?>
+<p:sld xmlns:a="http://schemas.openxmlformats.org/drawingml/2006/main" xmlns:r="http://schemas.openxmlformats.org/officeDocument/2006/relationships" xmlns:p="http://schemas.openxmlformats.org/presentationml/2006/main">
+  <p:cSld>
+    <p:spTree>
+      <p:nvGrpSpPr>
+        <p:cNvPr id="1" name=""/>
+        <p:cNvGrpSpPr/>
+        <p:nvPr/>
+      </p:nvGrpSpPr>
+      <p:grpSpPr>
+        <a:xfrm>
+          <a:off x="0" y="0"/>
+          <a:ext cx="0" cy="0"/>
+          <a:chOff x="0" y="0"/>
+          <a:chExt cx="0" cy="0"/>
+        </a:xfrm>
+      </p:grpSpPr>
+      <p:pic>
+        <p:nvPicPr>
+          <p:cNvPr id="5" name="Picture 4"/>
+          <p:cNvPicPr>
+            <a:picLocks noChangeAspect="1"/>
+          </p:cNvPicPr>
+          <p:nvPr/>
+        </p:nvPicPr>
+        <p:blipFill>
+          <a:blip r:embed="rId2"/>
+          <a:stretch>
+            <a:fillRect/>
+          </a:stretch>
+        </p:blipFill>
+        <p:spPr>
+          <a:xfrm>
+            <a:off x="5289752" y="1603021"/>
+            <a:ext cx="6095593" cy="3489726"/>
+          </a:xfrm>
+          <a:prstGeom prst="roundRect">
+            <a:avLst>
+              <a:gd name="adj" fmla="val 4380"/>
+            </a:avLst>
+          </a:prstGeom>
+          <a:ln w="50800" cap="sq" cmpd="dbl">
+            <a:gradFill flip="none" rotWithShape="1">
+              <a:gsLst>
+                <a:gs pos="0">
+                  <a:srgbClr val="FFFFFF"/>
+                </a:gs>
+                <a:gs pos="100000">
+                  <a:schemeClr val="tx1">
+                    <a:alpha val="0"/>
+                  </a:schemeClr>
+                </a:gs>
+              </a:gsLst>
+              <a:path path="circle">
+                <a:fillToRect l="50000" t="50000" r="50000" b="50000"/>
+              </a:path>
+              <a:tileRect/>
+            </a:gradFill>
+            <a:miter lim="800000"/>
+          </a:ln>
+          <a:effectLst>
+            <a:outerShdw blurRad="254000" algn="tl" rotWithShape="0">
+              <a:srgbClr val="000000">
+                <a:alpha val="43000"/>
+              </a:srgbClr>
+            </a:outerShdw>
+          </a:effectLst>
+        </p:spPr>
+      </p:pic>
+      <p:sp>
+        <p:nvSpPr>
+          <p:cNvPr id="2" name="Title 1"/>
+          <p:cNvSpPr>
+            <a:spLocks noGrp="1"/>
+          </p:cNvSpPr>
+          <p:nvPr>
+            <p:ph type="title"/>
+          </p:nvPr>
+        </p:nvSpPr>
+        <p:spPr>
+          <a:xfrm>
+            <a:off x="825909" y="808055"/>
+            <a:ext cx="3979205" cy="1453363"/>
+          </a:xfrm>
+        </p:spPr>
+        <p:txBody>
+          <a:bodyPr>
+            <a:normAutofit/>
+          </a:bodyPr>
+          <a:lstStyle/>
+          <a:p>
+            <a:r>
+              <a:rPr lang="en-US" dirty="0"/>
+              <a:t>Section 5 | Listing</a:t>
+            </a:r>
+          </a:p>
+        </p:txBody>
+      </p:sp>
+      <p:sp>
+        <p:nvSpPr>
+          <p:cNvPr id="3" name="Content Placeholder 2"/>
+          <p:cNvSpPr>
+            <a:spLocks noGrp="1"/>
+          </p:cNvSpPr>
+          <p:nvPr>
+            <p:ph idx="1"/>
+          </p:nvPr>
+        </p:nvSpPr>
+        <p:spPr>
+          <a:xfrm>
+            <a:off x="802178" y="2261420"/>
+            <a:ext cx="4002936" cy="3637935"/>
+          </a:xfrm>
+        </p:spPr>
+        <p:txBody>
+          <a:bodyPr>
+            <a:normAutofit/>
+          </a:bodyPr>
+          <a:lstStyle/>
+          <a:p>
+            <a:r>
+              <a:rPr lang="en-US" dirty="0"/>
+              <a:t>Here I explain how arrays work. The code is organized the way it is to illustrate the concept</a:t>
+            </a:r>
+          </a:p>
+          <a:p>
+            <a:endParaRPr lang="en-US" dirty="0"/>
+          </a:p>
+        </p:txBody>
+      </p:sp>
+    </p:spTree>
+    <p:extLst>
+      <p:ext uri="{BB962C8B-B14F-4D97-AF65-F5344CB8AC3E}">
+        <p14:creationId xmlns:p14="http://schemas.microsoft.com/office/powerpoint/2010/main" val="3442802156"/>
+      </p:ext>
+    </p:extLst>
+  </p:cSld>
+  <p:clrMapOvr>
+    <a:masterClrMapping/>
+  </p:clrMapOvr>
+</p:sld>
+</file>
+
+<file path=ppt/slides/slide13.xml><?xml version="1.0" encoding="utf-8"?>
+<p:sld xmlns:a="http://schemas.openxmlformats.org/drawingml/2006/main" xmlns:r="http://schemas.openxmlformats.org/officeDocument/2006/relationships" xmlns:p="http://schemas.openxmlformats.org/presentationml/2006/main">
+  <p:cSld>
+    <p:spTree>
+      <p:nvGrpSpPr>
+        <p:cNvPr id="1" name=""/>
+        <p:cNvGrpSpPr/>
+        <p:nvPr/>
+      </p:nvGrpSpPr>
+      <p:grpSpPr>
+        <a:xfrm>
+          <a:off x="0" y="0"/>
+          <a:ext cx="0" cy="0"/>
+          <a:chOff x="0" y="0"/>
+          <a:chExt cx="0" cy="0"/>
+        </a:xfrm>
+      </p:grpSpPr>
+      <p:sp>
+        <p:nvSpPr>
+          <p:cNvPr id="2" name="Title 1"/>
+          <p:cNvSpPr>
+            <a:spLocks noGrp="1"/>
+          </p:cNvSpPr>
+          <p:nvPr>
+            <p:ph type="title"/>
+          </p:nvPr>
+        </p:nvSpPr>
+        <p:spPr>
+          <a:xfrm>
+            <a:off x="825909" y="808055"/>
+            <a:ext cx="3979205" cy="1453363"/>
+          </a:xfrm>
+        </p:spPr>
+        <p:txBody>
+          <a:bodyPr>
+            <a:normAutofit/>
+          </a:bodyPr>
+          <a:lstStyle/>
+          <a:p>
+            <a:r>
+              <a:rPr lang="en-US" dirty="0"/>
+              <a:t>Section 6 | Listing</a:t>
+            </a:r>
+          </a:p>
+        </p:txBody>
+      </p:sp>
+      <p:sp>
+        <p:nvSpPr>
+          <p:cNvPr id="3" name="Content Placeholder 2"/>
+          <p:cNvSpPr>
+            <a:spLocks noGrp="1"/>
+          </p:cNvSpPr>
+          <p:nvPr>
+            <p:ph idx="1"/>
+          </p:nvPr>
+        </p:nvSpPr>
+        <p:spPr>
+          <a:xfrm>
+            <a:off x="802178" y="2261420"/>
+            <a:ext cx="4002936" cy="3637935"/>
+          </a:xfrm>
+        </p:spPr>
+        <p:txBody>
+          <a:bodyPr>
+            <a:normAutofit/>
+          </a:bodyPr>
+          <a:lstStyle/>
+          <a:p>
+            <a:r>
+              <a:rPr lang="en-US" dirty="0"/>
+              <a:t>Introduce the += operator</a:t>
+            </a:r>
+          </a:p>
+          <a:p>
+            <a:r>
+              <a:rPr lang="en-US" dirty="0"/>
+              <a:t>See how it simplifies the code</a:t>
+            </a:r>
+          </a:p>
+        </p:txBody>
+      </p:sp>
+      <p:pic>
+        <p:nvPicPr>
+          <p:cNvPr id="7" name="Picture 6"/>
+          <p:cNvPicPr>
+            <a:picLocks noChangeAspect="1"/>
+          </p:cNvPicPr>
+          <p:nvPr/>
+        </p:nvPicPr>
+        <p:blipFill>
+          <a:blip r:embed="rId2"/>
+          <a:stretch>
+            <a:fillRect/>
+          </a:stretch>
+        </p:blipFill>
+        <p:spPr>
+          <a:xfrm>
+            <a:off x="5321754" y="1708104"/>
+            <a:ext cx="6381750" cy="3781425"/>
+          </a:xfrm>
+          <a:prstGeom prst="rect">
+            <a:avLst/>
+          </a:prstGeom>
+        </p:spPr>
+      </p:pic>
+    </p:spTree>
+    <p:extLst>
+      <p:ext uri="{BB962C8B-B14F-4D97-AF65-F5344CB8AC3E}">
+        <p14:creationId xmlns:p14="http://schemas.microsoft.com/office/powerpoint/2010/main" val="2589246716"/>
+      </p:ext>
+    </p:extLst>
+  </p:cSld>
+  <p:clrMapOvr>
+    <a:masterClrMapping/>
+  </p:clrMapOvr>
+</p:sld>
+</file>
+
+<file path=ppt/slides/slide14.xml><?xml version="1.0" encoding="utf-8"?>
+<p:sld xmlns:a="http://schemas.openxmlformats.org/drawingml/2006/main" xmlns:r="http://schemas.openxmlformats.org/officeDocument/2006/relationships" xmlns:p="http://schemas.openxmlformats.org/presentationml/2006/main">
+  <p:cSld>
+    <p:spTree>
+      <p:nvGrpSpPr>
+        <p:cNvPr id="1" name=""/>
+        <p:cNvGrpSpPr/>
+        <p:nvPr/>
+      </p:nvGrpSpPr>
+      <p:grpSpPr>
+        <a:xfrm>
+          <a:off x="0" y="0"/>
+          <a:ext cx="0" cy="0"/>
+          <a:chOff x="0" y="0"/>
+          <a:chExt cx="0" cy="0"/>
+        </a:xfrm>
+      </p:grpSpPr>
+      <p:pic>
+        <p:nvPicPr>
+          <p:cNvPr id="4" name="Picture 3"/>
+          <p:cNvPicPr>
+            <a:picLocks noChangeAspect="1"/>
+          </p:cNvPicPr>
+          <p:nvPr/>
+        </p:nvPicPr>
+        <p:blipFill>
+          <a:blip r:embed="rId2"/>
+          <a:stretch>
+            <a:fillRect/>
+          </a:stretch>
+        </p:blipFill>
+        <p:spPr>
+          <a:xfrm>
+            <a:off x="5271464" y="2261418"/>
+            <a:ext cx="6095593" cy="3139230"/>
+          </a:xfrm>
+          <a:prstGeom prst="roundRect">
+            <a:avLst>
+              <a:gd name="adj" fmla="val 4380"/>
+            </a:avLst>
+          </a:prstGeom>
+          <a:ln w="50800" cap="sq" cmpd="dbl">
+            <a:gradFill flip="none" rotWithShape="1">
+              <a:gsLst>
+                <a:gs pos="0">
+                  <a:srgbClr val="FFFFFF"/>
+                </a:gs>
+                <a:gs pos="100000">
+                  <a:schemeClr val="tx1">
+                    <a:alpha val="0"/>
+                  </a:schemeClr>
+                </a:gs>
+              </a:gsLst>
+              <a:path path="circle">
+                <a:fillToRect l="50000" t="50000" r="50000" b="50000"/>
+              </a:path>
+              <a:tileRect/>
+            </a:gradFill>
+            <a:miter lim="800000"/>
+          </a:ln>
+          <a:effectLst>
+            <a:outerShdw blurRad="254000" algn="tl" rotWithShape="0">
+              <a:srgbClr val="000000">
+                <a:alpha val="43000"/>
+              </a:srgbClr>
+            </a:outerShdw>
+          </a:effectLst>
+        </p:spPr>
+      </p:pic>
+      <p:sp>
+        <p:nvSpPr>
+          <p:cNvPr id="2" name="Title 1"/>
+          <p:cNvSpPr>
+            <a:spLocks noGrp="1"/>
+          </p:cNvSpPr>
+          <p:nvPr>
+            <p:ph type="title"/>
+          </p:nvPr>
+        </p:nvSpPr>
+        <p:spPr>
+          <a:xfrm>
+            <a:off x="825909" y="808055"/>
+            <a:ext cx="3979205" cy="1453363"/>
+          </a:xfrm>
+        </p:spPr>
+        <p:txBody>
+          <a:bodyPr>
+            <a:normAutofit/>
+          </a:bodyPr>
+          <a:lstStyle/>
+          <a:p>
+            <a:r>
+              <a:rPr lang="en-US" dirty="0"/>
+              <a:t>Section 7 | Listing</a:t>
+            </a:r>
+          </a:p>
+        </p:txBody>
+      </p:sp>
+      <p:sp>
+        <p:nvSpPr>
+          <p:cNvPr id="3" name="Content Placeholder 2"/>
+          <p:cNvSpPr>
+            <a:spLocks noGrp="1"/>
+          </p:cNvSpPr>
+          <p:nvPr>
+            <p:ph idx="1"/>
+          </p:nvPr>
+        </p:nvSpPr>
+        <p:spPr>
+          <a:xfrm>
+            <a:off x="802178" y="2261420"/>
+            <a:ext cx="4002936" cy="3637935"/>
+          </a:xfrm>
+        </p:spPr>
+        <p:txBody>
+          <a:bodyPr>
+            <a:normAutofit/>
+          </a:bodyPr>
+          <a:lstStyle/>
+          <a:p>
+            <a:r>
+              <a:rPr lang="en-US" dirty="0"/>
+              <a:t>Introduce looping</a:t>
+            </a:r>
+          </a:p>
+          <a:p>
+            <a:r>
+              <a:rPr lang="en-US" dirty="0"/>
+              <a:t>Now we’re really getting the program to work for us. </a:t>
+            </a:r>
+          </a:p>
+        </p:txBody>
+      </p:sp>
+    </p:spTree>
+    <p:extLst>
+      <p:ext uri="{BB962C8B-B14F-4D97-AF65-F5344CB8AC3E}">
+        <p14:creationId xmlns:p14="http://schemas.microsoft.com/office/powerpoint/2010/main" val="2992974097"/>
+      </p:ext>
+    </p:extLst>
+  </p:cSld>
+  <p:clrMapOvr>
+    <a:masterClrMapping/>
+  </p:clrMapOvr>
+</p:sld>
+</file>
+
+<file path=ppt/slides/slide15.xml><?xml version="1.0" encoding="utf-8"?>
+<p:sld xmlns:a="http://schemas.openxmlformats.org/drawingml/2006/main" xmlns:r="http://schemas.openxmlformats.org/officeDocument/2006/relationships" xmlns:p="http://schemas.openxmlformats.org/presentationml/2006/main">
+  <p:cSld>
+    <p:spTree>
+      <p:nvGrpSpPr>
+        <p:cNvPr id="1" name=""/>
+        <p:cNvGrpSpPr/>
+        <p:nvPr/>
+      </p:nvGrpSpPr>
+      <p:grpSpPr>
+        <a:xfrm>
+          <a:off x="0" y="0"/>
+          <a:ext cx="0" cy="0"/>
+          <a:chOff x="0" y="0"/>
+          <a:chExt cx="0" cy="0"/>
+        </a:xfrm>
+      </p:grpSpPr>
+      <p:sp>
+        <p:nvSpPr>
+          <p:cNvPr id="2" name="Title 1"/>
+          <p:cNvSpPr>
+            <a:spLocks noGrp="1"/>
+          </p:cNvSpPr>
+          <p:nvPr>
+            <p:ph type="title"/>
+          </p:nvPr>
+        </p:nvSpPr>
+        <p:spPr>
+          <a:xfrm>
+            <a:off x="825909" y="808055"/>
+            <a:ext cx="3979205" cy="1453363"/>
+          </a:xfrm>
+        </p:spPr>
+        <p:txBody>
+          <a:bodyPr>
+            <a:normAutofit/>
+          </a:bodyPr>
+          <a:lstStyle/>
+          <a:p>
+            <a:r>
+              <a:rPr lang="en-US" dirty="0"/>
+              <a:t>Section 8 | Listing</a:t>
+            </a:r>
+          </a:p>
+        </p:txBody>
+      </p:sp>
+      <p:sp>
+        <p:nvSpPr>
+          <p:cNvPr id="3" name="Content Placeholder 2"/>
+          <p:cNvSpPr>
+            <a:spLocks noGrp="1"/>
+          </p:cNvSpPr>
+          <p:nvPr>
+            <p:ph idx="1"/>
+          </p:nvPr>
+        </p:nvSpPr>
+        <p:spPr>
+          <a:xfrm>
+            <a:off x="802178" y="2261420"/>
+            <a:ext cx="4002936" cy="3637935"/>
+          </a:xfrm>
+        </p:spPr>
+        <p:txBody>
+          <a:bodyPr>
+            <a:normAutofit/>
+          </a:bodyPr>
+          <a:lstStyle/>
+          <a:p>
+            <a:r>
+              <a:rPr lang="en-US" dirty="0"/>
+              <a:t>I like having the program tell us what it is doing while it’s doing it. Let’s add our logging back in.</a:t>
+            </a:r>
+          </a:p>
+        </p:txBody>
+      </p:sp>
+    </p:spTree>
+    <p:extLst>
+      <p:ext uri="{BB962C8B-B14F-4D97-AF65-F5344CB8AC3E}">
+        <p14:creationId xmlns:p14="http://schemas.microsoft.com/office/powerpoint/2010/main" val="3750904850"/>
+      </p:ext>
+    </p:extLst>
+  </p:cSld>
+  <p:clrMapOvr>
+    <a:masterClrMapping/>
+  </p:clrMapOvr>
+</p:sld>
+</file>
+
+<file path=ppt/slides/slide16.xml><?xml version="1.0" encoding="utf-8"?>
+<p:sld xmlns:a="http://schemas.openxmlformats.org/drawingml/2006/main" xmlns:r="http://schemas.openxmlformats.org/officeDocument/2006/relationships" xmlns:p="http://schemas.openxmlformats.org/presentationml/2006/main">
+  <p:cSld>
+    <p:spTree>
+      <p:nvGrpSpPr>
+        <p:cNvPr id="1" name=""/>
+        <p:cNvGrpSpPr/>
+        <p:nvPr/>
+      </p:nvGrpSpPr>
+      <p:grpSpPr>
+        <a:xfrm>
+          <a:off x="0" y="0"/>
+          <a:ext cx="0" cy="0"/>
+          <a:chOff x="0" y="0"/>
+          <a:chExt cx="0" cy="0"/>
+        </a:xfrm>
+      </p:grpSpPr>
+      <p:sp>
+        <p:nvSpPr>
+          <p:cNvPr id="2" name="Title 1"/>
+          <p:cNvSpPr>
+            <a:spLocks noGrp="1"/>
+          </p:cNvSpPr>
+          <p:nvPr>
+            <p:ph type="title"/>
+          </p:nvPr>
+        </p:nvSpPr>
+        <p:spPr/>
+        <p:txBody>
+          <a:bodyPr/>
+          <a:lstStyle/>
+          <a:p>
+            <a:r>
+              <a:rPr lang="en-US" dirty="0" smtClean="0"/>
+              <a:t>Section 9 | Listing</a:t>
+            </a:r>
+            <a:endParaRPr lang="en-US" dirty="0"/>
+          </a:p>
+        </p:txBody>
+      </p:sp>
+      <p:sp>
+        <p:nvSpPr>
+          <p:cNvPr id="3" name="Content Placeholder 2"/>
+          <p:cNvSpPr>
+            <a:spLocks noGrp="1"/>
+          </p:cNvSpPr>
+          <p:nvPr>
+            <p:ph idx="1"/>
+          </p:nvPr>
+        </p:nvSpPr>
+        <p:spPr/>
+        <p:txBody>
+          <a:bodyPr/>
+          <a:lstStyle/>
+          <a:p>
+            <a:r>
+              <a:rPr lang="en-US" dirty="0" smtClean="0"/>
+              <a:t>For an acceptable finished product, we still have to manually remove the extra headers from each file added to the consolidated report .</a:t>
+            </a:r>
+            <a:endParaRPr lang="en-US" dirty="0"/>
+          </a:p>
+        </p:txBody>
+      </p:sp>
+    </p:spTree>
+    <p:extLst>
+      <p:ext uri="{BB962C8B-B14F-4D97-AF65-F5344CB8AC3E}">
+        <p14:creationId xmlns:p14="http://schemas.microsoft.com/office/powerpoint/2010/main" val="1663894418"/>
+      </p:ext>
+    </p:extLst>
+  </p:cSld>
+  <p:clrMapOvr>
+    <a:masterClrMapping/>
+  </p:clrMapOvr>
+</p:sld>
+</file>
+
+<file path=ppt/slides/slide2.xml><?xml version="1.0" encoding="utf-8"?>
+<p:sld xmlns:a="http://schemas.openxmlformats.org/drawingml/2006/main" xmlns:r="http://schemas.openxmlformats.org/officeDocument/2006/relationships" xmlns:p="http://schemas.openxmlformats.org/presentationml/2006/main">
+  <p:cSld>
+    <p:spTree>
+      <p:nvGrpSpPr>
+        <p:cNvPr id="1" name=""/>
+        <p:cNvGrpSpPr/>
+        <p:nvPr/>
+      </p:nvGrpSpPr>
+      <p:grpSpPr>
+        <a:xfrm>
+          <a:off x="0" y="0"/>
+          <a:ext cx="0" cy="0"/>
+          <a:chOff x="0" y="0"/>
+          <a:chExt cx="0" cy="0"/>
+        </a:xfrm>
+      </p:grpSpPr>
+      <p:pic>
+        <p:nvPicPr>
+          <p:cNvPr id="22" name="Picture 21"/>
+          <p:cNvPicPr>
+            <a:picLocks noChangeAspect="1"/>
+          </p:cNvPicPr>
+          <p:nvPr/>
+        </p:nvPicPr>
+        <p:blipFill>
+          <a:blip r:embed="rId2"/>
+          <a:stretch>
+            <a:fillRect/>
+          </a:stretch>
+        </p:blipFill>
+        <p:spPr>
+          <a:xfrm>
+            <a:off x="5953250" y="3660419"/>
+            <a:ext cx="6064447" cy="1581556"/>
+          </a:xfrm>
+          <a:prstGeom prst="rect">
+            <a:avLst/>
+          </a:prstGeom>
+        </p:spPr>
+      </p:pic>
+      <p:sp>
+        <p:nvSpPr>
+          <p:cNvPr id="27" name="Curved Right Arrow 26"/>
+          <p:cNvSpPr/>
+          <p:nvPr/>
+        </p:nvSpPr>
+        <p:spPr>
+          <a:xfrm>
+            <a:off x="5676476" y="3010124"/>
+            <a:ext cx="577838" cy="999168"/>
+          </a:xfrm>
+          <a:prstGeom prst="curvedRightArrow">
+            <a:avLst/>
+          </a:prstGeom>
+          <a:ln>
+            <a:solidFill>
+              <a:schemeClr val="bg2">
+                <a:lumMod val="50000"/>
+              </a:schemeClr>
+            </a:solidFill>
+          </a:ln>
+        </p:spPr>
+        <p:style>
+          <a:lnRef idx="3">
+            <a:schemeClr val="lt1"/>
+          </a:lnRef>
+          <a:fillRef idx="1">
+            <a:schemeClr val="accent3"/>
+          </a:fillRef>
+          <a:effectRef idx="1">
+            <a:schemeClr val="accent3"/>
+          </a:effectRef>
+          <a:fontRef idx="minor">
+            <a:schemeClr val="lt1"/>
+          </a:fontRef>
+        </p:style>
+        <p:txBody>
+          <a:bodyPr rtlCol="0" anchor="ctr"/>
+          <a:lstStyle/>
+          <a:p>
+            <a:pPr algn="ctr"/>
+            <a:endParaRPr lang="en-US">
+              <a:solidFill>
+                <a:schemeClr val="tx1"/>
+              </a:solidFill>
+            </a:endParaRPr>
+          </a:p>
+        </p:txBody>
+      </p:sp>
+      <p:grpSp>
+        <p:nvGrpSpPr>
+          <p:cNvPr id="14" name="Group 13"/>
+          <p:cNvGrpSpPr/>
+          <p:nvPr/>
+        </p:nvGrpSpPr>
+        <p:grpSpPr>
+          <a:xfrm>
+            <a:off x="895056" y="2552114"/>
+            <a:ext cx="1230591" cy="546686"/>
+            <a:chOff x="2099603" y="2552114"/>
+            <a:chExt cx="1230591" cy="546686"/>
+          </a:xfrm>
+        </p:grpSpPr>
+        <p:pic>
+          <p:nvPicPr>
+            <p:cNvPr id="4" name="Picture 3" descr="excelfile png definición de excel celda rango etiquetas de hoja"/>
+            <p:cNvPicPr>
+              <a:picLocks noChangeAspect="1"/>
+            </p:cNvPicPr>
+            <p:nvPr/>
+          </p:nvPicPr>
+          <p:blipFill>
+            <a:blip r:embed="rId3"/>
+            <a:stretch>
+              <a:fillRect/>
+            </a:stretch>
+          </p:blipFill>
+          <p:spPr>
+            <a:xfrm>
+              <a:off x="2099603" y="2552114"/>
+              <a:ext cx="546686" cy="546686"/>
+            </a:xfrm>
+            <a:prstGeom prst="rect">
+              <a:avLst/>
+            </a:prstGeom>
+          </p:spPr>
+        </p:pic>
+        <p:sp>
+          <p:nvSpPr>
+            <p:cNvPr id="5" name="TextBox 4"/>
+            <p:cNvSpPr txBox="1"/>
+            <p:nvPr/>
+          </p:nvSpPr>
+          <p:spPr>
+            <a:xfrm>
+              <a:off x="2646289" y="2640791"/>
+              <a:ext cx="683905" cy="369332"/>
+            </a:xfrm>
+            <a:prstGeom prst="rect">
+              <a:avLst/>
+            </a:prstGeom>
+            <a:noFill/>
+          </p:spPr>
+          <p:txBody>
+            <a:bodyPr wrap="none" rtlCol="0">
+              <a:spAutoFit/>
+            </a:bodyPr>
+            <a:lstStyle/>
+            <a:p>
+              <a:r>
+                <a:rPr lang="en-US" dirty="0"/>
+                <a:t>Texas</a:t>
+              </a:r>
+            </a:p>
+          </p:txBody>
+        </p:sp>
+      </p:grpSp>
+      <p:grpSp>
+        <p:nvGrpSpPr>
+          <p:cNvPr id="15" name="Group 14"/>
+          <p:cNvGrpSpPr/>
+          <p:nvPr/>
+        </p:nvGrpSpPr>
+        <p:grpSpPr>
+          <a:xfrm>
+            <a:off x="895056" y="3202410"/>
+            <a:ext cx="1613838" cy="546686"/>
+            <a:chOff x="2099603" y="3187477"/>
+            <a:chExt cx="1613838" cy="546686"/>
+          </a:xfrm>
+        </p:grpSpPr>
+        <p:pic>
+          <p:nvPicPr>
+            <p:cNvPr id="6" name="Picture 5" descr="excelfile png definición de excel celda rango etiquetas de hoja"/>
+            <p:cNvPicPr>
+              <a:picLocks noChangeAspect="1"/>
+            </p:cNvPicPr>
+            <p:nvPr/>
+          </p:nvPicPr>
+          <p:blipFill>
+            <a:blip r:embed="rId3"/>
+            <a:stretch>
+              <a:fillRect/>
+            </a:stretch>
+          </p:blipFill>
+          <p:spPr>
+            <a:xfrm>
+              <a:off x="2099603" y="3187477"/>
+              <a:ext cx="546686" cy="546686"/>
+            </a:xfrm>
+            <a:prstGeom prst="rect">
+              <a:avLst/>
+            </a:prstGeom>
+          </p:spPr>
+        </p:pic>
+        <p:sp>
+          <p:nvSpPr>
+            <p:cNvPr id="7" name="TextBox 6"/>
+            <p:cNvSpPr txBox="1"/>
+            <p:nvPr/>
+          </p:nvSpPr>
+          <p:spPr>
+            <a:xfrm>
+              <a:off x="2646289" y="3276154"/>
+              <a:ext cx="1067152" cy="369332"/>
+            </a:xfrm>
+            <a:prstGeom prst="rect">
+              <a:avLst/>
+            </a:prstGeom>
+            <a:noFill/>
+          </p:spPr>
+          <p:txBody>
+            <a:bodyPr wrap="none" rtlCol="0">
+              <a:spAutoFit/>
+            </a:bodyPr>
+            <a:lstStyle/>
+            <a:p>
+              <a:r>
+                <a:rPr lang="en-US" dirty="0"/>
+                <a:t>New York</a:t>
+              </a:r>
+            </a:p>
+          </p:txBody>
+        </p:sp>
+      </p:grpSp>
+      <p:grpSp>
+        <p:nvGrpSpPr>
+          <p:cNvPr id="16" name="Group 15"/>
+          <p:cNvGrpSpPr/>
+          <p:nvPr/>
+        </p:nvGrpSpPr>
+        <p:grpSpPr>
+          <a:xfrm>
+            <a:off x="895056" y="3852706"/>
+            <a:ext cx="1624160" cy="546686"/>
+            <a:chOff x="2099603" y="3882572"/>
+            <a:chExt cx="1624160" cy="546686"/>
+          </a:xfrm>
+        </p:grpSpPr>
+        <p:pic>
+          <p:nvPicPr>
+            <p:cNvPr id="8" name="Picture 7" descr="excelfile png definición de excel celda rango etiquetas de hoja"/>
+            <p:cNvPicPr>
+              <a:picLocks noChangeAspect="1"/>
+            </p:cNvPicPr>
+            <p:nvPr/>
+          </p:nvPicPr>
+          <p:blipFill>
+            <a:blip r:embed="rId3"/>
+            <a:stretch>
+              <a:fillRect/>
+            </a:stretch>
+          </p:blipFill>
+          <p:spPr>
+            <a:xfrm>
+              <a:off x="2099603" y="3882572"/>
+              <a:ext cx="546686" cy="546686"/>
+            </a:xfrm>
+            <a:prstGeom prst="rect">
+              <a:avLst/>
+            </a:prstGeom>
+          </p:spPr>
+        </p:pic>
+        <p:sp>
+          <p:nvSpPr>
+            <p:cNvPr id="9" name="TextBox 8"/>
+            <p:cNvSpPr txBox="1"/>
+            <p:nvPr/>
+          </p:nvSpPr>
+          <p:spPr>
+            <a:xfrm>
+              <a:off x="2646289" y="3971249"/>
+              <a:ext cx="1077474" cy="369332"/>
+            </a:xfrm>
+            <a:prstGeom prst="rect">
+              <a:avLst/>
+            </a:prstGeom>
+            <a:noFill/>
+          </p:spPr>
+          <p:txBody>
+            <a:bodyPr wrap="none" rtlCol="0">
+              <a:spAutoFit/>
+            </a:bodyPr>
+            <a:lstStyle/>
+            <a:p>
+              <a:r>
+                <a:rPr lang="en-US" dirty="0"/>
+                <a:t>California</a:t>
+              </a:r>
+            </a:p>
+          </p:txBody>
+        </p:sp>
+      </p:grpSp>
+      <p:grpSp>
+        <p:nvGrpSpPr>
+          <p:cNvPr id="17" name="Group 16"/>
+          <p:cNvGrpSpPr/>
+          <p:nvPr/>
+        </p:nvGrpSpPr>
+        <p:grpSpPr>
+          <a:xfrm>
+            <a:off x="895056" y="4503002"/>
+            <a:ext cx="1581008" cy="546686"/>
+            <a:chOff x="2099603" y="4517935"/>
+            <a:chExt cx="1581008" cy="546686"/>
+          </a:xfrm>
+        </p:grpSpPr>
+        <p:pic>
+          <p:nvPicPr>
+            <p:cNvPr id="10" name="Picture 9" descr="excelfile png definición de excel celda rango etiquetas de hoja"/>
+            <p:cNvPicPr>
+              <a:picLocks noChangeAspect="1"/>
+            </p:cNvPicPr>
+            <p:nvPr/>
+          </p:nvPicPr>
+          <p:blipFill>
+            <a:blip r:embed="rId3"/>
+            <a:stretch>
+              <a:fillRect/>
+            </a:stretch>
+          </p:blipFill>
+          <p:spPr>
+            <a:xfrm>
+              <a:off x="2099603" y="4517935"/>
+              <a:ext cx="546686" cy="546686"/>
+            </a:xfrm>
+            <a:prstGeom prst="rect">
+              <a:avLst/>
+            </a:prstGeom>
+          </p:spPr>
+        </p:pic>
+        <p:sp>
+          <p:nvSpPr>
+            <p:cNvPr id="11" name="TextBox 10"/>
+            <p:cNvSpPr txBox="1"/>
+            <p:nvPr/>
+          </p:nvSpPr>
+          <p:spPr>
+            <a:xfrm>
+              <a:off x="2646289" y="4606612"/>
+              <a:ext cx="1034322" cy="369332"/>
+            </a:xfrm>
+            <a:prstGeom prst="rect">
+              <a:avLst/>
+            </a:prstGeom>
+            <a:noFill/>
+          </p:spPr>
+          <p:txBody>
+            <a:bodyPr wrap="none" rtlCol="0">
+              <a:spAutoFit/>
+            </a:bodyPr>
+            <a:lstStyle/>
+            <a:p>
+              <a:r>
+                <a:rPr lang="en-US" dirty="0"/>
+                <a:t>Colorado</a:t>
+              </a:r>
+            </a:p>
+          </p:txBody>
+        </p:sp>
+      </p:grpSp>
+      <p:grpSp>
+        <p:nvGrpSpPr>
+          <p:cNvPr id="18" name="Group 17"/>
+          <p:cNvGrpSpPr/>
+          <p:nvPr/>
+        </p:nvGrpSpPr>
+        <p:grpSpPr>
+          <a:xfrm>
+            <a:off x="1113089" y="5153298"/>
+            <a:ext cx="1350817" cy="546686"/>
+            <a:chOff x="2646289" y="5241975"/>
+            <a:chExt cx="1350817" cy="546686"/>
+          </a:xfrm>
+        </p:grpSpPr>
+        <p:pic>
+          <p:nvPicPr>
+            <p:cNvPr id="12" name="Picture 11" descr="excelfile png definición de excel celda rango etiquetas de hoja"/>
+            <p:cNvPicPr>
+              <a:picLocks noChangeAspect="1"/>
+            </p:cNvPicPr>
+            <p:nvPr/>
+          </p:nvPicPr>
+          <p:blipFill>
+            <a:blip r:embed="rId3"/>
+            <a:stretch>
+              <a:fillRect/>
+            </a:stretch>
+          </p:blipFill>
+          <p:spPr>
+            <a:xfrm>
+              <a:off x="3450420" y="5241975"/>
+              <a:ext cx="546686" cy="546686"/>
+            </a:xfrm>
+            <a:prstGeom prst="rect">
+              <a:avLst/>
+            </a:prstGeom>
+          </p:spPr>
+        </p:pic>
+        <p:sp>
+          <p:nvSpPr>
+            <p:cNvPr id="13" name="TextBox 12"/>
+            <p:cNvSpPr txBox="1"/>
+            <p:nvPr/>
+          </p:nvSpPr>
+          <p:spPr>
+            <a:xfrm>
+              <a:off x="2646289" y="5330652"/>
+              <a:ext cx="798617" cy="369332"/>
+            </a:xfrm>
+            <a:prstGeom prst="rect">
+              <a:avLst/>
+            </a:prstGeom>
+            <a:noFill/>
+          </p:spPr>
+          <p:txBody>
+            <a:bodyPr wrap="none" rtlCol="0">
+              <a:spAutoFit/>
+            </a:bodyPr>
+            <a:lstStyle/>
+            <a:p>
+              <a:r>
+                <a:rPr lang="en-US" dirty="0"/>
+                <a:t>… + 46</a:t>
+              </a:r>
+            </a:p>
+          </p:txBody>
+        </p:sp>
+      </p:grpSp>
+      <p:sp>
+        <p:nvSpPr>
+          <p:cNvPr id="19" name="Right Brace 18"/>
+          <p:cNvSpPr/>
+          <p:nvPr/>
+        </p:nvSpPr>
+        <p:spPr>
+          <a:xfrm>
+            <a:off x="2508894" y="2350003"/>
+            <a:ext cx="756138" cy="3552092"/>
+          </a:xfrm>
+          <a:prstGeom prst="rightBrace">
+            <a:avLst/>
+          </a:prstGeom>
+          <a:ln>
+            <a:solidFill>
+              <a:schemeClr val="accent1">
+                <a:lumMod val="20000"/>
+                <a:lumOff val="80000"/>
+              </a:schemeClr>
+            </a:solidFill>
+          </a:ln>
+        </p:spPr>
+        <p:style>
+          <a:lnRef idx="3">
+            <a:schemeClr val="accent6"/>
+          </a:lnRef>
+          <a:fillRef idx="0">
+            <a:schemeClr val="accent6"/>
+          </a:fillRef>
+          <a:effectRef idx="2">
+            <a:schemeClr val="accent6"/>
+          </a:effectRef>
+          <a:fontRef idx="minor">
+            <a:schemeClr val="tx1"/>
+          </a:fontRef>
+        </p:style>
+        <p:txBody>
+          <a:bodyPr rtlCol="0" anchor="ctr"/>
+          <a:lstStyle/>
+          <a:p>
+            <a:pPr algn="ctr"/>
+            <a:endParaRPr lang="en-US"/>
+          </a:p>
+        </p:txBody>
+      </p:sp>
+      <p:sp>
+        <p:nvSpPr>
+          <p:cNvPr id="20" name="Oval 19"/>
+          <p:cNvSpPr/>
+          <p:nvPr/>
+        </p:nvSpPr>
+        <p:spPr>
+          <a:xfrm>
+            <a:off x="3431977" y="3357727"/>
+            <a:ext cx="1536644" cy="1536644"/>
+          </a:xfrm>
+          <a:prstGeom prst="ellipse">
+            <a:avLst/>
+          </a:prstGeom>
+        </p:spPr>
+        <p:style>
+          <a:lnRef idx="1">
+            <a:schemeClr val="dk1"/>
+          </a:lnRef>
+          <a:fillRef idx="3">
+            <a:schemeClr val="dk1"/>
+          </a:fillRef>
+          <a:effectRef idx="2">
+            <a:schemeClr val="dk1"/>
+          </a:effectRef>
+          <a:fontRef idx="minor">
+            <a:schemeClr val="lt1"/>
+          </a:fontRef>
+        </p:style>
+        <p:txBody>
+          <a:bodyPr rtlCol="0" anchor="ctr"/>
+          <a:lstStyle/>
+          <a:p>
+            <a:pPr algn="ctr"/>
+            <a:r>
+              <a:rPr lang="en-US" dirty="0"/>
+              <a:t>Process</a:t>
+            </a:r>
+          </a:p>
+        </p:txBody>
+      </p:sp>
+      <p:sp>
+        <p:nvSpPr>
+          <p:cNvPr id="21" name="Left Brace 20"/>
+          <p:cNvSpPr/>
+          <p:nvPr/>
+        </p:nvSpPr>
+        <p:spPr>
+          <a:xfrm>
+            <a:off x="5135566" y="2328022"/>
+            <a:ext cx="817684" cy="3596053"/>
+          </a:xfrm>
+          <a:prstGeom prst="leftBrace">
+            <a:avLst/>
+          </a:prstGeom>
+          <a:ln>
+            <a:solidFill>
+              <a:schemeClr val="accent1">
+                <a:lumMod val="20000"/>
+                <a:lumOff val="80000"/>
+              </a:schemeClr>
+            </a:solidFill>
+          </a:ln>
+        </p:spPr>
+        <p:style>
+          <a:lnRef idx="3">
+            <a:schemeClr val="accent6"/>
+          </a:lnRef>
+          <a:fillRef idx="0">
+            <a:schemeClr val="accent6"/>
+          </a:fillRef>
+          <a:effectRef idx="2">
+            <a:schemeClr val="accent6"/>
+          </a:effectRef>
+          <a:fontRef idx="minor">
+            <a:schemeClr val="tx1"/>
+          </a:fontRef>
+        </p:style>
+        <p:txBody>
+          <a:bodyPr rtlCol="0" anchor="ctr"/>
+          <a:lstStyle/>
+          <a:p>
+            <a:pPr algn="ctr"/>
+            <a:endParaRPr lang="en-US"/>
+          </a:p>
+        </p:txBody>
+      </p:sp>
+      <p:grpSp>
+        <p:nvGrpSpPr>
+          <p:cNvPr id="23" name="Group 22"/>
+          <p:cNvGrpSpPr/>
+          <p:nvPr/>
+        </p:nvGrpSpPr>
+        <p:grpSpPr>
+          <a:xfrm>
+            <a:off x="5953250" y="2652515"/>
+            <a:ext cx="3159132" cy="546686"/>
+            <a:chOff x="2099603" y="2552114"/>
+            <a:chExt cx="3159132" cy="546686"/>
+          </a:xfrm>
+        </p:grpSpPr>
+        <p:pic>
+          <p:nvPicPr>
+            <p:cNvPr id="24" name="Picture 23" descr="excelfile png definición de excel celda rango etiquetas de hoja"/>
+            <p:cNvPicPr>
+              <a:picLocks noChangeAspect="1"/>
+            </p:cNvPicPr>
+            <p:nvPr/>
+          </p:nvPicPr>
+          <p:blipFill>
+            <a:blip r:embed="rId3"/>
+            <a:stretch>
+              <a:fillRect/>
+            </a:stretch>
+          </p:blipFill>
+          <p:spPr>
+            <a:xfrm>
+              <a:off x="2099603" y="2552114"/>
+              <a:ext cx="546686" cy="546686"/>
+            </a:xfrm>
+            <a:prstGeom prst="rect">
+              <a:avLst/>
+            </a:prstGeom>
+          </p:spPr>
+        </p:pic>
+        <p:sp>
+          <p:nvSpPr>
+            <p:cNvPr id="25" name="TextBox 24"/>
+            <p:cNvSpPr txBox="1"/>
+            <p:nvPr/>
+          </p:nvSpPr>
+          <p:spPr>
+            <a:xfrm>
+              <a:off x="2646289" y="2640791"/>
+              <a:ext cx="2612446" cy="369332"/>
+            </a:xfrm>
+            <a:prstGeom prst="rect">
+              <a:avLst/>
+            </a:prstGeom>
+            <a:noFill/>
+          </p:spPr>
+          <p:txBody>
+            <a:bodyPr wrap="none" rtlCol="0">
+              <a:spAutoFit/>
+            </a:bodyPr>
+            <a:lstStyle/>
+            <a:p>
+              <a:r>
+                <a:rPr lang="en-US" dirty="0"/>
+                <a:t>Consolidated List of Leads</a:t>
+              </a:r>
+            </a:p>
+          </p:txBody>
+        </p:sp>
+      </p:grpSp>
+      <p:sp>
+        <p:nvSpPr>
+          <p:cNvPr id="28" name="TextBox 27"/>
+          <p:cNvSpPr txBox="1"/>
+          <p:nvPr/>
+        </p:nvSpPr>
+        <p:spPr>
+          <a:xfrm>
+            <a:off x="1216847" y="1619907"/>
+            <a:ext cx="992579" cy="461665"/>
+          </a:xfrm>
+          <a:prstGeom prst="rect">
+            <a:avLst/>
+          </a:prstGeom>
+          <a:noFill/>
+        </p:spPr>
+        <p:txBody>
+          <a:bodyPr wrap="none" rtlCol="0">
+            <a:spAutoFit/>
+          </a:bodyPr>
+          <a:lstStyle/>
+          <a:p>
+            <a:r>
+              <a:rPr lang="en-US" sz="2400" b="1" dirty="0"/>
+              <a:t>Inputs</a:t>
+            </a:r>
+          </a:p>
+        </p:txBody>
+      </p:sp>
+      <p:sp>
+        <p:nvSpPr>
+          <p:cNvPr id="29" name="TextBox 28"/>
+          <p:cNvSpPr txBox="1"/>
+          <p:nvPr/>
+        </p:nvSpPr>
+        <p:spPr>
+          <a:xfrm>
+            <a:off x="6054596" y="1618967"/>
+            <a:ext cx="1226618" cy="461665"/>
+          </a:xfrm>
+          <a:prstGeom prst="rect">
+            <a:avLst/>
+          </a:prstGeom>
+          <a:noFill/>
+        </p:spPr>
+        <p:txBody>
+          <a:bodyPr wrap="none" rtlCol="0">
+            <a:spAutoFit/>
+          </a:bodyPr>
+          <a:lstStyle/>
+          <a:p>
+            <a:r>
+              <a:rPr lang="en-US" sz="2400" b="1" dirty="0"/>
+              <a:t>Outputs</a:t>
+            </a:r>
+          </a:p>
+        </p:txBody>
+      </p:sp>
+      <p:sp>
+        <p:nvSpPr>
+          <p:cNvPr id="2" name="Title 1"/>
+          <p:cNvSpPr>
+            <a:spLocks noGrp="1"/>
+          </p:cNvSpPr>
+          <p:nvPr>
+            <p:ph type="title"/>
+          </p:nvPr>
+        </p:nvSpPr>
+        <p:spPr/>
+        <p:txBody>
+          <a:bodyPr/>
+          <a:lstStyle/>
+          <a:p>
+            <a:r>
+              <a:rPr lang="en-US" dirty="0"/>
+              <a:t>Defining what we want</a:t>
+            </a:r>
+          </a:p>
+        </p:txBody>
+      </p:sp>
+    </p:spTree>
+    <p:extLst>
+      <p:ext uri="{BB962C8B-B14F-4D97-AF65-F5344CB8AC3E}">
+        <p14:creationId xmlns:p14="http://schemas.microsoft.com/office/powerpoint/2010/main" val="2521872920"/>
+      </p:ext>
+    </p:extLst>
+  </p:cSld>
+  <p:clrMapOvr>
+    <a:masterClrMapping/>
+  </p:clrMapOvr>
+</p:sld>
+</file>
+
+<file path=ppt/slides/slide3.xml><?xml version="1.0" encoding="utf-8"?>
+<p:sld xmlns:a="http://schemas.openxmlformats.org/drawingml/2006/main" xmlns:r="http://schemas.openxmlformats.org/officeDocument/2006/relationships" xmlns:p="http://schemas.openxmlformats.org/presentationml/2006/main">
+  <p:cSld>
+    <p:spTree>
+      <p:nvGrpSpPr>
+        <p:cNvPr id="1" name=""/>
+        <p:cNvGrpSpPr/>
+        <p:nvPr/>
+      </p:nvGrpSpPr>
+      <p:grpSpPr>
+        <a:xfrm>
+          <a:off x="0" y="0"/>
+          <a:ext cx="0" cy="0"/>
+          <a:chOff x="0" y="0"/>
+          <a:chExt cx="0" cy="0"/>
+        </a:xfrm>
+      </p:grpSpPr>
+      <p:sp>
+        <p:nvSpPr>
+          <p:cNvPr id="2" name="Title 1"/>
+          <p:cNvSpPr>
+            <a:spLocks noGrp="1"/>
+          </p:cNvSpPr>
+          <p:nvPr>
+            <p:ph type="title"/>
+          </p:nvPr>
+        </p:nvSpPr>
+        <p:spPr/>
+        <p:txBody>
+          <a:bodyPr/>
+          <a:lstStyle/>
+          <a:p>
+            <a:r>
+              <a:rPr lang="en-US" dirty="0"/>
+              <a:t>Process Flow</a:t>
+            </a:r>
+          </a:p>
+        </p:txBody>
+      </p:sp>
+      <p:sp>
+        <p:nvSpPr>
+          <p:cNvPr id="3" name="Content Placeholder 2"/>
+          <p:cNvSpPr>
+            <a:spLocks noGrp="1"/>
+          </p:cNvSpPr>
+          <p:nvPr>
+            <p:ph idx="1"/>
+          </p:nvPr>
+        </p:nvSpPr>
+        <p:spPr/>
+        <p:txBody>
+          <a:bodyPr/>
+          <a:lstStyle/>
+          <a:p>
+            <a:endParaRPr lang="en-US" dirty="0"/>
+          </a:p>
+        </p:txBody>
+      </p:sp>
+    </p:spTree>
+    <p:extLst>
+      <p:ext uri="{BB962C8B-B14F-4D97-AF65-F5344CB8AC3E}">
+        <p14:creationId xmlns:p14="http://schemas.microsoft.com/office/powerpoint/2010/main" val="3815960845"/>
+      </p:ext>
+    </p:extLst>
+  </p:cSld>
+  <p:clrMapOvr>
+    <a:masterClrMapping/>
+  </p:clrMapOvr>
+</p:sld>
+</file>
+
+<file path=ppt/slides/slide4.xml><?xml version="1.0" encoding="utf-8"?>
+<p:sld xmlns:a="http://schemas.openxmlformats.org/drawingml/2006/main" xmlns:r="http://schemas.openxmlformats.org/officeDocument/2006/relationships" xmlns:p="http://schemas.openxmlformats.org/presentationml/2006/main">
+  <p:cSld>
+    <p:spTree>
+      <p:nvGrpSpPr>
+        <p:cNvPr id="1" name=""/>
+        <p:cNvGrpSpPr/>
+        <p:nvPr/>
+      </p:nvGrpSpPr>
+      <p:grpSpPr>
+        <a:xfrm>
+          <a:off x="0" y="0"/>
+          <a:ext cx="0" cy="0"/>
+          <a:chOff x="0" y="0"/>
+          <a:chExt cx="0" cy="0"/>
+        </a:xfrm>
+      </p:grpSpPr>
+      <p:sp>
+        <p:nvSpPr>
+          <p:cNvPr id="2" name="Title 1"/>
+          <p:cNvSpPr>
+            <a:spLocks noGrp="1"/>
+          </p:cNvSpPr>
+          <p:nvPr>
+            <p:ph type="title"/>
+          </p:nvPr>
+        </p:nvSpPr>
+        <p:spPr/>
+        <p:txBody>
+          <a:bodyPr/>
+          <a:lstStyle/>
+          <a:p>
+            <a:r>
+              <a:rPr lang="es-ES" dirty="0"/>
+              <a:t>Case 1</a:t>
+            </a:r>
+            <a:endParaRPr lang="en-US" dirty="0"/>
+          </a:p>
+        </p:txBody>
+      </p:sp>
+      <p:pic>
+        <p:nvPicPr>
+          <p:cNvPr id="4" name="Picture 3"/>
+          <p:cNvPicPr>
+            <a:picLocks noChangeAspect="1"/>
+          </p:cNvPicPr>
+          <p:nvPr/>
+        </p:nvPicPr>
+        <p:blipFill>
+          <a:blip r:embed="rId2"/>
+          <a:stretch>
+            <a:fillRect/>
+          </a:stretch>
+        </p:blipFill>
+        <p:spPr>
+          <a:xfrm>
+            <a:off x="4304474" y="544530"/>
+            <a:ext cx="7185140" cy="2389014"/>
+          </a:xfrm>
+          <a:prstGeom prst="rect">
+            <a:avLst/>
+          </a:prstGeom>
+        </p:spPr>
+      </p:pic>
+      <p:sp>
+        <p:nvSpPr>
+          <p:cNvPr id="5" name="TextBox 4"/>
+          <p:cNvSpPr txBox="1"/>
+          <p:nvPr/>
+        </p:nvSpPr>
+        <p:spPr>
+          <a:xfrm>
+            <a:off x="591451" y="3052455"/>
+            <a:ext cx="10898163" cy="2862322"/>
+          </a:xfrm>
+          <a:prstGeom prst="rect">
+            <a:avLst/>
+          </a:prstGeom>
+          <a:noFill/>
+        </p:spPr>
+        <p:txBody>
+          <a:bodyPr wrap="square" rtlCol="0">
+            <a:spAutoFit/>
+          </a:bodyPr>
+          <a:lstStyle/>
+          <a:p>
+            <a:r>
+              <a:rPr lang="en-US" dirty="0"/>
+              <a:t>We’ll start by taking files that are already formatted the way we want and consolidating them into one file. There’s a couple of things we’ll need to know about to do this:</a:t>
+            </a:r>
+          </a:p>
+          <a:p>
+            <a:pPr marL="285750" indent="-285750">
+              <a:buFont typeface="Arial" panose="020B0604020202020204" pitchFamily="34" charset="0"/>
+              <a:buChar char="•"/>
+            </a:pPr>
+            <a:r>
+              <a:rPr lang="en-US" dirty="0"/>
+              <a:t>Reading a directory with </a:t>
+            </a:r>
+            <a:r>
+              <a:rPr lang="en-US" dirty="0" err="1"/>
+              <a:t>fs.readdir</a:t>
+            </a:r>
+            <a:endParaRPr lang="en-US" dirty="0"/>
+          </a:p>
+          <a:p>
+            <a:pPr marL="285750" indent="-285750">
+              <a:buFont typeface="Arial" panose="020B0604020202020204" pitchFamily="34" charset="0"/>
+              <a:buChar char="•"/>
+            </a:pPr>
+            <a:r>
+              <a:rPr lang="en-US" dirty="0"/>
+              <a:t>Reading a file with </a:t>
+            </a:r>
+            <a:r>
+              <a:rPr lang="en-US" dirty="0" err="1"/>
+              <a:t>fs.readFile</a:t>
+            </a:r>
+            <a:endParaRPr lang="en-US" dirty="0"/>
+          </a:p>
+          <a:p>
+            <a:pPr marL="285750" indent="-285750">
+              <a:buFont typeface="Arial" panose="020B0604020202020204" pitchFamily="34" charset="0"/>
+              <a:buChar char="•"/>
+            </a:pPr>
+            <a:r>
+              <a:rPr lang="en-US" dirty="0"/>
+              <a:t>Writing a file with </a:t>
+            </a:r>
+            <a:r>
+              <a:rPr lang="en-US" dirty="0" err="1"/>
+              <a:t>fs.writeFile</a:t>
+            </a:r>
+            <a:endParaRPr lang="en-US" dirty="0"/>
+          </a:p>
+          <a:p>
+            <a:pPr marL="285750" indent="-285750">
+              <a:buFont typeface="Arial" panose="020B0604020202020204" pitchFamily="34" charset="0"/>
+              <a:buChar char="•"/>
+            </a:pPr>
+            <a:endParaRPr lang="en-US" dirty="0"/>
+          </a:p>
+          <a:p>
+            <a:r>
+              <a:rPr lang="en-US" dirty="0"/>
+              <a:t>When we complete this case, we’ll have the bulk of automation handled as long as all team members give us the information we want in exactly the format we want it in. The solution is scalable for any number of files. This can save you a lot of time or would be a necessity depending on the scale you are working with, especially if you wanted to consolidate say 1,000 files or 10,000 for that matter. </a:t>
+            </a:r>
+          </a:p>
+        </p:txBody>
+      </p:sp>
+    </p:spTree>
+    <p:extLst>
+      <p:ext uri="{BB962C8B-B14F-4D97-AF65-F5344CB8AC3E}">
+        <p14:creationId xmlns:p14="http://schemas.microsoft.com/office/powerpoint/2010/main" val="2413513629"/>
+      </p:ext>
+    </p:extLst>
+  </p:cSld>
+  <p:clrMapOvr>
+    <a:masterClrMapping/>
+  </p:clrMapOvr>
+</p:sld>
+</file>
+
+<file path=ppt/slides/slide5.xml><?xml version="1.0" encoding="utf-8"?>
+<p:sld xmlns:a="http://schemas.openxmlformats.org/drawingml/2006/main" xmlns:r="http://schemas.openxmlformats.org/officeDocument/2006/relationships" xmlns:p="http://schemas.openxmlformats.org/presentationml/2006/main">
+  <p:cSld>
+    <p:spTree>
+      <p:nvGrpSpPr>
+        <p:cNvPr id="1" name=""/>
+        <p:cNvGrpSpPr/>
+        <p:nvPr/>
+      </p:nvGrpSpPr>
+      <p:grpSpPr>
+        <a:xfrm>
+          <a:off x="0" y="0"/>
+          <a:ext cx="0" cy="0"/>
+          <a:chOff x="0" y="0"/>
+          <a:chExt cx="0" cy="0"/>
+        </a:xfrm>
+      </p:grpSpPr>
+      <p:sp>
+        <p:nvSpPr>
+          <p:cNvPr id="2" name="Title 1"/>
+          <p:cNvSpPr>
+            <a:spLocks noGrp="1"/>
+          </p:cNvSpPr>
+          <p:nvPr>
+            <p:ph type="title"/>
+          </p:nvPr>
+        </p:nvSpPr>
+        <p:spPr/>
+        <p:txBody>
+          <a:bodyPr/>
+          <a:lstStyle/>
+          <a:p>
+            <a:r>
+              <a:rPr lang="en-US" dirty="0"/>
+              <a:t>Section 1 | Listing</a:t>
+            </a:r>
+          </a:p>
+        </p:txBody>
+      </p:sp>
+      <p:sp>
+        <p:nvSpPr>
+          <p:cNvPr id="3" name="Content Placeholder 2"/>
+          <p:cNvSpPr>
+            <a:spLocks noGrp="1"/>
+          </p:cNvSpPr>
+          <p:nvPr>
+            <p:ph idx="1"/>
+          </p:nvPr>
+        </p:nvSpPr>
+        <p:spPr>
+          <a:xfrm>
+            <a:off x="685801" y="2142067"/>
+            <a:ext cx="4259178" cy="3649133"/>
+          </a:xfrm>
+        </p:spPr>
+        <p:txBody>
+          <a:bodyPr/>
+          <a:lstStyle/>
+          <a:p>
+            <a:r>
+              <a:rPr lang="en-US" dirty="0"/>
+              <a:t>Require the fs module</a:t>
+            </a:r>
+          </a:p>
+          <a:p>
+            <a:r>
+              <a:rPr lang="en-US" dirty="0"/>
+              <a:t>Define constants</a:t>
+            </a:r>
+          </a:p>
+          <a:p>
+            <a:endParaRPr lang="en-US" dirty="0"/>
+          </a:p>
+        </p:txBody>
+      </p:sp>
+      <p:pic>
+        <p:nvPicPr>
+          <p:cNvPr id="5" name="Picture 4"/>
+          <p:cNvPicPr>
+            <a:picLocks noChangeAspect="1"/>
+          </p:cNvPicPr>
+          <p:nvPr/>
+        </p:nvPicPr>
+        <p:blipFill>
+          <a:blip r:embed="rId3"/>
+          <a:stretch>
+            <a:fillRect/>
+          </a:stretch>
+        </p:blipFill>
+        <p:spPr>
+          <a:xfrm>
+            <a:off x="3595531" y="2261023"/>
+            <a:ext cx="7800569" cy="1809936"/>
+          </a:xfrm>
+          <a:prstGeom prst="rect">
+            <a:avLst/>
+          </a:prstGeom>
+        </p:spPr>
+      </p:pic>
+    </p:spTree>
+    <p:extLst>
+      <p:ext uri="{BB962C8B-B14F-4D97-AF65-F5344CB8AC3E}">
+        <p14:creationId xmlns:p14="http://schemas.microsoft.com/office/powerpoint/2010/main" val="2918616612"/>
+      </p:ext>
+    </p:extLst>
+  </p:cSld>
+  <p:clrMapOvr>
+    <a:masterClrMapping/>
+  </p:clrMapOvr>
+</p:sld>
+</file>
+
+<file path=ppt/slides/slide6.xml><?xml version="1.0" encoding="utf-8"?>
+<p:sld xmlns:a="http://schemas.openxmlformats.org/drawingml/2006/main" xmlns:r="http://schemas.openxmlformats.org/officeDocument/2006/relationships" xmlns:p="http://schemas.openxmlformats.org/presentationml/2006/main">
+  <p:cSld>
+    <p:spTree>
+      <p:nvGrpSpPr>
+        <p:cNvPr id="1" name=""/>
+        <p:cNvGrpSpPr/>
+        <p:nvPr/>
+      </p:nvGrpSpPr>
+      <p:grpSpPr>
+        <a:xfrm>
+          <a:off x="0" y="0"/>
+          <a:ext cx="0" cy="0"/>
+          <a:chOff x="0" y="0"/>
+          <a:chExt cx="0" cy="0"/>
+        </a:xfrm>
+      </p:grpSpPr>
+      <p:sp>
+        <p:nvSpPr>
+          <p:cNvPr id="2" name="Title 1"/>
+          <p:cNvSpPr>
+            <a:spLocks noGrp="1"/>
+          </p:cNvSpPr>
+          <p:nvPr>
+            <p:ph type="title"/>
+          </p:nvPr>
+        </p:nvSpPr>
+        <p:spPr/>
+        <p:txBody>
+          <a:bodyPr/>
+          <a:lstStyle/>
+          <a:p>
+            <a:r>
+              <a:rPr lang="en-US" dirty="0"/>
+              <a:t>Section 1 | Sidebar – naming convention, using variables, string concatenation</a:t>
+            </a:r>
+          </a:p>
+        </p:txBody>
+      </p:sp>
+      <p:grpSp>
+        <p:nvGrpSpPr>
+          <p:cNvPr id="14" name="Group 13"/>
+          <p:cNvGrpSpPr/>
+          <p:nvPr/>
+        </p:nvGrpSpPr>
+        <p:grpSpPr>
+          <a:xfrm>
+            <a:off x="142958" y="3056280"/>
+            <a:ext cx="11796025" cy="3801720"/>
+            <a:chOff x="55276" y="2298583"/>
+            <a:chExt cx="11796025" cy="3801720"/>
+          </a:xfrm>
+        </p:grpSpPr>
+        <p:pic>
+          <p:nvPicPr>
+            <p:cNvPr id="5" name="Picture 4"/>
+            <p:cNvPicPr>
+              <a:picLocks noChangeAspect="1"/>
+            </p:cNvPicPr>
+            <p:nvPr/>
+          </p:nvPicPr>
+          <p:blipFill rotWithShape="1">
+            <a:blip r:embed="rId2"/>
+            <a:srcRect b="6314"/>
+            <a:stretch/>
+          </p:blipFill>
+          <p:spPr>
+            <a:xfrm>
+              <a:off x="4132575" y="2298583"/>
+              <a:ext cx="7718726" cy="3050031"/>
+            </a:xfrm>
+            <a:prstGeom prst="rect">
+              <a:avLst/>
+            </a:prstGeom>
+          </p:spPr>
+        </p:pic>
+        <p:cxnSp>
+          <p:nvCxnSpPr>
+            <p:cNvPr id="7" name="Straight Arrow Connector 6"/>
+            <p:cNvCxnSpPr/>
+            <p:nvPr/>
+          </p:nvCxnSpPr>
+          <p:spPr>
+            <a:xfrm flipH="1">
+              <a:off x="3419605" y="4546499"/>
+              <a:ext cx="1047909" cy="0"/>
+            </a:xfrm>
+            <a:prstGeom prst="straightConnector1">
+              <a:avLst/>
+            </a:prstGeom>
+            <a:ln>
+              <a:tailEnd type="triangle"/>
+            </a:ln>
+          </p:spPr>
+          <p:style>
+            <a:lnRef idx="1">
+              <a:schemeClr val="accent1"/>
+            </a:lnRef>
+            <a:fillRef idx="0">
+              <a:schemeClr val="accent1"/>
+            </a:fillRef>
+            <a:effectRef idx="0">
+              <a:schemeClr val="accent1"/>
+            </a:effectRef>
+            <a:fontRef idx="minor">
+              <a:schemeClr val="tx1"/>
+            </a:fontRef>
+          </p:style>
+        </p:cxnSp>
+        <p:sp>
+          <p:nvSpPr>
+            <p:cNvPr id="10" name="Rectangle 9"/>
+            <p:cNvSpPr/>
+            <p:nvPr/>
+          </p:nvSpPr>
+          <p:spPr>
+            <a:xfrm>
+              <a:off x="55276" y="4123126"/>
+              <a:ext cx="3175400" cy="646331"/>
+            </a:xfrm>
+            <a:prstGeom prst="rect">
+              <a:avLst/>
+            </a:prstGeom>
+          </p:spPr>
+          <p:txBody>
+            <a:bodyPr wrap="square">
+              <a:spAutoFit/>
+            </a:bodyPr>
+            <a:lstStyle/>
+            <a:p>
+              <a:pPr algn="r"/>
+              <a:r>
+                <a:rPr lang="en-US" dirty="0">
+                  <a:latin typeface="Calibri" panose="020F0502020204030204" pitchFamily="34" charset="0"/>
+                  <a:cs typeface="Courier New" panose="02070309020205020404" pitchFamily="49" charset="0"/>
+                </a:rPr>
+                <a:t>stored value is </a:t>
+              </a:r>
+              <a:br>
+                <a:rPr lang="en-US" dirty="0">
+                  <a:latin typeface="Calibri" panose="020F0502020204030204" pitchFamily="34" charset="0"/>
+                  <a:cs typeface="Courier New" panose="02070309020205020404" pitchFamily="49" charset="0"/>
+                </a:rPr>
+              </a:br>
+              <a:r>
+                <a:rPr lang="en-US" dirty="0">
+                  <a:latin typeface="Courier New" panose="02070309020205020404" pitchFamily="49" charset="0"/>
+                  <a:cs typeface="Courier New" panose="02070309020205020404" pitchFamily="49" charset="0"/>
+                </a:rPr>
+                <a:t>“Texas_GregAbbot.csv”</a:t>
+              </a:r>
+            </a:p>
+          </p:txBody>
+        </p:sp>
+        <p:sp>
+          <p:nvSpPr>
+            <p:cNvPr id="11" name="Rectangle 10"/>
+            <p:cNvSpPr/>
+            <p:nvPr/>
+          </p:nvSpPr>
+          <p:spPr>
+            <a:xfrm>
+              <a:off x="5493657" y="5453972"/>
+              <a:ext cx="4113803" cy="646331"/>
+            </a:xfrm>
+            <a:prstGeom prst="rect">
+              <a:avLst/>
+            </a:prstGeom>
+          </p:spPr>
+          <p:txBody>
+            <a:bodyPr wrap="square">
+              <a:spAutoFit/>
+            </a:bodyPr>
+            <a:lstStyle/>
+            <a:p>
+              <a:pPr algn="r"/>
+              <a:r>
+                <a:rPr lang="en-US" dirty="0">
+                  <a:latin typeface="Calibri" panose="020F0502020204030204" pitchFamily="34" charset="0"/>
+                  <a:cs typeface="Courier New" panose="02070309020205020404" pitchFamily="49" charset="0"/>
+                </a:rPr>
+                <a:t>argument passed: </a:t>
+              </a:r>
+              <a:br>
+                <a:rPr lang="en-US" dirty="0">
+                  <a:latin typeface="Calibri" panose="020F0502020204030204" pitchFamily="34" charset="0"/>
+                  <a:cs typeface="Courier New" panose="02070309020205020404" pitchFamily="49" charset="0"/>
+                </a:rPr>
+              </a:br>
+              <a:r>
+                <a:rPr lang="en-US" dirty="0">
+                  <a:latin typeface="Courier New" panose="02070309020205020404" pitchFamily="49" charset="0"/>
+                  <a:cs typeface="Courier New" panose="02070309020205020404" pitchFamily="49" charset="0"/>
+                </a:rPr>
+                <a:t>“data/Texas_GregAbbot.csv”</a:t>
+              </a:r>
+            </a:p>
+          </p:txBody>
+        </p:sp>
+        <p:sp>
+          <p:nvSpPr>
+            <p:cNvPr id="12" name="Right Brace 11"/>
+            <p:cNvSpPr/>
+            <p:nvPr/>
+          </p:nvSpPr>
+          <p:spPr>
+            <a:xfrm rot="5400000">
+              <a:off x="8630433" y="4083489"/>
+              <a:ext cx="288097" cy="2367419"/>
+            </a:xfrm>
+            <a:prstGeom prst="rightBrace">
+              <a:avLst>
+                <a:gd name="adj1" fmla="val 8333"/>
+                <a:gd name="adj2" fmla="val 52081"/>
+              </a:avLst>
+            </a:prstGeom>
+          </p:spPr>
+          <p:style>
+            <a:lnRef idx="1">
+              <a:schemeClr val="accent1"/>
+            </a:lnRef>
+            <a:fillRef idx="0">
+              <a:schemeClr val="accent1"/>
+            </a:fillRef>
+            <a:effectRef idx="0">
+              <a:schemeClr val="accent1"/>
+            </a:effectRef>
+            <a:fontRef idx="minor">
+              <a:schemeClr val="tx1"/>
+            </a:fontRef>
+          </p:style>
+          <p:txBody>
+            <a:bodyPr rtlCol="0" anchor="ctr"/>
+            <a:lstStyle/>
+            <a:p>
+              <a:pPr algn="ctr"/>
+              <a:endParaRPr lang="en-US"/>
+            </a:p>
+          </p:txBody>
+        </p:sp>
+      </p:grpSp>
+      <p:sp>
+        <p:nvSpPr>
+          <p:cNvPr id="13" name="Rectangle 12"/>
+          <p:cNvSpPr/>
+          <p:nvPr/>
+        </p:nvSpPr>
+        <p:spPr>
+          <a:xfrm>
+            <a:off x="685801" y="2114012"/>
+            <a:ext cx="4136720" cy="2585323"/>
+          </a:xfrm>
+          <a:prstGeom prst="rect">
+            <a:avLst/>
+          </a:prstGeom>
+        </p:spPr>
+        <p:txBody>
+          <a:bodyPr wrap="square">
+            <a:spAutoFit/>
+          </a:bodyPr>
+          <a:lstStyle/>
+          <a:p>
+            <a:r>
+              <a:rPr lang="en-US" dirty="0"/>
+              <a:t>These include our the path to our files, and the file extension we are expecting. And the file name.  It’s important that our input files use filenames that follow a convention. </a:t>
+            </a:r>
+          </a:p>
+          <a:p>
+            <a:endParaRPr lang="en-US" dirty="0"/>
+          </a:p>
+          <a:p>
+            <a:r>
+              <a:rPr lang="en-US" dirty="0"/>
+              <a:t>I’ve broken up the file name across constants to illustrate the naming convention I’ve chosen for this exercise. </a:t>
+            </a:r>
+          </a:p>
+        </p:txBody>
+      </p:sp>
+    </p:spTree>
+    <p:extLst>
+      <p:ext uri="{BB962C8B-B14F-4D97-AF65-F5344CB8AC3E}">
+        <p14:creationId xmlns:p14="http://schemas.microsoft.com/office/powerpoint/2010/main" val="3252158849"/>
+      </p:ext>
+    </p:extLst>
+  </p:cSld>
+  <p:clrMapOvr>
+    <a:masterClrMapping/>
+  </p:clrMapOvr>
+</p:sld>
+</file>
+
+<file path=ppt/slides/slide7.xml><?xml version="1.0" encoding="utf-8"?>
+<p:sld xmlns:a="http://schemas.openxmlformats.org/drawingml/2006/main" xmlns:r="http://schemas.openxmlformats.org/officeDocument/2006/relationships" xmlns:p="http://schemas.openxmlformats.org/presentationml/2006/main">
+  <p:cSld>
+    <p:spTree>
+      <p:nvGrpSpPr>
+        <p:cNvPr id="1" name=""/>
+        <p:cNvGrpSpPr/>
+        <p:nvPr/>
+      </p:nvGrpSpPr>
+      <p:grpSpPr>
+        <a:xfrm>
+          <a:off x="0" y="0"/>
+          <a:ext cx="0" cy="0"/>
+          <a:chOff x="0" y="0"/>
+          <a:chExt cx="0" cy="0"/>
+        </a:xfrm>
+      </p:grpSpPr>
+      <p:sp>
+        <p:nvSpPr>
+          <p:cNvPr id="2" name="Title 1"/>
+          <p:cNvSpPr>
+            <a:spLocks noGrp="1"/>
+          </p:cNvSpPr>
+          <p:nvPr>
+            <p:ph type="title"/>
+          </p:nvPr>
+        </p:nvSpPr>
+        <p:spPr/>
+        <p:txBody>
+          <a:bodyPr/>
+          <a:lstStyle/>
+          <a:p>
+            <a:r>
+              <a:rPr lang="en-US" dirty="0"/>
+              <a:t>Section 1 | Sidebar</a:t>
+            </a:r>
+          </a:p>
+        </p:txBody>
+      </p:sp>
+      <p:grpSp>
+        <p:nvGrpSpPr>
+          <p:cNvPr id="26" name="Group 25"/>
+          <p:cNvGrpSpPr/>
+          <p:nvPr/>
+        </p:nvGrpSpPr>
+        <p:grpSpPr>
+          <a:xfrm>
+            <a:off x="278130" y="3017520"/>
+            <a:ext cx="5600700" cy="2895600"/>
+            <a:chOff x="3295650" y="1981200"/>
+            <a:chExt cx="5600700" cy="2895600"/>
+          </a:xfrm>
+        </p:grpSpPr>
+        <p:pic>
+          <p:nvPicPr>
+            <p:cNvPr id="4" name="Picture 3"/>
+            <p:cNvPicPr>
+              <a:picLocks noChangeAspect="1"/>
+            </p:cNvPicPr>
+            <p:nvPr/>
+          </p:nvPicPr>
+          <p:blipFill>
+            <a:blip r:embed="rId2"/>
+            <a:stretch>
+              <a:fillRect/>
+            </a:stretch>
+          </p:blipFill>
+          <p:spPr>
+            <a:xfrm>
+              <a:off x="3295650" y="1981200"/>
+              <a:ext cx="5600700" cy="2895600"/>
+            </a:xfrm>
+            <a:prstGeom prst="rect">
+              <a:avLst/>
+            </a:prstGeom>
+          </p:spPr>
+        </p:pic>
+        <p:cxnSp>
+          <p:nvCxnSpPr>
+            <p:cNvPr id="9" name="Straight Arrow Connector 8"/>
+            <p:cNvCxnSpPr/>
+            <p:nvPr/>
+          </p:nvCxnSpPr>
+          <p:spPr>
+            <a:xfrm flipH="1">
+              <a:off x="5468887" y="2979350"/>
+              <a:ext cx="1200205" cy="0"/>
+            </a:xfrm>
+            <a:prstGeom prst="straightConnector1">
+              <a:avLst/>
+            </a:prstGeom>
+            <a:ln>
+              <a:tailEnd type="triangle"/>
+            </a:ln>
+          </p:spPr>
+          <p:style>
+            <a:lnRef idx="1">
+              <a:schemeClr val="accent1"/>
+            </a:lnRef>
+            <a:fillRef idx="0">
+              <a:schemeClr val="accent1"/>
+            </a:fillRef>
+            <a:effectRef idx="0">
+              <a:schemeClr val="accent1"/>
+            </a:effectRef>
+            <a:fontRef idx="minor">
+              <a:schemeClr val="tx1"/>
+            </a:fontRef>
+          </p:style>
+        </p:cxnSp>
+        <p:cxnSp>
+          <p:nvCxnSpPr>
+            <p:cNvPr id="11" name="Elbow Connector 10"/>
+            <p:cNvCxnSpPr>
+              <a:stCxn id="14" idx="1"/>
+            </p:cNvCxnSpPr>
+            <p:nvPr/>
+          </p:nvCxnSpPr>
+          <p:spPr>
+            <a:xfrm rot="10800000" flipV="1">
+              <a:off x="5077968" y="2253158"/>
+              <a:ext cx="916752" cy="221817"/>
+            </a:xfrm>
+            <a:prstGeom prst="bentConnector3">
+              <a:avLst>
+                <a:gd name="adj1" fmla="val 50000"/>
+              </a:avLst>
+            </a:prstGeom>
+            <a:ln>
+              <a:headEnd type="none" w="med" len="med"/>
+              <a:tailEnd type="triangle" w="med" len="med"/>
+            </a:ln>
+          </p:spPr>
+          <p:style>
+            <a:lnRef idx="1">
+              <a:schemeClr val="accent1"/>
+            </a:lnRef>
+            <a:fillRef idx="0">
+              <a:schemeClr val="accent1"/>
+            </a:fillRef>
+            <a:effectRef idx="0">
+              <a:schemeClr val="accent1"/>
+            </a:effectRef>
+            <a:fontRef idx="minor">
+              <a:schemeClr val="tx1"/>
+            </a:fontRef>
+          </p:style>
+        </p:cxnSp>
+        <p:sp>
+          <p:nvSpPr>
+            <p:cNvPr id="14" name="TextBox 13"/>
+            <p:cNvSpPr txBox="1"/>
+            <p:nvPr/>
+          </p:nvSpPr>
+          <p:spPr>
+            <a:xfrm>
+              <a:off x="5994720" y="2114659"/>
+              <a:ext cx="1356333" cy="276999"/>
+            </a:xfrm>
+            <a:prstGeom prst="rect">
+              <a:avLst/>
+            </a:prstGeom>
+            <a:noFill/>
+          </p:spPr>
+          <p:txBody>
+            <a:bodyPr wrap="none" rtlCol="0">
+              <a:spAutoFit/>
+            </a:bodyPr>
+            <a:lstStyle/>
+            <a:p>
+              <a:r>
+                <a:rPr lang="en-US" sz="1200" dirty="0"/>
+                <a:t>enable strict mode</a:t>
+              </a:r>
+            </a:p>
+          </p:txBody>
+        </p:sp>
+        <p:sp>
+          <p:nvSpPr>
+            <p:cNvPr id="15" name="TextBox 14"/>
+            <p:cNvSpPr txBox="1"/>
+            <p:nvPr/>
+          </p:nvSpPr>
+          <p:spPr>
+            <a:xfrm>
+              <a:off x="6793297" y="2680569"/>
+              <a:ext cx="1978848" cy="646331"/>
+            </a:xfrm>
+            <a:prstGeom prst="rect">
+              <a:avLst/>
+            </a:prstGeom>
+            <a:noFill/>
+          </p:spPr>
+          <p:txBody>
+            <a:bodyPr wrap="square" rtlCol="0">
+              <a:spAutoFit/>
+            </a:bodyPr>
+            <a:lstStyle/>
+            <a:p>
+              <a:r>
+                <a:rPr lang="en-US" sz="1200" dirty="0"/>
+                <a:t>in strict mode, an attempt to reassign a constant throws an error</a:t>
+              </a:r>
+            </a:p>
+          </p:txBody>
+        </p:sp>
+      </p:grpSp>
+      <p:pic>
+        <p:nvPicPr>
+          <p:cNvPr id="25" name="Picture 24"/>
+          <p:cNvPicPr>
+            <a:picLocks noChangeAspect="1"/>
+          </p:cNvPicPr>
+          <p:nvPr/>
+        </p:nvPicPr>
+        <p:blipFill rotWithShape="1">
+          <a:blip r:embed="rId3"/>
+          <a:srcRect r="5792"/>
+          <a:stretch/>
+        </p:blipFill>
+        <p:spPr>
+          <a:xfrm>
+            <a:off x="6398350" y="3017519"/>
+            <a:ext cx="5305970" cy="1927408"/>
+          </a:xfrm>
+          <a:prstGeom prst="rect">
+            <a:avLst/>
+          </a:prstGeom>
+        </p:spPr>
+      </p:pic>
+      <p:sp>
+        <p:nvSpPr>
+          <p:cNvPr id="27" name="Right Arrow 26"/>
+          <p:cNvSpPr/>
+          <p:nvPr/>
+        </p:nvSpPr>
+        <p:spPr>
+          <a:xfrm>
+            <a:off x="5806944" y="3816949"/>
+            <a:ext cx="663293" cy="328547"/>
+          </a:xfrm>
+          <a:prstGeom prst="rightArrow">
+            <a:avLst/>
+          </a:prstGeom>
+        </p:spPr>
+        <p:style>
+          <a:lnRef idx="3">
+            <a:schemeClr val="lt1"/>
+          </a:lnRef>
+          <a:fillRef idx="1">
+            <a:schemeClr val="accent1"/>
+          </a:fillRef>
+          <a:effectRef idx="1">
+            <a:schemeClr val="accent1"/>
+          </a:effectRef>
+          <a:fontRef idx="minor">
+            <a:schemeClr val="lt1"/>
+          </a:fontRef>
+        </p:style>
+        <p:txBody>
+          <a:bodyPr rtlCol="0" anchor="ctr"/>
+          <a:lstStyle/>
+          <a:p>
+            <a:pPr algn="ctr"/>
+            <a:endParaRPr lang="en-US"/>
+          </a:p>
+        </p:txBody>
+      </p:sp>
+      <p:sp>
+        <p:nvSpPr>
+          <p:cNvPr id="28" name="TextBox 27"/>
+          <p:cNvSpPr txBox="1"/>
+          <p:nvPr/>
+        </p:nvSpPr>
+        <p:spPr>
+          <a:xfrm>
+            <a:off x="6325937" y="5182407"/>
+            <a:ext cx="1978848" cy="646331"/>
+          </a:xfrm>
+          <a:prstGeom prst="rect">
+            <a:avLst/>
+          </a:prstGeom>
+          <a:noFill/>
+        </p:spPr>
+        <p:txBody>
+          <a:bodyPr wrap="square" rtlCol="0">
+            <a:spAutoFit/>
+          </a:bodyPr>
+          <a:lstStyle/>
+          <a:p>
+            <a:r>
+              <a:rPr lang="en-US" sz="1200" dirty="0"/>
+              <a:t>If strict mode isn’t enabled, the program will just ignore the reassignment.</a:t>
+            </a:r>
+          </a:p>
+        </p:txBody>
+      </p:sp>
+    </p:spTree>
+    <p:extLst>
+      <p:ext uri="{BB962C8B-B14F-4D97-AF65-F5344CB8AC3E}">
+        <p14:creationId xmlns:p14="http://schemas.microsoft.com/office/powerpoint/2010/main" val="1751395959"/>
+      </p:ext>
+    </p:extLst>
+  </p:cSld>
+  <p:clrMapOvr>
+    <a:masterClrMapping/>
+  </p:clrMapOvr>
+</p:sld>
+</file>
+
+<file path=ppt/slides/slide8.xml><?xml version="1.0" encoding="utf-8"?>
+<p:sld xmlns:a="http://schemas.openxmlformats.org/drawingml/2006/main" xmlns:r="http://schemas.openxmlformats.org/officeDocument/2006/relationships" xmlns:p="http://schemas.openxmlformats.org/presentationml/2006/main">
+  <p:cSld>
+    <p:spTree>
+      <p:nvGrpSpPr>
+        <p:cNvPr id="1" name=""/>
+        <p:cNvGrpSpPr/>
+        <p:nvPr/>
+      </p:nvGrpSpPr>
+      <p:grpSpPr>
+        <a:xfrm>
+          <a:off x="0" y="0"/>
+          <a:ext cx="0" cy="0"/>
+          <a:chOff x="0" y="0"/>
+          <a:chExt cx="0" cy="0"/>
+        </a:xfrm>
+      </p:grpSpPr>
+      <p:sp>
+        <p:nvSpPr>
+          <p:cNvPr id="2" name="Title 1"/>
+          <p:cNvSpPr>
+            <a:spLocks noGrp="1"/>
+          </p:cNvSpPr>
+          <p:nvPr>
+            <p:ph type="title"/>
+          </p:nvPr>
+        </p:nvSpPr>
+        <p:spPr/>
+        <p:txBody>
+          <a:bodyPr/>
+          <a:lstStyle/>
+          <a:p>
+            <a:r>
+              <a:rPr lang="en-US" dirty="0"/>
+              <a:t>Section 2 | Listing</a:t>
+            </a:r>
+          </a:p>
+        </p:txBody>
+      </p:sp>
+      <p:pic>
+        <p:nvPicPr>
+          <p:cNvPr id="4" name="Picture 3"/>
+          <p:cNvPicPr>
+            <a:picLocks noChangeAspect="1"/>
+          </p:cNvPicPr>
+          <p:nvPr/>
+        </p:nvPicPr>
+        <p:blipFill>
+          <a:blip r:embed="rId2"/>
+          <a:stretch>
+            <a:fillRect/>
+          </a:stretch>
+        </p:blipFill>
+        <p:spPr>
+          <a:xfrm>
+            <a:off x="4864101" y="2518833"/>
+            <a:ext cx="5953125" cy="1447800"/>
+          </a:xfrm>
+          <a:prstGeom prst="rect">
+            <a:avLst/>
+          </a:prstGeom>
+        </p:spPr>
+      </p:pic>
+    </p:spTree>
+    <p:extLst>
+      <p:ext uri="{BB962C8B-B14F-4D97-AF65-F5344CB8AC3E}">
+        <p14:creationId xmlns:p14="http://schemas.microsoft.com/office/powerpoint/2010/main" val="1318280234"/>
+      </p:ext>
+    </p:extLst>
+  </p:cSld>
+  <p:clrMapOvr>
+    <a:masterClrMapping/>
+  </p:clrMapOvr>
+</p:sld>
+</file>
+
+<file path=ppt/slides/slide9.xml><?xml version="1.0" encoding="utf-8"?>
+<p:sld xmlns:a="http://schemas.openxmlformats.org/drawingml/2006/main" xmlns:r="http://schemas.openxmlformats.org/officeDocument/2006/relationships" xmlns:p="http://schemas.openxmlformats.org/presentationml/2006/main">
+  <p:cSld>
+    <p:spTree>
+      <p:nvGrpSpPr>
+        <p:cNvPr id="1" name=""/>
+        <p:cNvGrpSpPr/>
+        <p:nvPr/>
+      </p:nvGrpSpPr>
+      <p:grpSpPr>
+        <a:xfrm>
+          <a:off x="0" y="0"/>
+          <a:ext cx="0" cy="0"/>
+          <a:chOff x="0" y="0"/>
+          <a:chExt cx="0" cy="0"/>
+        </a:xfrm>
+      </p:grpSpPr>
+      <p:pic>
+        <p:nvPicPr>
+          <p:cNvPr id="4" name="Picture 3"/>
+          <p:cNvPicPr>
+            <a:picLocks noChangeAspect="1"/>
+          </p:cNvPicPr>
+          <p:nvPr/>
+        </p:nvPicPr>
+        <p:blipFill>
+          <a:blip r:embed="rId2"/>
+          <a:stretch>
+            <a:fillRect/>
+          </a:stretch>
+        </p:blipFill>
+        <p:spPr>
+          <a:xfrm>
+            <a:off x="5289752" y="2357351"/>
+            <a:ext cx="6095593" cy="1981067"/>
+          </a:xfrm>
+          <a:prstGeom prst="roundRect">
+            <a:avLst>
+              <a:gd name="adj" fmla="val 4380"/>
+            </a:avLst>
+          </a:prstGeom>
+          <a:ln w="50800" cap="sq" cmpd="dbl">
+            <a:gradFill flip="none" rotWithShape="1">
+              <a:gsLst>
+                <a:gs pos="0">
+                  <a:srgbClr val="FFFFFF"/>
+                </a:gs>
+                <a:gs pos="100000">
+                  <a:schemeClr val="tx1">
+                    <a:alpha val="0"/>
+                  </a:schemeClr>
+                </a:gs>
+              </a:gsLst>
+              <a:path path="circle">
+                <a:fillToRect l="50000" t="50000" r="50000" b="50000"/>
+              </a:path>
+              <a:tileRect/>
+            </a:gradFill>
+            <a:miter lim="800000"/>
+          </a:ln>
+          <a:effectLst>
+            <a:outerShdw blurRad="254000" algn="tl" rotWithShape="0">
+              <a:srgbClr val="000000">
+                <a:alpha val="43000"/>
+              </a:srgbClr>
+            </a:outerShdw>
+          </a:effectLst>
+        </p:spPr>
+      </p:pic>
+      <p:sp>
+        <p:nvSpPr>
+          <p:cNvPr id="2" name="Title 1"/>
+          <p:cNvSpPr>
+            <a:spLocks noGrp="1"/>
+          </p:cNvSpPr>
+          <p:nvPr>
+            <p:ph type="title"/>
+          </p:nvPr>
+        </p:nvSpPr>
+        <p:spPr>
+          <a:xfrm>
+            <a:off x="825909" y="808055"/>
+            <a:ext cx="3979205" cy="1453363"/>
+          </a:xfrm>
+        </p:spPr>
+        <p:txBody>
+          <a:bodyPr>
+            <a:normAutofit/>
+          </a:bodyPr>
+          <a:lstStyle/>
+          <a:p>
+            <a:r>
+              <a:rPr lang="en-US" dirty="0"/>
+              <a:t>Section 3 | Listing</a:t>
+            </a:r>
+          </a:p>
+        </p:txBody>
+      </p:sp>
+      <p:sp>
+        <p:nvSpPr>
+          <p:cNvPr id="3" name="Content Placeholder 2"/>
+          <p:cNvSpPr>
+            <a:spLocks noGrp="1"/>
+          </p:cNvSpPr>
+          <p:nvPr>
+            <p:ph idx="1"/>
+          </p:nvPr>
+        </p:nvSpPr>
+        <p:spPr>
+          <a:xfrm>
+            <a:off x="802178" y="2261420"/>
+            <a:ext cx="4002936" cy="3637935"/>
+          </a:xfrm>
+        </p:spPr>
+        <p:txBody>
+          <a:bodyPr>
+            <a:normAutofit/>
+          </a:bodyPr>
+          <a:lstStyle/>
+          <a:p>
+            <a:pPr marL="0" indent="0">
+              <a:buNone/>
+            </a:pPr>
+            <a:r>
+              <a:rPr lang="en-US" dirty="0"/>
+              <a:t>We read each file separately, storing it to a variable. Then, we concatenate the data into our </a:t>
+            </a:r>
+            <a:r>
+              <a:rPr lang="en-US" i="1" dirty="0" err="1"/>
+              <a:t>consolidatedData</a:t>
+            </a:r>
+            <a:r>
+              <a:rPr lang="en-US" dirty="0"/>
+              <a:t> </a:t>
+            </a:r>
+            <a:r>
+              <a:rPr lang="en-US" i="1" dirty="0"/>
+              <a:t>. </a:t>
+            </a:r>
+            <a:r>
+              <a:rPr lang="en-US" dirty="0"/>
+              <a:t>Lastly, we write the new file. </a:t>
+            </a:r>
+          </a:p>
+        </p:txBody>
+      </p:sp>
+      <p:pic>
+        <p:nvPicPr>
+          <p:cNvPr id="5" name="Picture 4"/>
+          <p:cNvPicPr>
+            <a:picLocks noChangeAspect="1"/>
+          </p:cNvPicPr>
+          <p:nvPr/>
+        </p:nvPicPr>
+        <p:blipFill>
+          <a:blip r:embed="rId3"/>
+          <a:stretch>
+            <a:fillRect/>
+          </a:stretch>
+        </p:blipFill>
+        <p:spPr>
+          <a:xfrm>
+            <a:off x="4941401" y="106325"/>
+            <a:ext cx="6827266" cy="1999414"/>
+          </a:xfrm>
+          <a:prstGeom prst="rect">
+            <a:avLst/>
+          </a:prstGeom>
+        </p:spPr>
+      </p:pic>
+      <p:sp>
+        <p:nvSpPr>
+          <p:cNvPr id="6" name="TextBox 5"/>
+          <p:cNvSpPr txBox="1"/>
+          <p:nvPr/>
+        </p:nvSpPr>
+        <p:spPr>
+          <a:xfrm>
+            <a:off x="3009417" y="530395"/>
+            <a:ext cx="856325" cy="369332"/>
+          </a:xfrm>
+          <a:prstGeom prst="rect">
+            <a:avLst/>
+          </a:prstGeom>
+          <a:noFill/>
+        </p:spPr>
+        <p:txBody>
+          <a:bodyPr wrap="none" rtlCol="0">
+            <a:spAutoFit/>
+          </a:bodyPr>
+          <a:lstStyle/>
+          <a:p>
+            <a:r>
+              <a:rPr lang="en-US" dirty="0"/>
+              <a:t>Output</a:t>
+            </a:r>
+          </a:p>
+        </p:txBody>
+      </p:sp>
+      <p:sp>
+        <p:nvSpPr>
+          <p:cNvPr id="7" name="Right Arrow 6"/>
+          <p:cNvSpPr/>
+          <p:nvPr/>
+        </p:nvSpPr>
+        <p:spPr>
+          <a:xfrm>
+            <a:off x="4028946" y="609600"/>
+            <a:ext cx="625033" cy="290127"/>
+          </a:xfrm>
+          <a:prstGeom prst="rightArrow">
+            <a:avLst/>
+          </a:prstGeom>
+        </p:spPr>
+        <p:style>
+          <a:lnRef idx="2">
+            <a:schemeClr val="accent1">
+              <a:shade val="50000"/>
+            </a:schemeClr>
+          </a:lnRef>
+          <a:fillRef idx="1">
+            <a:schemeClr val="accent1"/>
+          </a:fillRef>
+          <a:effectRef idx="0">
+            <a:schemeClr val="accent1"/>
+          </a:effectRef>
+          <a:fontRef idx="minor">
+            <a:schemeClr val="lt1"/>
+          </a:fontRef>
+        </p:style>
+        <p:txBody>
+          <a:bodyPr rtlCol="0" anchor="ctr"/>
+          <a:lstStyle/>
+          <a:p>
+            <a:pPr algn="ctr"/>
+            <a:endParaRPr lang="en-US"/>
+          </a:p>
+        </p:txBody>
+      </p:sp>
+      <p:sp>
+        <p:nvSpPr>
+          <p:cNvPr id="8" name="Rectangle 7"/>
+          <p:cNvSpPr/>
+          <p:nvPr/>
+        </p:nvSpPr>
+        <p:spPr>
+          <a:xfrm>
+            <a:off x="4849792" y="899727"/>
+            <a:ext cx="7002684" cy="304040"/>
+          </a:xfrm>
+          <a:prstGeom prst="rect">
+            <a:avLst/>
+          </a:prstGeom>
+          <a:noFill/>
+          <a:ln>
+            <a:solidFill>
+              <a:srgbClr val="FF0000"/>
+            </a:solidFill>
+          </a:ln>
+        </p:spPr>
+        <p:style>
+          <a:lnRef idx="2">
+            <a:schemeClr val="accent1">
+              <a:shade val="50000"/>
+            </a:schemeClr>
+          </a:lnRef>
+          <a:fillRef idx="1">
+            <a:schemeClr val="accent1"/>
+          </a:fillRef>
+          <a:effectRef idx="0">
+            <a:schemeClr val="accent1"/>
+          </a:effectRef>
+          <a:fontRef idx="minor">
+            <a:schemeClr val="lt1"/>
+          </a:fontRef>
+        </p:style>
+        <p:txBody>
+          <a:bodyPr rtlCol="0" anchor="ctr"/>
+          <a:lstStyle/>
+          <a:p>
+            <a:pPr algn="ctr"/>
+            <a:endParaRPr lang="en-US"/>
+          </a:p>
+        </p:txBody>
+      </p:sp>
+      <p:sp>
+        <p:nvSpPr>
+          <p:cNvPr id="9" name="TextBox 8"/>
+          <p:cNvSpPr txBox="1"/>
+          <p:nvPr/>
+        </p:nvSpPr>
+        <p:spPr>
+          <a:xfrm>
+            <a:off x="340200" y="3519230"/>
+            <a:ext cx="4604803" cy="3139321"/>
+          </a:xfrm>
+          <a:prstGeom prst="rect">
+            <a:avLst/>
+          </a:prstGeom>
+          <a:solidFill>
+            <a:schemeClr val="bg2">
+              <a:lumMod val="50000"/>
+            </a:schemeClr>
+          </a:solidFill>
+          <a:ln>
+            <a:solidFill>
+              <a:schemeClr val="accent1">
+                <a:lumMod val="20000"/>
+                <a:lumOff val="80000"/>
+              </a:schemeClr>
+            </a:solidFill>
+          </a:ln>
+        </p:spPr>
+        <p:txBody>
+          <a:bodyPr wrap="square" lIns="182880" tIns="182880" rIns="182880" bIns="182880" rtlCol="0">
+            <a:spAutoFit/>
+          </a:bodyPr>
+          <a:lstStyle/>
+          <a:p>
+            <a:r>
+              <a:rPr lang="en-US" dirty="0"/>
+              <a:t>We’ve accomplished the task but this doesn’t really save us much in terms of effort. Importantly, we now know how to read and write individual files.</a:t>
+            </a:r>
+          </a:p>
+          <a:p>
+            <a:endParaRPr lang="en-US" dirty="0"/>
+          </a:p>
+          <a:p>
+            <a:r>
+              <a:rPr lang="en-US" dirty="0"/>
+              <a:t>Looking at our output, we see that we’ve concatenated the files. To make this output useable, we’d still have to remove the extra header rows tacked on when each file is joined. </a:t>
+            </a:r>
+          </a:p>
+        </p:txBody>
+      </p:sp>
+    </p:spTree>
+    <p:extLst>
+      <p:ext uri="{BB962C8B-B14F-4D97-AF65-F5344CB8AC3E}">
+        <p14:creationId xmlns:p14="http://schemas.microsoft.com/office/powerpoint/2010/main" val="419086698"/>
       </p:ext>
     </p:extLst>
   </p:cSld>

--- a/case1.pptx
+++ b/case1.pptx
@@ -2,10 +2,10 @@
 <file path=ppt/presentation.xml><?xml version="1.0" encoding="utf-8"?>
 <p:presentation xmlns:a="http://schemas.openxmlformats.org/drawingml/2006/main" xmlns:r="http://schemas.openxmlformats.org/officeDocument/2006/relationships" xmlns:p="http://schemas.openxmlformats.org/presentationml/2006/main" autoCompressPictures="0">
   <p:sldMasterIdLst>
-    <p:sldMasterId id="2147483705" r:id="rId1"/>
+    <p:sldMasterId id="2147483759" r:id="rId1"/>
   </p:sldMasterIdLst>
   <p:notesMasterIdLst>
-    <p:notesMasterId r:id="rId18"/>
+    <p:notesMasterId r:id="rId19"/>
   </p:notesMasterIdLst>
   <p:sldIdLst>
     <p:sldId id="256" r:id="rId2"/>
@@ -24,6 +24,7 @@
     <p:sldId id="271" r:id="rId15"/>
     <p:sldId id="272" r:id="rId16"/>
     <p:sldId id="273" r:id="rId17"/>
+    <p:sldId id="274" r:id="rId18"/>
   </p:sldIdLst>
   <p:sldSz cx="12192000" cy="6858000"/>
   <p:notesSz cx="6858000" cy="9144000"/>
@@ -31,7 +32,7 @@
     <a:defPPr>
       <a:defRPr lang="en-US"/>
     </a:defPPr>
-    <a:lvl1pPr marL="0" algn="l" defTabSz="457200" rtl="0" eaLnBrk="1" latinLnBrk="0" hangingPunct="1">
+    <a:lvl1pPr marL="0" algn="l" defTabSz="914400" rtl="0" eaLnBrk="1" latinLnBrk="0" hangingPunct="1">
       <a:defRPr sz="1800" kern="1200">
         <a:solidFill>
           <a:schemeClr val="tx1"/>
@@ -41,7 +42,7 @@
         <a:cs typeface="+mn-cs"/>
       </a:defRPr>
     </a:lvl1pPr>
-    <a:lvl2pPr marL="457200" algn="l" defTabSz="457200" rtl="0" eaLnBrk="1" latinLnBrk="0" hangingPunct="1">
+    <a:lvl2pPr marL="457200" algn="l" defTabSz="914400" rtl="0" eaLnBrk="1" latinLnBrk="0" hangingPunct="1">
       <a:defRPr sz="1800" kern="1200">
         <a:solidFill>
           <a:schemeClr val="tx1"/>
@@ -51,7 +52,7 @@
         <a:cs typeface="+mn-cs"/>
       </a:defRPr>
     </a:lvl2pPr>
-    <a:lvl3pPr marL="914400" algn="l" defTabSz="457200" rtl="0" eaLnBrk="1" latinLnBrk="0" hangingPunct="1">
+    <a:lvl3pPr marL="914400" algn="l" defTabSz="914400" rtl="0" eaLnBrk="1" latinLnBrk="0" hangingPunct="1">
       <a:defRPr sz="1800" kern="1200">
         <a:solidFill>
           <a:schemeClr val="tx1"/>
@@ -61,7 +62,7 @@
         <a:cs typeface="+mn-cs"/>
       </a:defRPr>
     </a:lvl3pPr>
-    <a:lvl4pPr marL="1371600" algn="l" defTabSz="457200" rtl="0" eaLnBrk="1" latinLnBrk="0" hangingPunct="1">
+    <a:lvl4pPr marL="1371600" algn="l" defTabSz="914400" rtl="0" eaLnBrk="1" latinLnBrk="0" hangingPunct="1">
       <a:defRPr sz="1800" kern="1200">
         <a:solidFill>
           <a:schemeClr val="tx1"/>
@@ -71,7 +72,7 @@
         <a:cs typeface="+mn-cs"/>
       </a:defRPr>
     </a:lvl4pPr>
-    <a:lvl5pPr marL="1828800" algn="l" defTabSz="457200" rtl="0" eaLnBrk="1" latinLnBrk="0" hangingPunct="1">
+    <a:lvl5pPr marL="1828800" algn="l" defTabSz="914400" rtl="0" eaLnBrk="1" latinLnBrk="0" hangingPunct="1">
       <a:defRPr sz="1800" kern="1200">
         <a:solidFill>
           <a:schemeClr val="tx1"/>
@@ -81,7 +82,7 @@
         <a:cs typeface="+mn-cs"/>
       </a:defRPr>
     </a:lvl5pPr>
-    <a:lvl6pPr marL="2286000" algn="l" defTabSz="457200" rtl="0" eaLnBrk="1" latinLnBrk="0" hangingPunct="1">
+    <a:lvl6pPr marL="2286000" algn="l" defTabSz="914400" rtl="0" eaLnBrk="1" latinLnBrk="0" hangingPunct="1">
       <a:defRPr sz="1800" kern="1200">
         <a:solidFill>
           <a:schemeClr val="tx1"/>
@@ -91,7 +92,7 @@
         <a:cs typeface="+mn-cs"/>
       </a:defRPr>
     </a:lvl6pPr>
-    <a:lvl7pPr marL="2743200" algn="l" defTabSz="457200" rtl="0" eaLnBrk="1" latinLnBrk="0" hangingPunct="1">
+    <a:lvl7pPr marL="2743200" algn="l" defTabSz="914400" rtl="0" eaLnBrk="1" latinLnBrk="0" hangingPunct="1">
       <a:defRPr sz="1800" kern="1200">
         <a:solidFill>
           <a:schemeClr val="tx1"/>
@@ -101,7 +102,7 @@
         <a:cs typeface="+mn-cs"/>
       </a:defRPr>
     </a:lvl7pPr>
-    <a:lvl8pPr marL="3200400" algn="l" defTabSz="457200" rtl="0" eaLnBrk="1" latinLnBrk="0" hangingPunct="1">
+    <a:lvl8pPr marL="3200400" algn="l" defTabSz="914400" rtl="0" eaLnBrk="1" latinLnBrk="0" hangingPunct="1">
       <a:defRPr sz="1800" kern="1200">
         <a:solidFill>
           <a:schemeClr val="tx1"/>
@@ -111,7 +112,7 @@
         <a:cs typeface="+mn-cs"/>
       </a:defRPr>
     </a:lvl8pPr>
-    <a:lvl9pPr marL="3657600" algn="l" defTabSz="457200" rtl="0" eaLnBrk="1" latinLnBrk="0" hangingPunct="1">
+    <a:lvl9pPr marL="3657600" algn="l" defTabSz="914400" rtl="0" eaLnBrk="1" latinLnBrk="0" hangingPunct="1">
       <a:defRPr sz="1800" kern="1200">
         <a:solidFill>
           <a:schemeClr val="tx1"/>
@@ -124,7 +125,7 @@
   </p:defaultTextStyle>
   <p:extLst>
     <p:ext uri="{EFAFB233-063F-42B5-8137-9DF3F51BA10A}">
-      <p15:sldGuideLst xmlns:p15="http://schemas.microsoft.com/office/powerpoint/2012/main" xmlns="">
+      <p15:sldGuideLst xmlns:p15="http://schemas.microsoft.com/office/powerpoint/2012/main">
         <p15:guide id="1" orient="horz" pos="2160">
           <p15:clr>
             <a:srgbClr val="A4A3A4"/>
@@ -223,7 +224,7 @@
           <a:p>
             <a:fld id="{D4E5F68D-220C-4FE1-AB55-4B69C76E02B6}" type="datetimeFigureOut">
               <a:rPr lang="en-US" smtClean="0"/>
-              <a:t>6/28/2016</a:t>
+              <a:t>8/30/2016</a:t>
             </a:fld>
             <a:endParaRPr lang="en-US"/>
           </a:p>
@@ -574,14 +575,9 @@
 </p:notes>
 </file>
 
-<file path=ppt/slideLayouts/slideLayout1.xml><?xml version="1.0" encoding="utf-8"?>
-<p:sldLayout xmlns:a="http://schemas.openxmlformats.org/drawingml/2006/main" xmlns:r="http://schemas.openxmlformats.org/officeDocument/2006/relationships" xmlns:p="http://schemas.openxmlformats.org/presentationml/2006/main" type="title" preserve="1">
-  <p:cSld name="Title Slide">
-    <p:bg>
-      <p:bgRef idx="1003">
-        <a:schemeClr val="bg2"/>
-      </p:bgRef>
-    </p:bg>
+<file path=ppt/notesSlides/notesSlide2.xml><?xml version="1.0" encoding="utf-8"?>
+<p:notes xmlns:a="http://schemas.openxmlformats.org/drawingml/2006/main" xmlns:r="http://schemas.openxmlformats.org/officeDocument/2006/relationships" xmlns:p="http://schemas.openxmlformats.org/presentationml/2006/main">
+  <p:cSld>
     <p:spTree>
       <p:nvGrpSpPr>
         <p:cNvPr id="1" name=""/>
@@ -596,289 +592,76 @@
           <a:chExt cx="0" cy="0"/>
         </a:xfrm>
       </p:grpSpPr>
-      <p:pic>
-        <p:nvPicPr>
-          <p:cNvPr id="7" name="Picture 6" descr="Celestia-R1---OverlayTitleHD.png"/>
-          <p:cNvPicPr>
-            <a:picLocks noChangeAspect="1"/>
-          </p:cNvPicPr>
-          <p:nvPr/>
-        </p:nvPicPr>
-        <p:blipFill>
-          <a:blip r:embed="rId2">
-            <a:extLst>
-              <a:ext uri="{28A0092B-C50C-407E-A947-70E740481C1C}">
-                <a14:useLocalDpi xmlns:a14="http://schemas.microsoft.com/office/drawing/2010/main" val="0"/>
-              </a:ext>
-            </a:extLst>
-          </a:blip>
-          <a:stretch>
-            <a:fillRect/>
-          </a:stretch>
-        </p:blipFill>
-        <p:spPr>
-          <a:xfrm>
-            <a:off x="0" y="0"/>
-            <a:ext cx="12188825" cy="6856214"/>
-          </a:xfrm>
-          <a:prstGeom prst="rect">
-            <a:avLst/>
-          </a:prstGeom>
-        </p:spPr>
-      </p:pic>
-      <p:sp>
-        <p:nvSpPr>
-          <p:cNvPr id="2" name="Title 1"/>
-          <p:cNvSpPr>
-            <a:spLocks noGrp="1"/>
-          </p:cNvSpPr>
-          <p:nvPr>
-            <p:ph type="ctrTitle"/>
-          </p:nvPr>
-        </p:nvSpPr>
-        <p:spPr>
-          <a:xfrm>
-            <a:off x="3962399" y="1964267"/>
-            <a:ext cx="7197726" cy="2421464"/>
-          </a:xfrm>
-        </p:spPr>
-        <p:txBody>
-          <a:bodyPr anchor="b">
-            <a:normAutofit/>
-          </a:bodyPr>
-          <a:lstStyle>
-            <a:lvl1pPr algn="r">
-              <a:defRPr sz="4800">
-                <a:effectLst/>
-              </a:defRPr>
-            </a:lvl1pPr>
-          </a:lstStyle>
-          <a:p>
-            <a:r>
-              <a:rPr lang="en-US"/>
-              <a:t>Click to edit Master title style</a:t>
-            </a:r>
+      <p:sp>
+        <p:nvSpPr>
+          <p:cNvPr id="2" name="Slide Image Placeholder 1"/>
+          <p:cNvSpPr>
+            <a:spLocks noGrp="1" noRot="1" noChangeAspect="1"/>
+          </p:cNvSpPr>
+          <p:nvPr>
+            <p:ph type="sldImg"/>
+          </p:nvPr>
+        </p:nvSpPr>
+        <p:spPr/>
+      </p:sp>
+      <p:sp>
+        <p:nvSpPr>
+          <p:cNvPr id="3" name="Notes Placeholder 2"/>
+          <p:cNvSpPr>
+            <a:spLocks noGrp="1"/>
+          </p:cNvSpPr>
+          <p:nvPr>
+            <p:ph type="body" idx="1"/>
+          </p:nvPr>
+        </p:nvSpPr>
+        <p:spPr/>
+        <p:txBody>
+          <a:bodyPr/>
+          <a:lstStyle/>
+          <a:p>
             <a:endParaRPr lang="en-US" dirty="0"/>
           </a:p>
         </p:txBody>
       </p:sp>
       <p:sp>
         <p:nvSpPr>
-          <p:cNvPr id="3" name="Subtitle 2"/>
-          <p:cNvSpPr>
-            <a:spLocks noGrp="1"/>
-          </p:cNvSpPr>
-          <p:nvPr>
-            <p:ph type="subTitle" idx="1"/>
-          </p:nvPr>
-        </p:nvSpPr>
-        <p:spPr>
-          <a:xfrm>
-            <a:off x="3962399" y="4385732"/>
-            <a:ext cx="7197726" cy="1405467"/>
-          </a:xfrm>
-        </p:spPr>
-        <p:txBody>
-          <a:bodyPr anchor="t">
-            <a:normAutofit/>
-          </a:bodyPr>
-          <a:lstStyle>
-            <a:lvl1pPr marL="0" indent="0" algn="r">
-              <a:buNone/>
-              <a:defRPr sz="1800" cap="all">
-                <a:solidFill>
-                  <a:schemeClr val="tx1"/>
-                </a:solidFill>
-              </a:defRPr>
-            </a:lvl1pPr>
-            <a:lvl2pPr marL="457200" indent="0" algn="ctr">
-              <a:buNone/>
-              <a:defRPr>
-                <a:solidFill>
-                  <a:schemeClr val="tx1">
-                    <a:tint val="75000"/>
-                  </a:schemeClr>
-                </a:solidFill>
-              </a:defRPr>
-            </a:lvl2pPr>
-            <a:lvl3pPr marL="914400" indent="0" algn="ctr">
-              <a:buNone/>
-              <a:defRPr>
-                <a:solidFill>
-                  <a:schemeClr val="tx1">
-                    <a:tint val="75000"/>
-                  </a:schemeClr>
-                </a:solidFill>
-              </a:defRPr>
-            </a:lvl3pPr>
-            <a:lvl4pPr marL="1371600" indent="0" algn="ctr">
-              <a:buNone/>
-              <a:defRPr>
-                <a:solidFill>
-                  <a:schemeClr val="tx1">
-                    <a:tint val="75000"/>
-                  </a:schemeClr>
-                </a:solidFill>
-              </a:defRPr>
-            </a:lvl4pPr>
-            <a:lvl5pPr marL="1828800" indent="0" algn="ctr">
-              <a:buNone/>
-              <a:defRPr>
-                <a:solidFill>
-                  <a:schemeClr val="tx1">
-                    <a:tint val="75000"/>
-                  </a:schemeClr>
-                </a:solidFill>
-              </a:defRPr>
-            </a:lvl5pPr>
-            <a:lvl6pPr marL="2286000" indent="0" algn="ctr">
-              <a:buNone/>
-              <a:defRPr>
-                <a:solidFill>
-                  <a:schemeClr val="tx1">
-                    <a:tint val="75000"/>
-                  </a:schemeClr>
-                </a:solidFill>
-              </a:defRPr>
-            </a:lvl6pPr>
-            <a:lvl7pPr marL="2743200" indent="0" algn="ctr">
-              <a:buNone/>
-              <a:defRPr>
-                <a:solidFill>
-                  <a:schemeClr val="tx1">
-                    <a:tint val="75000"/>
-                  </a:schemeClr>
-                </a:solidFill>
-              </a:defRPr>
-            </a:lvl7pPr>
-            <a:lvl8pPr marL="3200400" indent="0" algn="ctr">
-              <a:buNone/>
-              <a:defRPr>
-                <a:solidFill>
-                  <a:schemeClr val="tx1">
-                    <a:tint val="75000"/>
-                  </a:schemeClr>
-                </a:solidFill>
-              </a:defRPr>
-            </a:lvl8pPr>
-            <a:lvl9pPr marL="3657600" indent="0" algn="ctr">
-              <a:buNone/>
-              <a:defRPr>
-                <a:solidFill>
-                  <a:schemeClr val="tx1">
-                    <a:tint val="75000"/>
-                  </a:schemeClr>
-                </a:solidFill>
-              </a:defRPr>
-            </a:lvl9pPr>
-          </a:lstStyle>
-          <a:p>
-            <a:r>
-              <a:rPr lang="en-US"/>
-              <a:t>Click to edit Master subtitle style</a:t>
-            </a:r>
-            <a:endParaRPr lang="en-US" dirty="0"/>
-          </a:p>
-        </p:txBody>
-      </p:sp>
-      <p:sp>
-        <p:nvSpPr>
-          <p:cNvPr id="4" name="Date Placeholder 3"/>
-          <p:cNvSpPr>
-            <a:spLocks noGrp="1"/>
-          </p:cNvSpPr>
-          <p:nvPr>
-            <p:ph type="dt" sz="half" idx="10"/>
-          </p:nvPr>
-        </p:nvSpPr>
-        <p:spPr>
-          <a:xfrm>
-            <a:off x="8932558" y="5870575"/>
-            <a:ext cx="1600200" cy="377825"/>
-          </a:xfrm>
-        </p:spPr>
+          <p:cNvPr id="4" name="Slide Number Placeholder 3"/>
+          <p:cNvSpPr>
+            <a:spLocks noGrp="1"/>
+          </p:cNvSpPr>
+          <p:nvPr>
+            <p:ph type="sldNum" sz="quarter" idx="10"/>
+          </p:nvPr>
+        </p:nvSpPr>
+        <p:spPr/>
         <p:txBody>
           <a:bodyPr/>
           <a:lstStyle/>
           <a:p>
-            <a:fld id="{B61BEF0D-F0BB-DE4B-95CE-6DB70DBA9567}" type="datetimeFigureOut">
+            <a:fld id="{C85C0C4C-6DE7-4C30-A614-7C3F3C58E71A}" type="slidenum">
               <a:rPr lang="en-US" smtClean="0"/>
-              <a:pPr/>
-              <a:t>6/28/2016</a:t>
+              <a:t>17</a:t>
             </a:fld>
-            <a:endParaRPr lang="en-US" dirty="0"/>
-          </a:p>
-        </p:txBody>
-      </p:sp>
-      <p:sp>
-        <p:nvSpPr>
-          <p:cNvPr id="5" name="Footer Placeholder 4"/>
-          <p:cNvSpPr>
-            <a:spLocks noGrp="1"/>
-          </p:cNvSpPr>
-          <p:nvPr>
-            <p:ph type="ftr" sz="quarter" idx="11"/>
-          </p:nvPr>
-        </p:nvSpPr>
-        <p:spPr>
-          <a:xfrm>
-            <a:off x="3962399" y="5870575"/>
-            <a:ext cx="4893958" cy="377825"/>
-          </a:xfrm>
-        </p:spPr>
-        <p:txBody>
-          <a:bodyPr/>
-          <a:lstStyle/>
-          <a:p>
-            <a:endParaRPr lang="en-US" dirty="0"/>
-          </a:p>
-        </p:txBody>
-      </p:sp>
-      <p:sp>
-        <p:nvSpPr>
-          <p:cNvPr id="6" name="Slide Number Placeholder 5"/>
-          <p:cNvSpPr>
-            <a:spLocks noGrp="1"/>
-          </p:cNvSpPr>
-          <p:nvPr>
-            <p:ph type="sldNum" sz="quarter" idx="12"/>
-          </p:nvPr>
-        </p:nvSpPr>
-        <p:spPr>
-          <a:xfrm>
-            <a:off x="10608958" y="5870575"/>
-            <a:ext cx="551167" cy="377825"/>
-          </a:xfrm>
-        </p:spPr>
-        <p:txBody>
-          <a:bodyPr/>
-          <a:lstStyle/>
-          <a:p>
-            <a:fld id="{D57F1E4F-1CFF-5643-939E-217C01CDF565}" type="slidenum">
-              <a:rPr lang="en-US" smtClean="0"/>
-              <a:pPr/>
-              <a:t>‹#›</a:t>
-            </a:fld>
-            <a:endParaRPr lang="en-US" dirty="0"/>
+            <a:endParaRPr lang="en-US"/>
           </a:p>
         </p:txBody>
       </p:sp>
     </p:spTree>
     <p:extLst>
       <p:ext uri="{BB962C8B-B14F-4D97-AF65-F5344CB8AC3E}">
-        <p14:creationId xmlns:p14="http://schemas.microsoft.com/office/powerpoint/2010/main" val="2754572128"/>
+        <p14:creationId xmlns:p14="http://schemas.microsoft.com/office/powerpoint/2010/main" val="2024033113"/>
       </p:ext>
     </p:extLst>
   </p:cSld>
   <p:clrMapOvr>
-    <a:overrideClrMapping bg1="dk1" tx1="lt1" bg2="dk2" tx2="lt2" accent1="accent1" accent2="accent2" accent3="accent3" accent4="accent4" accent5="accent5" accent6="accent6" hlink="hlink" folHlink="folHlink"/>
+    <a:masterClrMapping/>
   </p:clrMapOvr>
-</p:sldLayout>
+</p:notes>
 </file>
 
-<file path=ppt/slideLayouts/slideLayout10.xml><?xml version="1.0" encoding="utf-8"?>
-<p:sldLayout xmlns:a="http://schemas.openxmlformats.org/drawingml/2006/main" xmlns:r="http://schemas.openxmlformats.org/officeDocument/2006/relationships" xmlns:p="http://schemas.openxmlformats.org/presentationml/2006/main" preserve="1">
-  <p:cSld name="Panoramic Picture with Caption">
+<file path=ppt/slideLayouts/slideLayout1.xml><?xml version="1.0" encoding="utf-8"?>
+<p:sldLayout xmlns:a="http://schemas.openxmlformats.org/drawingml/2006/main" xmlns:r="http://schemas.openxmlformats.org/officeDocument/2006/relationships" xmlns:p="http://schemas.openxmlformats.org/presentationml/2006/main" type="title" preserve="1">
+  <p:cSld name="Title Slide">
     <p:spTree>
       <p:nvGrpSpPr>
         <p:cNvPr id="1" name=""/>
@@ -893,59 +676,27 @@
           <a:chExt cx="0" cy="0"/>
         </a:xfrm>
       </p:grpSpPr>
-      <p:pic>
-        <p:nvPicPr>
-          <p:cNvPr id="8" name="Picture 7" descr="Celestia-R1---OverlayContentHD.png"/>
-          <p:cNvPicPr>
-            <a:picLocks noChangeAspect="1"/>
-          </p:cNvPicPr>
-          <p:nvPr/>
-        </p:nvPicPr>
-        <p:blipFill>
-          <a:blip r:embed="rId2">
-            <a:extLst>
-              <a:ext uri="{28A0092B-C50C-407E-A947-70E740481C1C}">
-                <a14:useLocalDpi xmlns:a14="http://schemas.microsoft.com/office/drawing/2010/main" val="0"/>
-              </a:ext>
-            </a:extLst>
-          </a:blip>
-          <a:stretch>
-            <a:fillRect/>
-          </a:stretch>
-        </p:blipFill>
+      <p:sp>
+        <p:nvSpPr>
+          <p:cNvPr id="2" name="Title 1"/>
+          <p:cNvSpPr>
+            <a:spLocks noGrp="1"/>
+          </p:cNvSpPr>
+          <p:nvPr>
+            <p:ph type="ctrTitle"/>
+          </p:nvPr>
+        </p:nvSpPr>
         <p:spPr>
           <a:xfrm>
-            <a:off x="0" y="0"/>
-            <a:ext cx="12188825" cy="6856214"/>
-          </a:xfrm>
-          <a:prstGeom prst="rect">
-            <a:avLst/>
-          </a:prstGeom>
+            <a:off x="1524000" y="1122363"/>
+            <a:ext cx="9144000" cy="2387600"/>
+          </a:xfrm>
         </p:spPr>
-      </p:pic>
-      <p:sp>
-        <p:nvSpPr>
-          <p:cNvPr id="2" name="Title 1"/>
-          <p:cNvSpPr>
-            <a:spLocks noGrp="1"/>
-          </p:cNvSpPr>
-          <p:nvPr>
-            <p:ph type="title"/>
-          </p:nvPr>
-        </p:nvSpPr>
-        <p:spPr>
-          <a:xfrm>
-            <a:off x="685800" y="4732865"/>
-            <a:ext cx="10131427" cy="566738"/>
-          </a:xfrm>
-        </p:spPr>
-        <p:txBody>
-          <a:bodyPr anchor="b">
-            <a:normAutofit/>
-          </a:bodyPr>
+        <p:txBody>
+          <a:bodyPr anchor="b"/>
           <a:lstStyle>
-            <a:lvl1pPr algn="l">
-              <a:defRPr sz="2400" b="0"/>
+            <a:lvl1pPr algn="ctr">
+              <a:defRPr sz="6000"/>
             </a:lvl1pPr>
           </a:lstStyle>
           <a:p>
@@ -953,95 +704,62 @@
               <a:rPr lang="en-US"/>
               <a:t>Click to edit Master title style</a:t>
             </a:r>
-            <a:endParaRPr lang="en-US" dirty="0"/>
-          </a:p>
-        </p:txBody>
-      </p:sp>
-      <p:sp>
-        <p:nvSpPr>
-          <p:cNvPr id="3" name="Picture Placeholder 2"/>
-          <p:cNvSpPr>
-            <a:spLocks noGrp="1" noChangeAspect="1"/>
-          </p:cNvSpPr>
-          <p:nvPr>
-            <p:ph type="pic" idx="1"/>
+            <a:endParaRPr lang="en-US"/>
+          </a:p>
+        </p:txBody>
+      </p:sp>
+      <p:sp>
+        <p:nvSpPr>
+          <p:cNvPr id="3" name="Subtitle 2"/>
+          <p:cNvSpPr>
+            <a:spLocks noGrp="1"/>
+          </p:cNvSpPr>
+          <p:nvPr>
+            <p:ph type="subTitle" idx="1"/>
           </p:nvPr>
         </p:nvSpPr>
         <p:spPr>
           <a:xfrm>
-            <a:off x="1371600" y="932112"/>
-            <a:ext cx="8759827" cy="3164976"/>
-          </a:xfrm>
-          <a:prstGeom prst="roundRect">
-            <a:avLst>
-              <a:gd name="adj" fmla="val 4380"/>
-            </a:avLst>
-          </a:prstGeom>
-          <a:ln w="50800" cap="sq" cmpd="dbl">
-            <a:gradFill flip="none" rotWithShape="1">
-              <a:gsLst>
-                <a:gs pos="0">
-                  <a:srgbClr val="FFFFFF"/>
-                </a:gs>
-                <a:gs pos="100000">
-                  <a:schemeClr val="tx1">
-                    <a:alpha val="0"/>
-                  </a:schemeClr>
-                </a:gs>
-              </a:gsLst>
-              <a:path path="circle">
-                <a:fillToRect l="50000" t="50000" r="50000" b="50000"/>
-              </a:path>
-              <a:tileRect/>
-            </a:gradFill>
-            <a:miter lim="800000"/>
-          </a:ln>
-          <a:effectLst>
-            <a:outerShdw blurRad="254000" algn="tl" rotWithShape="0">
-              <a:srgbClr val="000000">
-                <a:alpha val="43000"/>
-              </a:srgbClr>
-            </a:outerShdw>
-          </a:effectLst>
+            <a:off x="1524000" y="3602038"/>
+            <a:ext cx="9144000" cy="1655762"/>
+          </a:xfrm>
         </p:spPr>
         <p:txBody>
-          <a:bodyPr anchor="t">
-            <a:normAutofit/>
-          </a:bodyPr>
+          <a:bodyPr/>
           <a:lstStyle>
             <a:lvl1pPr marL="0" indent="0" algn="ctr">
               <a:buNone/>
-              <a:defRPr sz="1600"/>
+              <a:defRPr sz="2400"/>
             </a:lvl1pPr>
-            <a:lvl2pPr marL="457200" indent="0">
+            <a:lvl2pPr marL="457200" indent="0" algn="ctr">
               <a:buNone/>
-              <a:defRPr sz="1600"/>
+              <a:defRPr sz="2000"/>
             </a:lvl2pPr>
-            <a:lvl3pPr marL="914400" indent="0">
+            <a:lvl3pPr marL="914400" indent="0" algn="ctr">
               <a:buNone/>
-              <a:defRPr sz="1600"/>
+              <a:defRPr sz="1800"/>
             </a:lvl3pPr>
-            <a:lvl4pPr marL="1371600" indent="0">
+            <a:lvl4pPr marL="1371600" indent="0" algn="ctr">
               <a:buNone/>
               <a:defRPr sz="1600"/>
             </a:lvl4pPr>
-            <a:lvl5pPr marL="1828800" indent="0">
+            <a:lvl5pPr marL="1828800" indent="0" algn="ctr">
               <a:buNone/>
               <a:defRPr sz="1600"/>
             </a:lvl5pPr>
-            <a:lvl6pPr marL="2286000" indent="0">
+            <a:lvl6pPr marL="2286000" indent="0" algn="ctr">
               <a:buNone/>
               <a:defRPr sz="1600"/>
             </a:lvl6pPr>
-            <a:lvl7pPr marL="2743200" indent="0">
+            <a:lvl7pPr marL="2743200" indent="0" algn="ctr">
               <a:buNone/>
               <a:defRPr sz="1600"/>
             </a:lvl7pPr>
-            <a:lvl8pPr marL="3200400" indent="0">
+            <a:lvl8pPr marL="3200400" indent="0" algn="ctr">
               <a:buNone/>
               <a:defRPr sz="1600"/>
             </a:lvl8pPr>
-            <a:lvl9pPr marL="3657600" indent="0">
+            <a:lvl9pPr marL="3657600" indent="0" algn="ctr">
               <a:buNone/>
               <a:defRPr sz="1600"/>
             </a:lvl9pPr>
@@ -1049,82 +767,15 @@
           <a:p>
             <a:r>
               <a:rPr lang="en-US"/>
-              <a:t>Click icon to add picture</a:t>
-            </a:r>
-            <a:endParaRPr lang="en-US" dirty="0"/>
-          </a:p>
-        </p:txBody>
-      </p:sp>
-      <p:sp>
-        <p:nvSpPr>
-          <p:cNvPr id="4" name="Text Placeholder 3"/>
-          <p:cNvSpPr>
-            <a:spLocks noGrp="1"/>
-          </p:cNvSpPr>
-          <p:nvPr>
-            <p:ph type="body" sz="half" idx="2"/>
-          </p:nvPr>
-        </p:nvSpPr>
-        <p:spPr>
-          <a:xfrm>
-            <a:off x="685800" y="5299603"/>
-            <a:ext cx="10131427" cy="493712"/>
-          </a:xfrm>
-        </p:spPr>
-        <p:txBody>
-          <a:bodyPr anchor="t">
-            <a:normAutofit/>
-          </a:bodyPr>
-          <a:lstStyle>
-            <a:lvl1pPr marL="0" indent="0">
-              <a:buNone/>
-              <a:defRPr sz="1400"/>
-            </a:lvl1pPr>
-            <a:lvl2pPr marL="457200" indent="0">
-              <a:buNone/>
-              <a:defRPr sz="1200"/>
-            </a:lvl2pPr>
-            <a:lvl3pPr marL="914400" indent="0">
-              <a:buNone/>
-              <a:defRPr sz="1000"/>
-            </a:lvl3pPr>
-            <a:lvl4pPr marL="1371600" indent="0">
-              <a:buNone/>
-              <a:defRPr sz="900"/>
-            </a:lvl4pPr>
-            <a:lvl5pPr marL="1828800" indent="0">
-              <a:buNone/>
-              <a:defRPr sz="900"/>
-            </a:lvl5pPr>
-            <a:lvl6pPr marL="2286000" indent="0">
-              <a:buNone/>
-              <a:defRPr sz="900"/>
-            </a:lvl6pPr>
-            <a:lvl7pPr marL="2743200" indent="0">
-              <a:buNone/>
-              <a:defRPr sz="900"/>
-            </a:lvl7pPr>
-            <a:lvl8pPr marL="3200400" indent="0">
-              <a:buNone/>
-              <a:defRPr sz="900"/>
-            </a:lvl8pPr>
-            <a:lvl9pPr marL="3657600" indent="0">
-              <a:buNone/>
-              <a:defRPr sz="900"/>
-            </a:lvl9pPr>
-          </a:lstStyle>
-          <a:p>
-            <a:pPr lvl="0"/>
-            <a:r>
-              <a:rPr lang="en-US"/>
-              <a:t>Edit Master text styles</a:t>
-            </a:r>
-          </a:p>
-        </p:txBody>
-      </p:sp>
-      <p:sp>
-        <p:nvSpPr>
-          <p:cNvPr id="5" name="Date Placeholder 4"/>
+              <a:t>Click to edit Master subtitle style</a:t>
+            </a:r>
+            <a:endParaRPr lang="en-US"/>
+          </a:p>
+        </p:txBody>
+      </p:sp>
+      <p:sp>
+        <p:nvSpPr>
+          <p:cNvPr id="4" name="Date Placeholder 3"/>
           <p:cNvSpPr>
             <a:spLocks noGrp="1"/>
           </p:cNvSpPr>
@@ -1140,7 +791,7 @@
             <a:fld id="{B61BEF0D-F0BB-DE4B-95CE-6DB70DBA9567}" type="datetimeFigureOut">
               <a:rPr lang="en-US" smtClean="0"/>
               <a:pPr/>
-              <a:t>6/28/2016</a:t>
+              <a:t>8/30/2016</a:t>
             </a:fld>
             <a:endParaRPr lang="en-US" dirty="0"/>
           </a:p>
@@ -1148,7 +799,7 @@
       </p:sp>
       <p:sp>
         <p:nvSpPr>
-          <p:cNvPr id="6" name="Footer Placeholder 5"/>
+          <p:cNvPr id="5" name="Footer Placeholder 4"/>
           <p:cNvSpPr>
             <a:spLocks noGrp="1"/>
           </p:cNvSpPr>
@@ -1167,7 +818,7 @@
       </p:sp>
       <p:sp>
         <p:nvSpPr>
-          <p:cNvPr id="7" name="Slide Number Placeholder 6"/>
+          <p:cNvPr id="6" name="Slide Number Placeholder 5"/>
           <p:cNvSpPr>
             <a:spLocks noGrp="1"/>
           </p:cNvSpPr>
@@ -1192,7 +843,7 @@
     </p:spTree>
     <p:extLst>
       <p:ext uri="{BB962C8B-B14F-4D97-AF65-F5344CB8AC3E}">
-        <p14:creationId xmlns:p14="http://schemas.microsoft.com/office/powerpoint/2010/main" val="411823454"/>
+        <p14:creationId xmlns:p14="http://schemas.microsoft.com/office/powerpoint/2010/main" val="3092464930"/>
       </p:ext>
     </p:extLst>
   </p:cSld>
@@ -1202,2030 +853,7 @@
 </p:sldLayout>
 </file>
 
-<file path=ppt/slideLayouts/slideLayout11.xml><?xml version="1.0" encoding="utf-8"?>
-<p:sldLayout xmlns:a="http://schemas.openxmlformats.org/drawingml/2006/main" xmlns:r="http://schemas.openxmlformats.org/officeDocument/2006/relationships" xmlns:p="http://schemas.openxmlformats.org/presentationml/2006/main" preserve="1">
-  <p:cSld name="Title and Caption">
-    <p:spTree>
-      <p:nvGrpSpPr>
-        <p:cNvPr id="1" name=""/>
-        <p:cNvGrpSpPr/>
-        <p:nvPr/>
-      </p:nvGrpSpPr>
-      <p:grpSpPr>
-        <a:xfrm>
-          <a:off x="0" y="0"/>
-          <a:ext cx="0" cy="0"/>
-          <a:chOff x="0" y="0"/>
-          <a:chExt cx="0" cy="0"/>
-        </a:xfrm>
-      </p:grpSpPr>
-      <p:pic>
-        <p:nvPicPr>
-          <p:cNvPr id="7" name="Picture 6" descr="Celestia-R1---OverlayContentHD.png"/>
-          <p:cNvPicPr>
-            <a:picLocks noChangeAspect="1"/>
-          </p:cNvPicPr>
-          <p:nvPr/>
-        </p:nvPicPr>
-        <p:blipFill>
-          <a:blip r:embed="rId2">
-            <a:extLst>
-              <a:ext uri="{28A0092B-C50C-407E-A947-70E740481C1C}">
-                <a14:useLocalDpi xmlns:a14="http://schemas.microsoft.com/office/drawing/2010/main" val="0"/>
-              </a:ext>
-            </a:extLst>
-          </a:blip>
-          <a:stretch>
-            <a:fillRect/>
-          </a:stretch>
-        </p:blipFill>
-        <p:spPr>
-          <a:xfrm>
-            <a:off x="0" y="0"/>
-            <a:ext cx="12188825" cy="6856214"/>
-          </a:xfrm>
-          <a:prstGeom prst="rect">
-            <a:avLst/>
-          </a:prstGeom>
-        </p:spPr>
-      </p:pic>
-      <p:sp>
-        <p:nvSpPr>
-          <p:cNvPr id="2" name="Title 1"/>
-          <p:cNvSpPr>
-            <a:spLocks noGrp="1"/>
-          </p:cNvSpPr>
-          <p:nvPr>
-            <p:ph type="title"/>
-          </p:nvPr>
-        </p:nvSpPr>
-        <p:spPr>
-          <a:xfrm>
-            <a:off x="685801" y="609601"/>
-            <a:ext cx="10131427" cy="3124199"/>
-          </a:xfrm>
-        </p:spPr>
-        <p:txBody>
-          <a:bodyPr anchor="ctr">
-            <a:normAutofit/>
-          </a:bodyPr>
-          <a:lstStyle>
-            <a:lvl1pPr algn="l">
-              <a:defRPr sz="3200" b="0" cap="none"/>
-            </a:lvl1pPr>
-          </a:lstStyle>
-          <a:p>
-            <a:r>
-              <a:rPr lang="en-US"/>
-              <a:t>Click to edit Master title style</a:t>
-            </a:r>
-            <a:endParaRPr lang="en-US" dirty="0"/>
-          </a:p>
-        </p:txBody>
-      </p:sp>
-      <p:sp>
-        <p:nvSpPr>
-          <p:cNvPr id="3" name="Text Placeholder 2"/>
-          <p:cNvSpPr>
-            <a:spLocks noGrp="1"/>
-          </p:cNvSpPr>
-          <p:nvPr>
-            <p:ph type="body" idx="1"/>
-          </p:nvPr>
-        </p:nvSpPr>
-        <p:spPr>
-          <a:xfrm>
-            <a:off x="685800" y="4343400"/>
-            <a:ext cx="10131428" cy="1447800"/>
-          </a:xfrm>
-        </p:spPr>
-        <p:txBody>
-          <a:bodyPr anchor="ctr">
-            <a:normAutofit/>
-          </a:bodyPr>
-          <a:lstStyle>
-            <a:lvl1pPr marL="0" indent="0" algn="l">
-              <a:buNone/>
-              <a:defRPr sz="2000">
-                <a:solidFill>
-                  <a:schemeClr val="tx1"/>
-                </a:solidFill>
-              </a:defRPr>
-            </a:lvl1pPr>
-            <a:lvl2pPr marL="457200" indent="0">
-              <a:buNone/>
-              <a:defRPr sz="1800">
-                <a:solidFill>
-                  <a:schemeClr val="tx1">
-                    <a:tint val="75000"/>
-                  </a:schemeClr>
-                </a:solidFill>
-              </a:defRPr>
-            </a:lvl2pPr>
-            <a:lvl3pPr marL="914400" indent="0">
-              <a:buNone/>
-              <a:defRPr sz="1600">
-                <a:solidFill>
-                  <a:schemeClr val="tx1">
-                    <a:tint val="75000"/>
-                  </a:schemeClr>
-                </a:solidFill>
-              </a:defRPr>
-            </a:lvl3pPr>
-            <a:lvl4pPr marL="1371600" indent="0">
-              <a:buNone/>
-              <a:defRPr sz="1400">
-                <a:solidFill>
-                  <a:schemeClr val="tx1">
-                    <a:tint val="75000"/>
-                  </a:schemeClr>
-                </a:solidFill>
-              </a:defRPr>
-            </a:lvl4pPr>
-            <a:lvl5pPr marL="1828800" indent="0">
-              <a:buNone/>
-              <a:defRPr sz="1400">
-                <a:solidFill>
-                  <a:schemeClr val="tx1">
-                    <a:tint val="75000"/>
-                  </a:schemeClr>
-                </a:solidFill>
-              </a:defRPr>
-            </a:lvl5pPr>
-            <a:lvl6pPr marL="2286000" indent="0">
-              <a:buNone/>
-              <a:defRPr sz="1400">
-                <a:solidFill>
-                  <a:schemeClr val="tx1">
-                    <a:tint val="75000"/>
-                  </a:schemeClr>
-                </a:solidFill>
-              </a:defRPr>
-            </a:lvl6pPr>
-            <a:lvl7pPr marL="2743200" indent="0">
-              <a:buNone/>
-              <a:defRPr sz="1400">
-                <a:solidFill>
-                  <a:schemeClr val="tx1">
-                    <a:tint val="75000"/>
-                  </a:schemeClr>
-                </a:solidFill>
-              </a:defRPr>
-            </a:lvl7pPr>
-            <a:lvl8pPr marL="3200400" indent="0">
-              <a:buNone/>
-              <a:defRPr sz="1400">
-                <a:solidFill>
-                  <a:schemeClr val="tx1">
-                    <a:tint val="75000"/>
-                  </a:schemeClr>
-                </a:solidFill>
-              </a:defRPr>
-            </a:lvl8pPr>
-            <a:lvl9pPr marL="3657600" indent="0">
-              <a:buNone/>
-              <a:defRPr sz="1400">
-                <a:solidFill>
-                  <a:schemeClr val="tx1">
-                    <a:tint val="75000"/>
-                  </a:schemeClr>
-                </a:solidFill>
-              </a:defRPr>
-            </a:lvl9pPr>
-          </a:lstStyle>
-          <a:p>
-            <a:pPr lvl="0"/>
-            <a:r>
-              <a:rPr lang="en-US"/>
-              <a:t>Edit Master text styles</a:t>
-            </a:r>
-          </a:p>
-        </p:txBody>
-      </p:sp>
-      <p:sp>
-        <p:nvSpPr>
-          <p:cNvPr id="4" name="Date Placeholder 3"/>
-          <p:cNvSpPr>
-            <a:spLocks noGrp="1"/>
-          </p:cNvSpPr>
-          <p:nvPr>
-            <p:ph type="dt" sz="half" idx="10"/>
-          </p:nvPr>
-        </p:nvSpPr>
-        <p:spPr/>
-        <p:txBody>
-          <a:bodyPr/>
-          <a:lstStyle/>
-          <a:p>
-            <a:fld id="{B61BEF0D-F0BB-DE4B-95CE-6DB70DBA9567}" type="datetimeFigureOut">
-              <a:rPr lang="en-US" smtClean="0"/>
-              <a:pPr/>
-              <a:t>6/28/2016</a:t>
-            </a:fld>
-            <a:endParaRPr lang="en-US" dirty="0"/>
-          </a:p>
-        </p:txBody>
-      </p:sp>
-      <p:sp>
-        <p:nvSpPr>
-          <p:cNvPr id="5" name="Footer Placeholder 4"/>
-          <p:cNvSpPr>
-            <a:spLocks noGrp="1"/>
-          </p:cNvSpPr>
-          <p:nvPr>
-            <p:ph type="ftr" sz="quarter" idx="11"/>
-          </p:nvPr>
-        </p:nvSpPr>
-        <p:spPr/>
-        <p:txBody>
-          <a:bodyPr/>
-          <a:lstStyle/>
-          <a:p>
-            <a:endParaRPr lang="en-US" dirty="0"/>
-          </a:p>
-        </p:txBody>
-      </p:sp>
-      <p:sp>
-        <p:nvSpPr>
-          <p:cNvPr id="6" name="Slide Number Placeholder 5"/>
-          <p:cNvSpPr>
-            <a:spLocks noGrp="1"/>
-          </p:cNvSpPr>
-          <p:nvPr>
-            <p:ph type="sldNum" sz="quarter" idx="12"/>
-          </p:nvPr>
-        </p:nvSpPr>
-        <p:spPr/>
-        <p:txBody>
-          <a:bodyPr/>
-          <a:lstStyle/>
-          <a:p>
-            <a:fld id="{D57F1E4F-1CFF-5643-939E-217C01CDF565}" type="slidenum">
-              <a:rPr lang="en-US" smtClean="0"/>
-              <a:pPr/>
-              <a:t>‹#›</a:t>
-            </a:fld>
-            <a:endParaRPr lang="en-US" dirty="0"/>
-          </a:p>
-        </p:txBody>
-      </p:sp>
-    </p:spTree>
-    <p:extLst>
-      <p:ext uri="{BB962C8B-B14F-4D97-AF65-F5344CB8AC3E}">
-        <p14:creationId xmlns:p14="http://schemas.microsoft.com/office/powerpoint/2010/main" val="1694848555"/>
-      </p:ext>
-    </p:extLst>
-  </p:cSld>
-  <p:clrMapOvr>
-    <a:masterClrMapping/>
-  </p:clrMapOvr>
-</p:sldLayout>
-</file>
-
-<file path=ppt/slideLayouts/slideLayout12.xml><?xml version="1.0" encoding="utf-8"?>
-<p:sldLayout xmlns:a="http://schemas.openxmlformats.org/drawingml/2006/main" xmlns:r="http://schemas.openxmlformats.org/officeDocument/2006/relationships" xmlns:p="http://schemas.openxmlformats.org/presentationml/2006/main" preserve="1">
-  <p:cSld name="Quote with Caption">
-    <p:spTree>
-      <p:nvGrpSpPr>
-        <p:cNvPr id="1" name=""/>
-        <p:cNvGrpSpPr/>
-        <p:nvPr/>
-      </p:nvGrpSpPr>
-      <p:grpSpPr>
-        <a:xfrm>
-          <a:off x="0" y="0"/>
-          <a:ext cx="0" cy="0"/>
-          <a:chOff x="0" y="0"/>
-          <a:chExt cx="0" cy="0"/>
-        </a:xfrm>
-      </p:grpSpPr>
-      <p:pic>
-        <p:nvPicPr>
-          <p:cNvPr id="11" name="Picture 10" descr="Celestia-R1---OverlayContentHD.png"/>
-          <p:cNvPicPr>
-            <a:picLocks noChangeAspect="1"/>
-          </p:cNvPicPr>
-          <p:nvPr/>
-        </p:nvPicPr>
-        <p:blipFill>
-          <a:blip r:embed="rId2">
-            <a:extLst>
-              <a:ext uri="{28A0092B-C50C-407E-A947-70E740481C1C}">
-                <a14:useLocalDpi xmlns:a14="http://schemas.microsoft.com/office/drawing/2010/main" val="0"/>
-              </a:ext>
-            </a:extLst>
-          </a:blip>
-          <a:stretch>
-            <a:fillRect/>
-          </a:stretch>
-        </p:blipFill>
-        <p:spPr>
-          <a:xfrm>
-            <a:off x="0" y="0"/>
-            <a:ext cx="12188825" cy="6856214"/>
-          </a:xfrm>
-          <a:prstGeom prst="rect">
-            <a:avLst/>
-          </a:prstGeom>
-        </p:spPr>
-      </p:pic>
-      <p:sp>
-        <p:nvSpPr>
-          <p:cNvPr id="13" name="TextBox 12"/>
-          <p:cNvSpPr txBox="1"/>
-          <p:nvPr/>
-        </p:nvSpPr>
-        <p:spPr>
-          <a:xfrm>
-            <a:off x="10237867" y="2743200"/>
-            <a:ext cx="609600" cy="584776"/>
-          </a:xfrm>
-          <a:prstGeom prst="rect">
-            <a:avLst/>
-          </a:prstGeom>
-        </p:spPr>
-        <p:txBody>
-          <a:bodyPr vert="horz" lIns="91440" tIns="45720" rIns="91440" bIns="45720" rtlCol="0" anchor="ctr">
-            <a:noAutofit/>
-          </a:bodyPr>
-          <a:lstStyle>
-            <a:lvl1pPr>
-              <a:spcBef>
-                <a:spcPct val="0"/>
-              </a:spcBef>
-              <a:buNone/>
-              <a:defRPr sz="3200" b="0" cap="all">
-                <a:ln w="3175" cmpd="sng">
-                  <a:noFill/>
-                </a:ln>
-                <a:effectLst>
-                  <a:glow rad="38100">
-                    <a:schemeClr val="bg1">
-                      <a:lumMod val="65000"/>
-                      <a:lumOff val="35000"/>
-                      <a:alpha val="40000"/>
-                    </a:schemeClr>
-                  </a:glow>
-                  <a:outerShdw blurRad="28575" dist="38100" dir="14040000" algn="tl" rotWithShape="0">
-                    <a:srgbClr val="000000">
-                      <a:alpha val="25000"/>
-                    </a:srgbClr>
-                  </a:outerShdw>
-                </a:effectLst>
-              </a:defRPr>
-            </a:lvl1pPr>
-            <a:lvl2pPr>
-              <a:defRPr>
-                <a:solidFill>
-                  <a:schemeClr val="tx2"/>
-                </a:solidFill>
-              </a:defRPr>
-            </a:lvl2pPr>
-            <a:lvl3pPr>
-              <a:defRPr>
-                <a:solidFill>
-                  <a:schemeClr val="tx2"/>
-                </a:solidFill>
-              </a:defRPr>
-            </a:lvl3pPr>
-            <a:lvl4pPr>
-              <a:defRPr>
-                <a:solidFill>
-                  <a:schemeClr val="tx2"/>
-                </a:solidFill>
-              </a:defRPr>
-            </a:lvl4pPr>
-            <a:lvl5pPr>
-              <a:defRPr>
-                <a:solidFill>
-                  <a:schemeClr val="tx2"/>
-                </a:solidFill>
-              </a:defRPr>
-            </a:lvl5pPr>
-            <a:lvl6pPr>
-              <a:defRPr>
-                <a:solidFill>
-                  <a:schemeClr val="tx2"/>
-                </a:solidFill>
-              </a:defRPr>
-            </a:lvl6pPr>
-            <a:lvl7pPr>
-              <a:defRPr>
-                <a:solidFill>
-                  <a:schemeClr val="tx2"/>
-                </a:solidFill>
-              </a:defRPr>
-            </a:lvl7pPr>
-            <a:lvl8pPr>
-              <a:defRPr>
-                <a:solidFill>
-                  <a:schemeClr val="tx2"/>
-                </a:solidFill>
-              </a:defRPr>
-            </a:lvl8pPr>
-            <a:lvl9pPr>
-              <a:defRPr>
-                <a:solidFill>
-                  <a:schemeClr val="tx2"/>
-                </a:solidFill>
-              </a:defRPr>
-            </a:lvl9pPr>
-          </a:lstStyle>
-          <a:p>
-            <a:pPr lvl="0" algn="r"/>
-            <a:r>
-              <a:rPr lang="en-US" sz="8000" dirty="0">
-                <a:solidFill>
-                  <a:schemeClr val="tx1"/>
-                </a:solidFill>
-                <a:effectLst/>
-              </a:rPr>
-              <a:t>”</a:t>
-            </a:r>
-          </a:p>
-        </p:txBody>
-      </p:sp>
-      <p:sp>
-        <p:nvSpPr>
-          <p:cNvPr id="14" name="TextBox 13"/>
-          <p:cNvSpPr txBox="1"/>
-          <p:nvPr/>
-        </p:nvSpPr>
-        <p:spPr>
-          <a:xfrm>
-            <a:off x="488275" y="823337"/>
-            <a:ext cx="609600" cy="584776"/>
-          </a:xfrm>
-          <a:prstGeom prst="rect">
-            <a:avLst/>
-          </a:prstGeom>
-        </p:spPr>
-        <p:txBody>
-          <a:bodyPr vert="horz" lIns="91440" tIns="45720" rIns="91440" bIns="45720" rtlCol="0" anchor="ctr">
-            <a:noAutofit/>
-          </a:bodyPr>
-          <a:lstStyle>
-            <a:lvl1pPr>
-              <a:spcBef>
-                <a:spcPct val="0"/>
-              </a:spcBef>
-              <a:buNone/>
-              <a:defRPr sz="3200" b="0" cap="all">
-                <a:ln w="3175" cmpd="sng">
-                  <a:noFill/>
-                </a:ln>
-                <a:effectLst>
-                  <a:glow rad="38100">
-                    <a:schemeClr val="bg1">
-                      <a:lumMod val="65000"/>
-                      <a:lumOff val="35000"/>
-                      <a:alpha val="40000"/>
-                    </a:schemeClr>
-                  </a:glow>
-                  <a:outerShdw blurRad="28575" dist="38100" dir="14040000" algn="tl" rotWithShape="0">
-                    <a:srgbClr val="000000">
-                      <a:alpha val="25000"/>
-                    </a:srgbClr>
-                  </a:outerShdw>
-                </a:effectLst>
-              </a:defRPr>
-            </a:lvl1pPr>
-            <a:lvl2pPr>
-              <a:defRPr>
-                <a:solidFill>
-                  <a:schemeClr val="tx2"/>
-                </a:solidFill>
-              </a:defRPr>
-            </a:lvl2pPr>
-            <a:lvl3pPr>
-              <a:defRPr>
-                <a:solidFill>
-                  <a:schemeClr val="tx2"/>
-                </a:solidFill>
-              </a:defRPr>
-            </a:lvl3pPr>
-            <a:lvl4pPr>
-              <a:defRPr>
-                <a:solidFill>
-                  <a:schemeClr val="tx2"/>
-                </a:solidFill>
-              </a:defRPr>
-            </a:lvl4pPr>
-            <a:lvl5pPr>
-              <a:defRPr>
-                <a:solidFill>
-                  <a:schemeClr val="tx2"/>
-                </a:solidFill>
-              </a:defRPr>
-            </a:lvl5pPr>
-            <a:lvl6pPr>
-              <a:defRPr>
-                <a:solidFill>
-                  <a:schemeClr val="tx2"/>
-                </a:solidFill>
-              </a:defRPr>
-            </a:lvl6pPr>
-            <a:lvl7pPr>
-              <a:defRPr>
-                <a:solidFill>
-                  <a:schemeClr val="tx2"/>
-                </a:solidFill>
-              </a:defRPr>
-            </a:lvl7pPr>
-            <a:lvl8pPr>
-              <a:defRPr>
-                <a:solidFill>
-                  <a:schemeClr val="tx2"/>
-                </a:solidFill>
-              </a:defRPr>
-            </a:lvl8pPr>
-            <a:lvl9pPr>
-              <a:defRPr>
-                <a:solidFill>
-                  <a:schemeClr val="tx2"/>
-                </a:solidFill>
-              </a:defRPr>
-            </a:lvl9pPr>
-          </a:lstStyle>
-          <a:p>
-            <a:pPr lvl="0" algn="r"/>
-            <a:r>
-              <a:rPr lang="en-US" sz="8000" dirty="0">
-                <a:solidFill>
-                  <a:schemeClr val="tx1"/>
-                </a:solidFill>
-                <a:effectLst/>
-              </a:rPr>
-              <a:t>“</a:t>
-            </a:r>
-          </a:p>
-        </p:txBody>
-      </p:sp>
-      <p:sp>
-        <p:nvSpPr>
-          <p:cNvPr id="16" name="Title 1"/>
-          <p:cNvSpPr>
-            <a:spLocks noGrp="1"/>
-          </p:cNvSpPr>
-          <p:nvPr>
-            <p:ph type="title"/>
-          </p:nvPr>
-        </p:nvSpPr>
-        <p:spPr>
-          <a:xfrm>
-            <a:off x="992267" y="609601"/>
-            <a:ext cx="9550399" cy="2743199"/>
-          </a:xfrm>
-        </p:spPr>
-        <p:txBody>
-          <a:bodyPr anchor="ctr">
-            <a:normAutofit/>
-          </a:bodyPr>
-          <a:lstStyle>
-            <a:lvl1pPr algn="l">
-              <a:defRPr sz="3200" b="0" cap="none">
-                <a:solidFill>
-                  <a:schemeClr val="tx1"/>
-                </a:solidFill>
-              </a:defRPr>
-            </a:lvl1pPr>
-          </a:lstStyle>
-          <a:p>
-            <a:r>
-              <a:rPr lang="en-US"/>
-              <a:t>Click to edit Master title style</a:t>
-            </a:r>
-            <a:endParaRPr lang="en-US" dirty="0"/>
-          </a:p>
-        </p:txBody>
-      </p:sp>
-      <p:sp>
-        <p:nvSpPr>
-          <p:cNvPr id="10" name="Text Placeholder 9"/>
-          <p:cNvSpPr>
-            <a:spLocks noGrp="1"/>
-          </p:cNvSpPr>
-          <p:nvPr>
-            <p:ph type="body" sz="quarter" idx="13"/>
-          </p:nvPr>
-        </p:nvSpPr>
-        <p:spPr>
-          <a:xfrm>
-            <a:off x="1097875" y="3352800"/>
-            <a:ext cx="9339184" cy="381000"/>
-          </a:xfrm>
-        </p:spPr>
-        <p:txBody>
-          <a:bodyPr anchor="ctr"/>
-          <a:lstStyle>
-            <a:lvl1pPr marL="0" indent="0">
-              <a:buFontTx/>
-              <a:buNone/>
-              <a:defRPr/>
-            </a:lvl1pPr>
-            <a:lvl2pPr marL="457200" indent="0">
-              <a:buFontTx/>
-              <a:buNone/>
-              <a:defRPr/>
-            </a:lvl2pPr>
-            <a:lvl3pPr marL="914400" indent="0">
-              <a:buFontTx/>
-              <a:buNone/>
-              <a:defRPr/>
-            </a:lvl3pPr>
-            <a:lvl4pPr marL="1371600" indent="0">
-              <a:buFontTx/>
-              <a:buNone/>
-              <a:defRPr/>
-            </a:lvl4pPr>
-            <a:lvl5pPr marL="1828800" indent="0">
-              <a:buFontTx/>
-              <a:buNone/>
-              <a:defRPr/>
-            </a:lvl5pPr>
-          </a:lstStyle>
-          <a:p>
-            <a:pPr lvl="0"/>
-            <a:r>
-              <a:rPr lang="en-US"/>
-              <a:t>Edit Master text styles</a:t>
-            </a:r>
-          </a:p>
-        </p:txBody>
-      </p:sp>
-      <p:sp>
-        <p:nvSpPr>
-          <p:cNvPr id="3" name="Text Placeholder 2"/>
-          <p:cNvSpPr>
-            <a:spLocks noGrp="1"/>
-          </p:cNvSpPr>
-          <p:nvPr>
-            <p:ph type="body" idx="1"/>
-          </p:nvPr>
-        </p:nvSpPr>
-        <p:spPr>
-          <a:xfrm>
-            <a:off x="687465" y="4343400"/>
-            <a:ext cx="10152367" cy="1447800"/>
-          </a:xfrm>
-        </p:spPr>
-        <p:txBody>
-          <a:bodyPr anchor="ctr">
-            <a:normAutofit/>
-          </a:bodyPr>
-          <a:lstStyle>
-            <a:lvl1pPr marL="0" indent="0" algn="l">
-              <a:buNone/>
-              <a:defRPr sz="2000">
-                <a:solidFill>
-                  <a:schemeClr val="tx1"/>
-                </a:solidFill>
-              </a:defRPr>
-            </a:lvl1pPr>
-            <a:lvl2pPr marL="457200" indent="0">
-              <a:buNone/>
-              <a:defRPr sz="1800">
-                <a:solidFill>
-                  <a:schemeClr val="tx1">
-                    <a:tint val="75000"/>
-                  </a:schemeClr>
-                </a:solidFill>
-              </a:defRPr>
-            </a:lvl2pPr>
-            <a:lvl3pPr marL="914400" indent="0">
-              <a:buNone/>
-              <a:defRPr sz="1600">
-                <a:solidFill>
-                  <a:schemeClr val="tx1">
-                    <a:tint val="75000"/>
-                  </a:schemeClr>
-                </a:solidFill>
-              </a:defRPr>
-            </a:lvl3pPr>
-            <a:lvl4pPr marL="1371600" indent="0">
-              <a:buNone/>
-              <a:defRPr sz="1400">
-                <a:solidFill>
-                  <a:schemeClr val="tx1">
-                    <a:tint val="75000"/>
-                  </a:schemeClr>
-                </a:solidFill>
-              </a:defRPr>
-            </a:lvl4pPr>
-            <a:lvl5pPr marL="1828800" indent="0">
-              <a:buNone/>
-              <a:defRPr sz="1400">
-                <a:solidFill>
-                  <a:schemeClr val="tx1">
-                    <a:tint val="75000"/>
-                  </a:schemeClr>
-                </a:solidFill>
-              </a:defRPr>
-            </a:lvl5pPr>
-            <a:lvl6pPr marL="2286000" indent="0">
-              <a:buNone/>
-              <a:defRPr sz="1400">
-                <a:solidFill>
-                  <a:schemeClr val="tx1">
-                    <a:tint val="75000"/>
-                  </a:schemeClr>
-                </a:solidFill>
-              </a:defRPr>
-            </a:lvl6pPr>
-            <a:lvl7pPr marL="2743200" indent="0">
-              <a:buNone/>
-              <a:defRPr sz="1400">
-                <a:solidFill>
-                  <a:schemeClr val="tx1">
-                    <a:tint val="75000"/>
-                  </a:schemeClr>
-                </a:solidFill>
-              </a:defRPr>
-            </a:lvl7pPr>
-            <a:lvl8pPr marL="3200400" indent="0">
-              <a:buNone/>
-              <a:defRPr sz="1400">
-                <a:solidFill>
-                  <a:schemeClr val="tx1">
-                    <a:tint val="75000"/>
-                  </a:schemeClr>
-                </a:solidFill>
-              </a:defRPr>
-            </a:lvl8pPr>
-            <a:lvl9pPr marL="3657600" indent="0">
-              <a:buNone/>
-              <a:defRPr sz="1400">
-                <a:solidFill>
-                  <a:schemeClr val="tx1">
-                    <a:tint val="75000"/>
-                  </a:schemeClr>
-                </a:solidFill>
-              </a:defRPr>
-            </a:lvl9pPr>
-          </a:lstStyle>
-          <a:p>
-            <a:pPr lvl="0"/>
-            <a:r>
-              <a:rPr lang="en-US"/>
-              <a:t>Edit Master text styles</a:t>
-            </a:r>
-          </a:p>
-        </p:txBody>
-      </p:sp>
-      <p:sp>
-        <p:nvSpPr>
-          <p:cNvPr id="4" name="Date Placeholder 3"/>
-          <p:cNvSpPr>
-            <a:spLocks noGrp="1"/>
-          </p:cNvSpPr>
-          <p:nvPr>
-            <p:ph type="dt" sz="half" idx="10"/>
-          </p:nvPr>
-        </p:nvSpPr>
-        <p:spPr/>
-        <p:txBody>
-          <a:bodyPr/>
-          <a:lstStyle/>
-          <a:p>
-            <a:fld id="{B61BEF0D-F0BB-DE4B-95CE-6DB70DBA9567}" type="datetimeFigureOut">
-              <a:rPr lang="en-US" smtClean="0"/>
-              <a:pPr/>
-              <a:t>6/28/2016</a:t>
-            </a:fld>
-            <a:endParaRPr lang="en-US" dirty="0"/>
-          </a:p>
-        </p:txBody>
-      </p:sp>
-      <p:sp>
-        <p:nvSpPr>
-          <p:cNvPr id="5" name="Footer Placeholder 4"/>
-          <p:cNvSpPr>
-            <a:spLocks noGrp="1"/>
-          </p:cNvSpPr>
-          <p:nvPr>
-            <p:ph type="ftr" sz="quarter" idx="11"/>
-          </p:nvPr>
-        </p:nvSpPr>
-        <p:spPr/>
-        <p:txBody>
-          <a:bodyPr/>
-          <a:lstStyle/>
-          <a:p>
-            <a:endParaRPr lang="en-US" dirty="0"/>
-          </a:p>
-        </p:txBody>
-      </p:sp>
-      <p:sp>
-        <p:nvSpPr>
-          <p:cNvPr id="6" name="Slide Number Placeholder 5"/>
-          <p:cNvSpPr>
-            <a:spLocks noGrp="1"/>
-          </p:cNvSpPr>
-          <p:nvPr>
-            <p:ph type="sldNum" sz="quarter" idx="12"/>
-          </p:nvPr>
-        </p:nvSpPr>
-        <p:spPr/>
-        <p:txBody>
-          <a:bodyPr/>
-          <a:lstStyle/>
-          <a:p>
-            <a:fld id="{D57F1E4F-1CFF-5643-939E-217C01CDF565}" type="slidenum">
-              <a:rPr lang="en-US" smtClean="0"/>
-              <a:pPr/>
-              <a:t>‹#›</a:t>
-            </a:fld>
-            <a:endParaRPr lang="en-US" dirty="0"/>
-          </a:p>
-        </p:txBody>
-      </p:sp>
-    </p:spTree>
-    <p:extLst>
-      <p:ext uri="{BB962C8B-B14F-4D97-AF65-F5344CB8AC3E}">
-        <p14:creationId xmlns:p14="http://schemas.microsoft.com/office/powerpoint/2010/main" val="3530384224"/>
-      </p:ext>
-    </p:extLst>
-  </p:cSld>
-  <p:clrMapOvr>
-    <a:masterClrMapping/>
-  </p:clrMapOvr>
-</p:sldLayout>
-</file>
-
-<file path=ppt/slideLayouts/slideLayout13.xml><?xml version="1.0" encoding="utf-8"?>
-<p:sldLayout xmlns:a="http://schemas.openxmlformats.org/drawingml/2006/main" xmlns:r="http://schemas.openxmlformats.org/officeDocument/2006/relationships" xmlns:p="http://schemas.openxmlformats.org/presentationml/2006/main" preserve="1">
-  <p:cSld name="Name Card">
-    <p:spTree>
-      <p:nvGrpSpPr>
-        <p:cNvPr id="1" name=""/>
-        <p:cNvGrpSpPr/>
-        <p:nvPr/>
-      </p:nvGrpSpPr>
-      <p:grpSpPr>
-        <a:xfrm>
-          <a:off x="0" y="0"/>
-          <a:ext cx="0" cy="0"/>
-          <a:chOff x="0" y="0"/>
-          <a:chExt cx="0" cy="0"/>
-        </a:xfrm>
-      </p:grpSpPr>
-      <p:pic>
-        <p:nvPicPr>
-          <p:cNvPr id="7" name="Picture 6" descr="Celestia-R1---OverlayContentHD.png"/>
-          <p:cNvPicPr>
-            <a:picLocks noChangeAspect="1"/>
-          </p:cNvPicPr>
-          <p:nvPr/>
-        </p:nvPicPr>
-        <p:blipFill>
-          <a:blip r:embed="rId2">
-            <a:extLst>
-              <a:ext uri="{28A0092B-C50C-407E-A947-70E740481C1C}">
-                <a14:useLocalDpi xmlns:a14="http://schemas.microsoft.com/office/drawing/2010/main" val="0"/>
-              </a:ext>
-            </a:extLst>
-          </a:blip>
-          <a:stretch>
-            <a:fillRect/>
-          </a:stretch>
-        </p:blipFill>
-        <p:spPr>
-          <a:xfrm>
-            <a:off x="0" y="0"/>
-            <a:ext cx="12188825" cy="6856214"/>
-          </a:xfrm>
-          <a:prstGeom prst="rect">
-            <a:avLst/>
-          </a:prstGeom>
-        </p:spPr>
-      </p:pic>
-      <p:sp>
-        <p:nvSpPr>
-          <p:cNvPr id="2" name="Title 1"/>
-          <p:cNvSpPr>
-            <a:spLocks noGrp="1"/>
-          </p:cNvSpPr>
-          <p:nvPr>
-            <p:ph type="title"/>
-          </p:nvPr>
-        </p:nvSpPr>
-        <p:spPr>
-          <a:xfrm>
-            <a:off x="685802" y="3308581"/>
-            <a:ext cx="10131425" cy="1468800"/>
-          </a:xfrm>
-        </p:spPr>
-        <p:txBody>
-          <a:bodyPr anchor="b">
-            <a:normAutofit/>
-          </a:bodyPr>
-          <a:lstStyle>
-            <a:lvl1pPr algn="l">
-              <a:defRPr sz="3200" b="0" cap="none"/>
-            </a:lvl1pPr>
-          </a:lstStyle>
-          <a:p>
-            <a:r>
-              <a:rPr lang="en-US"/>
-              <a:t>Click to edit Master title style</a:t>
-            </a:r>
-            <a:endParaRPr lang="en-US" dirty="0"/>
-          </a:p>
-        </p:txBody>
-      </p:sp>
-      <p:sp>
-        <p:nvSpPr>
-          <p:cNvPr id="3" name="Text Placeholder 2"/>
-          <p:cNvSpPr>
-            <a:spLocks noGrp="1"/>
-          </p:cNvSpPr>
-          <p:nvPr>
-            <p:ph type="body" idx="1"/>
-          </p:nvPr>
-        </p:nvSpPr>
-        <p:spPr>
-          <a:xfrm>
-            <a:off x="685801" y="4777381"/>
-            <a:ext cx="10131426" cy="860400"/>
-          </a:xfrm>
-        </p:spPr>
-        <p:txBody>
-          <a:bodyPr anchor="t">
-            <a:normAutofit/>
-          </a:bodyPr>
-          <a:lstStyle>
-            <a:lvl1pPr marL="0" indent="0" algn="l">
-              <a:buNone/>
-              <a:defRPr sz="2000">
-                <a:solidFill>
-                  <a:schemeClr val="tx1"/>
-                </a:solidFill>
-              </a:defRPr>
-            </a:lvl1pPr>
-            <a:lvl2pPr marL="457200" indent="0">
-              <a:buNone/>
-              <a:defRPr sz="1800">
-                <a:solidFill>
-                  <a:schemeClr val="tx1">
-                    <a:tint val="75000"/>
-                  </a:schemeClr>
-                </a:solidFill>
-              </a:defRPr>
-            </a:lvl2pPr>
-            <a:lvl3pPr marL="914400" indent="0">
-              <a:buNone/>
-              <a:defRPr sz="1600">
-                <a:solidFill>
-                  <a:schemeClr val="tx1">
-                    <a:tint val="75000"/>
-                  </a:schemeClr>
-                </a:solidFill>
-              </a:defRPr>
-            </a:lvl3pPr>
-            <a:lvl4pPr marL="1371600" indent="0">
-              <a:buNone/>
-              <a:defRPr sz="1400">
-                <a:solidFill>
-                  <a:schemeClr val="tx1">
-                    <a:tint val="75000"/>
-                  </a:schemeClr>
-                </a:solidFill>
-              </a:defRPr>
-            </a:lvl4pPr>
-            <a:lvl5pPr marL="1828800" indent="0">
-              <a:buNone/>
-              <a:defRPr sz="1400">
-                <a:solidFill>
-                  <a:schemeClr val="tx1">
-                    <a:tint val="75000"/>
-                  </a:schemeClr>
-                </a:solidFill>
-              </a:defRPr>
-            </a:lvl5pPr>
-            <a:lvl6pPr marL="2286000" indent="0">
-              <a:buNone/>
-              <a:defRPr sz="1400">
-                <a:solidFill>
-                  <a:schemeClr val="tx1">
-                    <a:tint val="75000"/>
-                  </a:schemeClr>
-                </a:solidFill>
-              </a:defRPr>
-            </a:lvl6pPr>
-            <a:lvl7pPr marL="2743200" indent="0">
-              <a:buNone/>
-              <a:defRPr sz="1400">
-                <a:solidFill>
-                  <a:schemeClr val="tx1">
-                    <a:tint val="75000"/>
-                  </a:schemeClr>
-                </a:solidFill>
-              </a:defRPr>
-            </a:lvl7pPr>
-            <a:lvl8pPr marL="3200400" indent="0">
-              <a:buNone/>
-              <a:defRPr sz="1400">
-                <a:solidFill>
-                  <a:schemeClr val="tx1">
-                    <a:tint val="75000"/>
-                  </a:schemeClr>
-                </a:solidFill>
-              </a:defRPr>
-            </a:lvl8pPr>
-            <a:lvl9pPr marL="3657600" indent="0">
-              <a:buNone/>
-              <a:defRPr sz="1400">
-                <a:solidFill>
-                  <a:schemeClr val="tx1">
-                    <a:tint val="75000"/>
-                  </a:schemeClr>
-                </a:solidFill>
-              </a:defRPr>
-            </a:lvl9pPr>
-          </a:lstStyle>
-          <a:p>
-            <a:pPr lvl="0"/>
-            <a:r>
-              <a:rPr lang="en-US"/>
-              <a:t>Edit Master text styles</a:t>
-            </a:r>
-          </a:p>
-        </p:txBody>
-      </p:sp>
-      <p:sp>
-        <p:nvSpPr>
-          <p:cNvPr id="4" name="Date Placeholder 3"/>
-          <p:cNvSpPr>
-            <a:spLocks noGrp="1"/>
-          </p:cNvSpPr>
-          <p:nvPr>
-            <p:ph type="dt" sz="half" idx="10"/>
-          </p:nvPr>
-        </p:nvSpPr>
-        <p:spPr/>
-        <p:txBody>
-          <a:bodyPr/>
-          <a:lstStyle/>
-          <a:p>
-            <a:fld id="{B61BEF0D-F0BB-DE4B-95CE-6DB70DBA9567}" type="datetimeFigureOut">
-              <a:rPr lang="en-US" smtClean="0"/>
-              <a:pPr/>
-              <a:t>6/28/2016</a:t>
-            </a:fld>
-            <a:endParaRPr lang="en-US" dirty="0"/>
-          </a:p>
-        </p:txBody>
-      </p:sp>
-      <p:sp>
-        <p:nvSpPr>
-          <p:cNvPr id="5" name="Footer Placeholder 4"/>
-          <p:cNvSpPr>
-            <a:spLocks noGrp="1"/>
-          </p:cNvSpPr>
-          <p:nvPr>
-            <p:ph type="ftr" sz="quarter" idx="11"/>
-          </p:nvPr>
-        </p:nvSpPr>
-        <p:spPr/>
-        <p:txBody>
-          <a:bodyPr/>
-          <a:lstStyle/>
-          <a:p>
-            <a:endParaRPr lang="en-US" dirty="0"/>
-          </a:p>
-        </p:txBody>
-      </p:sp>
-      <p:sp>
-        <p:nvSpPr>
-          <p:cNvPr id="6" name="Slide Number Placeholder 5"/>
-          <p:cNvSpPr>
-            <a:spLocks noGrp="1"/>
-          </p:cNvSpPr>
-          <p:nvPr>
-            <p:ph type="sldNum" sz="quarter" idx="12"/>
-          </p:nvPr>
-        </p:nvSpPr>
-        <p:spPr/>
-        <p:txBody>
-          <a:bodyPr/>
-          <a:lstStyle/>
-          <a:p>
-            <a:fld id="{D57F1E4F-1CFF-5643-939E-217C01CDF565}" type="slidenum">
-              <a:rPr lang="en-US" smtClean="0"/>
-              <a:pPr/>
-              <a:t>‹#›</a:t>
-            </a:fld>
-            <a:endParaRPr lang="en-US" dirty="0"/>
-          </a:p>
-        </p:txBody>
-      </p:sp>
-    </p:spTree>
-    <p:extLst>
-      <p:ext uri="{BB962C8B-B14F-4D97-AF65-F5344CB8AC3E}">
-        <p14:creationId xmlns:p14="http://schemas.microsoft.com/office/powerpoint/2010/main" val="3104501339"/>
-      </p:ext>
-    </p:extLst>
-  </p:cSld>
-  <p:clrMapOvr>
-    <a:masterClrMapping/>
-  </p:clrMapOvr>
-</p:sldLayout>
-</file>
-
-<file path=ppt/slideLayouts/slideLayout14.xml><?xml version="1.0" encoding="utf-8"?>
-<p:sldLayout xmlns:a="http://schemas.openxmlformats.org/drawingml/2006/main" xmlns:r="http://schemas.openxmlformats.org/officeDocument/2006/relationships" xmlns:p="http://schemas.openxmlformats.org/presentationml/2006/main" preserve="1">
-  <p:cSld name="Quote Name Card">
-    <p:spTree>
-      <p:nvGrpSpPr>
-        <p:cNvPr id="1" name=""/>
-        <p:cNvGrpSpPr/>
-        <p:nvPr/>
-      </p:nvGrpSpPr>
-      <p:grpSpPr>
-        <a:xfrm>
-          <a:off x="0" y="0"/>
-          <a:ext cx="0" cy="0"/>
-          <a:chOff x="0" y="0"/>
-          <a:chExt cx="0" cy="0"/>
-        </a:xfrm>
-      </p:grpSpPr>
-      <p:pic>
-        <p:nvPicPr>
-          <p:cNvPr id="11" name="Picture 10" descr="Celestia-R1---OverlayContentHD.png"/>
-          <p:cNvPicPr>
-            <a:picLocks noChangeAspect="1"/>
-          </p:cNvPicPr>
-          <p:nvPr/>
-        </p:nvPicPr>
-        <p:blipFill>
-          <a:blip r:embed="rId2">
-            <a:extLst>
-              <a:ext uri="{28A0092B-C50C-407E-A947-70E740481C1C}">
-                <a14:useLocalDpi xmlns:a14="http://schemas.microsoft.com/office/drawing/2010/main" val="0"/>
-              </a:ext>
-            </a:extLst>
-          </a:blip>
-          <a:stretch>
-            <a:fillRect/>
-          </a:stretch>
-        </p:blipFill>
-        <p:spPr>
-          <a:xfrm>
-            <a:off x="0" y="0"/>
-            <a:ext cx="12188825" cy="6856214"/>
-          </a:xfrm>
-          <a:prstGeom prst="rect">
-            <a:avLst/>
-          </a:prstGeom>
-        </p:spPr>
-      </p:pic>
-      <p:sp>
-        <p:nvSpPr>
-          <p:cNvPr id="13" name="TextBox 12"/>
-          <p:cNvSpPr txBox="1"/>
-          <p:nvPr/>
-        </p:nvSpPr>
-        <p:spPr>
-          <a:xfrm>
-            <a:off x="10237867" y="2743200"/>
-            <a:ext cx="609600" cy="584776"/>
-          </a:xfrm>
-          <a:prstGeom prst="rect">
-            <a:avLst/>
-          </a:prstGeom>
-        </p:spPr>
-        <p:txBody>
-          <a:bodyPr vert="horz" lIns="91440" tIns="45720" rIns="91440" bIns="45720" rtlCol="0" anchor="ctr">
-            <a:noAutofit/>
-          </a:bodyPr>
-          <a:lstStyle>
-            <a:lvl1pPr>
-              <a:spcBef>
-                <a:spcPct val="0"/>
-              </a:spcBef>
-              <a:buNone/>
-              <a:defRPr sz="3200" b="0" cap="all">
-                <a:ln w="3175" cmpd="sng">
-                  <a:noFill/>
-                </a:ln>
-                <a:effectLst>
-                  <a:glow rad="38100">
-                    <a:schemeClr val="bg1">
-                      <a:lumMod val="65000"/>
-                      <a:lumOff val="35000"/>
-                      <a:alpha val="40000"/>
-                    </a:schemeClr>
-                  </a:glow>
-                  <a:outerShdw blurRad="28575" dist="38100" dir="14040000" algn="tl" rotWithShape="0">
-                    <a:srgbClr val="000000">
-                      <a:alpha val="25000"/>
-                    </a:srgbClr>
-                  </a:outerShdw>
-                </a:effectLst>
-              </a:defRPr>
-            </a:lvl1pPr>
-            <a:lvl2pPr>
-              <a:defRPr>
-                <a:solidFill>
-                  <a:schemeClr val="tx2"/>
-                </a:solidFill>
-              </a:defRPr>
-            </a:lvl2pPr>
-            <a:lvl3pPr>
-              <a:defRPr>
-                <a:solidFill>
-                  <a:schemeClr val="tx2"/>
-                </a:solidFill>
-              </a:defRPr>
-            </a:lvl3pPr>
-            <a:lvl4pPr>
-              <a:defRPr>
-                <a:solidFill>
-                  <a:schemeClr val="tx2"/>
-                </a:solidFill>
-              </a:defRPr>
-            </a:lvl4pPr>
-            <a:lvl5pPr>
-              <a:defRPr>
-                <a:solidFill>
-                  <a:schemeClr val="tx2"/>
-                </a:solidFill>
-              </a:defRPr>
-            </a:lvl5pPr>
-            <a:lvl6pPr>
-              <a:defRPr>
-                <a:solidFill>
-                  <a:schemeClr val="tx2"/>
-                </a:solidFill>
-              </a:defRPr>
-            </a:lvl6pPr>
-            <a:lvl7pPr>
-              <a:defRPr>
-                <a:solidFill>
-                  <a:schemeClr val="tx2"/>
-                </a:solidFill>
-              </a:defRPr>
-            </a:lvl7pPr>
-            <a:lvl8pPr>
-              <a:defRPr>
-                <a:solidFill>
-                  <a:schemeClr val="tx2"/>
-                </a:solidFill>
-              </a:defRPr>
-            </a:lvl8pPr>
-            <a:lvl9pPr>
-              <a:defRPr>
-                <a:solidFill>
-                  <a:schemeClr val="tx2"/>
-                </a:solidFill>
-              </a:defRPr>
-            </a:lvl9pPr>
-          </a:lstStyle>
-          <a:p>
-            <a:pPr lvl="0" algn="r"/>
-            <a:r>
-              <a:rPr lang="en-US" sz="8000" dirty="0">
-                <a:solidFill>
-                  <a:schemeClr val="tx1"/>
-                </a:solidFill>
-                <a:effectLst/>
-              </a:rPr>
-              <a:t>”</a:t>
-            </a:r>
-          </a:p>
-        </p:txBody>
-      </p:sp>
-      <p:sp>
-        <p:nvSpPr>
-          <p:cNvPr id="14" name="TextBox 13"/>
-          <p:cNvSpPr txBox="1"/>
-          <p:nvPr/>
-        </p:nvSpPr>
-        <p:spPr>
-          <a:xfrm>
-            <a:off x="488275" y="823337"/>
-            <a:ext cx="609600" cy="584776"/>
-          </a:xfrm>
-          <a:prstGeom prst="rect">
-            <a:avLst/>
-          </a:prstGeom>
-        </p:spPr>
-        <p:txBody>
-          <a:bodyPr vert="horz" lIns="91440" tIns="45720" rIns="91440" bIns="45720" rtlCol="0" anchor="ctr">
-            <a:noAutofit/>
-          </a:bodyPr>
-          <a:lstStyle>
-            <a:lvl1pPr>
-              <a:spcBef>
-                <a:spcPct val="0"/>
-              </a:spcBef>
-              <a:buNone/>
-              <a:defRPr sz="3200" b="0" cap="all">
-                <a:ln w="3175" cmpd="sng">
-                  <a:noFill/>
-                </a:ln>
-                <a:effectLst>
-                  <a:glow rad="38100">
-                    <a:schemeClr val="bg1">
-                      <a:lumMod val="65000"/>
-                      <a:lumOff val="35000"/>
-                      <a:alpha val="40000"/>
-                    </a:schemeClr>
-                  </a:glow>
-                  <a:outerShdw blurRad="28575" dist="38100" dir="14040000" algn="tl" rotWithShape="0">
-                    <a:srgbClr val="000000">
-                      <a:alpha val="25000"/>
-                    </a:srgbClr>
-                  </a:outerShdw>
-                </a:effectLst>
-              </a:defRPr>
-            </a:lvl1pPr>
-            <a:lvl2pPr>
-              <a:defRPr>
-                <a:solidFill>
-                  <a:schemeClr val="tx2"/>
-                </a:solidFill>
-              </a:defRPr>
-            </a:lvl2pPr>
-            <a:lvl3pPr>
-              <a:defRPr>
-                <a:solidFill>
-                  <a:schemeClr val="tx2"/>
-                </a:solidFill>
-              </a:defRPr>
-            </a:lvl3pPr>
-            <a:lvl4pPr>
-              <a:defRPr>
-                <a:solidFill>
-                  <a:schemeClr val="tx2"/>
-                </a:solidFill>
-              </a:defRPr>
-            </a:lvl4pPr>
-            <a:lvl5pPr>
-              <a:defRPr>
-                <a:solidFill>
-                  <a:schemeClr val="tx2"/>
-                </a:solidFill>
-              </a:defRPr>
-            </a:lvl5pPr>
-            <a:lvl6pPr>
-              <a:defRPr>
-                <a:solidFill>
-                  <a:schemeClr val="tx2"/>
-                </a:solidFill>
-              </a:defRPr>
-            </a:lvl6pPr>
-            <a:lvl7pPr>
-              <a:defRPr>
-                <a:solidFill>
-                  <a:schemeClr val="tx2"/>
-                </a:solidFill>
-              </a:defRPr>
-            </a:lvl7pPr>
-            <a:lvl8pPr>
-              <a:defRPr>
-                <a:solidFill>
-                  <a:schemeClr val="tx2"/>
-                </a:solidFill>
-              </a:defRPr>
-            </a:lvl8pPr>
-            <a:lvl9pPr>
-              <a:defRPr>
-                <a:solidFill>
-                  <a:schemeClr val="tx2"/>
-                </a:solidFill>
-              </a:defRPr>
-            </a:lvl9pPr>
-          </a:lstStyle>
-          <a:p>
-            <a:pPr lvl="0" algn="r"/>
-            <a:r>
-              <a:rPr lang="en-US" sz="8000" dirty="0">
-                <a:solidFill>
-                  <a:schemeClr val="tx1"/>
-                </a:solidFill>
-                <a:effectLst/>
-              </a:rPr>
-              <a:t>“</a:t>
-            </a:r>
-          </a:p>
-        </p:txBody>
-      </p:sp>
-      <p:sp>
-        <p:nvSpPr>
-          <p:cNvPr id="16" name="Title 1"/>
-          <p:cNvSpPr>
-            <a:spLocks noGrp="1"/>
-          </p:cNvSpPr>
-          <p:nvPr>
-            <p:ph type="title"/>
-          </p:nvPr>
-        </p:nvSpPr>
-        <p:spPr>
-          <a:xfrm>
-            <a:off x="992267" y="609601"/>
-            <a:ext cx="9550399" cy="2743199"/>
-          </a:xfrm>
-        </p:spPr>
-        <p:txBody>
-          <a:bodyPr anchor="ctr">
-            <a:normAutofit/>
-          </a:bodyPr>
-          <a:lstStyle>
-            <a:lvl1pPr algn="l">
-              <a:defRPr sz="3200" b="0" cap="none">
-                <a:solidFill>
-                  <a:schemeClr val="tx1"/>
-                </a:solidFill>
-              </a:defRPr>
-            </a:lvl1pPr>
-          </a:lstStyle>
-          <a:p>
-            <a:r>
-              <a:rPr lang="en-US"/>
-              <a:t>Click to edit Master title style</a:t>
-            </a:r>
-            <a:endParaRPr lang="en-US" dirty="0"/>
-          </a:p>
-        </p:txBody>
-      </p:sp>
-      <p:sp>
-        <p:nvSpPr>
-          <p:cNvPr id="10" name="Text Placeholder 9"/>
-          <p:cNvSpPr>
-            <a:spLocks noGrp="1"/>
-          </p:cNvSpPr>
-          <p:nvPr>
-            <p:ph type="body" sz="quarter" idx="13"/>
-          </p:nvPr>
-        </p:nvSpPr>
-        <p:spPr>
-          <a:xfrm>
-            <a:off x="685800" y="3886200"/>
-            <a:ext cx="10135436" cy="889000"/>
-          </a:xfrm>
-        </p:spPr>
-        <p:txBody>
-          <a:bodyPr vert="horz" lIns="91440" tIns="45720" rIns="91440" bIns="45720" rtlCol="0" anchor="b">
-            <a:normAutofit/>
-          </a:bodyPr>
-          <a:lstStyle>
-            <a:lvl1pPr>
-              <a:buNone/>
-              <a:defRPr lang="en-US" sz="2400" b="0" cap="none" dirty="0">
-                <a:ln w="3175" cmpd="sng">
-                  <a:noFill/>
-                </a:ln>
-                <a:solidFill>
-                  <a:schemeClr val="tx1"/>
-                </a:solidFill>
-                <a:effectLst/>
-              </a:defRPr>
-            </a:lvl1pPr>
-          </a:lstStyle>
-          <a:p>
-            <a:pPr marL="0" lvl="0">
-              <a:spcBef>
-                <a:spcPct val="0"/>
-              </a:spcBef>
-              <a:buNone/>
-            </a:pPr>
-            <a:r>
-              <a:rPr lang="en-US"/>
-              <a:t>Edit Master text styles</a:t>
-            </a:r>
-          </a:p>
-        </p:txBody>
-      </p:sp>
-      <p:sp>
-        <p:nvSpPr>
-          <p:cNvPr id="3" name="Text Placeholder 2"/>
-          <p:cNvSpPr>
-            <a:spLocks noGrp="1"/>
-          </p:cNvSpPr>
-          <p:nvPr>
-            <p:ph type="body" idx="1"/>
-          </p:nvPr>
-        </p:nvSpPr>
-        <p:spPr>
-          <a:xfrm>
-            <a:off x="685799" y="4775200"/>
-            <a:ext cx="10135436" cy="1016000"/>
-          </a:xfrm>
-        </p:spPr>
-        <p:txBody>
-          <a:bodyPr anchor="t">
-            <a:normAutofit/>
-          </a:bodyPr>
-          <a:lstStyle>
-            <a:lvl1pPr marL="0" indent="0" algn="l">
-              <a:buNone/>
-              <a:defRPr sz="1800">
-                <a:solidFill>
-                  <a:schemeClr val="tx1"/>
-                </a:solidFill>
-              </a:defRPr>
-            </a:lvl1pPr>
-            <a:lvl2pPr marL="457200" indent="0">
-              <a:buNone/>
-              <a:defRPr sz="1800">
-                <a:solidFill>
-                  <a:schemeClr val="tx1">
-                    <a:tint val="75000"/>
-                  </a:schemeClr>
-                </a:solidFill>
-              </a:defRPr>
-            </a:lvl2pPr>
-            <a:lvl3pPr marL="914400" indent="0">
-              <a:buNone/>
-              <a:defRPr sz="1600">
-                <a:solidFill>
-                  <a:schemeClr val="tx1">
-                    <a:tint val="75000"/>
-                  </a:schemeClr>
-                </a:solidFill>
-              </a:defRPr>
-            </a:lvl3pPr>
-            <a:lvl4pPr marL="1371600" indent="0">
-              <a:buNone/>
-              <a:defRPr sz="1400">
-                <a:solidFill>
-                  <a:schemeClr val="tx1">
-                    <a:tint val="75000"/>
-                  </a:schemeClr>
-                </a:solidFill>
-              </a:defRPr>
-            </a:lvl4pPr>
-            <a:lvl5pPr marL="1828800" indent="0">
-              <a:buNone/>
-              <a:defRPr sz="1400">
-                <a:solidFill>
-                  <a:schemeClr val="tx1">
-                    <a:tint val="75000"/>
-                  </a:schemeClr>
-                </a:solidFill>
-              </a:defRPr>
-            </a:lvl5pPr>
-            <a:lvl6pPr marL="2286000" indent="0">
-              <a:buNone/>
-              <a:defRPr sz="1400">
-                <a:solidFill>
-                  <a:schemeClr val="tx1">
-                    <a:tint val="75000"/>
-                  </a:schemeClr>
-                </a:solidFill>
-              </a:defRPr>
-            </a:lvl6pPr>
-            <a:lvl7pPr marL="2743200" indent="0">
-              <a:buNone/>
-              <a:defRPr sz="1400">
-                <a:solidFill>
-                  <a:schemeClr val="tx1">
-                    <a:tint val="75000"/>
-                  </a:schemeClr>
-                </a:solidFill>
-              </a:defRPr>
-            </a:lvl7pPr>
-            <a:lvl8pPr marL="3200400" indent="0">
-              <a:buNone/>
-              <a:defRPr sz="1400">
-                <a:solidFill>
-                  <a:schemeClr val="tx1">
-                    <a:tint val="75000"/>
-                  </a:schemeClr>
-                </a:solidFill>
-              </a:defRPr>
-            </a:lvl8pPr>
-            <a:lvl9pPr marL="3657600" indent="0">
-              <a:buNone/>
-              <a:defRPr sz="1400">
-                <a:solidFill>
-                  <a:schemeClr val="tx1">
-                    <a:tint val="75000"/>
-                  </a:schemeClr>
-                </a:solidFill>
-              </a:defRPr>
-            </a:lvl9pPr>
-          </a:lstStyle>
-          <a:p>
-            <a:pPr lvl="0"/>
-            <a:r>
-              <a:rPr lang="en-US"/>
-              <a:t>Edit Master text styles</a:t>
-            </a:r>
-          </a:p>
-        </p:txBody>
-      </p:sp>
-      <p:sp>
-        <p:nvSpPr>
-          <p:cNvPr id="4" name="Date Placeholder 3"/>
-          <p:cNvSpPr>
-            <a:spLocks noGrp="1"/>
-          </p:cNvSpPr>
-          <p:nvPr>
-            <p:ph type="dt" sz="half" idx="10"/>
-          </p:nvPr>
-        </p:nvSpPr>
-        <p:spPr/>
-        <p:txBody>
-          <a:bodyPr/>
-          <a:lstStyle/>
-          <a:p>
-            <a:fld id="{B61BEF0D-F0BB-DE4B-95CE-6DB70DBA9567}" type="datetimeFigureOut">
-              <a:rPr lang="en-US" smtClean="0"/>
-              <a:pPr/>
-              <a:t>6/28/2016</a:t>
-            </a:fld>
-            <a:endParaRPr lang="en-US" dirty="0"/>
-          </a:p>
-        </p:txBody>
-      </p:sp>
-      <p:sp>
-        <p:nvSpPr>
-          <p:cNvPr id="5" name="Footer Placeholder 4"/>
-          <p:cNvSpPr>
-            <a:spLocks noGrp="1"/>
-          </p:cNvSpPr>
-          <p:nvPr>
-            <p:ph type="ftr" sz="quarter" idx="11"/>
-          </p:nvPr>
-        </p:nvSpPr>
-        <p:spPr/>
-        <p:txBody>
-          <a:bodyPr/>
-          <a:lstStyle/>
-          <a:p>
-            <a:endParaRPr lang="en-US" dirty="0"/>
-          </a:p>
-        </p:txBody>
-      </p:sp>
-      <p:sp>
-        <p:nvSpPr>
-          <p:cNvPr id="6" name="Slide Number Placeholder 5"/>
-          <p:cNvSpPr>
-            <a:spLocks noGrp="1"/>
-          </p:cNvSpPr>
-          <p:nvPr>
-            <p:ph type="sldNum" sz="quarter" idx="12"/>
-          </p:nvPr>
-        </p:nvSpPr>
-        <p:spPr/>
-        <p:txBody>
-          <a:bodyPr/>
-          <a:lstStyle/>
-          <a:p>
-            <a:fld id="{D57F1E4F-1CFF-5643-939E-217C01CDF565}" type="slidenum">
-              <a:rPr lang="en-US" smtClean="0"/>
-              <a:pPr/>
-              <a:t>‹#›</a:t>
-            </a:fld>
-            <a:endParaRPr lang="en-US" dirty="0"/>
-          </a:p>
-        </p:txBody>
-      </p:sp>
-    </p:spTree>
-    <p:extLst>
-      <p:ext uri="{BB962C8B-B14F-4D97-AF65-F5344CB8AC3E}">
-        <p14:creationId xmlns:p14="http://schemas.microsoft.com/office/powerpoint/2010/main" val="4081534611"/>
-      </p:ext>
-    </p:extLst>
-  </p:cSld>
-  <p:clrMapOvr>
-    <a:masterClrMapping/>
-  </p:clrMapOvr>
-</p:sldLayout>
-</file>
-
-<file path=ppt/slideLayouts/slideLayout15.xml><?xml version="1.0" encoding="utf-8"?>
-<p:sldLayout xmlns:a="http://schemas.openxmlformats.org/drawingml/2006/main" xmlns:r="http://schemas.openxmlformats.org/officeDocument/2006/relationships" xmlns:p="http://schemas.openxmlformats.org/presentationml/2006/main" preserve="1">
-  <p:cSld name="True or False">
-    <p:spTree>
-      <p:nvGrpSpPr>
-        <p:cNvPr id="1" name=""/>
-        <p:cNvGrpSpPr/>
-        <p:nvPr/>
-      </p:nvGrpSpPr>
-      <p:grpSpPr>
-        <a:xfrm>
-          <a:off x="0" y="0"/>
-          <a:ext cx="0" cy="0"/>
-          <a:chOff x="0" y="0"/>
-          <a:chExt cx="0" cy="0"/>
-        </a:xfrm>
-      </p:grpSpPr>
-      <p:pic>
-        <p:nvPicPr>
-          <p:cNvPr id="8" name="Picture 7" descr="Celestia-R1---OverlayContentHD.png"/>
-          <p:cNvPicPr>
-            <a:picLocks noChangeAspect="1"/>
-          </p:cNvPicPr>
-          <p:nvPr/>
-        </p:nvPicPr>
-        <p:blipFill>
-          <a:blip r:embed="rId2">
-            <a:extLst>
-              <a:ext uri="{28A0092B-C50C-407E-A947-70E740481C1C}">
-                <a14:useLocalDpi xmlns:a14="http://schemas.microsoft.com/office/drawing/2010/main" val="0"/>
-              </a:ext>
-            </a:extLst>
-          </a:blip>
-          <a:stretch>
-            <a:fillRect/>
-          </a:stretch>
-        </p:blipFill>
-        <p:spPr>
-          <a:xfrm>
-            <a:off x="0" y="0"/>
-            <a:ext cx="12188825" cy="6856214"/>
-          </a:xfrm>
-          <a:prstGeom prst="rect">
-            <a:avLst/>
-          </a:prstGeom>
-        </p:spPr>
-      </p:pic>
-      <p:sp>
-        <p:nvSpPr>
-          <p:cNvPr id="2" name="Title 1"/>
-          <p:cNvSpPr>
-            <a:spLocks noGrp="1"/>
-          </p:cNvSpPr>
-          <p:nvPr>
-            <p:ph type="title"/>
-          </p:nvPr>
-        </p:nvSpPr>
-        <p:spPr>
-          <a:xfrm>
-            <a:off x="685801" y="609601"/>
-            <a:ext cx="10131427" cy="2743199"/>
-          </a:xfrm>
-        </p:spPr>
-        <p:txBody>
-          <a:bodyPr vert="horz" lIns="91440" tIns="45720" rIns="91440" bIns="45720" rtlCol="0" anchor="ctr">
-            <a:normAutofit/>
-          </a:bodyPr>
-          <a:lstStyle>
-            <a:lvl1pPr>
-              <a:defRPr lang="en-US" b="0" dirty="0"/>
-            </a:lvl1pPr>
-          </a:lstStyle>
-          <a:p>
-            <a:pPr marL="0" lvl="0"/>
-            <a:r>
-              <a:rPr lang="en-US"/>
-              <a:t>Click to edit Master title style</a:t>
-            </a:r>
-            <a:endParaRPr lang="en-US" dirty="0"/>
-          </a:p>
-        </p:txBody>
-      </p:sp>
-      <p:sp>
-        <p:nvSpPr>
-          <p:cNvPr id="10" name="Text Placeholder 9"/>
-          <p:cNvSpPr>
-            <a:spLocks noGrp="1"/>
-          </p:cNvSpPr>
-          <p:nvPr>
-            <p:ph type="body" sz="quarter" idx="13"/>
-          </p:nvPr>
-        </p:nvSpPr>
-        <p:spPr>
-          <a:xfrm>
-            <a:off x="685801" y="3505200"/>
-            <a:ext cx="10131428" cy="838200"/>
-          </a:xfrm>
-        </p:spPr>
-        <p:txBody>
-          <a:bodyPr vert="horz" lIns="91440" tIns="45720" rIns="91440" bIns="45720" rtlCol="0" anchor="b">
-            <a:normAutofit/>
-          </a:bodyPr>
-          <a:lstStyle>
-            <a:lvl1pPr>
-              <a:buNone/>
-              <a:defRPr lang="en-US" sz="2800" b="0" cap="none" dirty="0">
-                <a:ln w="3175" cmpd="sng">
-                  <a:noFill/>
-                </a:ln>
-                <a:solidFill>
-                  <a:schemeClr val="tx1"/>
-                </a:solidFill>
-                <a:effectLst/>
-              </a:defRPr>
-            </a:lvl1pPr>
-          </a:lstStyle>
-          <a:p>
-            <a:pPr marL="0" lvl="0">
-              <a:spcBef>
-                <a:spcPct val="0"/>
-              </a:spcBef>
-              <a:buNone/>
-            </a:pPr>
-            <a:r>
-              <a:rPr lang="en-US"/>
-              <a:t>Edit Master text styles</a:t>
-            </a:r>
-          </a:p>
-        </p:txBody>
-      </p:sp>
-      <p:sp>
-        <p:nvSpPr>
-          <p:cNvPr id="3" name="Text Placeholder 2"/>
-          <p:cNvSpPr>
-            <a:spLocks noGrp="1"/>
-          </p:cNvSpPr>
-          <p:nvPr>
-            <p:ph type="body" idx="1"/>
-          </p:nvPr>
-        </p:nvSpPr>
-        <p:spPr>
-          <a:xfrm>
-            <a:off x="685800" y="4343400"/>
-            <a:ext cx="10131428" cy="1447800"/>
-          </a:xfrm>
-        </p:spPr>
-        <p:txBody>
-          <a:bodyPr anchor="t">
-            <a:normAutofit/>
-          </a:bodyPr>
-          <a:lstStyle>
-            <a:lvl1pPr marL="0" indent="0" algn="l">
-              <a:buNone/>
-              <a:defRPr sz="1800">
-                <a:solidFill>
-                  <a:schemeClr val="tx1"/>
-                </a:solidFill>
-              </a:defRPr>
-            </a:lvl1pPr>
-            <a:lvl2pPr marL="457200" indent="0">
-              <a:buNone/>
-              <a:defRPr sz="1800">
-                <a:solidFill>
-                  <a:schemeClr val="tx1">
-                    <a:tint val="75000"/>
-                  </a:schemeClr>
-                </a:solidFill>
-              </a:defRPr>
-            </a:lvl2pPr>
-            <a:lvl3pPr marL="914400" indent="0">
-              <a:buNone/>
-              <a:defRPr sz="1600">
-                <a:solidFill>
-                  <a:schemeClr val="tx1">
-                    <a:tint val="75000"/>
-                  </a:schemeClr>
-                </a:solidFill>
-              </a:defRPr>
-            </a:lvl3pPr>
-            <a:lvl4pPr marL="1371600" indent="0">
-              <a:buNone/>
-              <a:defRPr sz="1400">
-                <a:solidFill>
-                  <a:schemeClr val="tx1">
-                    <a:tint val="75000"/>
-                  </a:schemeClr>
-                </a:solidFill>
-              </a:defRPr>
-            </a:lvl4pPr>
-            <a:lvl5pPr marL="1828800" indent="0">
-              <a:buNone/>
-              <a:defRPr sz="1400">
-                <a:solidFill>
-                  <a:schemeClr val="tx1">
-                    <a:tint val="75000"/>
-                  </a:schemeClr>
-                </a:solidFill>
-              </a:defRPr>
-            </a:lvl5pPr>
-            <a:lvl6pPr marL="2286000" indent="0">
-              <a:buNone/>
-              <a:defRPr sz="1400">
-                <a:solidFill>
-                  <a:schemeClr val="tx1">
-                    <a:tint val="75000"/>
-                  </a:schemeClr>
-                </a:solidFill>
-              </a:defRPr>
-            </a:lvl6pPr>
-            <a:lvl7pPr marL="2743200" indent="0">
-              <a:buNone/>
-              <a:defRPr sz="1400">
-                <a:solidFill>
-                  <a:schemeClr val="tx1">
-                    <a:tint val="75000"/>
-                  </a:schemeClr>
-                </a:solidFill>
-              </a:defRPr>
-            </a:lvl7pPr>
-            <a:lvl8pPr marL="3200400" indent="0">
-              <a:buNone/>
-              <a:defRPr sz="1400">
-                <a:solidFill>
-                  <a:schemeClr val="tx1">
-                    <a:tint val="75000"/>
-                  </a:schemeClr>
-                </a:solidFill>
-              </a:defRPr>
-            </a:lvl8pPr>
-            <a:lvl9pPr marL="3657600" indent="0">
-              <a:buNone/>
-              <a:defRPr sz="1400">
-                <a:solidFill>
-                  <a:schemeClr val="tx1">
-                    <a:tint val="75000"/>
-                  </a:schemeClr>
-                </a:solidFill>
-              </a:defRPr>
-            </a:lvl9pPr>
-          </a:lstStyle>
-          <a:p>
-            <a:pPr lvl="0"/>
-            <a:r>
-              <a:rPr lang="en-US"/>
-              <a:t>Edit Master text styles</a:t>
-            </a:r>
-          </a:p>
-        </p:txBody>
-      </p:sp>
-      <p:sp>
-        <p:nvSpPr>
-          <p:cNvPr id="4" name="Date Placeholder 3"/>
-          <p:cNvSpPr>
-            <a:spLocks noGrp="1"/>
-          </p:cNvSpPr>
-          <p:nvPr>
-            <p:ph type="dt" sz="half" idx="10"/>
-          </p:nvPr>
-        </p:nvSpPr>
-        <p:spPr/>
-        <p:txBody>
-          <a:bodyPr/>
-          <a:lstStyle/>
-          <a:p>
-            <a:fld id="{B61BEF0D-F0BB-DE4B-95CE-6DB70DBA9567}" type="datetimeFigureOut">
-              <a:rPr lang="en-US" smtClean="0"/>
-              <a:pPr/>
-              <a:t>6/28/2016</a:t>
-            </a:fld>
-            <a:endParaRPr lang="en-US" dirty="0"/>
-          </a:p>
-        </p:txBody>
-      </p:sp>
-      <p:sp>
-        <p:nvSpPr>
-          <p:cNvPr id="5" name="Footer Placeholder 4"/>
-          <p:cNvSpPr>
-            <a:spLocks noGrp="1"/>
-          </p:cNvSpPr>
-          <p:nvPr>
-            <p:ph type="ftr" sz="quarter" idx="11"/>
-          </p:nvPr>
-        </p:nvSpPr>
-        <p:spPr/>
-        <p:txBody>
-          <a:bodyPr/>
-          <a:lstStyle/>
-          <a:p>
-            <a:endParaRPr lang="en-US" dirty="0"/>
-          </a:p>
-        </p:txBody>
-      </p:sp>
-      <p:sp>
-        <p:nvSpPr>
-          <p:cNvPr id="6" name="Slide Number Placeholder 5"/>
-          <p:cNvSpPr>
-            <a:spLocks noGrp="1"/>
-          </p:cNvSpPr>
-          <p:nvPr>
-            <p:ph type="sldNum" sz="quarter" idx="12"/>
-          </p:nvPr>
-        </p:nvSpPr>
-        <p:spPr/>
-        <p:txBody>
-          <a:bodyPr/>
-          <a:lstStyle/>
-          <a:p>
-            <a:fld id="{D57F1E4F-1CFF-5643-939E-217C01CDF565}" type="slidenum">
-              <a:rPr lang="en-US" smtClean="0"/>
-              <a:pPr/>
-              <a:t>‹#›</a:t>
-            </a:fld>
-            <a:endParaRPr lang="en-US" dirty="0"/>
-          </a:p>
-        </p:txBody>
-      </p:sp>
-    </p:spTree>
-    <p:extLst>
-      <p:ext uri="{BB962C8B-B14F-4D97-AF65-F5344CB8AC3E}">
-        <p14:creationId xmlns:p14="http://schemas.microsoft.com/office/powerpoint/2010/main" val="3470544950"/>
-      </p:ext>
-    </p:extLst>
-  </p:cSld>
-  <p:clrMapOvr>
-    <a:masterClrMapping/>
-  </p:clrMapOvr>
-</p:sldLayout>
-</file>
-
-<file path=ppt/slideLayouts/slideLayout16.xml><?xml version="1.0" encoding="utf-8"?>
+<file path=ppt/slideLayouts/slideLayout10.xml><?xml version="1.0" encoding="utf-8"?>
 <p:sldLayout xmlns:a="http://schemas.openxmlformats.org/drawingml/2006/main" xmlns:r="http://schemas.openxmlformats.org/officeDocument/2006/relationships" xmlns:p="http://schemas.openxmlformats.org/presentationml/2006/main" type="vertTx" preserve="1">
   <p:cSld name="Title and Vertical Text">
     <p:spTree>
@@ -3242,39 +870,9 @@
           <a:chExt cx="0" cy="0"/>
         </a:xfrm>
       </p:grpSpPr>
-      <p:pic>
-        <p:nvPicPr>
-          <p:cNvPr id="7" name="Picture 6" descr="Celestia-R1---OverlayContentHD.png"/>
-          <p:cNvPicPr>
-            <a:picLocks noChangeAspect="1"/>
-          </p:cNvPicPr>
-          <p:nvPr/>
-        </p:nvPicPr>
-        <p:blipFill>
-          <a:blip r:embed="rId2">
-            <a:extLst>
-              <a:ext uri="{28A0092B-C50C-407E-A947-70E740481C1C}">
-                <a14:useLocalDpi xmlns:a14="http://schemas.microsoft.com/office/drawing/2010/main" val="0"/>
-              </a:ext>
-            </a:extLst>
-          </a:blip>
-          <a:stretch>
-            <a:fillRect/>
-          </a:stretch>
-        </p:blipFill>
-        <p:spPr>
-          <a:xfrm>
-            <a:off x="0" y="0"/>
-            <a:ext cx="12188825" cy="6856214"/>
-          </a:xfrm>
-          <a:prstGeom prst="rect">
-            <a:avLst/>
-          </a:prstGeom>
-        </p:spPr>
-      </p:pic>
-      <p:sp>
-        <p:nvSpPr>
-          <p:cNvPr id="8" name="Title 1"/>
+      <p:sp>
+        <p:nvSpPr>
+          <p:cNvPr id="2" name="Title 1"/>
           <p:cNvSpPr>
             <a:spLocks noGrp="1"/>
           </p:cNvSpPr>
@@ -3282,12 +880,7 @@
             <p:ph type="title"/>
           </p:nvPr>
         </p:nvSpPr>
-        <p:spPr>
-          <a:xfrm>
-            <a:off x="685801" y="609600"/>
-            <a:ext cx="10131425" cy="1456267"/>
-          </a:xfrm>
-        </p:spPr>
+        <p:spPr/>
         <p:txBody>
           <a:bodyPr/>
           <a:lstStyle/>
@@ -3296,7 +889,7 @@
               <a:rPr lang="en-US"/>
               <a:t>Click to edit Master title style</a:t>
             </a:r>
-            <a:endParaRPr lang="en-US" dirty="0"/>
+            <a:endParaRPr lang="en-US"/>
           </a:p>
         </p:txBody>
       </p:sp>
@@ -3312,7 +905,7 @@
         </p:nvSpPr>
         <p:spPr/>
         <p:txBody>
-          <a:bodyPr vert="eaVert" anchor="t"/>
+          <a:bodyPr vert="eaVert"/>
           <a:lstStyle/>
           <a:p>
             <a:pPr lvl="0"/>
@@ -3348,7 +941,7 @@
               <a:rPr lang="en-US"/>
               <a:t>Fifth level</a:t>
             </a:r>
-            <a:endParaRPr lang="en-US" dirty="0"/>
+            <a:endParaRPr lang="en-US"/>
           </a:p>
         </p:txBody>
       </p:sp>
@@ -3370,7 +963,7 @@
             <a:fld id="{B61BEF0D-F0BB-DE4B-95CE-6DB70DBA9567}" type="datetimeFigureOut">
               <a:rPr lang="en-US" smtClean="0"/>
               <a:pPr/>
-              <a:t>6/28/2016</a:t>
+              <a:t>8/30/2016</a:t>
             </a:fld>
             <a:endParaRPr lang="en-US" dirty="0"/>
           </a:p>
@@ -3422,7 +1015,7 @@
     </p:spTree>
     <p:extLst>
       <p:ext uri="{BB962C8B-B14F-4D97-AF65-F5344CB8AC3E}">
-        <p14:creationId xmlns:p14="http://schemas.microsoft.com/office/powerpoint/2010/main" val="1226010600"/>
+        <p14:creationId xmlns:p14="http://schemas.microsoft.com/office/powerpoint/2010/main" val="2290179425"/>
       </p:ext>
     </p:extLst>
   </p:cSld>
@@ -3432,7 +1025,7 @@
 </p:sldLayout>
 </file>
 
-<file path=ppt/slideLayouts/slideLayout17.xml><?xml version="1.0" encoding="utf-8"?>
+<file path=ppt/slideLayouts/slideLayout11.xml><?xml version="1.0" encoding="utf-8"?>
 <p:sldLayout xmlns:a="http://schemas.openxmlformats.org/drawingml/2006/main" xmlns:r="http://schemas.openxmlformats.org/officeDocument/2006/relationships" xmlns:p="http://schemas.openxmlformats.org/presentationml/2006/main" type="vertTitleAndTx" preserve="1">
   <p:cSld name="Vertical Title and Text">
     <p:spTree>
@@ -3449,50 +1042,20 @@
           <a:chExt cx="0" cy="0"/>
         </a:xfrm>
       </p:grpSpPr>
-      <p:pic>
-        <p:nvPicPr>
-          <p:cNvPr id="7" name="Picture 6" descr="Celestia-R1---OverlayContentHD.png"/>
-          <p:cNvPicPr>
-            <a:picLocks noChangeAspect="1"/>
-          </p:cNvPicPr>
-          <p:nvPr/>
-        </p:nvPicPr>
-        <p:blipFill>
-          <a:blip r:embed="rId2">
-            <a:extLst>
-              <a:ext uri="{28A0092B-C50C-407E-A947-70E740481C1C}">
-                <a14:useLocalDpi xmlns:a14="http://schemas.microsoft.com/office/drawing/2010/main" val="0"/>
-              </a:ext>
-            </a:extLst>
-          </a:blip>
-          <a:stretch>
-            <a:fillRect/>
-          </a:stretch>
-        </p:blipFill>
+      <p:sp>
+        <p:nvSpPr>
+          <p:cNvPr id="2" name="Vertical Title 1"/>
+          <p:cNvSpPr>
+            <a:spLocks noGrp="1"/>
+          </p:cNvSpPr>
+          <p:nvPr>
+            <p:ph type="title" orient="vert"/>
+          </p:nvPr>
+        </p:nvSpPr>
         <p:spPr>
           <a:xfrm>
-            <a:off x="0" y="0"/>
-            <a:ext cx="12188825" cy="6856214"/>
-          </a:xfrm>
-          <a:prstGeom prst="rect">
-            <a:avLst/>
-          </a:prstGeom>
-        </p:spPr>
-      </p:pic>
-      <p:sp>
-        <p:nvSpPr>
-          <p:cNvPr id="2" name="Vertical Title 1"/>
-          <p:cNvSpPr>
-            <a:spLocks noGrp="1"/>
-          </p:cNvSpPr>
-          <p:nvPr>
-            <p:ph type="title" orient="vert"/>
-          </p:nvPr>
-        </p:nvSpPr>
-        <p:spPr>
-          <a:xfrm>
-            <a:off x="8658675" y="609599"/>
-            <a:ext cx="2158552" cy="5181601"/>
+            <a:off x="8724900" y="365125"/>
+            <a:ext cx="2628900" cy="5811838"/>
           </a:xfrm>
         </p:spPr>
         <p:txBody>
@@ -3503,7 +1066,7 @@
               <a:rPr lang="en-US"/>
               <a:t>Click to edit Master title style</a:t>
             </a:r>
-            <a:endParaRPr lang="en-US" dirty="0"/>
+            <a:endParaRPr lang="en-US"/>
           </a:p>
         </p:txBody>
       </p:sp>
@@ -3519,12 +1082,12 @@
         </p:nvSpPr>
         <p:spPr>
           <a:xfrm>
-            <a:off x="685800" y="609600"/>
-            <a:ext cx="7832116" cy="5181600"/>
+            <a:off x="838200" y="365125"/>
+            <a:ext cx="7734300" cy="5811838"/>
           </a:xfrm>
         </p:spPr>
         <p:txBody>
-          <a:bodyPr vert="eaVert" anchor="t"/>
+          <a:bodyPr vert="eaVert"/>
           <a:lstStyle/>
           <a:p>
             <a:pPr lvl="0"/>
@@ -3560,7 +1123,7 @@
               <a:rPr lang="en-US"/>
               <a:t>Fifth level</a:t>
             </a:r>
-            <a:endParaRPr lang="en-US" dirty="0"/>
+            <a:endParaRPr lang="en-US"/>
           </a:p>
         </p:txBody>
       </p:sp>
@@ -3582,7 +1145,7 @@
             <a:fld id="{B61BEF0D-F0BB-DE4B-95CE-6DB70DBA9567}" type="datetimeFigureOut">
               <a:rPr lang="en-US" smtClean="0"/>
               <a:pPr/>
-              <a:t>6/28/2016</a:t>
+              <a:t>8/30/2016</a:t>
             </a:fld>
             <a:endParaRPr lang="en-US" dirty="0"/>
           </a:p>
@@ -3634,7 +1197,7 @@
     </p:spTree>
     <p:extLst>
       <p:ext uri="{BB962C8B-B14F-4D97-AF65-F5344CB8AC3E}">
-        <p14:creationId xmlns:p14="http://schemas.microsoft.com/office/powerpoint/2010/main" val="2970961365"/>
+        <p14:creationId xmlns:p14="http://schemas.microsoft.com/office/powerpoint/2010/main" val="3504667436"/>
       </p:ext>
     </p:extLst>
   </p:cSld>
@@ -3661,36 +1224,6 @@
           <a:chExt cx="0" cy="0"/>
         </a:xfrm>
       </p:grpSpPr>
-      <p:pic>
-        <p:nvPicPr>
-          <p:cNvPr id="7" name="Picture 6" descr="Celestia-R1---OverlayContentHD.png"/>
-          <p:cNvPicPr>
-            <a:picLocks noChangeAspect="1"/>
-          </p:cNvPicPr>
-          <p:nvPr/>
-        </p:nvPicPr>
-        <p:blipFill>
-          <a:blip r:embed="rId2">
-            <a:extLst>
-              <a:ext uri="{28A0092B-C50C-407E-A947-70E740481C1C}">
-                <a14:useLocalDpi xmlns:a14="http://schemas.microsoft.com/office/drawing/2010/main" val="0"/>
-              </a:ext>
-            </a:extLst>
-          </a:blip>
-          <a:stretch>
-            <a:fillRect/>
-          </a:stretch>
-        </p:blipFill>
-        <p:spPr>
-          <a:xfrm>
-            <a:off x="-1" y="-185195"/>
-            <a:ext cx="12188825" cy="6856214"/>
-          </a:xfrm>
-          <a:prstGeom prst="rect">
-            <a:avLst/>
-          </a:prstGeom>
-        </p:spPr>
-      </p:pic>
       <p:sp>
         <p:nvSpPr>
           <p:cNvPr id="2" name="Title 1"/>
@@ -3704,16 +1237,13 @@
         <p:spPr/>
         <p:txBody>
           <a:bodyPr/>
-          <a:lstStyle>
-            <a:lvl1pPr>
-              <a:defRPr cap="none" baseline="0"/>
-            </a:lvl1pPr>
-          </a:lstStyle>
-          <a:p>
-            <a:r>
-              <a:rPr lang="en-US" dirty="0"/>
+          <a:lstStyle/>
+          <a:p>
+            <a:r>
+              <a:rPr lang="en-US"/>
               <a:t>Click to edit Master title style</a:t>
             </a:r>
+            <a:endParaRPr lang="en-US"/>
           </a:p>
         </p:txBody>
       </p:sp>
@@ -3729,7 +1259,7 @@
         </p:nvSpPr>
         <p:spPr/>
         <p:txBody>
-          <a:bodyPr anchor="t"/>
+          <a:bodyPr/>
           <a:lstStyle/>
           <a:p>
             <a:pPr lvl="0"/>
@@ -3765,7 +1295,7 @@
               <a:rPr lang="en-US"/>
               <a:t>Fifth level</a:t>
             </a:r>
-            <a:endParaRPr lang="en-US" dirty="0"/>
+            <a:endParaRPr lang="en-US"/>
           </a:p>
         </p:txBody>
       </p:sp>
@@ -3787,7 +1317,7 @@
             <a:fld id="{B61BEF0D-F0BB-DE4B-95CE-6DB70DBA9567}" type="datetimeFigureOut">
               <a:rPr lang="en-US" smtClean="0"/>
               <a:pPr/>
-              <a:t>6/28/2016</a:t>
+              <a:t>8/30/2016</a:t>
             </a:fld>
             <a:endParaRPr lang="en-US" dirty="0"/>
           </a:p>
@@ -3839,7 +1369,7 @@
     </p:spTree>
     <p:extLst>
       <p:ext uri="{BB962C8B-B14F-4D97-AF65-F5344CB8AC3E}">
-        <p14:creationId xmlns:p14="http://schemas.microsoft.com/office/powerpoint/2010/main" val="1788832010"/>
+        <p14:creationId xmlns:p14="http://schemas.microsoft.com/office/powerpoint/2010/main" val="1931005387"/>
       </p:ext>
     </p:extLst>
   </p:cSld>
@@ -3866,57 +1396,27 @@
           <a:chExt cx="0" cy="0"/>
         </a:xfrm>
       </p:grpSpPr>
-      <p:pic>
-        <p:nvPicPr>
-          <p:cNvPr id="7" name="Picture 6" descr="Celestia-R1---OverlayContentHD.png"/>
-          <p:cNvPicPr>
-            <a:picLocks noChangeAspect="1"/>
-          </p:cNvPicPr>
-          <p:nvPr/>
-        </p:nvPicPr>
-        <p:blipFill>
-          <a:blip r:embed="rId2">
-            <a:extLst>
-              <a:ext uri="{28A0092B-C50C-407E-A947-70E740481C1C}">
-                <a14:useLocalDpi xmlns:a14="http://schemas.microsoft.com/office/drawing/2010/main" val="0"/>
-              </a:ext>
-            </a:extLst>
-          </a:blip>
-          <a:stretch>
-            <a:fillRect/>
-          </a:stretch>
-        </p:blipFill>
+      <p:sp>
+        <p:nvSpPr>
+          <p:cNvPr id="2" name="Title 1"/>
+          <p:cNvSpPr>
+            <a:spLocks noGrp="1"/>
+          </p:cNvSpPr>
+          <p:nvPr>
+            <p:ph type="title"/>
+          </p:nvPr>
+        </p:nvSpPr>
         <p:spPr>
           <a:xfrm>
-            <a:off x="0" y="0"/>
-            <a:ext cx="12188825" cy="6856214"/>
-          </a:xfrm>
-          <a:prstGeom prst="rect">
-            <a:avLst/>
-          </a:prstGeom>
-        </p:spPr>
-      </p:pic>
-      <p:sp>
-        <p:nvSpPr>
-          <p:cNvPr id="2" name="Title 1"/>
-          <p:cNvSpPr>
-            <a:spLocks noGrp="1"/>
-          </p:cNvSpPr>
-          <p:nvPr>
-            <p:ph type="title"/>
-          </p:nvPr>
-        </p:nvSpPr>
-        <p:spPr>
-          <a:xfrm>
-            <a:off x="685800" y="3308581"/>
-            <a:ext cx="10131427" cy="1468800"/>
+            <a:off x="831850" y="1709738"/>
+            <a:ext cx="10515600" cy="2852737"/>
           </a:xfrm>
         </p:spPr>
         <p:txBody>
           <a:bodyPr anchor="b"/>
           <a:lstStyle>
-            <a:lvl1pPr algn="l">
-              <a:defRPr sz="4000" b="0" cap="all"/>
+            <a:lvl1pPr>
+              <a:defRPr sz="6000"/>
             </a:lvl1pPr>
           </a:lstStyle>
           <a:p>
@@ -3924,7 +1424,7 @@
               <a:rPr lang="en-US"/>
               <a:t>Click to edit Master title style</a:t>
             </a:r>
-            <a:endParaRPr lang="en-US" dirty="0"/>
+            <a:endParaRPr lang="en-US"/>
           </a:p>
         </p:txBody>
       </p:sp>
@@ -3940,26 +1440,26 @@
         </p:nvSpPr>
         <p:spPr>
           <a:xfrm>
-            <a:off x="685799" y="4777381"/>
-            <a:ext cx="10131428" cy="860400"/>
+            <a:off x="831850" y="4589463"/>
+            <a:ext cx="10515600" cy="1500187"/>
           </a:xfrm>
         </p:spPr>
         <p:txBody>
-          <a:bodyPr anchor="t">
-            <a:normAutofit/>
-          </a:bodyPr>
+          <a:bodyPr/>
           <a:lstStyle>
-            <a:lvl1pPr marL="0" indent="0" algn="l">
+            <a:lvl1pPr marL="0" indent="0">
               <a:buNone/>
-              <a:defRPr sz="2000" cap="all">
+              <a:defRPr sz="2400">
                 <a:solidFill>
-                  <a:schemeClr val="tx1"/>
+                  <a:schemeClr val="tx1">
+                    <a:tint val="75000"/>
+                  </a:schemeClr>
                 </a:solidFill>
               </a:defRPr>
             </a:lvl1pPr>
             <a:lvl2pPr marL="457200" indent="0">
               <a:buNone/>
-              <a:defRPr sz="1800">
+              <a:defRPr sz="2000">
                 <a:solidFill>
                   <a:schemeClr val="tx1">
                     <a:tint val="75000"/>
@@ -3969,7 +1469,7 @@
             </a:lvl2pPr>
             <a:lvl3pPr marL="914400" indent="0">
               <a:buNone/>
-              <a:defRPr sz="1600">
+              <a:defRPr sz="1800">
                 <a:solidFill>
                   <a:schemeClr val="tx1">
                     <a:tint val="75000"/>
@@ -3979,7 +1479,7 @@
             </a:lvl3pPr>
             <a:lvl4pPr marL="1371600" indent="0">
               <a:buNone/>
-              <a:defRPr sz="1400">
+              <a:defRPr sz="1600">
                 <a:solidFill>
                   <a:schemeClr val="tx1">
                     <a:tint val="75000"/>
@@ -3989,7 +1489,7 @@
             </a:lvl4pPr>
             <a:lvl5pPr marL="1828800" indent="0">
               <a:buNone/>
-              <a:defRPr sz="1400">
+              <a:defRPr sz="1600">
                 <a:solidFill>
                   <a:schemeClr val="tx1">
                     <a:tint val="75000"/>
@@ -3999,7 +1499,7 @@
             </a:lvl5pPr>
             <a:lvl6pPr marL="2286000" indent="0">
               <a:buNone/>
-              <a:defRPr sz="1400">
+              <a:defRPr sz="1600">
                 <a:solidFill>
                   <a:schemeClr val="tx1">
                     <a:tint val="75000"/>
@@ -4009,7 +1509,7 @@
             </a:lvl6pPr>
             <a:lvl7pPr marL="2743200" indent="0">
               <a:buNone/>
-              <a:defRPr sz="1400">
+              <a:defRPr sz="1600">
                 <a:solidFill>
                   <a:schemeClr val="tx1">
                     <a:tint val="75000"/>
@@ -4019,7 +1519,7 @@
             </a:lvl7pPr>
             <a:lvl8pPr marL="3200400" indent="0">
               <a:buNone/>
-              <a:defRPr sz="1400">
+              <a:defRPr sz="1600">
                 <a:solidFill>
                   <a:schemeClr val="tx1">
                     <a:tint val="75000"/>
@@ -4029,7 +1529,7 @@
             </a:lvl8pPr>
             <a:lvl9pPr marL="3657600" indent="0">
               <a:buNone/>
-              <a:defRPr sz="1400">
+              <a:defRPr sz="1600">
                 <a:solidFill>
                   <a:schemeClr val="tx1">
                     <a:tint val="75000"/>
@@ -4065,7 +1565,7 @@
             <a:fld id="{B61BEF0D-F0BB-DE4B-95CE-6DB70DBA9567}" type="datetimeFigureOut">
               <a:rPr lang="en-US" smtClean="0"/>
               <a:pPr/>
-              <a:t>6/28/2016</a:t>
+              <a:t>8/30/2016</a:t>
             </a:fld>
             <a:endParaRPr lang="en-US" dirty="0"/>
           </a:p>
@@ -4117,7 +1617,7 @@
     </p:spTree>
     <p:extLst>
       <p:ext uri="{BB962C8B-B14F-4D97-AF65-F5344CB8AC3E}">
-        <p14:creationId xmlns:p14="http://schemas.microsoft.com/office/powerpoint/2010/main" val="4138814111"/>
+        <p14:creationId xmlns:p14="http://schemas.microsoft.com/office/powerpoint/2010/main" val="740593844"/>
       </p:ext>
     </p:extLst>
   </p:cSld>
@@ -4144,82 +1644,47 @@
           <a:chExt cx="0" cy="0"/>
         </a:xfrm>
       </p:grpSpPr>
-      <p:pic>
-        <p:nvPicPr>
-          <p:cNvPr id="8" name="Picture 7" descr="Celestia-R1---OverlayContentHD.png"/>
-          <p:cNvPicPr>
-            <a:picLocks noChangeAspect="1"/>
-          </p:cNvPicPr>
-          <p:nvPr/>
-        </p:nvPicPr>
-        <p:blipFill>
-          <a:blip r:embed="rId2">
-            <a:extLst>
-              <a:ext uri="{28A0092B-C50C-407E-A947-70E740481C1C}">
-                <a14:useLocalDpi xmlns:a14="http://schemas.microsoft.com/office/drawing/2010/main" val="0"/>
-              </a:ext>
-            </a:extLst>
-          </a:blip>
-          <a:stretch>
-            <a:fillRect/>
-          </a:stretch>
-        </p:blipFill>
+      <p:sp>
+        <p:nvSpPr>
+          <p:cNvPr id="2" name="Title 1"/>
+          <p:cNvSpPr>
+            <a:spLocks noGrp="1"/>
+          </p:cNvSpPr>
+          <p:nvPr>
+            <p:ph type="title"/>
+          </p:nvPr>
+        </p:nvSpPr>
+        <p:spPr/>
+        <p:txBody>
+          <a:bodyPr/>
+          <a:lstStyle/>
+          <a:p>
+            <a:r>
+              <a:rPr lang="en-US"/>
+              <a:t>Click to edit Master title style</a:t>
+            </a:r>
+            <a:endParaRPr lang="en-US"/>
+          </a:p>
+        </p:txBody>
+      </p:sp>
+      <p:sp>
+        <p:nvSpPr>
+          <p:cNvPr id="3" name="Content Placeholder 2"/>
+          <p:cNvSpPr>
+            <a:spLocks noGrp="1"/>
+          </p:cNvSpPr>
+          <p:nvPr>
+            <p:ph sz="half" idx="1"/>
+          </p:nvPr>
+        </p:nvSpPr>
         <p:spPr>
           <a:xfrm>
-            <a:off x="0" y="0"/>
-            <a:ext cx="12188825" cy="6856214"/>
-          </a:xfrm>
-          <a:prstGeom prst="rect">
-            <a:avLst/>
-          </a:prstGeom>
+            <a:off x="838200" y="1825625"/>
+            <a:ext cx="5181600" cy="4351338"/>
+          </a:xfrm>
         </p:spPr>
-      </p:pic>
-      <p:sp>
-        <p:nvSpPr>
-          <p:cNvPr id="2" name="Title 1"/>
-          <p:cNvSpPr>
-            <a:spLocks noGrp="1"/>
-          </p:cNvSpPr>
-          <p:nvPr>
-            <p:ph type="title"/>
-          </p:nvPr>
-        </p:nvSpPr>
-        <p:spPr/>
         <p:txBody>
           <a:bodyPr/>
-          <a:lstStyle>
-            <a:lvl1pPr>
-              <a:defRPr cap="none" baseline="0"/>
-            </a:lvl1pPr>
-          </a:lstStyle>
-          <a:p>
-            <a:r>
-              <a:rPr lang="en-US" dirty="0"/>
-              <a:t>Click to edit Master title style</a:t>
-            </a:r>
-          </a:p>
-        </p:txBody>
-      </p:sp>
-      <p:sp>
-        <p:nvSpPr>
-          <p:cNvPr id="3" name="Content Placeholder 2"/>
-          <p:cNvSpPr>
-            <a:spLocks noGrp="1"/>
-          </p:cNvSpPr>
-          <p:nvPr>
-            <p:ph sz="half" idx="1"/>
-          </p:nvPr>
-        </p:nvSpPr>
-        <p:spPr>
-          <a:xfrm>
-            <a:off x="685802" y="2142067"/>
-            <a:ext cx="4995334" cy="3649134"/>
-          </a:xfrm>
-        </p:spPr>
-        <p:txBody>
-          <a:bodyPr>
-            <a:normAutofit/>
-          </a:bodyPr>
           <a:lstStyle/>
           <a:p>
             <a:pPr lvl="0"/>
@@ -4255,7 +1720,7 @@
               <a:rPr lang="en-US"/>
               <a:t>Fifth level</a:t>
             </a:r>
-            <a:endParaRPr lang="en-US" dirty="0"/>
+            <a:endParaRPr lang="en-US"/>
           </a:p>
         </p:txBody>
       </p:sp>
@@ -4271,14 +1736,12 @@
         </p:nvSpPr>
         <p:spPr>
           <a:xfrm>
-            <a:off x="5821895" y="2142067"/>
-            <a:ext cx="4995332" cy="3649133"/>
+            <a:off x="6172200" y="1825625"/>
+            <a:ext cx="5181600" cy="4351338"/>
           </a:xfrm>
         </p:spPr>
         <p:txBody>
-          <a:bodyPr>
-            <a:normAutofit/>
-          </a:bodyPr>
+          <a:bodyPr/>
           <a:lstStyle/>
           <a:p>
             <a:pPr lvl="0"/>
@@ -4314,7 +1777,7 @@
               <a:rPr lang="en-US"/>
               <a:t>Fifth level</a:t>
             </a:r>
-            <a:endParaRPr lang="en-US" dirty="0"/>
+            <a:endParaRPr lang="en-US"/>
           </a:p>
         </p:txBody>
       </p:sp>
@@ -4336,7 +1799,7 @@
             <a:fld id="{B61BEF0D-F0BB-DE4B-95CE-6DB70DBA9567}" type="datetimeFigureOut">
               <a:rPr lang="en-US" smtClean="0"/>
               <a:pPr/>
-              <a:t>6/28/2016</a:t>
+              <a:t>8/30/2016</a:t>
             </a:fld>
             <a:endParaRPr lang="en-US" dirty="0"/>
           </a:p>
@@ -4388,7 +1851,7 @@
     </p:spTree>
     <p:extLst>
       <p:ext uri="{BB962C8B-B14F-4D97-AF65-F5344CB8AC3E}">
-        <p14:creationId xmlns:p14="http://schemas.microsoft.com/office/powerpoint/2010/main" val="1378313940"/>
+        <p14:creationId xmlns:p14="http://schemas.microsoft.com/office/powerpoint/2010/main" val="3143463494"/>
       </p:ext>
     </p:extLst>
   </p:cSld>
@@ -4425,19 +1888,21 @@
             <p:ph type="title"/>
           </p:nvPr>
         </p:nvSpPr>
-        <p:spPr/>
+        <p:spPr>
+          <a:xfrm>
+            <a:off x="839788" y="365125"/>
+            <a:ext cx="10515600" cy="1325563"/>
+          </a:xfrm>
+        </p:spPr>
         <p:txBody>
           <a:bodyPr/>
-          <a:lstStyle>
-            <a:lvl1pPr>
-              <a:defRPr cap="none" baseline="0"/>
-            </a:lvl1pPr>
-          </a:lstStyle>
-          <a:p>
-            <a:r>
-              <a:rPr lang="en-US" dirty="0"/>
+          <a:lstStyle/>
+          <a:p>
+            <a:r>
+              <a:rPr lang="en-US"/>
               <a:t>Click to edit Master title style</a:t>
             </a:r>
+            <a:endParaRPr lang="en-US"/>
           </a:p>
         </p:txBody>
       </p:sp>
@@ -4448,23 +1913,21 @@
             <a:spLocks noGrp="1"/>
           </p:cNvSpPr>
           <p:nvPr>
-            <p:ph type="body" idx="1" hasCustomPrompt="1"/>
+            <p:ph type="body" idx="1"/>
           </p:nvPr>
         </p:nvSpPr>
         <p:spPr>
           <a:xfrm>
-            <a:off x="973670" y="2218267"/>
-            <a:ext cx="4709054" cy="576262"/>
+            <a:off x="839788" y="1681163"/>
+            <a:ext cx="5157787" cy="823912"/>
           </a:xfrm>
         </p:spPr>
         <p:txBody>
-          <a:bodyPr anchor="b">
-            <a:noAutofit/>
-          </a:bodyPr>
+          <a:bodyPr anchor="b"/>
           <a:lstStyle>
             <a:lvl1pPr marL="0" indent="0">
               <a:buNone/>
-              <a:defRPr sz="2800" b="0"/>
+              <a:defRPr sz="2400" b="1"/>
             </a:lvl1pPr>
             <a:lvl2pPr marL="457200" indent="0">
               <a:buNone/>
@@ -4502,40 +1965,38 @@
           <a:p>
             <a:pPr lvl="0"/>
             <a:r>
-              <a:rPr lang="en-US" dirty="0"/>
-              <a:t>CLICK TO EDIT MASTER TEXT STYLES</a:t>
-            </a:r>
-          </a:p>
-        </p:txBody>
-      </p:sp>
-      <p:sp>
-        <p:nvSpPr>
-          <p:cNvPr id="4" name="Content Placeholder 3"/>
-          <p:cNvSpPr>
-            <a:spLocks noGrp="1"/>
-          </p:cNvSpPr>
-          <p:nvPr>
-            <p:ph sz="half" idx="2"/>
-          </p:nvPr>
-        </p:nvSpPr>
-        <p:spPr>
-          <a:xfrm>
-            <a:off x="685801" y="2870201"/>
-            <a:ext cx="4996923" cy="2920998"/>
-          </a:xfrm>
-        </p:spPr>
-        <p:txBody>
-          <a:bodyPr anchor="t">
-            <a:normAutofit/>
-          </a:bodyPr>
-          <a:lstStyle/>
-          <a:p>
-            <a:pPr lvl="0"/>
-            <a:r>
               <a:rPr lang="en-US"/>
               <a:t>Edit Master text styles</a:t>
             </a:r>
           </a:p>
+        </p:txBody>
+      </p:sp>
+      <p:sp>
+        <p:nvSpPr>
+          <p:cNvPr id="4" name="Content Placeholder 3"/>
+          <p:cNvSpPr>
+            <a:spLocks noGrp="1"/>
+          </p:cNvSpPr>
+          <p:nvPr>
+            <p:ph sz="half" idx="2"/>
+          </p:nvPr>
+        </p:nvSpPr>
+        <p:spPr>
+          <a:xfrm>
+            <a:off x="839788" y="2505075"/>
+            <a:ext cx="5157787" cy="3684588"/>
+          </a:xfrm>
+        </p:spPr>
+        <p:txBody>
+          <a:bodyPr/>
+          <a:lstStyle/>
+          <a:p>
+            <a:pPr lvl="0"/>
+            <a:r>
+              <a:rPr lang="en-US"/>
+              <a:t>Edit Master text styles</a:t>
+            </a:r>
+          </a:p>
           <a:p>
             <a:pPr lvl="1"/>
             <a:r>
@@ -4563,7 +2024,7 @@
               <a:rPr lang="en-US"/>
               <a:t>Fifth level</a:t>
             </a:r>
-            <a:endParaRPr lang="en-US" dirty="0"/>
+            <a:endParaRPr lang="en-US"/>
           </a:p>
         </p:txBody>
       </p:sp>
@@ -4574,23 +2035,21 @@
             <a:spLocks noGrp="1"/>
           </p:cNvSpPr>
           <p:nvPr>
-            <p:ph type="body" sz="quarter" idx="3" hasCustomPrompt="1"/>
+            <p:ph type="body" sz="quarter" idx="3"/>
           </p:nvPr>
         </p:nvSpPr>
         <p:spPr>
           <a:xfrm>
-            <a:off x="6096003" y="2226734"/>
-            <a:ext cx="4722813" cy="576262"/>
+            <a:off x="6172200" y="1681163"/>
+            <a:ext cx="5183188" cy="823912"/>
           </a:xfrm>
         </p:spPr>
         <p:txBody>
-          <a:bodyPr anchor="b">
-            <a:noAutofit/>
-          </a:bodyPr>
+          <a:bodyPr anchor="b"/>
           <a:lstStyle>
             <a:lvl1pPr marL="0" indent="0">
               <a:buNone/>
-              <a:defRPr sz="2800" b="0"/>
+              <a:defRPr sz="2400" b="1"/>
             </a:lvl1pPr>
             <a:lvl2pPr marL="457200" indent="0">
               <a:buNone/>
@@ -4628,40 +2087,38 @@
           <a:p>
             <a:pPr lvl="0"/>
             <a:r>
-              <a:rPr lang="en-US" dirty="0"/>
-              <a:t>CLICK TO EDIT MASTER TEXT STYLES</a:t>
-            </a:r>
-          </a:p>
-        </p:txBody>
-      </p:sp>
-      <p:sp>
-        <p:nvSpPr>
-          <p:cNvPr id="6" name="Content Placeholder 5"/>
-          <p:cNvSpPr>
-            <a:spLocks noGrp="1"/>
-          </p:cNvSpPr>
-          <p:nvPr>
-            <p:ph sz="quarter" idx="4"/>
-          </p:nvPr>
-        </p:nvSpPr>
-        <p:spPr>
-          <a:xfrm>
-            <a:off x="5823483" y="2870201"/>
-            <a:ext cx="4995334" cy="2920998"/>
-          </a:xfrm>
-        </p:spPr>
-        <p:txBody>
-          <a:bodyPr anchor="t">
-            <a:normAutofit/>
-          </a:bodyPr>
-          <a:lstStyle/>
-          <a:p>
-            <a:pPr lvl="0"/>
-            <a:r>
               <a:rPr lang="en-US"/>
               <a:t>Edit Master text styles</a:t>
             </a:r>
           </a:p>
+        </p:txBody>
+      </p:sp>
+      <p:sp>
+        <p:nvSpPr>
+          <p:cNvPr id="6" name="Content Placeholder 5"/>
+          <p:cNvSpPr>
+            <a:spLocks noGrp="1"/>
+          </p:cNvSpPr>
+          <p:nvPr>
+            <p:ph sz="quarter" idx="4"/>
+          </p:nvPr>
+        </p:nvSpPr>
+        <p:spPr>
+          <a:xfrm>
+            <a:off x="6172200" y="2505075"/>
+            <a:ext cx="5183188" cy="3684588"/>
+          </a:xfrm>
+        </p:spPr>
+        <p:txBody>
+          <a:bodyPr/>
+          <a:lstStyle/>
+          <a:p>
+            <a:pPr lvl="0"/>
+            <a:r>
+              <a:rPr lang="en-US"/>
+              <a:t>Edit Master text styles</a:t>
+            </a:r>
+          </a:p>
           <a:p>
             <a:pPr lvl="1"/>
             <a:r>
@@ -4689,7 +2146,7 @@
               <a:rPr lang="en-US"/>
               <a:t>Fifth level</a:t>
             </a:r>
-            <a:endParaRPr lang="en-US" dirty="0"/>
+            <a:endParaRPr lang="en-US"/>
           </a:p>
         </p:txBody>
       </p:sp>
@@ -4711,7 +2168,7 @@
             <a:fld id="{B61BEF0D-F0BB-DE4B-95CE-6DB70DBA9567}" type="datetimeFigureOut">
               <a:rPr lang="en-US" smtClean="0"/>
               <a:pPr/>
-              <a:t>6/28/2016</a:t>
+              <a:t>8/30/2016</a:t>
             </a:fld>
             <a:endParaRPr lang="en-US" dirty="0"/>
           </a:p>
@@ -4763,7 +2220,7 @@
     </p:spTree>
     <p:extLst>
       <p:ext uri="{BB962C8B-B14F-4D97-AF65-F5344CB8AC3E}">
-        <p14:creationId xmlns:p14="http://schemas.microsoft.com/office/powerpoint/2010/main" val="95875237"/>
+        <p14:creationId xmlns:p14="http://schemas.microsoft.com/office/powerpoint/2010/main" val="3631227153"/>
       </p:ext>
     </p:extLst>
   </p:cSld>
@@ -4790,36 +2247,6 @@
           <a:chExt cx="0" cy="0"/>
         </a:xfrm>
       </p:grpSpPr>
-      <p:pic>
-        <p:nvPicPr>
-          <p:cNvPr id="6" name="Picture 5" descr="Celestia-R1---OverlayContentHD.png"/>
-          <p:cNvPicPr>
-            <a:picLocks noChangeAspect="1"/>
-          </p:cNvPicPr>
-          <p:nvPr/>
-        </p:nvPicPr>
-        <p:blipFill>
-          <a:blip r:embed="rId2">
-            <a:extLst>
-              <a:ext uri="{28A0092B-C50C-407E-A947-70E740481C1C}">
-                <a14:useLocalDpi xmlns:a14="http://schemas.microsoft.com/office/drawing/2010/main" val="0"/>
-              </a:ext>
-            </a:extLst>
-          </a:blip>
-          <a:stretch>
-            <a:fillRect/>
-          </a:stretch>
-        </p:blipFill>
-        <p:spPr>
-          <a:xfrm>
-            <a:off x="0" y="0"/>
-            <a:ext cx="12188825" cy="6856214"/>
-          </a:xfrm>
-          <a:prstGeom prst="rect">
-            <a:avLst/>
-          </a:prstGeom>
-        </p:spPr>
-      </p:pic>
       <p:sp>
         <p:nvSpPr>
           <p:cNvPr id="2" name="Title 1"/>
@@ -4833,16 +2260,13 @@
         <p:spPr/>
         <p:txBody>
           <a:bodyPr/>
-          <a:lstStyle>
-            <a:lvl1pPr>
-              <a:defRPr cap="none" baseline="0"/>
-            </a:lvl1pPr>
-          </a:lstStyle>
-          <a:p>
-            <a:r>
-              <a:rPr lang="en-US" dirty="0"/>
+          <a:lstStyle/>
+          <a:p>
+            <a:r>
+              <a:rPr lang="en-US"/>
               <a:t>Click to edit Master title style</a:t>
             </a:r>
+            <a:endParaRPr lang="en-US"/>
           </a:p>
         </p:txBody>
       </p:sp>
@@ -4864,7 +2288,7 @@
             <a:fld id="{B61BEF0D-F0BB-DE4B-95CE-6DB70DBA9567}" type="datetimeFigureOut">
               <a:rPr lang="en-US" smtClean="0"/>
               <a:pPr/>
-              <a:t>6/28/2016</a:t>
+              <a:t>8/30/2016</a:t>
             </a:fld>
             <a:endParaRPr lang="en-US" dirty="0"/>
           </a:p>
@@ -4916,7 +2340,7 @@
     </p:spTree>
     <p:extLst>
       <p:ext uri="{BB962C8B-B14F-4D97-AF65-F5344CB8AC3E}">
-        <p14:creationId xmlns:p14="http://schemas.microsoft.com/office/powerpoint/2010/main" val="1896106700"/>
+        <p14:creationId xmlns:p14="http://schemas.microsoft.com/office/powerpoint/2010/main" val="1839024398"/>
       </p:ext>
     </p:extLst>
   </p:cSld>
@@ -4943,36 +2367,6 @@
           <a:chExt cx="0" cy="0"/>
         </a:xfrm>
       </p:grpSpPr>
-      <p:pic>
-        <p:nvPicPr>
-          <p:cNvPr id="5" name="Picture 4" descr="Celestia-R1---OverlayContentHD.png"/>
-          <p:cNvPicPr>
-            <a:picLocks noChangeAspect="1"/>
-          </p:cNvPicPr>
-          <p:nvPr/>
-        </p:nvPicPr>
-        <p:blipFill>
-          <a:blip r:embed="rId2">
-            <a:extLst>
-              <a:ext uri="{28A0092B-C50C-407E-A947-70E740481C1C}">
-                <a14:useLocalDpi xmlns:a14="http://schemas.microsoft.com/office/drawing/2010/main" val="0"/>
-              </a:ext>
-            </a:extLst>
-          </a:blip>
-          <a:stretch>
-            <a:fillRect/>
-          </a:stretch>
-        </p:blipFill>
-        <p:spPr>
-          <a:xfrm>
-            <a:off x="0" y="0"/>
-            <a:ext cx="12188825" cy="6856214"/>
-          </a:xfrm>
-          <a:prstGeom prst="rect">
-            <a:avLst/>
-          </a:prstGeom>
-        </p:spPr>
-      </p:pic>
       <p:sp>
         <p:nvSpPr>
           <p:cNvPr id="2" name="Date Placeholder 1"/>
@@ -4991,7 +2385,7 @@
             <a:fld id="{B61BEF0D-F0BB-DE4B-95CE-6DB70DBA9567}" type="datetimeFigureOut">
               <a:rPr lang="en-US" smtClean="0"/>
               <a:pPr/>
-              <a:t>6/28/2016</a:t>
+              <a:t>8/30/2016</a:t>
             </a:fld>
             <a:endParaRPr lang="en-US" dirty="0"/>
           </a:p>
@@ -5043,7 +2437,7 @@
     </p:spTree>
     <p:extLst>
       <p:ext uri="{BB962C8B-B14F-4D97-AF65-F5344CB8AC3E}">
-        <p14:creationId xmlns:p14="http://schemas.microsoft.com/office/powerpoint/2010/main" val="3009801305"/>
+        <p14:creationId xmlns:p14="http://schemas.microsoft.com/office/powerpoint/2010/main" val="3332555944"/>
       </p:ext>
     </p:extLst>
   </p:cSld>
@@ -5070,59 +2464,27 @@
           <a:chExt cx="0" cy="0"/>
         </a:xfrm>
       </p:grpSpPr>
-      <p:pic>
-        <p:nvPicPr>
-          <p:cNvPr id="8" name="Picture 7" descr="Celestia-R1---OverlayContentHD.png"/>
-          <p:cNvPicPr>
-            <a:picLocks noChangeAspect="1"/>
-          </p:cNvPicPr>
-          <p:nvPr/>
-        </p:nvPicPr>
-        <p:blipFill>
-          <a:blip r:embed="rId2">
-            <a:extLst>
-              <a:ext uri="{28A0092B-C50C-407E-A947-70E740481C1C}">
-                <a14:useLocalDpi xmlns:a14="http://schemas.microsoft.com/office/drawing/2010/main" val="0"/>
-              </a:ext>
-            </a:extLst>
-          </a:blip>
-          <a:stretch>
-            <a:fillRect/>
-          </a:stretch>
-        </p:blipFill>
+      <p:sp>
+        <p:nvSpPr>
+          <p:cNvPr id="2" name="Title 1"/>
+          <p:cNvSpPr>
+            <a:spLocks noGrp="1"/>
+          </p:cNvSpPr>
+          <p:nvPr>
+            <p:ph type="title"/>
+          </p:nvPr>
+        </p:nvSpPr>
         <p:spPr>
           <a:xfrm>
-            <a:off x="0" y="0"/>
-            <a:ext cx="12188825" cy="6856214"/>
-          </a:xfrm>
-          <a:prstGeom prst="rect">
-            <a:avLst/>
-          </a:prstGeom>
+            <a:off x="839788" y="457200"/>
+            <a:ext cx="3932237" cy="1600200"/>
+          </a:xfrm>
         </p:spPr>
-      </p:pic>
-      <p:sp>
-        <p:nvSpPr>
-          <p:cNvPr id="2" name="Title 1"/>
-          <p:cNvSpPr>
-            <a:spLocks noGrp="1"/>
-          </p:cNvSpPr>
-          <p:nvPr>
-            <p:ph type="title"/>
-          </p:nvPr>
-        </p:nvSpPr>
-        <p:spPr>
-          <a:xfrm>
-            <a:off x="685800" y="2074333"/>
-            <a:ext cx="3680885" cy="1371600"/>
-          </a:xfrm>
-        </p:spPr>
-        <p:txBody>
-          <a:bodyPr anchor="b">
-            <a:normAutofit/>
-          </a:bodyPr>
+        <p:txBody>
+          <a:bodyPr anchor="b"/>
           <a:lstStyle>
-            <a:lvl1pPr algn="l">
-              <a:defRPr sz="2400" b="0"/>
+            <a:lvl1pPr>
+              <a:defRPr sz="3200"/>
             </a:lvl1pPr>
           </a:lstStyle>
           <a:p>
@@ -5130,7 +2492,7 @@
               <a:rPr lang="en-US"/>
               <a:t>Click to edit Master title style</a:t>
             </a:r>
-            <a:endParaRPr lang="en-US" dirty="0"/>
+            <a:endParaRPr lang="en-US"/>
           </a:p>
         </p:txBody>
       </p:sp>
@@ -5146,15 +2508,41 @@
         </p:nvSpPr>
         <p:spPr>
           <a:xfrm>
-            <a:off x="4648201" y="609601"/>
-            <a:ext cx="6169026" cy="5181600"/>
+            <a:off x="5183188" y="987425"/>
+            <a:ext cx="6172200" cy="4873625"/>
           </a:xfrm>
         </p:spPr>
         <p:txBody>
-          <a:bodyPr anchor="ctr">
-            <a:normAutofit/>
-          </a:bodyPr>
-          <a:lstStyle/>
+          <a:bodyPr/>
+          <a:lstStyle>
+            <a:lvl1pPr>
+              <a:defRPr sz="3200"/>
+            </a:lvl1pPr>
+            <a:lvl2pPr>
+              <a:defRPr sz="2800"/>
+            </a:lvl2pPr>
+            <a:lvl3pPr>
+              <a:defRPr sz="2400"/>
+            </a:lvl3pPr>
+            <a:lvl4pPr>
+              <a:defRPr sz="2000"/>
+            </a:lvl4pPr>
+            <a:lvl5pPr>
+              <a:defRPr sz="2000"/>
+            </a:lvl5pPr>
+            <a:lvl6pPr>
+              <a:defRPr sz="2000"/>
+            </a:lvl6pPr>
+            <a:lvl7pPr>
+              <a:defRPr sz="2000"/>
+            </a:lvl7pPr>
+            <a:lvl8pPr>
+              <a:defRPr sz="2000"/>
+            </a:lvl8pPr>
+            <a:lvl9pPr>
+              <a:defRPr sz="2000"/>
+            </a:lvl9pPr>
+          </a:lstStyle>
           <a:p>
             <a:pPr lvl="0"/>
             <a:r>
@@ -5189,7 +2577,7 @@
               <a:rPr lang="en-US"/>
               <a:t>Fifth level</a:t>
             </a:r>
-            <a:endParaRPr lang="en-US" dirty="0"/>
+            <a:endParaRPr lang="en-US"/>
           </a:p>
         </p:txBody>
       </p:sp>
@@ -5205,14 +2593,12 @@
         </p:nvSpPr>
         <p:spPr>
           <a:xfrm>
-            <a:off x="685800" y="3445933"/>
-            <a:ext cx="3680885" cy="1828800"/>
+            <a:off x="839788" y="2057400"/>
+            <a:ext cx="3932237" cy="3811588"/>
           </a:xfrm>
         </p:spPr>
         <p:txBody>
-          <a:bodyPr anchor="t">
-            <a:normAutofit/>
-          </a:bodyPr>
+          <a:bodyPr/>
           <a:lstStyle>
             <a:lvl1pPr marL="0" indent="0">
               <a:buNone/>
@@ -5220,35 +2606,35 @@
             </a:lvl1pPr>
             <a:lvl2pPr marL="457200" indent="0">
               <a:buNone/>
-              <a:defRPr sz="1200"/>
+              <a:defRPr sz="1400"/>
             </a:lvl2pPr>
             <a:lvl3pPr marL="914400" indent="0">
               <a:buNone/>
-              <a:defRPr sz="1000"/>
+              <a:defRPr sz="1200"/>
             </a:lvl3pPr>
             <a:lvl4pPr marL="1371600" indent="0">
               <a:buNone/>
-              <a:defRPr sz="900"/>
+              <a:defRPr sz="1000"/>
             </a:lvl4pPr>
             <a:lvl5pPr marL="1828800" indent="0">
               <a:buNone/>
-              <a:defRPr sz="900"/>
+              <a:defRPr sz="1000"/>
             </a:lvl5pPr>
             <a:lvl6pPr marL="2286000" indent="0">
               <a:buNone/>
-              <a:defRPr sz="900"/>
+              <a:defRPr sz="1000"/>
             </a:lvl6pPr>
             <a:lvl7pPr marL="2743200" indent="0">
               <a:buNone/>
-              <a:defRPr sz="900"/>
+              <a:defRPr sz="1000"/>
             </a:lvl7pPr>
             <a:lvl8pPr marL="3200400" indent="0">
               <a:buNone/>
-              <a:defRPr sz="900"/>
+              <a:defRPr sz="1000"/>
             </a:lvl8pPr>
             <a:lvl9pPr marL="3657600" indent="0">
               <a:buNone/>
-              <a:defRPr sz="900"/>
+              <a:defRPr sz="1000"/>
             </a:lvl9pPr>
           </a:lstStyle>
           <a:p>
@@ -5278,7 +2664,7 @@
             <a:fld id="{B61BEF0D-F0BB-DE4B-95CE-6DB70DBA9567}" type="datetimeFigureOut">
               <a:rPr lang="en-US" smtClean="0"/>
               <a:pPr/>
-              <a:t>6/28/2016</a:t>
+              <a:t>8/30/2016</a:t>
             </a:fld>
             <a:endParaRPr lang="en-US" dirty="0"/>
           </a:p>
@@ -5330,7 +2716,7 @@
     </p:spTree>
     <p:extLst>
       <p:ext uri="{BB962C8B-B14F-4D97-AF65-F5344CB8AC3E}">
-        <p14:creationId xmlns:p14="http://schemas.microsoft.com/office/powerpoint/2010/main" val="379142313"/>
+        <p14:creationId xmlns:p14="http://schemas.microsoft.com/office/powerpoint/2010/main" val="4210997525"/>
       </p:ext>
     </p:extLst>
   </p:cSld>
@@ -5357,59 +2743,27 @@
           <a:chExt cx="0" cy="0"/>
         </a:xfrm>
       </p:grpSpPr>
-      <p:pic>
-        <p:nvPicPr>
-          <p:cNvPr id="8" name="Picture 7" descr="Celestia-R1---OverlayContentHD.png"/>
-          <p:cNvPicPr>
-            <a:picLocks noChangeAspect="1"/>
-          </p:cNvPicPr>
-          <p:nvPr/>
-        </p:nvPicPr>
-        <p:blipFill>
-          <a:blip r:embed="rId2">
-            <a:extLst>
-              <a:ext uri="{28A0092B-C50C-407E-A947-70E740481C1C}">
-                <a14:useLocalDpi xmlns:a14="http://schemas.microsoft.com/office/drawing/2010/main" val="0"/>
-              </a:ext>
-            </a:extLst>
-          </a:blip>
-          <a:stretch>
-            <a:fillRect/>
-          </a:stretch>
-        </p:blipFill>
+      <p:sp>
+        <p:nvSpPr>
+          <p:cNvPr id="2" name="Title 1"/>
+          <p:cNvSpPr>
+            <a:spLocks noGrp="1"/>
+          </p:cNvSpPr>
+          <p:nvPr>
+            <p:ph type="title"/>
+          </p:nvPr>
+        </p:nvSpPr>
         <p:spPr>
           <a:xfrm>
-            <a:off x="0" y="0"/>
-            <a:ext cx="12188825" cy="6856214"/>
-          </a:xfrm>
-          <a:prstGeom prst="rect">
-            <a:avLst/>
-          </a:prstGeom>
+            <a:off x="839788" y="457200"/>
+            <a:ext cx="3932237" cy="1600200"/>
+          </a:xfrm>
         </p:spPr>
-      </p:pic>
-      <p:sp>
-        <p:nvSpPr>
-          <p:cNvPr id="2" name="Title 1"/>
-          <p:cNvSpPr>
-            <a:spLocks noGrp="1"/>
-          </p:cNvSpPr>
-          <p:nvPr>
-            <p:ph type="title"/>
-          </p:nvPr>
-        </p:nvSpPr>
-        <p:spPr>
-          <a:xfrm>
-            <a:off x="685800" y="1600200"/>
-            <a:ext cx="6164653" cy="1371600"/>
-          </a:xfrm>
-        </p:spPr>
-        <p:txBody>
-          <a:bodyPr anchor="b">
-            <a:normAutofit/>
-          </a:bodyPr>
+        <p:txBody>
+          <a:bodyPr anchor="b"/>
           <a:lstStyle>
-            <a:lvl1pPr algn="l">
-              <a:defRPr sz="2800" b="0"/>
+            <a:lvl1pPr>
+              <a:defRPr sz="3200"/>
             </a:lvl1pPr>
           </a:lstStyle>
           <a:p>
@@ -5417,15 +2771,15 @@
               <a:rPr lang="en-US"/>
               <a:t>Click to edit Master title style</a:t>
             </a:r>
-            <a:endParaRPr lang="en-US" dirty="0"/>
-          </a:p>
-        </p:txBody>
-      </p:sp>
-      <p:sp>
-        <p:nvSpPr>
-          <p:cNvPr id="14" name="Picture Placeholder 2"/>
-          <p:cNvSpPr>
-            <a:spLocks noGrp="1" noChangeAspect="1"/>
+            <a:endParaRPr lang="en-US"/>
+          </a:p>
+        </p:txBody>
+      </p:sp>
+      <p:sp>
+        <p:nvSpPr>
+          <p:cNvPr id="3" name="Picture Placeholder 2"/>
+          <p:cNvSpPr>
+            <a:spLocks noGrp="1"/>
           </p:cNvSpPr>
           <p:nvPr>
             <p:ph type="pic" idx="1"/>
@@ -5433,148 +2787,109 @@
         </p:nvSpPr>
         <p:spPr>
           <a:xfrm>
-            <a:off x="7536253" y="914400"/>
-            <a:ext cx="3280974" cy="4572000"/>
-          </a:xfrm>
-          <a:prstGeom prst="roundRect">
-            <a:avLst>
-              <a:gd name="adj" fmla="val 4280"/>
-            </a:avLst>
-          </a:prstGeom>
-          <a:ln w="50800" cap="sq" cmpd="dbl">
-            <a:gradFill flip="none" rotWithShape="1">
-              <a:gsLst>
-                <a:gs pos="0">
-                  <a:srgbClr val="FFFFFF"/>
-                </a:gs>
-                <a:gs pos="100000">
-                  <a:schemeClr val="tx1">
-                    <a:alpha val="0"/>
-                  </a:schemeClr>
-                </a:gs>
-              </a:gsLst>
-              <a:path path="circle">
-                <a:fillToRect l="50000" t="50000" r="50000" b="50000"/>
-              </a:path>
-              <a:tileRect/>
-            </a:gradFill>
-            <a:miter lim="800000"/>
-          </a:ln>
-          <a:effectLst>
-            <a:outerShdw blurRad="254000" algn="tl" rotWithShape="0">
-              <a:srgbClr val="000000">
-                <a:alpha val="43000"/>
-              </a:srgbClr>
-            </a:outerShdw>
-          </a:effectLst>
+            <a:off x="5183188" y="987425"/>
+            <a:ext cx="6172200" cy="4873625"/>
+          </a:xfrm>
         </p:spPr>
         <p:txBody>
-          <a:bodyPr anchor="t">
-            <a:normAutofit/>
-          </a:bodyPr>
+          <a:bodyPr/>
           <a:lstStyle>
-            <a:lvl1pPr marL="0" indent="0" algn="ctr">
+            <a:lvl1pPr marL="0" indent="0">
+              <a:buNone/>
+              <a:defRPr sz="3200"/>
+            </a:lvl1pPr>
+            <a:lvl2pPr marL="457200" indent="0">
+              <a:buNone/>
+              <a:defRPr sz="2800"/>
+            </a:lvl2pPr>
+            <a:lvl3pPr marL="914400" indent="0">
+              <a:buNone/>
+              <a:defRPr sz="2400"/>
+            </a:lvl3pPr>
+            <a:lvl4pPr marL="1371600" indent="0">
+              <a:buNone/>
+              <a:defRPr sz="2000"/>
+            </a:lvl4pPr>
+            <a:lvl5pPr marL="1828800" indent="0">
+              <a:buNone/>
+              <a:defRPr sz="2000"/>
+            </a:lvl5pPr>
+            <a:lvl6pPr marL="2286000" indent="0">
+              <a:buNone/>
+              <a:defRPr sz="2000"/>
+            </a:lvl6pPr>
+            <a:lvl7pPr marL="2743200" indent="0">
+              <a:buNone/>
+              <a:defRPr sz="2000"/>
+            </a:lvl7pPr>
+            <a:lvl8pPr marL="3200400" indent="0">
+              <a:buNone/>
+              <a:defRPr sz="2000"/>
+            </a:lvl8pPr>
+            <a:lvl9pPr marL="3657600" indent="0">
+              <a:buNone/>
+              <a:defRPr sz="2000"/>
+            </a:lvl9pPr>
+          </a:lstStyle>
+          <a:p>
+            <a:endParaRPr lang="en-US"/>
+          </a:p>
+        </p:txBody>
+      </p:sp>
+      <p:sp>
+        <p:nvSpPr>
+          <p:cNvPr id="4" name="Text Placeholder 3"/>
+          <p:cNvSpPr>
+            <a:spLocks noGrp="1"/>
+          </p:cNvSpPr>
+          <p:nvPr>
+            <p:ph type="body" sz="half" idx="2"/>
+          </p:nvPr>
+        </p:nvSpPr>
+        <p:spPr>
+          <a:xfrm>
+            <a:off x="839788" y="2057400"/>
+            <a:ext cx="3932237" cy="3811588"/>
+          </a:xfrm>
+        </p:spPr>
+        <p:txBody>
+          <a:bodyPr/>
+          <a:lstStyle>
+            <a:lvl1pPr marL="0" indent="0">
               <a:buNone/>
               <a:defRPr sz="1600"/>
             </a:lvl1pPr>
             <a:lvl2pPr marL="457200" indent="0">
               <a:buNone/>
-              <a:defRPr sz="1600"/>
+              <a:defRPr sz="1400"/>
             </a:lvl2pPr>
             <a:lvl3pPr marL="914400" indent="0">
               <a:buNone/>
-              <a:defRPr sz="1600"/>
+              <a:defRPr sz="1200"/>
             </a:lvl3pPr>
             <a:lvl4pPr marL="1371600" indent="0">
               <a:buNone/>
-              <a:defRPr sz="1600"/>
+              <a:defRPr sz="1000"/>
             </a:lvl4pPr>
             <a:lvl5pPr marL="1828800" indent="0">
               <a:buNone/>
-              <a:defRPr sz="1600"/>
+              <a:defRPr sz="1000"/>
             </a:lvl5pPr>
             <a:lvl6pPr marL="2286000" indent="0">
               <a:buNone/>
-              <a:defRPr sz="1600"/>
+              <a:defRPr sz="1000"/>
             </a:lvl6pPr>
             <a:lvl7pPr marL="2743200" indent="0">
               <a:buNone/>
-              <a:defRPr sz="1600"/>
+              <a:defRPr sz="1000"/>
             </a:lvl7pPr>
             <a:lvl8pPr marL="3200400" indent="0">
               <a:buNone/>
-              <a:defRPr sz="1600"/>
+              <a:defRPr sz="1000"/>
             </a:lvl8pPr>
             <a:lvl9pPr marL="3657600" indent="0">
               <a:buNone/>
-              <a:defRPr sz="1600"/>
-            </a:lvl9pPr>
-          </a:lstStyle>
-          <a:p>
-            <a:r>
-              <a:rPr lang="en-US"/>
-              <a:t>Click icon to add picture</a:t>
-            </a:r>
-            <a:endParaRPr lang="en-US" dirty="0"/>
-          </a:p>
-        </p:txBody>
-      </p:sp>
-      <p:sp>
-        <p:nvSpPr>
-          <p:cNvPr id="4" name="Text Placeholder 3"/>
-          <p:cNvSpPr>
-            <a:spLocks noGrp="1"/>
-          </p:cNvSpPr>
-          <p:nvPr>
-            <p:ph type="body" sz="half" idx="2"/>
-          </p:nvPr>
-        </p:nvSpPr>
-        <p:spPr>
-          <a:xfrm>
-            <a:off x="685800" y="2971800"/>
-            <a:ext cx="6164653" cy="1828800"/>
-          </a:xfrm>
-        </p:spPr>
-        <p:txBody>
-          <a:bodyPr anchor="t">
-            <a:normAutofit/>
-          </a:bodyPr>
-          <a:lstStyle>
-            <a:lvl1pPr marL="0" indent="0">
-              <a:buNone/>
-              <a:defRPr sz="1800"/>
-            </a:lvl1pPr>
-            <a:lvl2pPr marL="457200" indent="0">
-              <a:buNone/>
-              <a:defRPr sz="1200"/>
-            </a:lvl2pPr>
-            <a:lvl3pPr marL="914400" indent="0">
-              <a:buNone/>
               <a:defRPr sz="1000"/>
-            </a:lvl3pPr>
-            <a:lvl4pPr marL="1371600" indent="0">
-              <a:buNone/>
-              <a:defRPr sz="900"/>
-            </a:lvl4pPr>
-            <a:lvl5pPr marL="1828800" indent="0">
-              <a:buNone/>
-              <a:defRPr sz="900"/>
-            </a:lvl5pPr>
-            <a:lvl6pPr marL="2286000" indent="0">
-              <a:buNone/>
-              <a:defRPr sz="900"/>
-            </a:lvl6pPr>
-            <a:lvl7pPr marL="2743200" indent="0">
-              <a:buNone/>
-              <a:defRPr sz="900"/>
-            </a:lvl7pPr>
-            <a:lvl8pPr marL="3200400" indent="0">
-              <a:buNone/>
-              <a:defRPr sz="900"/>
-            </a:lvl8pPr>
-            <a:lvl9pPr marL="3657600" indent="0">
-              <a:buNone/>
-              <a:defRPr sz="900"/>
             </a:lvl9pPr>
           </a:lstStyle>
           <a:p>
@@ -5604,7 +2919,7 @@
             <a:fld id="{B61BEF0D-F0BB-DE4B-95CE-6DB70DBA9567}" type="datetimeFigureOut">
               <a:rPr lang="en-US" smtClean="0"/>
               <a:pPr/>
-              <a:t>6/28/2016</a:t>
+              <a:t>8/30/2016</a:t>
             </a:fld>
             <a:endParaRPr lang="en-US" dirty="0"/>
           </a:p>
@@ -5656,7 +2971,7 @@
     </p:spTree>
     <p:extLst>
       <p:ext uri="{BB962C8B-B14F-4D97-AF65-F5344CB8AC3E}">
-        <p14:creationId xmlns:p14="http://schemas.microsoft.com/office/powerpoint/2010/main" val="3555446016"/>
+        <p14:creationId xmlns:p14="http://schemas.microsoft.com/office/powerpoint/2010/main" val="446918734"/>
       </p:ext>
     </p:extLst>
   </p:cSld>
@@ -5670,8 +2985,8 @@
 <p:sldMaster xmlns:a="http://schemas.openxmlformats.org/drawingml/2006/main" xmlns:r="http://schemas.openxmlformats.org/officeDocument/2006/relationships" xmlns:p="http://schemas.openxmlformats.org/presentationml/2006/main">
   <p:cSld>
     <p:bg>
-      <p:bgRef idx="1003">
-        <a:schemeClr val="bg2"/>
+      <p:bgRef idx="1001">
+        <a:schemeClr val="bg1"/>
       </p:bgRef>
     </p:bg>
     <p:spTree>
@@ -5700,42 +3015,8 @@
         </p:nvSpPr>
         <p:spPr>
           <a:xfrm>
-            <a:off x="685801" y="609600"/>
-            <a:ext cx="10131425" cy="1456267"/>
-          </a:xfrm>
-          <a:prstGeom prst="rect">
-            <a:avLst/>
-          </a:prstGeom>
-          <a:effectLst/>
-        </p:spPr>
-        <p:txBody>
-          <a:bodyPr vert="horz" lIns="91440" tIns="45720" rIns="91440" bIns="45720" rtlCol="0" anchor="ctr">
-            <a:normAutofit/>
-          </a:bodyPr>
-          <a:lstStyle/>
-          <a:p>
-            <a:r>
-              <a:rPr lang="en-US"/>
-              <a:t>Click to edit Master title style</a:t>
-            </a:r>
-            <a:endParaRPr lang="en-US" dirty="0"/>
-          </a:p>
-        </p:txBody>
-      </p:sp>
-      <p:sp>
-        <p:nvSpPr>
-          <p:cNvPr id="3" name="Text Placeholder 2"/>
-          <p:cNvSpPr>
-            <a:spLocks noGrp="1"/>
-          </p:cNvSpPr>
-          <p:nvPr>
-            <p:ph type="body" idx="1"/>
-          </p:nvPr>
-        </p:nvSpPr>
-        <p:spPr>
-          <a:xfrm>
-            <a:off x="685801" y="2142067"/>
-            <a:ext cx="10131425" cy="3649133"/>
+            <a:off x="838200" y="365125"/>
+            <a:ext cx="10515600" cy="1325563"/>
           </a:xfrm>
           <a:prstGeom prst="rect">
             <a:avLst/>
@@ -5747,99 +3028,90 @@
           </a:bodyPr>
           <a:lstStyle/>
           <a:p>
-            <a:pPr lvl="0"/>
             <a:r>
               <a:rPr lang="en-US"/>
-              <a:t>Edit Master text styles</a:t>
-            </a:r>
-          </a:p>
-          <a:p>
-            <a:pPr lvl="1"/>
-            <a:r>
-              <a:rPr lang="en-US"/>
-              <a:t>Second level</a:t>
-            </a:r>
-          </a:p>
-          <a:p>
-            <a:pPr lvl="2"/>
-            <a:r>
-              <a:rPr lang="en-US"/>
-              <a:t>Third level</a:t>
-            </a:r>
-          </a:p>
-          <a:p>
-            <a:pPr lvl="3"/>
-            <a:r>
-              <a:rPr lang="en-US"/>
-              <a:t>Fourth level</a:t>
-            </a:r>
-          </a:p>
-          <a:p>
-            <a:pPr lvl="4"/>
-            <a:r>
-              <a:rPr lang="en-US"/>
-              <a:t>Fifth level</a:t>
-            </a:r>
-            <a:endParaRPr lang="en-US" dirty="0"/>
-          </a:p>
-        </p:txBody>
-      </p:sp>
-      <p:sp>
-        <p:nvSpPr>
-          <p:cNvPr id="4" name="Date Placeholder 3"/>
-          <p:cNvSpPr>
-            <a:spLocks noGrp="1"/>
-          </p:cNvSpPr>
-          <p:nvPr>
-            <p:ph type="dt" sz="half" idx="2"/>
+              <a:t>Click to edit Master title style</a:t>
+            </a:r>
+            <a:endParaRPr lang="en-US"/>
+          </a:p>
+        </p:txBody>
+      </p:sp>
+      <p:sp>
+        <p:nvSpPr>
+          <p:cNvPr id="3" name="Text Placeholder 2"/>
+          <p:cNvSpPr>
+            <a:spLocks noGrp="1"/>
+          </p:cNvSpPr>
+          <p:nvPr>
+            <p:ph type="body" idx="1"/>
           </p:nvPr>
         </p:nvSpPr>
         <p:spPr>
           <a:xfrm>
-            <a:off x="8589660" y="5870575"/>
-            <a:ext cx="1600200" cy="377825"/>
+            <a:off x="838200" y="1825625"/>
+            <a:ext cx="10515600" cy="4351338"/>
           </a:xfrm>
           <a:prstGeom prst="rect">
             <a:avLst/>
           </a:prstGeom>
         </p:spPr>
         <p:txBody>
-          <a:bodyPr vert="horz" lIns="91440" tIns="45720" rIns="91440" bIns="45720" rtlCol="0" anchor="ctr"/>
-          <a:lstStyle>
-            <a:lvl1pPr algn="r">
-              <a:defRPr sz="1000" b="0" i="0">
-                <a:solidFill>
-                  <a:schemeClr val="tx1"/>
-                </a:solidFill>
-                <a:effectLst/>
-                <a:latin typeface="+mn-lt"/>
-              </a:defRPr>
-            </a:lvl1pPr>
-          </a:lstStyle>
-          <a:p>
-            <a:fld id="{B61BEF0D-F0BB-DE4B-95CE-6DB70DBA9567}" type="datetimeFigureOut">
-              <a:rPr lang="en-US" smtClean="0"/>
-              <a:pPr/>
-              <a:t>6/28/2016</a:t>
-            </a:fld>
-            <a:endParaRPr lang="en-US" dirty="0"/>
-          </a:p>
-        </p:txBody>
-      </p:sp>
-      <p:sp>
-        <p:nvSpPr>
-          <p:cNvPr id="5" name="Footer Placeholder 4"/>
-          <p:cNvSpPr>
-            <a:spLocks noGrp="1"/>
-          </p:cNvSpPr>
-          <p:nvPr>
-            <p:ph type="ftr" sz="quarter" idx="3"/>
+          <a:bodyPr vert="horz" lIns="91440" tIns="45720" rIns="91440" bIns="45720" rtlCol="0">
+            <a:normAutofit/>
+          </a:bodyPr>
+          <a:lstStyle/>
+          <a:p>
+            <a:pPr lvl="0"/>
+            <a:r>
+              <a:rPr lang="en-US"/>
+              <a:t>Edit Master text styles</a:t>
+            </a:r>
+          </a:p>
+          <a:p>
+            <a:pPr lvl="1"/>
+            <a:r>
+              <a:rPr lang="en-US"/>
+              <a:t>Second level</a:t>
+            </a:r>
+          </a:p>
+          <a:p>
+            <a:pPr lvl="2"/>
+            <a:r>
+              <a:rPr lang="en-US"/>
+              <a:t>Third level</a:t>
+            </a:r>
+          </a:p>
+          <a:p>
+            <a:pPr lvl="3"/>
+            <a:r>
+              <a:rPr lang="en-US"/>
+              <a:t>Fourth level</a:t>
+            </a:r>
+          </a:p>
+          <a:p>
+            <a:pPr lvl="4"/>
+            <a:r>
+              <a:rPr lang="en-US"/>
+              <a:t>Fifth level</a:t>
+            </a:r>
+            <a:endParaRPr lang="en-US"/>
+          </a:p>
+        </p:txBody>
+      </p:sp>
+      <p:sp>
+        <p:nvSpPr>
+          <p:cNvPr id="4" name="Date Placeholder 3"/>
+          <p:cNvSpPr>
+            <a:spLocks noGrp="1"/>
+          </p:cNvSpPr>
+          <p:nvPr>
+            <p:ph type="dt" sz="half" idx="2"/>
           </p:nvPr>
         </p:nvSpPr>
         <p:spPr>
           <a:xfrm>
-            <a:off x="685800" y="5870575"/>
-            <a:ext cx="7827659" cy="377825"/>
+            <a:off x="838200" y="6356350"/>
+            <a:ext cx="2743200" cy="365125"/>
           </a:xfrm>
           <a:prstGeom prst="rect">
             <a:avLst/>
@@ -5849,34 +3121,39 @@
           <a:bodyPr vert="horz" lIns="91440" tIns="45720" rIns="91440" bIns="45720" rtlCol="0" anchor="ctr"/>
           <a:lstStyle>
             <a:lvl1pPr algn="l">
-              <a:defRPr sz="1000" b="0" i="0">
+              <a:defRPr sz="1200">
                 <a:solidFill>
-                  <a:schemeClr val="tx1"/>
+                  <a:schemeClr val="tx1">
+                    <a:tint val="75000"/>
+                  </a:schemeClr>
                 </a:solidFill>
-                <a:effectLst/>
-                <a:latin typeface="+mn-lt"/>
               </a:defRPr>
             </a:lvl1pPr>
           </a:lstStyle>
           <a:p>
+            <a:fld id="{B61BEF0D-F0BB-DE4B-95CE-6DB70DBA9567}" type="datetimeFigureOut">
+              <a:rPr lang="en-US" smtClean="0"/>
+              <a:pPr/>
+              <a:t>8/30/2016</a:t>
+            </a:fld>
             <a:endParaRPr lang="en-US" dirty="0"/>
           </a:p>
         </p:txBody>
       </p:sp>
       <p:sp>
         <p:nvSpPr>
-          <p:cNvPr id="6" name="Slide Number Placeholder 5"/>
-          <p:cNvSpPr>
-            <a:spLocks noGrp="1"/>
-          </p:cNvSpPr>
-          <p:nvPr>
-            <p:ph type="sldNum" sz="quarter" idx="4"/>
+          <p:cNvPr id="5" name="Footer Placeholder 4"/>
+          <p:cNvSpPr>
+            <a:spLocks noGrp="1"/>
+          </p:cNvSpPr>
+          <p:nvPr>
+            <p:ph type="ftr" sz="quarter" idx="3"/>
           </p:nvPr>
         </p:nvSpPr>
         <p:spPr>
           <a:xfrm>
-            <a:off x="10266060" y="5870575"/>
-            <a:ext cx="551167" cy="377825"/>
+            <a:off x="4038600" y="6356350"/>
+            <a:ext cx="4114800" cy="365125"/>
           </a:xfrm>
           <a:prstGeom prst="rect">
             <a:avLst/>
@@ -5885,13 +3162,50 @@
         <p:txBody>
           <a:bodyPr vert="horz" lIns="91440" tIns="45720" rIns="91440" bIns="45720" rtlCol="0" anchor="ctr"/>
           <a:lstStyle>
+            <a:lvl1pPr algn="ctr">
+              <a:defRPr sz="1200">
+                <a:solidFill>
+                  <a:schemeClr val="tx1">
+                    <a:tint val="75000"/>
+                  </a:schemeClr>
+                </a:solidFill>
+              </a:defRPr>
+            </a:lvl1pPr>
+          </a:lstStyle>
+          <a:p>
+            <a:endParaRPr lang="en-US" dirty="0"/>
+          </a:p>
+        </p:txBody>
+      </p:sp>
+      <p:sp>
+        <p:nvSpPr>
+          <p:cNvPr id="6" name="Slide Number Placeholder 5"/>
+          <p:cNvSpPr>
+            <a:spLocks noGrp="1"/>
+          </p:cNvSpPr>
+          <p:nvPr>
+            <p:ph type="sldNum" sz="quarter" idx="4"/>
+          </p:nvPr>
+        </p:nvSpPr>
+        <p:spPr>
+          <a:xfrm>
+            <a:off x="8610600" y="6356350"/>
+            <a:ext cx="2743200" cy="365125"/>
+          </a:xfrm>
+          <a:prstGeom prst="rect">
+            <a:avLst/>
+          </a:prstGeom>
+        </p:spPr>
+        <p:txBody>
+          <a:bodyPr vert="horz" lIns="91440" tIns="45720" rIns="91440" bIns="45720" rtlCol="0" anchor="ctr"/>
+          <a:lstStyle>
             <a:lvl1pPr algn="r">
-              <a:defRPr sz="1000" b="0" i="0">
+              <a:defRPr sz="1200">
                 <a:solidFill>
-                  <a:schemeClr val="tx1"/>
+                  <a:schemeClr val="tx1">
+                    <a:tint val="75000"/>
+                  </a:schemeClr>
                 </a:solidFill>
-                <a:effectLst/>
-                <a:latin typeface="+mn-lt"/>
               </a:defRPr>
             </a:lvl1pPr>
           </a:lstStyle>
@@ -5908,310 +3222,202 @@
     </p:spTree>
     <p:extLst>
       <p:ext uri="{BB962C8B-B14F-4D97-AF65-F5344CB8AC3E}">
-        <p14:creationId xmlns:p14="http://schemas.microsoft.com/office/powerpoint/2010/main" val="885013464"/>
+        <p14:creationId xmlns:p14="http://schemas.microsoft.com/office/powerpoint/2010/main" val="1740277853"/>
       </p:ext>
     </p:extLst>
   </p:cSld>
-  <p:clrMap bg1="dk1" tx1="lt1" bg2="dk2" tx2="lt2" accent1="accent1" accent2="accent2" accent3="accent3" accent4="accent4" accent5="accent5" accent6="accent6" hlink="hlink" folHlink="folHlink"/>
+  <p:clrMap bg1="lt1" tx1="dk1" bg2="lt2" tx2="dk2" accent1="accent1" accent2="accent2" accent3="accent3" accent4="accent4" accent5="accent5" accent6="accent6" hlink="hlink" folHlink="folHlink"/>
   <p:sldLayoutIdLst>
-    <p:sldLayoutId id="2147483706" r:id="rId1"/>
-    <p:sldLayoutId id="2147483707" r:id="rId2"/>
-    <p:sldLayoutId id="2147483708" r:id="rId3"/>
-    <p:sldLayoutId id="2147483709" r:id="rId4"/>
-    <p:sldLayoutId id="2147483710" r:id="rId5"/>
-    <p:sldLayoutId id="2147483711" r:id="rId6"/>
-    <p:sldLayoutId id="2147483712" r:id="rId7"/>
-    <p:sldLayoutId id="2147483713" r:id="rId8"/>
-    <p:sldLayoutId id="2147483714" r:id="rId9"/>
-    <p:sldLayoutId id="2147483715" r:id="rId10"/>
-    <p:sldLayoutId id="2147483716" r:id="rId11"/>
-    <p:sldLayoutId id="2147483717" r:id="rId12"/>
-    <p:sldLayoutId id="2147483718" r:id="rId13"/>
-    <p:sldLayoutId id="2147483719" r:id="rId14"/>
-    <p:sldLayoutId id="2147483720" r:id="rId15"/>
-    <p:sldLayoutId id="2147483721" r:id="rId16"/>
-    <p:sldLayoutId id="2147483722" r:id="rId17"/>
+    <p:sldLayoutId id="2147483760" r:id="rId1"/>
+    <p:sldLayoutId id="2147483761" r:id="rId2"/>
+    <p:sldLayoutId id="2147483762" r:id="rId3"/>
+    <p:sldLayoutId id="2147483763" r:id="rId4"/>
+    <p:sldLayoutId id="2147483764" r:id="rId5"/>
+    <p:sldLayoutId id="2147483765" r:id="rId6"/>
+    <p:sldLayoutId id="2147483766" r:id="rId7"/>
+    <p:sldLayoutId id="2147483767" r:id="rId8"/>
+    <p:sldLayoutId id="2147483768" r:id="rId9"/>
+    <p:sldLayoutId id="2147483769" r:id="rId10"/>
+    <p:sldLayoutId id="2147483770" r:id="rId11"/>
   </p:sldLayoutIdLst>
   <p:txStyles>
     <p:titleStyle>
-      <a:lvl1pPr algn="l" defTabSz="457200" rtl="0" eaLnBrk="1" latinLnBrk="0" hangingPunct="1">
+      <a:lvl1pPr algn="l" defTabSz="914400" rtl="0" eaLnBrk="1" latinLnBrk="0" hangingPunct="1">
+        <a:lnSpc>
+          <a:spcPct val="90000"/>
+        </a:lnSpc>
         <a:spcBef>
           <a:spcPct val="0"/>
         </a:spcBef>
         <a:buNone/>
-        <a:defRPr sz="3600" kern="1200" cap="all">
-          <a:ln w="3175" cmpd="sng">
-            <a:noFill/>
-          </a:ln>
+        <a:defRPr sz="4400" kern="1200">
           <a:solidFill>
             <a:schemeClr val="tx1"/>
           </a:solidFill>
-          <a:effectLst/>
           <a:latin typeface="+mj-lt"/>
           <a:ea typeface="+mj-ea"/>
           <a:cs typeface="+mj-cs"/>
         </a:defRPr>
       </a:lvl1pPr>
-      <a:lvl2pPr eaLnBrk="1" hangingPunct="1">
-        <a:defRPr>
-          <a:solidFill>
-            <a:schemeClr val="tx2"/>
-          </a:solidFill>
-        </a:defRPr>
-      </a:lvl2pPr>
-      <a:lvl3pPr eaLnBrk="1" hangingPunct="1">
-        <a:defRPr>
-          <a:solidFill>
-            <a:schemeClr val="tx2"/>
-          </a:solidFill>
-        </a:defRPr>
-      </a:lvl3pPr>
-      <a:lvl4pPr eaLnBrk="1" hangingPunct="1">
-        <a:defRPr>
-          <a:solidFill>
-            <a:schemeClr val="tx2"/>
-          </a:solidFill>
-        </a:defRPr>
-      </a:lvl4pPr>
-      <a:lvl5pPr eaLnBrk="1" hangingPunct="1">
-        <a:defRPr>
-          <a:solidFill>
-            <a:schemeClr val="tx2"/>
-          </a:solidFill>
-        </a:defRPr>
-      </a:lvl5pPr>
-      <a:lvl6pPr eaLnBrk="1" hangingPunct="1">
-        <a:defRPr>
-          <a:solidFill>
-            <a:schemeClr val="tx2"/>
-          </a:solidFill>
-        </a:defRPr>
-      </a:lvl6pPr>
-      <a:lvl7pPr eaLnBrk="1" hangingPunct="1">
-        <a:defRPr>
-          <a:solidFill>
-            <a:schemeClr val="tx2"/>
-          </a:solidFill>
-        </a:defRPr>
-      </a:lvl7pPr>
-      <a:lvl8pPr eaLnBrk="1" hangingPunct="1">
-        <a:defRPr>
-          <a:solidFill>
-            <a:schemeClr val="tx2"/>
-          </a:solidFill>
-        </a:defRPr>
-      </a:lvl8pPr>
-      <a:lvl9pPr eaLnBrk="1" hangingPunct="1">
-        <a:defRPr>
-          <a:solidFill>
-            <a:schemeClr val="tx2"/>
-          </a:solidFill>
-        </a:defRPr>
-      </a:lvl9pPr>
     </p:titleStyle>
     <p:bodyStyle>
-      <a:lvl1pPr marL="285750" indent="-285750" algn="l" defTabSz="457200" rtl="0" eaLnBrk="1" latinLnBrk="0" hangingPunct="1">
+      <a:lvl1pPr marL="228600" indent="-228600" algn="l" defTabSz="914400" rtl="0" eaLnBrk="1" latinLnBrk="0" hangingPunct="1">
+        <a:lnSpc>
+          <a:spcPct val="90000"/>
+        </a:lnSpc>
         <a:spcBef>
-          <a:spcPts val="0"/>
+          <a:spcPts val="1000"/>
         </a:spcBef>
-        <a:spcAft>
-          <a:spcPts val="1000"/>
-        </a:spcAft>
-        <a:buClr>
-          <a:schemeClr val="tx1"/>
-        </a:buClr>
-        <a:buSzPct val="100000"/>
-        <a:buFont typeface="Arial"/>
+        <a:buFont typeface="Arial" panose="020B0604020202020204" pitchFamily="34" charset="0"/>
         <a:buChar char="•"/>
-        <a:defRPr sz="1800" kern="1200" cap="none">
+        <a:defRPr sz="2800" kern="1200">
           <a:solidFill>
             <a:schemeClr val="tx1"/>
           </a:solidFill>
-          <a:effectLst/>
           <a:latin typeface="+mn-lt"/>
           <a:ea typeface="+mn-ea"/>
           <a:cs typeface="+mn-cs"/>
         </a:defRPr>
       </a:lvl1pPr>
-      <a:lvl2pPr marL="742950" indent="-285750" algn="l" defTabSz="457200" rtl="0" eaLnBrk="1" latinLnBrk="0" hangingPunct="1">
+      <a:lvl2pPr marL="685800" indent="-228600" algn="l" defTabSz="914400" rtl="0" eaLnBrk="1" latinLnBrk="0" hangingPunct="1">
+        <a:lnSpc>
+          <a:spcPct val="90000"/>
+        </a:lnSpc>
         <a:spcBef>
-          <a:spcPts val="0"/>
+          <a:spcPts val="500"/>
         </a:spcBef>
-        <a:spcAft>
-          <a:spcPts val="1000"/>
-        </a:spcAft>
-        <a:buClr>
-          <a:schemeClr val="tx1"/>
-        </a:buClr>
-        <a:buSzPct val="100000"/>
-        <a:buFont typeface="Arial"/>
+        <a:buFont typeface="Arial" panose="020B0604020202020204" pitchFamily="34" charset="0"/>
         <a:buChar char="•"/>
-        <a:defRPr sz="1600" kern="1200" cap="none">
+        <a:defRPr sz="2400" kern="1200">
           <a:solidFill>
             <a:schemeClr val="tx1"/>
           </a:solidFill>
-          <a:effectLst/>
           <a:latin typeface="+mn-lt"/>
           <a:ea typeface="+mn-ea"/>
           <a:cs typeface="+mn-cs"/>
         </a:defRPr>
       </a:lvl2pPr>
-      <a:lvl3pPr marL="1200150" indent="-285750" algn="l" defTabSz="457200" rtl="0" eaLnBrk="1" latinLnBrk="0" hangingPunct="1">
+      <a:lvl3pPr marL="1143000" indent="-228600" algn="l" defTabSz="914400" rtl="0" eaLnBrk="1" latinLnBrk="0" hangingPunct="1">
+        <a:lnSpc>
+          <a:spcPct val="90000"/>
+        </a:lnSpc>
         <a:spcBef>
-          <a:spcPts val="0"/>
+          <a:spcPts val="500"/>
         </a:spcBef>
-        <a:spcAft>
-          <a:spcPts val="1000"/>
-        </a:spcAft>
-        <a:buClr>
-          <a:schemeClr val="tx1"/>
-        </a:buClr>
-        <a:buSzPct val="100000"/>
-        <a:buFont typeface="Arial"/>
+        <a:buFont typeface="Arial" panose="020B0604020202020204" pitchFamily="34" charset="0"/>
         <a:buChar char="•"/>
-        <a:defRPr sz="1400" kern="1200" cap="none">
+        <a:defRPr sz="2000" kern="1200">
           <a:solidFill>
             <a:schemeClr val="tx1"/>
           </a:solidFill>
-          <a:effectLst/>
           <a:latin typeface="+mn-lt"/>
           <a:ea typeface="+mn-ea"/>
           <a:cs typeface="+mn-cs"/>
         </a:defRPr>
       </a:lvl3pPr>
-      <a:lvl4pPr marL="1543050" indent="-171450" algn="l" defTabSz="457200" rtl="0" eaLnBrk="1" latinLnBrk="0" hangingPunct="1">
+      <a:lvl4pPr marL="1600200" indent="-228600" algn="l" defTabSz="914400" rtl="0" eaLnBrk="1" latinLnBrk="0" hangingPunct="1">
+        <a:lnSpc>
+          <a:spcPct val="90000"/>
+        </a:lnSpc>
         <a:spcBef>
-          <a:spcPts val="0"/>
+          <a:spcPts val="500"/>
         </a:spcBef>
-        <a:spcAft>
-          <a:spcPts val="1000"/>
-        </a:spcAft>
-        <a:buClr>
-          <a:schemeClr val="tx1"/>
-        </a:buClr>
-        <a:buSzPct val="100000"/>
-        <a:buFont typeface="Arial"/>
+        <a:buFont typeface="Arial" panose="020B0604020202020204" pitchFamily="34" charset="0"/>
         <a:buChar char="•"/>
-        <a:defRPr sz="1200" kern="1200" cap="none">
+        <a:defRPr sz="1800" kern="1200">
           <a:solidFill>
             <a:schemeClr val="tx1"/>
           </a:solidFill>
-          <a:effectLst/>
           <a:latin typeface="+mn-lt"/>
           <a:ea typeface="+mn-ea"/>
           <a:cs typeface="+mn-cs"/>
         </a:defRPr>
       </a:lvl4pPr>
-      <a:lvl5pPr marL="2000250" indent="-171450" algn="l" defTabSz="457200" rtl="0" eaLnBrk="1" latinLnBrk="0" hangingPunct="1">
+      <a:lvl5pPr marL="2057400" indent="-228600" algn="l" defTabSz="914400" rtl="0" eaLnBrk="1" latinLnBrk="0" hangingPunct="1">
+        <a:lnSpc>
+          <a:spcPct val="90000"/>
+        </a:lnSpc>
         <a:spcBef>
-          <a:spcPts val="0"/>
+          <a:spcPts val="500"/>
         </a:spcBef>
-        <a:spcAft>
-          <a:spcPts val="1000"/>
-        </a:spcAft>
-        <a:buClr>
-          <a:schemeClr val="tx1"/>
-        </a:buClr>
-        <a:buSzPct val="100000"/>
-        <a:buFont typeface="Arial"/>
+        <a:buFont typeface="Arial" panose="020B0604020202020204" pitchFamily="34" charset="0"/>
         <a:buChar char="•"/>
-        <a:defRPr sz="1200" kern="1200" cap="none">
+        <a:defRPr sz="1800" kern="1200">
           <a:solidFill>
             <a:schemeClr val="tx1"/>
           </a:solidFill>
-          <a:effectLst/>
           <a:latin typeface="+mn-lt"/>
           <a:ea typeface="+mn-ea"/>
           <a:cs typeface="+mn-cs"/>
         </a:defRPr>
       </a:lvl5pPr>
-      <a:lvl6pPr marL="2514600" indent="-228600" algn="l" defTabSz="457200" rtl="0" eaLnBrk="1" latinLnBrk="0" hangingPunct="1">
+      <a:lvl6pPr marL="2514600" indent="-228600" algn="l" defTabSz="914400" rtl="0" eaLnBrk="1" latinLnBrk="0" hangingPunct="1">
+        <a:lnSpc>
+          <a:spcPct val="90000"/>
+        </a:lnSpc>
         <a:spcBef>
-          <a:spcPts val="0"/>
+          <a:spcPts val="500"/>
         </a:spcBef>
-        <a:spcAft>
-          <a:spcPts val="1000"/>
-        </a:spcAft>
-        <a:buClr>
-          <a:schemeClr val="tx1"/>
-        </a:buClr>
-        <a:buSzPct val="100000"/>
-        <a:buFont typeface="Arial"/>
+        <a:buFont typeface="Arial" panose="020B0604020202020204" pitchFamily="34" charset="0"/>
         <a:buChar char="•"/>
-        <a:defRPr sz="1200" kern="1200" cap="none">
+        <a:defRPr sz="1800" kern="1200">
           <a:solidFill>
             <a:schemeClr val="tx1"/>
           </a:solidFill>
-          <a:effectLst/>
           <a:latin typeface="+mn-lt"/>
           <a:ea typeface="+mn-ea"/>
           <a:cs typeface="+mn-cs"/>
         </a:defRPr>
       </a:lvl6pPr>
-      <a:lvl7pPr marL="2971800" indent="-228600" algn="l" defTabSz="457200" rtl="0" eaLnBrk="1" latinLnBrk="0" hangingPunct="1">
+      <a:lvl7pPr marL="2971800" indent="-228600" algn="l" defTabSz="914400" rtl="0" eaLnBrk="1" latinLnBrk="0" hangingPunct="1">
+        <a:lnSpc>
+          <a:spcPct val="90000"/>
+        </a:lnSpc>
         <a:spcBef>
-          <a:spcPts val="0"/>
+          <a:spcPts val="500"/>
         </a:spcBef>
-        <a:spcAft>
-          <a:spcPts val="1000"/>
-        </a:spcAft>
-        <a:buClr>
-          <a:schemeClr val="tx1"/>
-        </a:buClr>
-        <a:buSzPct val="100000"/>
-        <a:buFont typeface="Arial"/>
+        <a:buFont typeface="Arial" panose="020B0604020202020204" pitchFamily="34" charset="0"/>
         <a:buChar char="•"/>
-        <a:defRPr sz="1200" kern="1200" cap="none">
+        <a:defRPr sz="1800" kern="1200">
           <a:solidFill>
             <a:schemeClr val="tx1"/>
           </a:solidFill>
-          <a:effectLst/>
           <a:latin typeface="+mn-lt"/>
           <a:ea typeface="+mn-ea"/>
           <a:cs typeface="+mn-cs"/>
         </a:defRPr>
       </a:lvl7pPr>
-      <a:lvl8pPr marL="3429000" indent="-228600" algn="l" defTabSz="457200" rtl="0" eaLnBrk="1" latinLnBrk="0" hangingPunct="1">
+      <a:lvl8pPr marL="3429000" indent="-228600" algn="l" defTabSz="914400" rtl="0" eaLnBrk="1" latinLnBrk="0" hangingPunct="1">
+        <a:lnSpc>
+          <a:spcPct val="90000"/>
+        </a:lnSpc>
         <a:spcBef>
-          <a:spcPts val="0"/>
+          <a:spcPts val="500"/>
         </a:spcBef>
-        <a:spcAft>
-          <a:spcPts val="1000"/>
-        </a:spcAft>
-        <a:buClr>
-          <a:schemeClr val="tx1"/>
-        </a:buClr>
-        <a:buSzPct val="100000"/>
-        <a:buFont typeface="Arial"/>
+        <a:buFont typeface="Arial" panose="020B0604020202020204" pitchFamily="34" charset="0"/>
         <a:buChar char="•"/>
-        <a:defRPr sz="1200" kern="1200" cap="none">
+        <a:defRPr sz="1800" kern="1200">
           <a:solidFill>
             <a:schemeClr val="tx1"/>
           </a:solidFill>
-          <a:effectLst/>
           <a:latin typeface="+mn-lt"/>
           <a:ea typeface="+mn-ea"/>
           <a:cs typeface="+mn-cs"/>
         </a:defRPr>
       </a:lvl8pPr>
-      <a:lvl9pPr marL="3886200" indent="-228600" algn="l" defTabSz="457200" rtl="0" eaLnBrk="1" latinLnBrk="0" hangingPunct="1">
+      <a:lvl9pPr marL="3886200" indent="-228600" algn="l" defTabSz="914400" rtl="0" eaLnBrk="1" latinLnBrk="0" hangingPunct="1">
+        <a:lnSpc>
+          <a:spcPct val="90000"/>
+        </a:lnSpc>
         <a:spcBef>
-          <a:spcPts val="0"/>
+          <a:spcPts val="500"/>
         </a:spcBef>
-        <a:spcAft>
-          <a:spcPts val="1000"/>
-        </a:spcAft>
-        <a:buClr>
-          <a:schemeClr val="tx1"/>
-        </a:buClr>
-        <a:buSzPct val="100000"/>
-        <a:buFont typeface="Arial"/>
+        <a:buFont typeface="Arial" panose="020B0604020202020204" pitchFamily="34" charset="0"/>
         <a:buChar char="•"/>
-        <a:defRPr sz="1200" kern="1200" cap="none">
+        <a:defRPr sz="1800" kern="1200">
           <a:solidFill>
             <a:schemeClr val="tx1"/>
           </a:solidFill>
-          <a:effectLst/>
           <a:latin typeface="+mn-lt"/>
           <a:ea typeface="+mn-ea"/>
           <a:cs typeface="+mn-cs"/>
@@ -6222,7 +3428,7 @@
       <a:defPPr>
         <a:defRPr lang="en-US"/>
       </a:defPPr>
-      <a:lvl1pPr marL="0" algn="l" defTabSz="457200" rtl="0" eaLnBrk="1" latinLnBrk="0" hangingPunct="1">
+      <a:lvl1pPr marL="0" algn="l" defTabSz="914400" rtl="0" eaLnBrk="1" latinLnBrk="0" hangingPunct="1">
         <a:defRPr sz="1800" kern="1200">
           <a:solidFill>
             <a:schemeClr val="tx1"/>
@@ -6232,7 +3438,7 @@
           <a:cs typeface="+mn-cs"/>
         </a:defRPr>
       </a:lvl1pPr>
-      <a:lvl2pPr marL="457200" algn="l" defTabSz="457200" rtl="0" eaLnBrk="1" latinLnBrk="0" hangingPunct="1">
+      <a:lvl2pPr marL="457200" algn="l" defTabSz="914400" rtl="0" eaLnBrk="1" latinLnBrk="0" hangingPunct="1">
         <a:defRPr sz="1800" kern="1200">
           <a:solidFill>
             <a:schemeClr val="tx1"/>
@@ -6242,7 +3448,7 @@
           <a:cs typeface="+mn-cs"/>
         </a:defRPr>
       </a:lvl2pPr>
-      <a:lvl3pPr marL="914400" algn="l" defTabSz="457200" rtl="0" eaLnBrk="1" latinLnBrk="0" hangingPunct="1">
+      <a:lvl3pPr marL="914400" algn="l" defTabSz="914400" rtl="0" eaLnBrk="1" latinLnBrk="0" hangingPunct="1">
         <a:defRPr sz="1800" kern="1200">
           <a:solidFill>
             <a:schemeClr val="tx1"/>
@@ -6252,7 +3458,7 @@
           <a:cs typeface="+mn-cs"/>
         </a:defRPr>
       </a:lvl3pPr>
-      <a:lvl4pPr marL="1371600" algn="l" defTabSz="457200" rtl="0" eaLnBrk="1" latinLnBrk="0" hangingPunct="1">
+      <a:lvl4pPr marL="1371600" algn="l" defTabSz="914400" rtl="0" eaLnBrk="1" latinLnBrk="0" hangingPunct="1">
         <a:defRPr sz="1800" kern="1200">
           <a:solidFill>
             <a:schemeClr val="tx1"/>
@@ -6262,7 +3468,7 @@
           <a:cs typeface="+mn-cs"/>
         </a:defRPr>
       </a:lvl4pPr>
-      <a:lvl5pPr marL="1828800" algn="l" defTabSz="457200" rtl="0" eaLnBrk="1" latinLnBrk="0" hangingPunct="1">
+      <a:lvl5pPr marL="1828800" algn="l" defTabSz="914400" rtl="0" eaLnBrk="1" latinLnBrk="0" hangingPunct="1">
         <a:defRPr sz="1800" kern="1200">
           <a:solidFill>
             <a:schemeClr val="tx1"/>
@@ -6272,7 +3478,7 @@
           <a:cs typeface="+mn-cs"/>
         </a:defRPr>
       </a:lvl5pPr>
-      <a:lvl6pPr marL="2286000" algn="l" defTabSz="457200" rtl="0" eaLnBrk="1" latinLnBrk="0" hangingPunct="1">
+      <a:lvl6pPr marL="2286000" algn="l" defTabSz="914400" rtl="0" eaLnBrk="1" latinLnBrk="0" hangingPunct="1">
         <a:defRPr sz="1800" kern="1200">
           <a:solidFill>
             <a:schemeClr val="tx1"/>
@@ -6282,7 +3488,7 @@
           <a:cs typeface="+mn-cs"/>
         </a:defRPr>
       </a:lvl6pPr>
-      <a:lvl7pPr marL="2743200" algn="l" defTabSz="457200" rtl="0" eaLnBrk="1" latinLnBrk="0" hangingPunct="1">
+      <a:lvl7pPr marL="2743200" algn="l" defTabSz="914400" rtl="0" eaLnBrk="1" latinLnBrk="0" hangingPunct="1">
         <a:defRPr sz="1800" kern="1200">
           <a:solidFill>
             <a:schemeClr val="tx1"/>
@@ -6292,7 +3498,7 @@
           <a:cs typeface="+mn-cs"/>
         </a:defRPr>
       </a:lvl7pPr>
-      <a:lvl8pPr marL="3200400" algn="l" defTabSz="457200" rtl="0" eaLnBrk="1" latinLnBrk="0" hangingPunct="1">
+      <a:lvl8pPr marL="3200400" algn="l" defTabSz="914400" rtl="0" eaLnBrk="1" latinLnBrk="0" hangingPunct="1">
         <a:defRPr sz="1800" kern="1200">
           <a:solidFill>
             <a:schemeClr val="tx1"/>
@@ -6302,7 +3508,7 @@
           <a:cs typeface="+mn-cs"/>
         </a:defRPr>
       </a:lvl8pPr>
-      <a:lvl9pPr marL="3657600" algn="l" defTabSz="457200" rtl="0" eaLnBrk="1" latinLnBrk="0" hangingPunct="1">
+      <a:lvl9pPr marL="3657600" algn="l" defTabSz="914400" rtl="0" eaLnBrk="1" latinLnBrk="0" hangingPunct="1">
         <a:defRPr sz="1800" kern="1200">
           <a:solidFill>
             <a:schemeClr val="tx1"/>
@@ -7924,10 +5130,9 @@
           <a:lstStyle/>
           <a:p>
             <a:r>
-              <a:rPr lang="en-US" dirty="0" smtClean="0"/>
+              <a:rPr lang="en-US" dirty="0"/>
               <a:t>Section 9 | Listing</a:t>
             </a:r>
-            <a:endParaRPr lang="en-US" dirty="0"/>
           </a:p>
         </p:txBody>
       </p:sp>
@@ -7947,10 +5152,9 @@
           <a:lstStyle/>
           <a:p>
             <a:r>
-              <a:rPr lang="en-US" dirty="0" smtClean="0"/>
+              <a:rPr lang="en-US" dirty="0"/>
               <a:t>For an acceptable finished product, we still have to manually remove the extra headers from each file added to the consolidated report .</a:t>
             </a:r>
-            <a:endParaRPr lang="en-US" dirty="0"/>
           </a:p>
         </p:txBody>
       </p:sp>
@@ -7958,6 +5162,599 @@
     <p:extLst>
       <p:ext uri="{BB962C8B-B14F-4D97-AF65-F5344CB8AC3E}">
         <p14:creationId xmlns:p14="http://schemas.microsoft.com/office/powerpoint/2010/main" val="1663894418"/>
+      </p:ext>
+    </p:extLst>
+  </p:cSld>
+  <p:clrMapOvr>
+    <a:masterClrMapping/>
+  </p:clrMapOvr>
+</p:sld>
+</file>
+
+<file path=ppt/slides/slide17.xml><?xml version="1.0" encoding="utf-8"?>
+<p:sld xmlns:a="http://schemas.openxmlformats.org/drawingml/2006/main" xmlns:r="http://schemas.openxmlformats.org/officeDocument/2006/relationships" xmlns:p="http://schemas.openxmlformats.org/presentationml/2006/main">
+  <p:cSld>
+    <p:spTree>
+      <p:nvGrpSpPr>
+        <p:cNvPr id="1" name=""/>
+        <p:cNvGrpSpPr/>
+        <p:nvPr/>
+      </p:nvGrpSpPr>
+      <p:grpSpPr>
+        <a:xfrm>
+          <a:off x="0" y="0"/>
+          <a:ext cx="0" cy="0"/>
+          <a:chOff x="0" y="0"/>
+          <a:chExt cx="0" cy="0"/>
+        </a:xfrm>
+      </p:grpSpPr>
+      <p:sp>
+        <p:nvSpPr>
+          <p:cNvPr id="14" name="Rectangle 13"/>
+          <p:cNvSpPr/>
+          <p:nvPr/>
+        </p:nvSpPr>
+        <p:spPr>
+          <a:xfrm>
+            <a:off x="1240971" y="3673563"/>
+            <a:ext cx="9556683" cy="1407888"/>
+          </a:xfrm>
+          <a:prstGeom prst="rect">
+            <a:avLst/>
+          </a:prstGeom>
+          <a:noFill/>
+          <a:ln>
+            <a:prstDash val="sysDot"/>
+          </a:ln>
+        </p:spPr>
+        <p:style>
+          <a:lnRef idx="2">
+            <a:schemeClr val="accent1">
+              <a:shade val="50000"/>
+            </a:schemeClr>
+          </a:lnRef>
+          <a:fillRef idx="1">
+            <a:schemeClr val="accent1"/>
+          </a:fillRef>
+          <a:effectRef idx="0">
+            <a:schemeClr val="accent1"/>
+          </a:effectRef>
+          <a:fontRef idx="minor">
+            <a:schemeClr val="lt1"/>
+          </a:fontRef>
+        </p:style>
+        <p:txBody>
+          <a:bodyPr rtlCol="0" anchor="ctr"/>
+          <a:lstStyle/>
+          <a:p>
+            <a:pPr algn="ctr"/>
+            <a:endParaRPr lang="en-US"/>
+          </a:p>
+        </p:txBody>
+      </p:sp>
+      <p:sp>
+        <p:nvSpPr>
+          <p:cNvPr id="2" name="Title 1"/>
+          <p:cNvSpPr>
+            <a:spLocks noGrp="1"/>
+          </p:cNvSpPr>
+          <p:nvPr>
+            <p:ph type="title"/>
+          </p:nvPr>
+        </p:nvSpPr>
+        <p:spPr/>
+        <p:txBody>
+          <a:bodyPr/>
+          <a:lstStyle/>
+          <a:p>
+            <a:endParaRPr lang="en-US" dirty="0"/>
+          </a:p>
+        </p:txBody>
+      </p:sp>
+      <p:sp>
+        <p:nvSpPr>
+          <p:cNvPr id="4" name="TextBox 3"/>
+          <p:cNvSpPr txBox="1"/>
+          <p:nvPr/>
+        </p:nvSpPr>
+        <p:spPr>
+          <a:xfrm>
+            <a:off x="1394346" y="3782774"/>
+            <a:ext cx="9403308" cy="523220"/>
+          </a:xfrm>
+          <a:prstGeom prst="rect">
+            <a:avLst/>
+          </a:prstGeom>
+          <a:noFill/>
+        </p:spPr>
+        <p:txBody>
+          <a:bodyPr wrap="square" rtlCol="0">
+            <a:spAutoFit/>
+          </a:bodyPr>
+          <a:lstStyle/>
+          <a:p>
+            <a:r>
+              <a:rPr lang="en-US" sz="2800" dirty="0">
+                <a:latin typeface="Arial" panose="020B0604020202020204" pitchFamily="34" charset="0"/>
+                <a:cs typeface="Arial" panose="020B0604020202020204" pitchFamily="34" charset="0"/>
+              </a:rPr>
+              <a:t>[ “California_JerryBrown.csv”, “</a:t>
+            </a:r>
+            <a:r>
+              <a:rPr lang="en-US" sz="2800" dirty="0" err="1">
+                <a:latin typeface="Arial" panose="020B0604020202020204" pitchFamily="34" charset="0"/>
+                <a:cs typeface="Arial" panose="020B0604020202020204" pitchFamily="34" charset="0"/>
+              </a:rPr>
+              <a:t>NewMexico</a:t>
+            </a:r>
+            <a:r>
+              <a:rPr lang="en-US" sz="2800" dirty="0">
+                <a:latin typeface="Arial" panose="020B0604020202020204" pitchFamily="34" charset="0"/>
+                <a:cs typeface="Arial" panose="020B0604020202020204" pitchFamily="34" charset="0"/>
+              </a:rPr>
+              <a:t>…”, “Texas…” ]</a:t>
+            </a:r>
+          </a:p>
+        </p:txBody>
+      </p:sp>
+      <p:grpSp>
+        <p:nvGrpSpPr>
+          <p:cNvPr id="18" name="Group 17"/>
+          <p:cNvGrpSpPr/>
+          <p:nvPr/>
+        </p:nvGrpSpPr>
+        <p:grpSpPr>
+          <a:xfrm>
+            <a:off x="1522863" y="2620072"/>
+            <a:ext cx="8370075" cy="1176328"/>
+            <a:chOff x="1522863" y="2411064"/>
+            <a:chExt cx="8370075" cy="1176328"/>
+          </a:xfrm>
+        </p:grpSpPr>
+        <p:sp>
+          <p:nvSpPr>
+            <p:cNvPr id="5" name="TextBox 4"/>
+            <p:cNvSpPr txBox="1"/>
+            <p:nvPr/>
+          </p:nvSpPr>
+          <p:spPr>
+            <a:xfrm>
+              <a:off x="1522863" y="2493740"/>
+              <a:ext cx="1042273" cy="461665"/>
+            </a:xfrm>
+            <a:prstGeom prst="rect">
+              <a:avLst/>
+            </a:prstGeom>
+            <a:noFill/>
+          </p:spPr>
+          <p:txBody>
+            <a:bodyPr wrap="none" rtlCol="0">
+              <a:spAutoFit/>
+            </a:bodyPr>
+            <a:lstStyle/>
+            <a:p>
+              <a:r>
+                <a:rPr lang="en-US" sz="2400" dirty="0"/>
+                <a:t>INDEX:</a:t>
+              </a:r>
+            </a:p>
+          </p:txBody>
+        </p:sp>
+        <p:sp>
+          <p:nvSpPr>
+            <p:cNvPr id="6" name="Rectangle 5"/>
+            <p:cNvSpPr/>
+            <p:nvPr/>
+          </p:nvSpPr>
+          <p:spPr>
+            <a:xfrm>
+              <a:off x="2922861" y="2411064"/>
+              <a:ext cx="627018" cy="627018"/>
+            </a:xfrm>
+            <a:prstGeom prst="rect">
+              <a:avLst/>
+            </a:prstGeom>
+            <a:noFill/>
+            <a:ln w="38100" cap="flat" cmpd="sng" algn="ctr">
+              <a:solidFill>
+                <a:schemeClr val="dk1"/>
+              </a:solidFill>
+              <a:prstDash val="solid"/>
+              <a:round/>
+              <a:headEnd type="none" w="med" len="med"/>
+              <a:tailEnd type="none" w="med" len="med"/>
+            </a:ln>
+          </p:spPr>
+          <p:style>
+            <a:lnRef idx="0">
+              <a:scrgbClr r="0" g="0" b="0"/>
+            </a:lnRef>
+            <a:fillRef idx="0">
+              <a:scrgbClr r="0" g="0" b="0"/>
+            </a:fillRef>
+            <a:effectRef idx="0">
+              <a:scrgbClr r="0" g="0" b="0"/>
+            </a:effectRef>
+            <a:fontRef idx="minor">
+              <a:schemeClr val="dk1"/>
+            </a:fontRef>
+          </p:style>
+          <p:txBody>
+            <a:bodyPr rtlCol="0" anchor="ctr"/>
+            <a:lstStyle/>
+            <a:p>
+              <a:pPr algn="ctr"/>
+              <a:r>
+                <a:rPr lang="en-US" sz="3200" dirty="0"/>
+                <a:t>0</a:t>
+              </a:r>
+            </a:p>
+          </p:txBody>
+        </p:sp>
+        <p:sp>
+          <p:nvSpPr>
+            <p:cNvPr id="7" name="Rectangle 6"/>
+            <p:cNvSpPr/>
+            <p:nvPr/>
+          </p:nvSpPr>
+          <p:spPr>
+            <a:xfrm>
+              <a:off x="6788332" y="2411064"/>
+              <a:ext cx="627018" cy="627018"/>
+            </a:xfrm>
+            <a:prstGeom prst="rect">
+              <a:avLst/>
+            </a:prstGeom>
+            <a:noFill/>
+            <a:ln w="38100" cap="flat" cmpd="sng" algn="ctr">
+              <a:solidFill>
+                <a:schemeClr val="dk1"/>
+              </a:solidFill>
+              <a:prstDash val="solid"/>
+              <a:round/>
+              <a:headEnd type="none" w="med" len="med"/>
+              <a:tailEnd type="none" w="med" len="med"/>
+            </a:ln>
+          </p:spPr>
+          <p:style>
+            <a:lnRef idx="0">
+              <a:scrgbClr r="0" g="0" b="0"/>
+            </a:lnRef>
+            <a:fillRef idx="0">
+              <a:scrgbClr r="0" g="0" b="0"/>
+            </a:fillRef>
+            <a:effectRef idx="0">
+              <a:scrgbClr r="0" g="0" b="0"/>
+            </a:effectRef>
+            <a:fontRef idx="minor">
+              <a:schemeClr val="dk1"/>
+            </a:fontRef>
+          </p:style>
+          <p:txBody>
+            <a:bodyPr rtlCol="0" anchor="ctr"/>
+            <a:lstStyle/>
+            <a:p>
+              <a:pPr algn="ctr"/>
+              <a:r>
+                <a:rPr lang="en-US" sz="3200" dirty="0"/>
+                <a:t>1</a:t>
+              </a:r>
+            </a:p>
+          </p:txBody>
+        </p:sp>
+        <p:sp>
+          <p:nvSpPr>
+            <p:cNvPr id="8" name="Rectangle 7"/>
+            <p:cNvSpPr/>
+            <p:nvPr/>
+          </p:nvSpPr>
+          <p:spPr>
+            <a:xfrm>
+              <a:off x="9265920" y="2413785"/>
+              <a:ext cx="627018" cy="627018"/>
+            </a:xfrm>
+            <a:prstGeom prst="rect">
+              <a:avLst/>
+            </a:prstGeom>
+            <a:noFill/>
+            <a:ln w="38100" cap="flat" cmpd="sng" algn="ctr">
+              <a:solidFill>
+                <a:schemeClr val="dk1"/>
+              </a:solidFill>
+              <a:prstDash val="solid"/>
+              <a:round/>
+              <a:headEnd type="none" w="med" len="med"/>
+              <a:tailEnd type="none" w="med" len="med"/>
+            </a:ln>
+          </p:spPr>
+          <p:style>
+            <a:lnRef idx="0">
+              <a:scrgbClr r="0" g="0" b="0"/>
+            </a:lnRef>
+            <a:fillRef idx="0">
+              <a:scrgbClr r="0" g="0" b="0"/>
+            </a:fillRef>
+            <a:effectRef idx="0">
+              <a:scrgbClr r="0" g="0" b="0"/>
+            </a:effectRef>
+            <a:fontRef idx="minor">
+              <a:schemeClr val="dk1"/>
+            </a:fontRef>
+          </p:style>
+          <p:txBody>
+            <a:bodyPr rtlCol="0" anchor="ctr"/>
+            <a:lstStyle/>
+            <a:p>
+              <a:pPr algn="ctr"/>
+              <a:r>
+                <a:rPr lang="en-US" sz="3200" dirty="0"/>
+                <a:t>2</a:t>
+              </a:r>
+            </a:p>
+          </p:txBody>
+        </p:sp>
+        <p:sp>
+          <p:nvSpPr>
+            <p:cNvPr id="9" name="Arrow: Right 8"/>
+            <p:cNvSpPr/>
+            <p:nvPr/>
+          </p:nvSpPr>
+          <p:spPr>
+            <a:xfrm rot="5400000">
+              <a:off x="3006161" y="3128583"/>
+              <a:ext cx="460419" cy="457200"/>
+            </a:xfrm>
+            <a:prstGeom prst="rightArrow">
+              <a:avLst/>
+            </a:prstGeom>
+          </p:spPr>
+          <p:style>
+            <a:lnRef idx="2">
+              <a:schemeClr val="dk1">
+                <a:shade val="50000"/>
+              </a:schemeClr>
+            </a:lnRef>
+            <a:fillRef idx="1">
+              <a:schemeClr val="dk1"/>
+            </a:fillRef>
+            <a:effectRef idx="0">
+              <a:schemeClr val="dk1"/>
+            </a:effectRef>
+            <a:fontRef idx="minor">
+              <a:schemeClr val="lt1"/>
+            </a:fontRef>
+          </p:style>
+          <p:txBody>
+            <a:bodyPr rtlCol="0" anchor="ctr"/>
+            <a:lstStyle/>
+            <a:p>
+              <a:pPr algn="ctr"/>
+              <a:endParaRPr lang="en-US"/>
+            </a:p>
+          </p:txBody>
+        </p:sp>
+        <p:sp>
+          <p:nvSpPr>
+            <p:cNvPr id="10" name="Arrow: Right 9"/>
+            <p:cNvSpPr/>
+            <p:nvPr/>
+          </p:nvSpPr>
+          <p:spPr>
+            <a:xfrm rot="5400000">
+              <a:off x="6871632" y="3128583"/>
+              <a:ext cx="460419" cy="457200"/>
+            </a:xfrm>
+            <a:prstGeom prst="rightArrow">
+              <a:avLst/>
+            </a:prstGeom>
+          </p:spPr>
+          <p:style>
+            <a:lnRef idx="2">
+              <a:schemeClr val="dk1">
+                <a:shade val="50000"/>
+              </a:schemeClr>
+            </a:lnRef>
+            <a:fillRef idx="1">
+              <a:schemeClr val="dk1"/>
+            </a:fillRef>
+            <a:effectRef idx="0">
+              <a:schemeClr val="dk1"/>
+            </a:effectRef>
+            <a:fontRef idx="minor">
+              <a:schemeClr val="lt1"/>
+            </a:fontRef>
+          </p:style>
+          <p:txBody>
+            <a:bodyPr rtlCol="0" anchor="ctr"/>
+            <a:lstStyle/>
+            <a:p>
+              <a:pPr algn="ctr"/>
+              <a:endParaRPr lang="en-US"/>
+            </a:p>
+          </p:txBody>
+        </p:sp>
+        <p:sp>
+          <p:nvSpPr>
+            <p:cNvPr id="11" name="Arrow: Right 10"/>
+            <p:cNvSpPr/>
+            <p:nvPr/>
+          </p:nvSpPr>
+          <p:spPr>
+            <a:xfrm rot="5400000">
+              <a:off x="9349220" y="3128583"/>
+              <a:ext cx="460419" cy="457200"/>
+            </a:xfrm>
+            <a:prstGeom prst="rightArrow">
+              <a:avLst/>
+            </a:prstGeom>
+          </p:spPr>
+          <p:style>
+            <a:lnRef idx="2">
+              <a:schemeClr val="dk1">
+                <a:shade val="50000"/>
+              </a:schemeClr>
+            </a:lnRef>
+            <a:fillRef idx="1">
+              <a:schemeClr val="dk1"/>
+            </a:fillRef>
+            <a:effectRef idx="0">
+              <a:schemeClr val="dk1"/>
+            </a:effectRef>
+            <a:fontRef idx="minor">
+              <a:schemeClr val="lt1"/>
+            </a:fontRef>
+          </p:style>
+          <p:txBody>
+            <a:bodyPr rtlCol="0" anchor="ctr"/>
+            <a:lstStyle/>
+            <a:p>
+              <a:pPr algn="ctr"/>
+              <a:endParaRPr lang="en-US"/>
+            </a:p>
+          </p:txBody>
+        </p:sp>
+      </p:grpSp>
+      <p:grpSp>
+        <p:nvGrpSpPr>
+          <p:cNvPr id="17" name="Group 16"/>
+          <p:cNvGrpSpPr/>
+          <p:nvPr/>
+        </p:nvGrpSpPr>
+        <p:grpSpPr>
+          <a:xfrm>
+            <a:off x="3007770" y="4419402"/>
+            <a:ext cx="5226419" cy="548640"/>
+            <a:chOff x="2372182" y="4365477"/>
+            <a:chExt cx="5226419" cy="548640"/>
+          </a:xfrm>
+        </p:grpSpPr>
+        <p:sp>
+          <p:nvSpPr>
+            <p:cNvPr id="13" name="Rectangle 12"/>
+            <p:cNvSpPr/>
+            <p:nvPr/>
+          </p:nvSpPr>
+          <p:spPr>
+            <a:xfrm>
+              <a:off x="3824824" y="4365477"/>
+              <a:ext cx="1663382" cy="548640"/>
+            </a:xfrm>
+            <a:prstGeom prst="rect">
+              <a:avLst/>
+            </a:prstGeom>
+            <a:solidFill>
+              <a:schemeClr val="bg1">
+                <a:lumMod val="95000"/>
+              </a:schemeClr>
+            </a:solidFill>
+            <a:ln>
+              <a:solidFill>
+                <a:schemeClr val="bg1">
+                  <a:lumMod val="85000"/>
+                </a:schemeClr>
+              </a:solidFill>
+            </a:ln>
+          </p:spPr>
+          <p:style>
+            <a:lnRef idx="2">
+              <a:schemeClr val="accent1">
+                <a:shade val="50000"/>
+              </a:schemeClr>
+            </a:lnRef>
+            <a:fillRef idx="1">
+              <a:schemeClr val="accent1"/>
+            </a:fillRef>
+            <a:effectRef idx="0">
+              <a:schemeClr val="accent1"/>
+            </a:effectRef>
+            <a:fontRef idx="minor">
+              <a:schemeClr val="lt1"/>
+            </a:fontRef>
+          </p:style>
+          <p:txBody>
+            <a:bodyPr rtlCol="0" anchor="ctr"/>
+            <a:lstStyle/>
+            <a:p>
+              <a:pPr algn="ctr"/>
+              <a:r>
+                <a:rPr lang="en-US" sz="2800" i="1" dirty="0">
+                  <a:solidFill>
+                    <a:sysClr val="windowText" lastClr="000000"/>
+                  </a:solidFill>
+                </a:rPr>
+                <a:t>filenames</a:t>
+              </a:r>
+              <a:endParaRPr lang="en-US" i="1" dirty="0">
+                <a:solidFill>
+                  <a:sysClr val="windowText" lastClr="000000"/>
+                </a:solidFill>
+              </a:endParaRPr>
+            </a:p>
+          </p:txBody>
+        </p:sp>
+        <p:sp>
+          <p:nvSpPr>
+            <p:cNvPr id="15" name="TextBox 14"/>
+            <p:cNvSpPr txBox="1"/>
+            <p:nvPr/>
+          </p:nvSpPr>
+          <p:spPr>
+            <a:xfrm>
+              <a:off x="5756365" y="4365477"/>
+              <a:ext cx="1842236" cy="523220"/>
+            </a:xfrm>
+            <a:prstGeom prst="rect">
+              <a:avLst/>
+            </a:prstGeom>
+            <a:noFill/>
+          </p:spPr>
+          <p:txBody>
+            <a:bodyPr wrap="none" rtlCol="0">
+              <a:spAutoFit/>
+            </a:bodyPr>
+            <a:lstStyle/>
+            <a:p>
+              <a:r>
+                <a:rPr lang="en-US" sz="2800" i="1" dirty="0"/>
+                <a:t>type: Array</a:t>
+              </a:r>
+            </a:p>
+          </p:txBody>
+        </p:sp>
+        <p:sp>
+          <p:nvSpPr>
+            <p:cNvPr id="16" name="TextBox 15"/>
+            <p:cNvSpPr txBox="1"/>
+            <p:nvPr/>
+          </p:nvSpPr>
+          <p:spPr>
+            <a:xfrm>
+              <a:off x="2372182" y="4390897"/>
+              <a:ext cx="1452642" cy="523220"/>
+            </a:xfrm>
+            <a:prstGeom prst="rect">
+              <a:avLst/>
+            </a:prstGeom>
+            <a:noFill/>
+          </p:spPr>
+          <p:txBody>
+            <a:bodyPr wrap="none" rtlCol="0">
+              <a:spAutoFit/>
+            </a:bodyPr>
+            <a:lstStyle/>
+            <a:p>
+              <a:r>
+                <a:rPr lang="en-US" sz="2800" i="1" dirty="0"/>
+                <a:t>variable:</a:t>
+              </a:r>
+            </a:p>
+          </p:txBody>
+        </p:sp>
+      </p:grpSp>
+    </p:spTree>
+    <p:extLst>
+      <p:ext uri="{BB962C8B-B14F-4D97-AF65-F5344CB8AC3E}">
+        <p14:creationId xmlns:p14="http://schemas.microsoft.com/office/powerpoint/2010/main" val="1369867280"/>
       </p:ext>
     </p:extLst>
   </p:cSld>
@@ -10064,9 +7861,9 @@
 </file>
 
 <file path=ppt/theme/theme1.xml><?xml version="1.0" encoding="utf-8"?>
-<a:theme xmlns:a="http://schemas.openxmlformats.org/drawingml/2006/main" name="Celestial">
+<a:theme xmlns:a="http://schemas.openxmlformats.org/drawingml/2006/main" name="Office Theme">
   <a:themeElements>
-    <a:clrScheme name="Celestial">
+    <a:clrScheme name="Office">
       <a:dk1>
         <a:sysClr val="windowText" lastClr="000000"/>
       </a:dk1>
@@ -10074,44 +7871,44 @@
         <a:sysClr val="window" lastClr="FFFFFF"/>
       </a:lt1>
       <a:dk2>
-        <a:srgbClr val="104C7E"/>
+        <a:srgbClr val="44546A"/>
       </a:dk2>
       <a:lt2>
-        <a:srgbClr val="EBEBEB"/>
+        <a:srgbClr val="E7E6E6"/>
       </a:lt2>
       <a:accent1>
-        <a:srgbClr val="94CE67"/>
+        <a:srgbClr val="5B9BD5"/>
       </a:accent1>
       <a:accent2>
-        <a:srgbClr val="49D1CD"/>
+        <a:srgbClr val="ED7D31"/>
       </a:accent2>
       <a:accent3>
-        <a:srgbClr val="61A5D6"/>
+        <a:srgbClr val="A5A5A5"/>
       </a:accent3>
       <a:accent4>
-        <a:srgbClr val="9D8CD3"/>
+        <a:srgbClr val="FFC000"/>
       </a:accent4>
       <a:accent5>
-        <a:srgbClr val="E45C8A"/>
+        <a:srgbClr val="4472C4"/>
       </a:accent5>
       <a:accent6>
-        <a:srgbClr val="F98C61"/>
+        <a:srgbClr val="70AD47"/>
       </a:accent6>
       <a:hlink>
-        <a:srgbClr val="AAF172"/>
+        <a:srgbClr val="0563C1"/>
       </a:hlink>
       <a:folHlink>
-        <a:srgbClr val="E7F19A"/>
+        <a:srgbClr val="954F72"/>
       </a:folHlink>
     </a:clrScheme>
-    <a:fontScheme name="Celestial">
+    <a:fontScheme name="Office">
       <a:majorFont>
         <a:latin typeface="Calibri Light" panose="020F0302020204030204"/>
         <a:ea typeface=""/>
         <a:cs typeface=""/>
-        <a:font script="Jpan" typeface="ＭＳ Ｐゴシック"/>
+        <a:font script="Jpan" typeface="游ゴシック Light"/>
         <a:font script="Hang" typeface="맑은 고딕"/>
-        <a:font script="Hans" typeface="宋体"/>
+        <a:font script="Hans" typeface="等线 Light"/>
         <a:font script="Hant" typeface="新細明體"/>
         <a:font script="Arab" typeface="Times New Roman"/>
         <a:font script="Hebr" typeface="Times New Roman"/>
@@ -10139,14 +7936,31 @@
         <a:font script="Viet" typeface="Times New Roman"/>
         <a:font script="Uigh" typeface="Microsoft Uighur"/>
         <a:font script="Geor" typeface="Sylfaen"/>
+        <a:font script="Armn" typeface="Arial"/>
+        <a:font script="Bugi" typeface="Leelawadee UI"/>
+        <a:font script="Bopo" typeface="Microsoft JhengHei"/>
+        <a:font script="Java" typeface="Javanese Text"/>
+        <a:font script="Lisu" typeface="Segoe UI"/>
+        <a:font script="Mymr" typeface="Myanmar Text"/>
+        <a:font script="Nkoo" typeface="Ebrima"/>
+        <a:font script="Olck" typeface="Nirmala UI"/>
+        <a:font script="Osma" typeface="Ebrima"/>
+        <a:font script="Phag" typeface="Phagspa"/>
+        <a:font script="Syrn" typeface="Estrangelo Edessa"/>
+        <a:font script="Syrj" typeface="Estrangelo Edessa"/>
+        <a:font script="Syre" typeface="Estrangelo Edessa"/>
+        <a:font script="Sora" typeface="Nirmala UI"/>
+        <a:font script="Tale" typeface="Microsoft Tai Le"/>
+        <a:font script="Talu" typeface="Microsoft New Tai Lue"/>
+        <a:font script="Tfng" typeface="Ebrima"/>
       </a:majorFont>
       <a:minorFont>
         <a:latin typeface="Calibri" panose="020F0502020204030204"/>
         <a:ea typeface=""/>
         <a:cs typeface=""/>
-        <a:font script="Jpan" typeface="ＭＳ Ｐゴシック"/>
+        <a:font script="Jpan" typeface="游ゴシック"/>
         <a:font script="Hang" typeface="맑은 고딕"/>
-        <a:font script="Hans" typeface="宋体"/>
+        <a:font script="Hans" typeface="等线"/>
         <a:font script="Hant" typeface="新細明體"/>
         <a:font script="Arab" typeface="Arial"/>
         <a:font script="Hebr" typeface="Arial"/>
@@ -10174,9 +7988,26 @@
         <a:font script="Viet" typeface="Arial"/>
         <a:font script="Uigh" typeface="Microsoft Uighur"/>
         <a:font script="Geor" typeface="Sylfaen"/>
+        <a:font script="Armn" typeface="Arial"/>
+        <a:font script="Bugi" typeface="Leelawadee UI"/>
+        <a:font script="Bopo" typeface="Microsoft JhengHei"/>
+        <a:font script="Java" typeface="Javanese Text"/>
+        <a:font script="Lisu" typeface="Segoe UI"/>
+        <a:font script="Mymr" typeface="Myanmar Text"/>
+        <a:font script="Nkoo" typeface="Ebrima"/>
+        <a:font script="Olck" typeface="Nirmala UI"/>
+        <a:font script="Osma" typeface="Ebrima"/>
+        <a:font script="Phag" typeface="Phagspa"/>
+        <a:font script="Syrn" typeface="Estrangelo Edessa"/>
+        <a:font script="Syrj" typeface="Estrangelo Edessa"/>
+        <a:font script="Syre" typeface="Estrangelo Edessa"/>
+        <a:font script="Sora" typeface="Nirmala UI"/>
+        <a:font script="Tale" typeface="Microsoft Tai Le"/>
+        <a:font script="Talu" typeface="Microsoft New Tai Lue"/>
+        <a:font script="Tfng" typeface="Ebrima"/>
       </a:minorFont>
     </a:fontScheme>
-    <a:fmtScheme name="Celestial">
+    <a:fmtScheme name="Office">
       <a:fillStyleLst>
         <a:solidFill>
           <a:schemeClr val="phClr"/>
@@ -10185,14 +8016,23 @@
           <a:gsLst>
             <a:gs pos="0">
               <a:schemeClr val="phClr">
-                <a:tint val="70000"/>
                 <a:lumMod val="110000"/>
+                <a:satMod val="105000"/>
+                <a:tint val="67000"/>
+              </a:schemeClr>
+            </a:gs>
+            <a:gs pos="50000">
+              <a:schemeClr val="phClr">
+                <a:lumMod val="105000"/>
+                <a:satMod val="103000"/>
+                <a:tint val="73000"/>
               </a:schemeClr>
             </a:gs>
             <a:gs pos="100000">
               <a:schemeClr val="phClr">
-                <a:tint val="82000"/>
-                <a:alpha val="74000"/>
+                <a:lumMod val="105000"/>
+                <a:satMod val="109000"/>
+                <a:tint val="81000"/>
               </a:schemeClr>
             </a:gs>
           </a:gsLst>
@@ -10202,38 +8042,50 @@
           <a:gsLst>
             <a:gs pos="0">
               <a:schemeClr val="phClr">
-                <a:tint val="98000"/>
+                <a:satMod val="103000"/>
+                <a:lumMod val="102000"/>
+                <a:tint val="94000"/>
+              </a:schemeClr>
+            </a:gs>
+            <a:gs pos="50000">
+              <a:schemeClr val="phClr">
+                <a:satMod val="110000"/>
                 <a:lumMod val="100000"/>
+                <a:shade val="100000"/>
               </a:schemeClr>
             </a:gs>
             <a:gs pos="100000">
               <a:schemeClr val="phClr">
-                <a:shade val="88000"/>
-                <a:lumMod val="88000"/>
+                <a:lumMod val="99000"/>
+                <a:satMod val="120000"/>
+                <a:shade val="78000"/>
               </a:schemeClr>
             </a:gs>
           </a:gsLst>
-          <a:lin ang="5400000" scaled="1"/>
+          <a:lin ang="5400000" scaled="0"/>
         </a:gradFill>
       </a:fillStyleLst>
       <a:lnStyleLst>
-        <a:ln w="9525" cap="rnd" cmpd="sng" algn="ctr">
+        <a:ln w="6350" cap="flat" cmpd="sng" algn="ctr">
           <a:solidFill>
             <a:schemeClr val="phClr"/>
           </a:solidFill>
           <a:prstDash val="solid"/>
+          <a:miter lim="800000"/>
         </a:ln>
-        <a:ln w="19050" cap="rnd" cmpd="sng" algn="ctr">
+        <a:ln w="12700" cap="flat" cmpd="sng" algn="ctr">
           <a:solidFill>
             <a:schemeClr val="phClr"/>
           </a:solidFill>
           <a:prstDash val="solid"/>
+          <a:miter lim="800000"/>
         </a:ln>
-        <a:ln w="25400" cap="rnd" cmpd="sng" algn="ctr">
+        <a:ln w="19050" cap="flat" cmpd="sng" algn="ctr">
           <a:solidFill>
             <a:schemeClr val="phClr"/>
           </a:solidFill>
           <a:prstDash val="solid"/>
+          <a:miter lim="800000"/>
         </a:ln>
       </a:lnStyleLst>
       <a:effectStyleLst>
@@ -10241,64 +8093,55 @@
           <a:effectLst/>
         </a:effectStyle>
         <a:effectStyle>
+          <a:effectLst/>
+        </a:effectStyle>
+        <a:effectStyle>
           <a:effectLst>
-            <a:outerShdw blurRad="50800" dist="38100" dir="5400000" rotWithShape="0">
+            <a:outerShdw blurRad="57150" dist="19050" dir="5400000" algn="ctr" rotWithShape="0">
               <a:srgbClr val="000000">
-                <a:alpha val="35000"/>
+                <a:alpha val="63000"/>
               </a:srgbClr>
             </a:outerShdw>
           </a:effectLst>
-        </a:effectStyle>
-        <a:effectStyle>
-          <a:effectLst>
-            <a:outerShdw blurRad="63500" dist="38100" dir="5400000" rotWithShape="0">
-              <a:srgbClr val="000000">
-                <a:alpha val="65000"/>
-              </a:srgbClr>
-            </a:outerShdw>
-          </a:effectLst>
-          <a:scene3d>
-            <a:camera prst="orthographicFront">
-              <a:rot lat="0" lon="0" rev="0"/>
-            </a:camera>
-            <a:lightRig rig="threePt" dir="tl">
-              <a:rot lat="0" lon="0" rev="1200000"/>
-            </a:lightRig>
-          </a:scene3d>
-          <a:sp3d>
-            <a:bevelT w="38100" h="12700"/>
-          </a:sp3d>
         </a:effectStyle>
       </a:effectStyleLst>
       <a:bgFillStyleLst>
         <a:solidFill>
           <a:schemeClr val="phClr"/>
         </a:solidFill>
+        <a:solidFill>
+          <a:schemeClr val="phClr">
+            <a:tint val="95000"/>
+            <a:satMod val="170000"/>
+          </a:schemeClr>
+        </a:solidFill>
         <a:gradFill rotWithShape="1">
           <a:gsLst>
             <a:gs pos="0">
               <a:schemeClr val="phClr">
-                <a:tint val="90000"/>
-                <a:shade val="96000"/>
-                <a:hueMod val="100000"/>
-                <a:satMod val="180000"/>
-                <a:lumMod val="110000"/>
+                <a:tint val="93000"/>
+                <a:satMod val="150000"/>
+                <a:shade val="98000"/>
+                <a:lumMod val="102000"/>
+              </a:schemeClr>
+            </a:gs>
+            <a:gs pos="50000">
+              <a:schemeClr val="phClr">
+                <a:tint val="98000"/>
+                <a:satMod val="130000"/>
+                <a:shade val="90000"/>
+                <a:lumMod val="103000"/>
               </a:schemeClr>
             </a:gs>
             <a:gs pos="100000">
               <a:schemeClr val="phClr">
-                <a:shade val="96000"/>
-                <a:satMod val="160000"/>
-                <a:lumMod val="100000"/>
+                <a:shade val="63000"/>
+                <a:satMod val="120000"/>
               </a:schemeClr>
             </a:gs>
           </a:gsLst>
-          <a:lin ang="4740000" scaled="1"/>
+          <a:lin ang="5400000" scaled="0"/>
         </a:gradFill>
-        <a:blipFill>
-          <a:blip xmlns:r="http://schemas.openxmlformats.org/officeDocument/2006/relationships" r:embed="rId1"/>
-          <a:stretch/>
-        </a:blipFill>
       </a:bgFillStyleLst>
     </a:fmtScheme>
   </a:themeElements>
@@ -10306,7 +8149,7 @@
   <a:extraClrSchemeLst/>
   <a:extLst>
     <a:ext uri="{05A4C25C-085E-4340-85A3-A5531E510DB2}">
-      <thm15:themeFamily xmlns:thm15="http://schemas.microsoft.com/office/thememl/2012/main" xmlns="" name="Celestial" id="{C4BB2A3D-0E93-4C5F-B0D2-9D3FCE089CC5}" vid="{E44E6A2F-09CD-4BE0-B42D-107FF03CEED6}"/>
+      <thm15:themeFamily xmlns:thm15="http://schemas.microsoft.com/office/thememl/2012/main" name="Office Theme" id="{62F939B6-93AF-4DB8-9C6B-D6C7DFDC589F}" vid="{4A3C46E8-61CC-4603-A589-7422A47A8E4A}"/>
     </a:ext>
   </a:extLst>
 </a:theme>
@@ -10601,7 +8444,7 @@
   <a:extraClrSchemeLst/>
   <a:extLst>
     <a:ext uri="{05A4C25C-085E-4340-85A3-A5531E510DB2}">
-      <thm15:themeFamily xmlns:thm15="http://schemas.microsoft.com/office/thememl/2012/main" xmlns="" name="Office Theme" id="{62F939B6-93AF-4DB8-9C6B-D6C7DFDC589F}" vid="{4A3C46E8-61CC-4603-A589-7422A47A8E4A}"/>
+      <thm15:themeFamily xmlns:thm15="http://schemas.microsoft.com/office/thememl/2012/main" name="Office Theme" id="{62F939B6-93AF-4DB8-9C6B-D6C7DFDC589F}" vid="{4A3C46E8-61CC-4603-A589-7422A47A8E4A}"/>
     </a:ext>
   </a:extLst>
 </a:theme>
